--- a/Dokumentacija/Prezentacija.pptx
+++ b/Dokumentacija/Prezentacija.pptx
@@ -10,6 +10,10 @@
     <p:sldId id="258" r:id="rId4"/>
     <p:sldId id="259" r:id="rId5"/>
     <p:sldId id="260" r:id="rId6"/>
+    <p:sldId id="264" r:id="rId7"/>
+    <p:sldId id="261" r:id="rId8"/>
+    <p:sldId id="262" r:id="rId9"/>
+    <p:sldId id="263" r:id="rId10"/>
   </p:sldIdLst>
   <p:sldSz cx="9144000" cy="6858000" type="screen4x3"/>
   <p:notesSz cx="6858000" cy="9144000"/>
@@ -304,7 +308,7 @@
             <a:fld id="{1D8BD707-D9CF-40AE-B4C6-C98DA3205C09}" type="datetimeFigureOut">
               <a:rPr lang="en-US" smtClean="0"/>
               <a:pPr/>
-              <a:t>1/6/2015</a:t>
+              <a:t>1/7/2015</a:t>
             </a:fld>
             <a:endParaRPr lang="en-US"/>
           </a:p>
@@ -471,7 +475,7 @@
             <a:fld id="{1D8BD707-D9CF-40AE-B4C6-C98DA3205C09}" type="datetimeFigureOut">
               <a:rPr lang="en-US" smtClean="0"/>
               <a:pPr/>
-              <a:t>1/6/2015</a:t>
+              <a:t>1/7/2015</a:t>
             </a:fld>
             <a:endParaRPr lang="en-US"/>
           </a:p>
@@ -648,7 +652,7 @@
             <a:fld id="{1D8BD707-D9CF-40AE-B4C6-C98DA3205C09}" type="datetimeFigureOut">
               <a:rPr lang="en-US" smtClean="0"/>
               <a:pPr/>
-              <a:t>1/6/2015</a:t>
+              <a:t>1/7/2015</a:t>
             </a:fld>
             <a:endParaRPr lang="en-US"/>
           </a:p>
@@ -833,7 +837,7 @@
             <a:fld id="{1D8BD707-D9CF-40AE-B4C6-C98DA3205C09}" type="datetimeFigureOut">
               <a:rPr lang="en-US" smtClean="0"/>
               <a:pPr/>
-              <a:t>1/6/2015</a:t>
+              <a:t>1/7/2015</a:t>
             </a:fld>
             <a:endParaRPr lang="en-US"/>
           </a:p>
@@ -1097,7 +1101,7 @@
             <a:fld id="{1D8BD707-D9CF-40AE-B4C6-C98DA3205C09}" type="datetimeFigureOut">
               <a:rPr lang="en-US" smtClean="0"/>
               <a:pPr/>
-              <a:t>1/6/2015</a:t>
+              <a:t>1/7/2015</a:t>
             </a:fld>
             <a:endParaRPr lang="en-US"/>
           </a:p>
@@ -1447,7 +1451,7 @@
             <a:fld id="{1D8BD707-D9CF-40AE-B4C6-C98DA3205C09}" type="datetimeFigureOut">
               <a:rPr lang="en-US" smtClean="0"/>
               <a:pPr/>
-              <a:t>1/6/2015</a:t>
+              <a:t>1/7/2015</a:t>
             </a:fld>
             <a:endParaRPr lang="en-US"/>
           </a:p>
@@ -1757,7 +1761,7 @@
             <a:fld id="{1D8BD707-D9CF-40AE-B4C6-C98DA3205C09}" type="datetimeFigureOut">
               <a:rPr lang="en-US" smtClean="0"/>
               <a:pPr/>
-              <a:t>1/6/2015</a:t>
+              <a:t>1/7/2015</a:t>
             </a:fld>
             <a:endParaRPr lang="en-US"/>
           </a:p>
@@ -1986,7 +1990,7 @@
             <a:fld id="{1D8BD707-D9CF-40AE-B4C6-C98DA3205C09}" type="datetimeFigureOut">
               <a:rPr lang="en-US" smtClean="0"/>
               <a:pPr/>
-              <a:t>1/6/2015</a:t>
+              <a:t>1/7/2015</a:t>
             </a:fld>
             <a:endParaRPr lang="en-US"/>
           </a:p>
@@ -2078,7 +2082,7 @@
             <a:fld id="{1D8BD707-D9CF-40AE-B4C6-C98DA3205C09}" type="datetimeFigureOut">
               <a:rPr lang="en-US" smtClean="0"/>
               <a:pPr/>
-              <a:t>1/6/2015</a:t>
+              <a:t>1/7/2015</a:t>
             </a:fld>
             <a:endParaRPr lang="en-US"/>
           </a:p>
@@ -2368,7 +2372,7 @@
             <a:fld id="{1D8BD707-D9CF-40AE-B4C6-C98DA3205C09}" type="datetimeFigureOut">
               <a:rPr lang="en-US" smtClean="0"/>
               <a:pPr/>
-              <a:t>1/6/2015</a:t>
+              <a:t>1/7/2015</a:t>
             </a:fld>
             <a:endParaRPr lang="en-US"/>
           </a:p>
@@ -2639,7 +2643,7 @@
             <a:fld id="{1D8BD707-D9CF-40AE-B4C6-C98DA3205C09}" type="datetimeFigureOut">
               <a:rPr lang="en-US" smtClean="0"/>
               <a:pPr/>
-              <a:t>1/6/2015</a:t>
+              <a:t>1/7/2015</a:t>
             </a:fld>
             <a:endParaRPr lang="en-US"/>
           </a:p>
@@ -2851,7 +2855,7 @@
             <a:fld id="{1D8BD707-D9CF-40AE-B4C6-C98DA3205C09}" type="datetimeFigureOut">
               <a:rPr lang="en-US" smtClean="0"/>
               <a:pPr/>
-              <a:t>1/6/2015</a:t>
+              <a:t>1/7/2015</a:t>
             </a:fld>
             <a:endParaRPr lang="en-US"/>
           </a:p>
@@ -3939,6 +3943,586 @@
 </p:sld>
 </file>
 
+<file path=ppt/slides/slide6.xml><?xml version="1.0" encoding="utf-8"?>
+<p:sld xmlns:a="http://schemas.openxmlformats.org/drawingml/2006/main" xmlns:r="http://schemas.openxmlformats.org/officeDocument/2006/relationships" xmlns:p="http://schemas.openxmlformats.org/presentationml/2006/main">
+  <p:cSld>
+    <p:spTree>
+      <p:nvGrpSpPr>
+        <p:cNvPr id="1" name=""/>
+        <p:cNvGrpSpPr/>
+        <p:nvPr/>
+      </p:nvGrpSpPr>
+      <p:grpSpPr>
+        <a:xfrm>
+          <a:off x="0" y="0"/>
+          <a:ext cx="0" cy="0"/>
+          <a:chOff x="0" y="0"/>
+          <a:chExt cx="0" cy="0"/>
+        </a:xfrm>
+      </p:grpSpPr>
+      <p:sp>
+        <p:nvSpPr>
+          <p:cNvPr id="4" name="Title 3"/>
+          <p:cNvSpPr>
+            <a:spLocks noGrp="1"/>
+          </p:cNvSpPr>
+          <p:nvPr>
+            <p:ph type="title"/>
+          </p:nvPr>
+        </p:nvSpPr>
+        <p:spPr/>
+        <p:txBody>
+          <a:bodyPr/>
+          <a:lstStyle/>
+          <a:p>
+            <a:r>
+              <a:rPr lang="en-US" dirty="0" smtClean="0"/>
+              <a:t>3D </a:t>
+            </a:r>
+            <a:r>
+              <a:rPr lang="en-US" dirty="0" err="1" smtClean="0"/>
+              <a:t>Grafika</a:t>
+            </a:r>
+            <a:endParaRPr lang="hr-HR" dirty="0"/>
+          </a:p>
+        </p:txBody>
+      </p:sp>
+      <p:sp>
+        <p:nvSpPr>
+          <p:cNvPr id="5" name="Text Placeholder 4"/>
+          <p:cNvSpPr>
+            <a:spLocks noGrp="1"/>
+          </p:cNvSpPr>
+          <p:nvPr>
+            <p:ph type="body" idx="1"/>
+          </p:nvPr>
+        </p:nvSpPr>
+        <p:spPr/>
+        <p:txBody>
+          <a:bodyPr/>
+          <a:lstStyle/>
+          <a:p>
+            <a:endParaRPr lang="hr-HR" dirty="0"/>
+          </a:p>
+        </p:txBody>
+      </p:sp>
+    </p:spTree>
+    <p:extLst>
+      <p:ext uri="{BB962C8B-B14F-4D97-AF65-F5344CB8AC3E}">
+        <p14:creationId xmlns:p14="http://schemas.microsoft.com/office/powerpoint/2010/main" val="446549202"/>
+      </p:ext>
+    </p:extLst>
+  </p:cSld>
+  <p:clrMapOvr>
+    <a:masterClrMapping/>
+  </p:clrMapOvr>
+  <p:timing>
+    <p:tnLst>
+      <p:par>
+        <p:cTn id="1" dur="indefinite" restart="never" nodeType="tmRoot"/>
+      </p:par>
+    </p:tnLst>
+  </p:timing>
+</p:sld>
+</file>
+
+<file path=ppt/slides/slide7.xml><?xml version="1.0" encoding="utf-8"?>
+<p:sld xmlns:a="http://schemas.openxmlformats.org/drawingml/2006/main" xmlns:r="http://schemas.openxmlformats.org/officeDocument/2006/relationships" xmlns:p="http://schemas.openxmlformats.org/presentationml/2006/main">
+  <p:cSld>
+    <p:spTree>
+      <p:nvGrpSpPr>
+        <p:cNvPr id="1" name=""/>
+        <p:cNvGrpSpPr/>
+        <p:nvPr/>
+      </p:nvGrpSpPr>
+      <p:grpSpPr>
+        <a:xfrm>
+          <a:off x="0" y="0"/>
+          <a:ext cx="0" cy="0"/>
+          <a:chOff x="0" y="0"/>
+          <a:chExt cx="0" cy="0"/>
+        </a:xfrm>
+      </p:grpSpPr>
+      <p:sp>
+        <p:nvSpPr>
+          <p:cNvPr id="2" name="Title 1"/>
+          <p:cNvSpPr>
+            <a:spLocks noGrp="1"/>
+          </p:cNvSpPr>
+          <p:nvPr>
+            <p:ph type="title"/>
+          </p:nvPr>
+        </p:nvSpPr>
+        <p:spPr/>
+        <p:txBody>
+          <a:bodyPr/>
+          <a:lstStyle/>
+          <a:p>
+            <a:pPr algn="l"/>
+            <a:r>
+              <a:rPr lang="en-US" dirty="0" err="1" smtClean="0"/>
+              <a:t>Iscratavanje</a:t>
+            </a:r>
+            <a:r>
+              <a:rPr lang="en-US" dirty="0" smtClean="0"/>
+              <a:t> </a:t>
+            </a:r>
+            <a:r>
+              <a:rPr lang="en-US" dirty="0" err="1" smtClean="0"/>
+              <a:t>modela</a:t>
+            </a:r>
+            <a:endParaRPr lang="hr-HR" dirty="0"/>
+          </a:p>
+        </p:txBody>
+      </p:sp>
+      <p:pic>
+        <p:nvPicPr>
+          <p:cNvPr id="5" name="Content Placeholder 4"/>
+          <p:cNvPicPr>
+            <a:picLocks noGrp="1" noChangeAspect="1"/>
+          </p:cNvPicPr>
+          <p:nvPr>
+            <p:ph sz="half" idx="2"/>
+          </p:nvPr>
+        </p:nvPicPr>
+        <p:blipFill>
+          <a:blip r:embed="rId2">
+            <a:extLst>
+              <a:ext uri="{28A0092B-C50C-407E-A947-70E740481C1C}">
+                <a14:useLocalDpi xmlns:a14="http://schemas.microsoft.com/office/drawing/2010/main" val="0"/>
+              </a:ext>
+            </a:extLst>
+          </a:blip>
+          <a:stretch>
+            <a:fillRect/>
+          </a:stretch>
+        </p:blipFill>
+        <p:spPr>
+          <a:xfrm>
+            <a:off x="4786994" y="1600200"/>
+            <a:ext cx="3761011" cy="4525963"/>
+          </a:xfrm>
+        </p:spPr>
+      </p:pic>
+      <p:sp>
+        <p:nvSpPr>
+          <p:cNvPr id="4" name="Content Placeholder 3"/>
+          <p:cNvSpPr>
+            <a:spLocks noGrp="1"/>
+          </p:cNvSpPr>
+          <p:nvPr>
+            <p:ph sz="quarter" idx="13"/>
+          </p:nvPr>
+        </p:nvSpPr>
+        <p:spPr/>
+        <p:txBody>
+          <a:bodyPr/>
+          <a:lstStyle/>
+          <a:p>
+            <a:r>
+              <a:rPr lang="en-US" dirty="0" err="1" smtClean="0"/>
+              <a:t>Indeksirano</a:t>
+            </a:r>
+            <a:r>
+              <a:rPr lang="en-US" dirty="0" smtClean="0"/>
+              <a:t> </a:t>
+            </a:r>
+            <a:r>
+              <a:rPr lang="en-US" dirty="0" err="1" smtClean="0"/>
+              <a:t>iscratavanje</a:t>
+            </a:r>
+            <a:r>
+              <a:rPr lang="en-US" dirty="0" smtClean="0"/>
+              <a:t> </a:t>
+            </a:r>
+            <a:r>
+              <a:rPr lang="en-US" dirty="0" err="1" smtClean="0"/>
+              <a:t>za</a:t>
+            </a:r>
+            <a:r>
+              <a:rPr lang="en-US" dirty="0" smtClean="0"/>
+              <a:t> </a:t>
+            </a:r>
+            <a:r>
+              <a:rPr lang="hr-HR" dirty="0" smtClean="0"/>
+              <a:t>auto </a:t>
+            </a:r>
+            <a:r>
+              <a:rPr lang="en-US" dirty="0" err="1" smtClean="0"/>
+              <a:t>i</a:t>
+            </a:r>
+            <a:r>
+              <a:rPr lang="en-US" dirty="0" smtClean="0"/>
+              <a:t> </a:t>
+            </a:r>
+            <a:r>
+              <a:rPr lang="en-US" dirty="0" err="1" smtClean="0"/>
+              <a:t>teren</a:t>
+            </a:r>
+            <a:endParaRPr lang="en-US" dirty="0" smtClean="0"/>
+          </a:p>
+          <a:p>
+            <a:r>
+              <a:rPr lang="en-US" dirty="0" err="1" smtClean="0"/>
+              <a:t>Instanciranje</a:t>
+            </a:r>
+            <a:r>
+              <a:rPr lang="en-US" dirty="0" smtClean="0"/>
+              <a:t> </a:t>
+            </a:r>
+            <a:r>
+              <a:rPr lang="en-US" dirty="0" err="1" smtClean="0"/>
+              <a:t>za</a:t>
+            </a:r>
+            <a:r>
+              <a:rPr lang="en-US" dirty="0" smtClean="0"/>
+              <a:t> </a:t>
+            </a:r>
+            <a:r>
+              <a:rPr lang="en-US" dirty="0" err="1" smtClean="0"/>
+              <a:t>ceste</a:t>
+            </a:r>
+            <a:endParaRPr lang="en-US" dirty="0" smtClean="0"/>
+          </a:p>
+          <a:p>
+            <a:r>
+              <a:rPr lang="en-US" dirty="0" err="1" smtClean="0"/>
+              <a:t>Teksturiranje</a:t>
+            </a:r>
+            <a:endParaRPr lang="en-US" dirty="0" smtClean="0"/>
+          </a:p>
+          <a:p>
+            <a:r>
+              <a:rPr lang="hr-HR" dirty="0" smtClean="0"/>
+              <a:t>Phong</a:t>
+            </a:r>
+            <a:r>
+              <a:rPr lang="en-US" dirty="0" smtClean="0"/>
+              <a:t> </a:t>
+            </a:r>
+            <a:r>
+              <a:rPr lang="en-US" dirty="0" err="1" smtClean="0"/>
+              <a:t>sjen</a:t>
+            </a:r>
+            <a:r>
+              <a:rPr lang="hr-HR" dirty="0" smtClean="0"/>
+              <a:t>čanje</a:t>
+            </a:r>
+          </a:p>
+          <a:p>
+            <a:r>
+              <a:rPr lang="hr-HR" dirty="0" smtClean="0"/>
+              <a:t>Kutija neba</a:t>
+            </a:r>
+            <a:endParaRPr lang="hr-HR" dirty="0"/>
+          </a:p>
+        </p:txBody>
+      </p:sp>
+    </p:spTree>
+    <p:extLst>
+      <p:ext uri="{BB962C8B-B14F-4D97-AF65-F5344CB8AC3E}">
+        <p14:creationId xmlns:p14="http://schemas.microsoft.com/office/powerpoint/2010/main" val="302290994"/>
+      </p:ext>
+    </p:extLst>
+  </p:cSld>
+  <p:clrMapOvr>
+    <a:masterClrMapping/>
+  </p:clrMapOvr>
+  <p:timing>
+    <p:tnLst>
+      <p:par>
+        <p:cTn id="1" dur="indefinite" restart="never" nodeType="tmRoot"/>
+      </p:par>
+    </p:tnLst>
+  </p:timing>
+</p:sld>
+</file>
+
+<file path=ppt/slides/slide8.xml><?xml version="1.0" encoding="utf-8"?>
+<p:sld xmlns:a="http://schemas.openxmlformats.org/drawingml/2006/main" xmlns:r="http://schemas.openxmlformats.org/officeDocument/2006/relationships" xmlns:p="http://schemas.openxmlformats.org/presentationml/2006/main">
+  <p:cSld>
+    <p:spTree>
+      <p:nvGrpSpPr>
+        <p:cNvPr id="1" name=""/>
+        <p:cNvGrpSpPr/>
+        <p:nvPr/>
+      </p:nvGrpSpPr>
+      <p:grpSpPr>
+        <a:xfrm>
+          <a:off x="0" y="0"/>
+          <a:ext cx="0" cy="0"/>
+          <a:chOff x="0" y="0"/>
+          <a:chExt cx="0" cy="0"/>
+        </a:xfrm>
+      </p:grpSpPr>
+      <p:sp>
+        <p:nvSpPr>
+          <p:cNvPr id="2" name="Title 1"/>
+          <p:cNvSpPr>
+            <a:spLocks noGrp="1"/>
+          </p:cNvSpPr>
+          <p:nvPr>
+            <p:ph type="title"/>
+          </p:nvPr>
+        </p:nvSpPr>
+        <p:spPr/>
+        <p:txBody>
+          <a:bodyPr/>
+          <a:lstStyle/>
+          <a:p>
+            <a:pPr algn="l"/>
+            <a:r>
+              <a:rPr lang="hr-HR" dirty="0" smtClean="0"/>
+              <a:t>Kamera i Antialiasing</a:t>
+            </a:r>
+            <a:endParaRPr lang="hr-HR" dirty="0"/>
+          </a:p>
+        </p:txBody>
+      </p:sp>
+      <p:pic>
+        <p:nvPicPr>
+          <p:cNvPr id="5" name="Content Placeholder 4"/>
+          <p:cNvPicPr>
+            <a:picLocks noGrp="1" noChangeAspect="1"/>
+          </p:cNvPicPr>
+          <p:nvPr>
+            <p:ph sz="half" idx="2"/>
+          </p:nvPr>
+        </p:nvPicPr>
+        <p:blipFill>
+          <a:blip r:embed="rId2">
+            <a:extLst>
+              <a:ext uri="{28A0092B-C50C-407E-A947-70E740481C1C}">
+                <a14:useLocalDpi xmlns:a14="http://schemas.microsoft.com/office/drawing/2010/main" val="0"/>
+              </a:ext>
+            </a:extLst>
+          </a:blip>
+          <a:stretch>
+            <a:fillRect/>
+          </a:stretch>
+        </p:blipFill>
+        <p:spPr>
+          <a:xfrm>
+            <a:off x="4495800" y="1600200"/>
+            <a:ext cx="3961404" cy="5008976"/>
+          </a:xfrm>
+        </p:spPr>
+      </p:pic>
+      <p:sp>
+        <p:nvSpPr>
+          <p:cNvPr id="4" name="Content Placeholder 3"/>
+          <p:cNvSpPr>
+            <a:spLocks noGrp="1"/>
+          </p:cNvSpPr>
+          <p:nvPr>
+            <p:ph sz="quarter" idx="13"/>
+          </p:nvPr>
+        </p:nvSpPr>
+        <p:spPr/>
+        <p:txBody>
+          <a:bodyPr/>
+          <a:lstStyle/>
+          <a:p>
+            <a:r>
+              <a:rPr lang="hr-HR" dirty="0" smtClean="0"/>
+              <a:t>Kamera vezana za auto i slobodna kamera</a:t>
+            </a:r>
+          </a:p>
+          <a:p>
+            <a:r>
+              <a:rPr lang="hr-HR" dirty="0" smtClean="0"/>
+              <a:t>FXAA</a:t>
+            </a:r>
+          </a:p>
+          <a:p>
+            <a:r>
+              <a:rPr lang="hr-HR" dirty="0" smtClean="0"/>
+              <a:t>SSAA</a:t>
+            </a:r>
+            <a:endParaRPr lang="hr-HR" dirty="0"/>
+          </a:p>
+        </p:txBody>
+      </p:sp>
+    </p:spTree>
+    <p:extLst>
+      <p:ext uri="{BB962C8B-B14F-4D97-AF65-F5344CB8AC3E}">
+        <p14:creationId xmlns:p14="http://schemas.microsoft.com/office/powerpoint/2010/main" val="3789724126"/>
+      </p:ext>
+    </p:extLst>
+  </p:cSld>
+  <p:clrMapOvr>
+    <a:masterClrMapping/>
+  </p:clrMapOvr>
+  <p:timing>
+    <p:tnLst>
+      <p:par>
+        <p:cTn id="1" dur="indefinite" restart="never" nodeType="tmRoot"/>
+      </p:par>
+    </p:tnLst>
+  </p:timing>
+</p:sld>
+</file>
+
+<file path=ppt/slides/slide9.xml><?xml version="1.0" encoding="utf-8"?>
+<p:sld xmlns:a="http://schemas.openxmlformats.org/drawingml/2006/main" xmlns:r="http://schemas.openxmlformats.org/officeDocument/2006/relationships" xmlns:p="http://schemas.openxmlformats.org/presentationml/2006/main">
+  <p:cSld>
+    <p:spTree>
+      <p:nvGrpSpPr>
+        <p:cNvPr id="1" name=""/>
+        <p:cNvGrpSpPr/>
+        <p:nvPr/>
+      </p:nvGrpSpPr>
+      <p:grpSpPr>
+        <a:xfrm>
+          <a:off x="0" y="0"/>
+          <a:ext cx="0" cy="0"/>
+          <a:chOff x="0" y="0"/>
+          <a:chExt cx="0" cy="0"/>
+        </a:xfrm>
+      </p:grpSpPr>
+      <p:sp>
+        <p:nvSpPr>
+          <p:cNvPr id="2" name="Title 1"/>
+          <p:cNvSpPr>
+            <a:spLocks noGrp="1"/>
+          </p:cNvSpPr>
+          <p:nvPr>
+            <p:ph type="title"/>
+          </p:nvPr>
+        </p:nvSpPr>
+        <p:spPr/>
+        <p:txBody>
+          <a:bodyPr/>
+          <a:lstStyle/>
+          <a:p>
+            <a:pPr algn="l"/>
+            <a:r>
+              <a:rPr lang="hr-HR" dirty="0" smtClean="0"/>
+              <a:t>Učitavanje staze</a:t>
+            </a:r>
+            <a:endParaRPr lang="hr-HR" dirty="0"/>
+          </a:p>
+        </p:txBody>
+      </p:sp>
+      <p:pic>
+        <p:nvPicPr>
+          <p:cNvPr id="6" name="Content Placeholder 5"/>
+          <p:cNvPicPr>
+            <a:picLocks noGrp="1" noChangeAspect="1"/>
+          </p:cNvPicPr>
+          <p:nvPr>
+            <p:ph sz="half" idx="2"/>
+          </p:nvPr>
+        </p:nvPicPr>
+        <p:blipFill>
+          <a:blip r:embed="rId2">
+            <a:extLst>
+              <a:ext uri="{28A0092B-C50C-407E-A947-70E740481C1C}">
+                <a14:useLocalDpi xmlns:a14="http://schemas.microsoft.com/office/drawing/2010/main" val="0"/>
+              </a:ext>
+            </a:extLst>
+          </a:blip>
+          <a:stretch>
+            <a:fillRect/>
+          </a:stretch>
+        </p:blipFill>
+        <p:spPr>
+          <a:xfrm>
+            <a:off x="4648200" y="1676400"/>
+            <a:ext cx="4038600" cy="2358479"/>
+          </a:xfrm>
+        </p:spPr>
+      </p:pic>
+      <p:sp>
+        <p:nvSpPr>
+          <p:cNvPr id="4" name="Content Placeholder 3"/>
+          <p:cNvSpPr>
+            <a:spLocks noGrp="1"/>
+          </p:cNvSpPr>
+          <p:nvPr>
+            <p:ph sz="quarter" idx="13"/>
+          </p:nvPr>
+        </p:nvSpPr>
+        <p:spPr/>
+        <p:txBody>
+          <a:bodyPr/>
+          <a:lstStyle/>
+          <a:p>
+            <a:r>
+              <a:rPr lang="hr-HR" dirty="0" smtClean="0"/>
+              <a:t>Ručno „crtanje” staze u tekstualnom formatu</a:t>
+            </a:r>
+          </a:p>
+          <a:p>
+            <a:r>
+              <a:rPr lang="hr-HR" dirty="0" smtClean="0"/>
+              <a:t>Pokretač iz tekstualne datoteke konstruira odgovarajuću stazu</a:t>
+            </a:r>
+            <a:endParaRPr lang="hr-HR" dirty="0"/>
+          </a:p>
+        </p:txBody>
+      </p:sp>
+      <p:pic>
+        <p:nvPicPr>
+          <p:cNvPr id="1027" name="Picture 3" descr="C:\Users\Jure\Desktop\Projekt\Dokumentacija\rtdesc.png"/>
+          <p:cNvPicPr>
+            <a:picLocks noChangeAspect="1" noChangeArrowheads="1"/>
+          </p:cNvPicPr>
+          <p:nvPr/>
+        </p:nvPicPr>
+        <p:blipFill>
+          <a:blip r:embed="rId3">
+            <a:extLst>
+              <a:ext uri="{28A0092B-C50C-407E-A947-70E740481C1C}">
+                <a14:useLocalDpi xmlns:a14="http://schemas.microsoft.com/office/drawing/2010/main" val="0"/>
+              </a:ext>
+            </a:extLst>
+          </a:blip>
+          <a:srcRect/>
+          <a:stretch>
+            <a:fillRect/>
+          </a:stretch>
+        </p:blipFill>
+        <p:spPr bwMode="auto">
+          <a:xfrm>
+            <a:off x="5823959" y="4267200"/>
+            <a:ext cx="1706562" cy="1833496"/>
+          </a:xfrm>
+          <a:prstGeom prst="rect">
+            <a:avLst/>
+          </a:prstGeom>
+          <a:noFill/>
+          <a:extLst>
+            <a:ext uri="{909E8E84-426E-40DD-AFC4-6F175D3DCCD1}">
+              <a14:hiddenFill xmlns:a14="http://schemas.microsoft.com/office/drawing/2010/main">
+                <a:solidFill>
+                  <a:srgbClr val="FFFFFF"/>
+                </a:solidFill>
+              </a14:hiddenFill>
+            </a:ext>
+          </a:extLst>
+        </p:spPr>
+      </p:pic>
+    </p:spTree>
+    <p:extLst>
+      <p:ext uri="{BB962C8B-B14F-4D97-AF65-F5344CB8AC3E}">
+        <p14:creationId xmlns:p14="http://schemas.microsoft.com/office/powerpoint/2010/main" val="2579156801"/>
+      </p:ext>
+    </p:extLst>
+  </p:cSld>
+  <p:clrMapOvr>
+    <a:masterClrMapping/>
+  </p:clrMapOvr>
+  <p:timing>
+    <p:tnLst>
+      <p:par>
+        <p:cTn id="1" dur="indefinite" restart="never" nodeType="tmRoot"/>
+      </p:par>
+    </p:tnLst>
+  </p:timing>
+</p:sld>
+</file>
+
 <file path=ppt/theme/theme1.xml><?xml version="1.0" encoding="utf-8"?>
 <a:theme xmlns:a="http://schemas.openxmlformats.org/drawingml/2006/main" name="Executive">
   <a:themeElements>

--- a/Dokumentacija/Prezentacija.pptx
+++ b/Dokumentacija/Prezentacija.pptx
@@ -14,6 +14,10 @@
     <p:sldId id="261" r:id="rId8"/>
     <p:sldId id="262" r:id="rId9"/>
     <p:sldId id="263" r:id="rId10"/>
+    <p:sldId id="265" r:id="rId11"/>
+    <p:sldId id="266" r:id="rId12"/>
+    <p:sldId id="267" r:id="rId13"/>
+    <p:sldId id="268" r:id="rId14"/>
   </p:sldIdLst>
   <p:sldSz cx="9144000" cy="6858000" type="screen4x3"/>
   <p:notesSz cx="6858000" cy="9144000"/>
@@ -308,7 +312,7 @@
             <a:fld id="{1D8BD707-D9CF-40AE-B4C6-C98DA3205C09}" type="datetimeFigureOut">
               <a:rPr lang="en-US" smtClean="0"/>
               <a:pPr/>
-              <a:t>1/7/2015</a:t>
+              <a:t>1/8/2015</a:t>
             </a:fld>
             <a:endParaRPr lang="en-US"/>
           </a:p>
@@ -475,7 +479,7 @@
             <a:fld id="{1D8BD707-D9CF-40AE-B4C6-C98DA3205C09}" type="datetimeFigureOut">
               <a:rPr lang="en-US" smtClean="0"/>
               <a:pPr/>
-              <a:t>1/7/2015</a:t>
+              <a:t>1/8/2015</a:t>
             </a:fld>
             <a:endParaRPr lang="en-US"/>
           </a:p>
@@ -652,7 +656,7 @@
             <a:fld id="{1D8BD707-D9CF-40AE-B4C6-C98DA3205C09}" type="datetimeFigureOut">
               <a:rPr lang="en-US" smtClean="0"/>
               <a:pPr/>
-              <a:t>1/7/2015</a:t>
+              <a:t>1/8/2015</a:t>
             </a:fld>
             <a:endParaRPr lang="en-US"/>
           </a:p>
@@ -837,7 +841,7 @@
             <a:fld id="{1D8BD707-D9CF-40AE-B4C6-C98DA3205C09}" type="datetimeFigureOut">
               <a:rPr lang="en-US" smtClean="0"/>
               <a:pPr/>
-              <a:t>1/7/2015</a:t>
+              <a:t>1/8/2015</a:t>
             </a:fld>
             <a:endParaRPr lang="en-US"/>
           </a:p>
@@ -1101,7 +1105,7 @@
             <a:fld id="{1D8BD707-D9CF-40AE-B4C6-C98DA3205C09}" type="datetimeFigureOut">
               <a:rPr lang="en-US" smtClean="0"/>
               <a:pPr/>
-              <a:t>1/7/2015</a:t>
+              <a:t>1/8/2015</a:t>
             </a:fld>
             <a:endParaRPr lang="en-US"/>
           </a:p>
@@ -1451,7 +1455,7 @@
             <a:fld id="{1D8BD707-D9CF-40AE-B4C6-C98DA3205C09}" type="datetimeFigureOut">
               <a:rPr lang="en-US" smtClean="0"/>
               <a:pPr/>
-              <a:t>1/7/2015</a:t>
+              <a:t>1/8/2015</a:t>
             </a:fld>
             <a:endParaRPr lang="en-US"/>
           </a:p>
@@ -1761,7 +1765,7 @@
             <a:fld id="{1D8BD707-D9CF-40AE-B4C6-C98DA3205C09}" type="datetimeFigureOut">
               <a:rPr lang="en-US" smtClean="0"/>
               <a:pPr/>
-              <a:t>1/7/2015</a:t>
+              <a:t>1/8/2015</a:t>
             </a:fld>
             <a:endParaRPr lang="en-US"/>
           </a:p>
@@ -1990,7 +1994,7 @@
             <a:fld id="{1D8BD707-D9CF-40AE-B4C6-C98DA3205C09}" type="datetimeFigureOut">
               <a:rPr lang="en-US" smtClean="0"/>
               <a:pPr/>
-              <a:t>1/7/2015</a:t>
+              <a:t>1/8/2015</a:t>
             </a:fld>
             <a:endParaRPr lang="en-US"/>
           </a:p>
@@ -2082,7 +2086,7 @@
             <a:fld id="{1D8BD707-D9CF-40AE-B4C6-C98DA3205C09}" type="datetimeFigureOut">
               <a:rPr lang="en-US" smtClean="0"/>
               <a:pPr/>
-              <a:t>1/7/2015</a:t>
+              <a:t>1/8/2015</a:t>
             </a:fld>
             <a:endParaRPr lang="en-US"/>
           </a:p>
@@ -2372,7 +2376,7 @@
             <a:fld id="{1D8BD707-D9CF-40AE-B4C6-C98DA3205C09}" type="datetimeFigureOut">
               <a:rPr lang="en-US" smtClean="0"/>
               <a:pPr/>
-              <a:t>1/7/2015</a:t>
+              <a:t>1/8/2015</a:t>
             </a:fld>
             <a:endParaRPr lang="en-US"/>
           </a:p>
@@ -2643,7 +2647,7 @@
             <a:fld id="{1D8BD707-D9CF-40AE-B4C6-C98DA3205C09}" type="datetimeFigureOut">
               <a:rPr lang="en-US" smtClean="0"/>
               <a:pPr/>
-              <a:t>1/7/2015</a:t>
+              <a:t>1/8/2015</a:t>
             </a:fld>
             <a:endParaRPr lang="en-US"/>
           </a:p>
@@ -2855,7 +2859,7 @@
             <a:fld id="{1D8BD707-D9CF-40AE-B4C6-C98DA3205C09}" type="datetimeFigureOut">
               <a:rPr lang="en-US" smtClean="0"/>
               <a:pPr/>
-              <a:t>1/7/2015</a:t>
+              <a:t>1/8/2015</a:t>
             </a:fld>
             <a:endParaRPr lang="en-US"/>
           </a:p>
@@ -3431,6 +3435,513 @@
     <p:extLst>
       <p:ext uri="{BB962C8B-B14F-4D97-AF65-F5344CB8AC3E}">
         <p14:creationId xmlns:p14="http://schemas.microsoft.com/office/powerpoint/2010/main" val="1198688332"/>
+      </p:ext>
+    </p:extLst>
+  </p:cSld>
+  <p:clrMapOvr>
+    <a:masterClrMapping/>
+  </p:clrMapOvr>
+  <p:timing>
+    <p:tnLst>
+      <p:par>
+        <p:cTn id="1" dur="indefinite" restart="never" nodeType="tmRoot"/>
+      </p:par>
+    </p:tnLst>
+  </p:timing>
+</p:sld>
+</file>
+
+<file path=ppt/slides/slide10.xml><?xml version="1.0" encoding="utf-8"?>
+<p:sld xmlns:a="http://schemas.openxmlformats.org/drawingml/2006/main" xmlns:r="http://schemas.openxmlformats.org/officeDocument/2006/relationships" xmlns:p="http://schemas.openxmlformats.org/presentationml/2006/main">
+  <p:cSld>
+    <p:spTree>
+      <p:nvGrpSpPr>
+        <p:cNvPr id="1" name=""/>
+        <p:cNvGrpSpPr/>
+        <p:nvPr/>
+      </p:nvGrpSpPr>
+      <p:grpSpPr>
+        <a:xfrm>
+          <a:off x="0" y="0"/>
+          <a:ext cx="0" cy="0"/>
+          <a:chOff x="0" y="0"/>
+          <a:chExt cx="0" cy="0"/>
+        </a:xfrm>
+      </p:grpSpPr>
+      <p:sp>
+        <p:nvSpPr>
+          <p:cNvPr id="4" name="Title 3"/>
+          <p:cNvSpPr>
+            <a:spLocks noGrp="1"/>
+          </p:cNvSpPr>
+          <p:nvPr>
+            <p:ph type="title"/>
+          </p:nvPr>
+        </p:nvSpPr>
+        <p:spPr/>
+        <p:txBody>
+          <a:bodyPr/>
+          <a:lstStyle/>
+          <a:p>
+            <a:r>
+              <a:rPr lang="hr-HR" dirty="0" smtClean="0"/>
+              <a:t>Zvučna simulacija</a:t>
+            </a:r>
+            <a:endParaRPr lang="hr-HR" dirty="0"/>
+          </a:p>
+        </p:txBody>
+      </p:sp>
+      <p:sp>
+        <p:nvSpPr>
+          <p:cNvPr id="5" name="Text Placeholder 4"/>
+          <p:cNvSpPr>
+            <a:spLocks noGrp="1"/>
+          </p:cNvSpPr>
+          <p:nvPr>
+            <p:ph type="body" idx="1"/>
+          </p:nvPr>
+        </p:nvSpPr>
+        <p:spPr/>
+        <p:txBody>
+          <a:bodyPr/>
+          <a:lstStyle/>
+          <a:p>
+            <a:endParaRPr lang="hr-HR" dirty="0"/>
+          </a:p>
+        </p:txBody>
+      </p:sp>
+    </p:spTree>
+    <p:extLst>
+      <p:ext uri="{BB962C8B-B14F-4D97-AF65-F5344CB8AC3E}">
+        <p14:creationId xmlns:p14="http://schemas.microsoft.com/office/powerpoint/2010/main" val="2267565220"/>
+      </p:ext>
+    </p:extLst>
+  </p:cSld>
+  <p:clrMapOvr>
+    <a:masterClrMapping/>
+  </p:clrMapOvr>
+  <p:timing>
+    <p:tnLst>
+      <p:par>
+        <p:cTn id="1" dur="indefinite" restart="never" nodeType="tmRoot"/>
+      </p:par>
+    </p:tnLst>
+  </p:timing>
+</p:sld>
+</file>
+
+<file path=ppt/slides/slide11.xml><?xml version="1.0" encoding="utf-8"?>
+<p:sld xmlns:a="http://schemas.openxmlformats.org/drawingml/2006/main" xmlns:r="http://schemas.openxmlformats.org/officeDocument/2006/relationships" xmlns:p="http://schemas.openxmlformats.org/presentationml/2006/main">
+  <p:cSld>
+    <p:spTree>
+      <p:nvGrpSpPr>
+        <p:cNvPr id="1" name=""/>
+        <p:cNvGrpSpPr/>
+        <p:nvPr/>
+      </p:nvGrpSpPr>
+      <p:grpSpPr>
+        <a:xfrm>
+          <a:off x="0" y="0"/>
+          <a:ext cx="0" cy="0"/>
+          <a:chOff x="0" y="0"/>
+          <a:chExt cx="0" cy="0"/>
+        </a:xfrm>
+      </p:grpSpPr>
+      <p:sp>
+        <p:nvSpPr>
+          <p:cNvPr id="2" name="Title 1"/>
+          <p:cNvSpPr>
+            <a:spLocks noGrp="1"/>
+          </p:cNvSpPr>
+          <p:nvPr>
+            <p:ph type="title"/>
+          </p:nvPr>
+        </p:nvSpPr>
+        <p:spPr/>
+        <p:txBody>
+          <a:bodyPr/>
+          <a:lstStyle/>
+          <a:p>
+            <a:r>
+              <a:rPr lang="hr-HR" dirty="0" smtClean="0"/>
+              <a:t>Izvori zvukova</a:t>
+            </a:r>
+            <a:endParaRPr lang="hr-HR" dirty="0"/>
+          </a:p>
+        </p:txBody>
+      </p:sp>
+      <p:sp>
+        <p:nvSpPr>
+          <p:cNvPr id="3" name="Content Placeholder 2"/>
+          <p:cNvSpPr>
+            <a:spLocks noGrp="1"/>
+          </p:cNvSpPr>
+          <p:nvPr>
+            <p:ph idx="1"/>
+          </p:nvPr>
+        </p:nvSpPr>
+        <p:spPr/>
+        <p:txBody>
+          <a:bodyPr/>
+          <a:lstStyle/>
+          <a:p>
+            <a:r>
+              <a:rPr lang="hr-HR" dirty="0" smtClean="0"/>
+              <a:t>Učitavanje iz zvučnih datoteka</a:t>
+            </a:r>
+          </a:p>
+          <a:p>
+            <a:pPr lvl="1"/>
+            <a:r>
+              <a:rPr lang="hr-HR" dirty="0" smtClean="0"/>
+              <a:t>U RAM ili direktna reprodukcija sa tvrdog diska</a:t>
+            </a:r>
+          </a:p>
+          <a:p>
+            <a:pPr lvl="1"/>
+            <a:endParaRPr lang="hr-HR" dirty="0" smtClean="0"/>
+          </a:p>
+          <a:p>
+            <a:r>
+              <a:rPr lang="hr-HR" dirty="0" smtClean="0"/>
+              <a:t>Postavljanje pozicije</a:t>
+            </a:r>
+          </a:p>
+          <a:p>
+            <a:pPr lvl="1"/>
+            <a:r>
+              <a:rPr lang="hr-HR" dirty="0" smtClean="0"/>
+              <a:t>Preko 3D vektora</a:t>
+            </a:r>
+          </a:p>
+          <a:p>
+            <a:pPr lvl="1"/>
+            <a:endParaRPr lang="hr-HR" dirty="0"/>
+          </a:p>
+          <a:p>
+            <a:pPr lvl="1"/>
+            <a:endParaRPr lang="hr-HR" dirty="0"/>
+          </a:p>
+        </p:txBody>
+      </p:sp>
+      <p:pic>
+        <p:nvPicPr>
+          <p:cNvPr id="4" name="Picture 3"/>
+          <p:cNvPicPr>
+            <a:picLocks noChangeAspect="1"/>
+          </p:cNvPicPr>
+          <p:nvPr/>
+        </p:nvPicPr>
+        <p:blipFill>
+          <a:blip r:embed="rId2">
+            <a:extLst>
+              <a:ext uri="{28A0092B-C50C-407E-A947-70E740481C1C}">
+                <a14:useLocalDpi xmlns:a14="http://schemas.microsoft.com/office/drawing/2010/main" val="0"/>
+              </a:ext>
+            </a:extLst>
+          </a:blip>
+          <a:stretch>
+            <a:fillRect/>
+          </a:stretch>
+        </p:blipFill>
+        <p:spPr>
+          <a:xfrm>
+            <a:off x="768607" y="3657600"/>
+            <a:ext cx="7606786" cy="2448000"/>
+          </a:xfrm>
+          <a:prstGeom prst="rect">
+            <a:avLst/>
+          </a:prstGeom>
+        </p:spPr>
+      </p:pic>
+    </p:spTree>
+    <p:extLst>
+      <p:ext uri="{BB962C8B-B14F-4D97-AF65-F5344CB8AC3E}">
+        <p14:creationId xmlns:p14="http://schemas.microsoft.com/office/powerpoint/2010/main" val="3019331709"/>
+      </p:ext>
+    </p:extLst>
+  </p:cSld>
+  <p:clrMapOvr>
+    <a:masterClrMapping/>
+  </p:clrMapOvr>
+  <p:timing>
+    <p:tnLst>
+      <p:par>
+        <p:cTn id="1" dur="indefinite" restart="never" nodeType="tmRoot"/>
+      </p:par>
+    </p:tnLst>
+  </p:timing>
+</p:sld>
+</file>
+
+<file path=ppt/slides/slide12.xml><?xml version="1.0" encoding="utf-8"?>
+<p:sld xmlns:a="http://schemas.openxmlformats.org/drawingml/2006/main" xmlns:r="http://schemas.openxmlformats.org/officeDocument/2006/relationships" xmlns:p="http://schemas.openxmlformats.org/presentationml/2006/main">
+  <p:cSld>
+    <p:spTree>
+      <p:nvGrpSpPr>
+        <p:cNvPr id="1" name=""/>
+        <p:cNvGrpSpPr/>
+        <p:nvPr/>
+      </p:nvGrpSpPr>
+      <p:grpSpPr>
+        <a:xfrm>
+          <a:off x="0" y="0"/>
+          <a:ext cx="0" cy="0"/>
+          <a:chOff x="0" y="0"/>
+          <a:chExt cx="0" cy="0"/>
+        </a:xfrm>
+      </p:grpSpPr>
+      <p:sp>
+        <p:nvSpPr>
+          <p:cNvPr id="2" name="Title 1"/>
+          <p:cNvSpPr>
+            <a:spLocks noGrp="1"/>
+          </p:cNvSpPr>
+          <p:nvPr>
+            <p:ph type="title"/>
+          </p:nvPr>
+        </p:nvSpPr>
+        <p:spPr/>
+        <p:txBody>
+          <a:bodyPr/>
+          <a:lstStyle/>
+          <a:p>
+            <a:r>
+              <a:rPr lang="hr-HR" dirty="0"/>
+              <a:t>S</a:t>
+            </a:r>
+            <a:r>
+              <a:rPr lang="hr-HR" dirty="0" smtClean="0"/>
+              <a:t>lušatelj</a:t>
+            </a:r>
+            <a:endParaRPr lang="hr-HR" dirty="0"/>
+          </a:p>
+        </p:txBody>
+      </p:sp>
+      <p:sp>
+        <p:nvSpPr>
+          <p:cNvPr id="3" name="Content Placeholder 2"/>
+          <p:cNvSpPr>
+            <a:spLocks noGrp="1"/>
+          </p:cNvSpPr>
+          <p:nvPr>
+            <p:ph idx="1"/>
+          </p:nvPr>
+        </p:nvSpPr>
+        <p:spPr/>
+        <p:txBody>
+          <a:bodyPr/>
+          <a:lstStyle/>
+          <a:p>
+            <a:r>
+              <a:rPr lang="hr-HR" dirty="0"/>
+              <a:t>Postavljanje </a:t>
+            </a:r>
+            <a:r>
+              <a:rPr lang="hr-HR" dirty="0" smtClean="0"/>
+              <a:t>pozicije</a:t>
+            </a:r>
+            <a:r>
+              <a:rPr lang="hr-HR" dirty="0"/>
+              <a:t> </a:t>
+            </a:r>
+            <a:r>
+              <a:rPr lang="hr-HR" dirty="0" smtClean="0"/>
+              <a:t>i orijentacije</a:t>
+            </a:r>
+          </a:p>
+          <a:p>
+            <a:pPr lvl="1"/>
+            <a:r>
+              <a:rPr lang="hr-HR" dirty="0" smtClean="0"/>
+              <a:t>Pozicija preko 3D vektora</a:t>
+            </a:r>
+          </a:p>
+          <a:p>
+            <a:pPr lvl="1"/>
+            <a:r>
+              <a:rPr lang="hr-HR" dirty="0" smtClean="0"/>
+              <a:t>Orijentacija preko tri vektora</a:t>
+            </a:r>
+          </a:p>
+          <a:p>
+            <a:pPr lvl="1"/>
+            <a:endParaRPr lang="hr-HR" dirty="0" smtClean="0"/>
+          </a:p>
+          <a:p>
+            <a:r>
+              <a:rPr lang="hr-HR" dirty="0" smtClean="0"/>
+              <a:t>Položaj i orijentacija istovjetni s onima od kamere</a:t>
+            </a:r>
+            <a:endParaRPr lang="hr-HR" dirty="0"/>
+          </a:p>
+          <a:p>
+            <a:endParaRPr lang="hr-HR" dirty="0" smtClean="0"/>
+          </a:p>
+        </p:txBody>
+      </p:sp>
+      <p:pic>
+        <p:nvPicPr>
+          <p:cNvPr id="4" name="Picture 3"/>
+          <p:cNvPicPr>
+            <a:picLocks noChangeAspect="1"/>
+          </p:cNvPicPr>
+          <p:nvPr/>
+        </p:nvPicPr>
+        <p:blipFill>
+          <a:blip r:embed="rId2">
+            <a:extLst>
+              <a:ext uri="{28A0092B-C50C-407E-A947-70E740481C1C}">
+                <a14:useLocalDpi xmlns:a14="http://schemas.microsoft.com/office/drawing/2010/main" val="0"/>
+              </a:ext>
+            </a:extLst>
+          </a:blip>
+          <a:stretch>
+            <a:fillRect/>
+          </a:stretch>
+        </p:blipFill>
+        <p:spPr>
+          <a:xfrm>
+            <a:off x="2986088" y="3657600"/>
+            <a:ext cx="3171825" cy="2219325"/>
+          </a:xfrm>
+          <a:prstGeom prst="rect">
+            <a:avLst/>
+          </a:prstGeom>
+        </p:spPr>
+      </p:pic>
+    </p:spTree>
+    <p:extLst>
+      <p:ext uri="{BB962C8B-B14F-4D97-AF65-F5344CB8AC3E}">
+        <p14:creationId xmlns:p14="http://schemas.microsoft.com/office/powerpoint/2010/main" val="561081063"/>
+      </p:ext>
+    </p:extLst>
+  </p:cSld>
+  <p:clrMapOvr>
+    <a:masterClrMapping/>
+  </p:clrMapOvr>
+  <p:timing>
+    <p:tnLst>
+      <p:par>
+        <p:cTn id="1" dur="indefinite" restart="never" nodeType="tmRoot"/>
+      </p:par>
+    </p:tnLst>
+  </p:timing>
+</p:sld>
+</file>
+
+<file path=ppt/slides/slide13.xml><?xml version="1.0" encoding="utf-8"?>
+<p:sld xmlns:a="http://schemas.openxmlformats.org/drawingml/2006/main" xmlns:r="http://schemas.openxmlformats.org/officeDocument/2006/relationships" xmlns:p="http://schemas.openxmlformats.org/presentationml/2006/main">
+  <p:cSld>
+    <p:spTree>
+      <p:nvGrpSpPr>
+        <p:cNvPr id="1" name=""/>
+        <p:cNvGrpSpPr/>
+        <p:nvPr/>
+      </p:nvGrpSpPr>
+      <p:grpSpPr>
+        <a:xfrm>
+          <a:off x="0" y="0"/>
+          <a:ext cx="0" cy="0"/>
+          <a:chOff x="0" y="0"/>
+          <a:chExt cx="0" cy="0"/>
+        </a:xfrm>
+      </p:grpSpPr>
+      <p:sp>
+        <p:nvSpPr>
+          <p:cNvPr id="2" name="Title 1"/>
+          <p:cNvSpPr>
+            <a:spLocks noGrp="1"/>
+          </p:cNvSpPr>
+          <p:nvPr>
+            <p:ph type="title"/>
+          </p:nvPr>
+        </p:nvSpPr>
+        <p:spPr/>
+        <p:txBody>
+          <a:bodyPr/>
+          <a:lstStyle/>
+          <a:p>
+            <a:r>
+              <a:rPr lang="hr-HR" dirty="0" smtClean="0"/>
+              <a:t>Zvukovi u projektu</a:t>
+            </a:r>
+            <a:endParaRPr lang="hr-HR" dirty="0"/>
+          </a:p>
+        </p:txBody>
+      </p:sp>
+      <p:sp>
+        <p:nvSpPr>
+          <p:cNvPr id="3" name="Content Placeholder 2"/>
+          <p:cNvSpPr>
+            <a:spLocks noGrp="1"/>
+          </p:cNvSpPr>
+          <p:nvPr>
+            <p:ph idx="1"/>
+          </p:nvPr>
+        </p:nvSpPr>
+        <p:spPr/>
+        <p:txBody>
+          <a:bodyPr>
+            <a:normAutofit/>
+          </a:bodyPr>
+          <a:lstStyle/>
+          <a:p>
+            <a:r>
+              <a:rPr lang="hr-HR" dirty="0" smtClean="0"/>
+              <a:t>Zvuk rada motora</a:t>
+            </a:r>
+          </a:p>
+          <a:p>
+            <a:pPr lvl="1"/>
+            <a:r>
+              <a:rPr lang="hr-HR" dirty="0" smtClean="0"/>
+              <a:t>Stalno reproduciranje</a:t>
+            </a:r>
+          </a:p>
+          <a:p>
+            <a:pPr lvl="1"/>
+            <a:r>
+              <a:rPr lang="hr-HR" dirty="0" smtClean="0"/>
+              <a:t>Osvježavanje položaja u svakoj iteraciji petlje</a:t>
+            </a:r>
+          </a:p>
+          <a:p>
+            <a:pPr lvl="1"/>
+            <a:r>
+              <a:rPr lang="hr-HR" dirty="0" smtClean="0"/>
+              <a:t>Brzina reprodukcije ovisna o brzini automobila</a:t>
+            </a:r>
+          </a:p>
+          <a:p>
+            <a:endParaRPr lang="hr-HR" dirty="0" smtClean="0"/>
+          </a:p>
+          <a:p>
+            <a:r>
+              <a:rPr lang="hr-HR" dirty="0" smtClean="0"/>
+              <a:t>Zvuk škripanja guma</a:t>
+            </a:r>
+          </a:p>
+          <a:p>
+            <a:pPr lvl="1"/>
+            <a:r>
+              <a:rPr lang="hr-HR" dirty="0" smtClean="0"/>
+              <a:t>Osvježavanje položaja</a:t>
+            </a:r>
+          </a:p>
+          <a:p>
+            <a:pPr lvl="1"/>
+            <a:r>
+              <a:rPr lang="hr-HR" dirty="0" smtClean="0"/>
+              <a:t>Reprodukcija ovisi o stanju automobila</a:t>
+            </a:r>
+          </a:p>
+        </p:txBody>
+      </p:sp>
+    </p:spTree>
+    <p:extLst>
+      <p:ext uri="{BB962C8B-B14F-4D97-AF65-F5344CB8AC3E}">
+        <p14:creationId xmlns:p14="http://schemas.microsoft.com/office/powerpoint/2010/main" val="3096897854"/>
       </p:ext>
     </p:extLst>
   </p:cSld>

--- a/Dokumentacija/Prezentacija.pptx
+++ b/Dokumentacija/Prezentacija.pptx
@@ -14,6 +14,8 @@
     <p:sldId id="261" r:id="rId8"/>
     <p:sldId id="262" r:id="rId9"/>
     <p:sldId id="263" r:id="rId10"/>
+    <p:sldId id="265" r:id="rId11"/>
+    <p:sldId id="266" r:id="rId12"/>
   </p:sldIdLst>
   <p:sldSz cx="9144000" cy="6858000" type="screen4x3"/>
   <p:notesSz cx="6858000" cy="9144000"/>
@@ -308,7 +310,7 @@
             <a:fld id="{1D8BD707-D9CF-40AE-B4C6-C98DA3205C09}" type="datetimeFigureOut">
               <a:rPr lang="en-US" smtClean="0"/>
               <a:pPr/>
-              <a:t>1/7/2015</a:t>
+              <a:t>1/8/2015</a:t>
             </a:fld>
             <a:endParaRPr lang="en-US"/>
           </a:p>
@@ -475,7 +477,7 @@
             <a:fld id="{1D8BD707-D9CF-40AE-B4C6-C98DA3205C09}" type="datetimeFigureOut">
               <a:rPr lang="en-US" smtClean="0"/>
               <a:pPr/>
-              <a:t>1/7/2015</a:t>
+              <a:t>1/8/2015</a:t>
             </a:fld>
             <a:endParaRPr lang="en-US"/>
           </a:p>
@@ -652,7 +654,7 @@
             <a:fld id="{1D8BD707-D9CF-40AE-B4C6-C98DA3205C09}" type="datetimeFigureOut">
               <a:rPr lang="en-US" smtClean="0"/>
               <a:pPr/>
-              <a:t>1/7/2015</a:t>
+              <a:t>1/8/2015</a:t>
             </a:fld>
             <a:endParaRPr lang="en-US"/>
           </a:p>
@@ -837,7 +839,7 @@
             <a:fld id="{1D8BD707-D9CF-40AE-B4C6-C98DA3205C09}" type="datetimeFigureOut">
               <a:rPr lang="en-US" smtClean="0"/>
               <a:pPr/>
-              <a:t>1/7/2015</a:t>
+              <a:t>1/8/2015</a:t>
             </a:fld>
             <a:endParaRPr lang="en-US"/>
           </a:p>
@@ -1101,7 +1103,7 @@
             <a:fld id="{1D8BD707-D9CF-40AE-B4C6-C98DA3205C09}" type="datetimeFigureOut">
               <a:rPr lang="en-US" smtClean="0"/>
               <a:pPr/>
-              <a:t>1/7/2015</a:t>
+              <a:t>1/8/2015</a:t>
             </a:fld>
             <a:endParaRPr lang="en-US"/>
           </a:p>
@@ -1451,7 +1453,7 @@
             <a:fld id="{1D8BD707-D9CF-40AE-B4C6-C98DA3205C09}" type="datetimeFigureOut">
               <a:rPr lang="en-US" smtClean="0"/>
               <a:pPr/>
-              <a:t>1/7/2015</a:t>
+              <a:t>1/8/2015</a:t>
             </a:fld>
             <a:endParaRPr lang="en-US"/>
           </a:p>
@@ -1761,7 +1763,7 @@
             <a:fld id="{1D8BD707-D9CF-40AE-B4C6-C98DA3205C09}" type="datetimeFigureOut">
               <a:rPr lang="en-US" smtClean="0"/>
               <a:pPr/>
-              <a:t>1/7/2015</a:t>
+              <a:t>1/8/2015</a:t>
             </a:fld>
             <a:endParaRPr lang="en-US"/>
           </a:p>
@@ -1990,7 +1992,7 @@
             <a:fld id="{1D8BD707-D9CF-40AE-B4C6-C98DA3205C09}" type="datetimeFigureOut">
               <a:rPr lang="en-US" smtClean="0"/>
               <a:pPr/>
-              <a:t>1/7/2015</a:t>
+              <a:t>1/8/2015</a:t>
             </a:fld>
             <a:endParaRPr lang="en-US"/>
           </a:p>
@@ -2082,7 +2084,7 @@
             <a:fld id="{1D8BD707-D9CF-40AE-B4C6-C98DA3205C09}" type="datetimeFigureOut">
               <a:rPr lang="en-US" smtClean="0"/>
               <a:pPr/>
-              <a:t>1/7/2015</a:t>
+              <a:t>1/8/2015</a:t>
             </a:fld>
             <a:endParaRPr lang="en-US"/>
           </a:p>
@@ -2372,7 +2374,7 @@
             <a:fld id="{1D8BD707-D9CF-40AE-B4C6-C98DA3205C09}" type="datetimeFigureOut">
               <a:rPr lang="en-US" smtClean="0"/>
               <a:pPr/>
-              <a:t>1/7/2015</a:t>
+              <a:t>1/8/2015</a:t>
             </a:fld>
             <a:endParaRPr lang="en-US"/>
           </a:p>
@@ -2643,7 +2645,7 @@
             <a:fld id="{1D8BD707-D9CF-40AE-B4C6-C98DA3205C09}" type="datetimeFigureOut">
               <a:rPr lang="en-US" smtClean="0"/>
               <a:pPr/>
-              <a:t>1/7/2015</a:t>
+              <a:t>1/8/2015</a:t>
             </a:fld>
             <a:endParaRPr lang="en-US"/>
           </a:p>
@@ -2855,7 +2857,7 @@
             <a:fld id="{1D8BD707-D9CF-40AE-B4C6-C98DA3205C09}" type="datetimeFigureOut">
               <a:rPr lang="en-US" smtClean="0"/>
               <a:pPr/>
-              <a:t>1/7/2015</a:t>
+              <a:t>1/8/2015</a:t>
             </a:fld>
             <a:endParaRPr lang="en-US"/>
           </a:p>
@@ -3444,6 +3446,367 @@
       </p:par>
     </p:tnLst>
   </p:timing>
+</p:sld>
+</file>
+
+<file path=ppt/slides/slide10.xml><?xml version="1.0" encoding="utf-8"?>
+<p:sld xmlns:a="http://schemas.openxmlformats.org/drawingml/2006/main" xmlns:r="http://schemas.openxmlformats.org/officeDocument/2006/relationships" xmlns:p="http://schemas.openxmlformats.org/presentationml/2006/main">
+  <p:cSld>
+    <p:spTree>
+      <p:nvGrpSpPr>
+        <p:cNvPr id="1" name=""/>
+        <p:cNvGrpSpPr/>
+        <p:nvPr/>
+      </p:nvGrpSpPr>
+      <p:grpSpPr>
+        <a:xfrm>
+          <a:off x="0" y="0"/>
+          <a:ext cx="0" cy="0"/>
+          <a:chOff x="0" y="0"/>
+          <a:chExt cx="0" cy="0"/>
+        </a:xfrm>
+      </p:grpSpPr>
+      <p:sp>
+        <p:nvSpPr>
+          <p:cNvPr id="2" name="Title 1"/>
+          <p:cNvSpPr>
+            <a:spLocks noGrp="1"/>
+          </p:cNvSpPr>
+          <p:nvPr>
+            <p:ph type="title"/>
+          </p:nvPr>
+        </p:nvSpPr>
+        <p:spPr/>
+        <p:txBody>
+          <a:bodyPr/>
+          <a:lstStyle/>
+          <a:p>
+            <a:r>
+              <a:rPr lang="en-US" dirty="0" smtClean="0"/>
+              <a:t>Leap Motion </a:t>
+            </a:r>
+            <a:r>
+              <a:rPr lang="en-US" dirty="0" err="1" smtClean="0"/>
+              <a:t>kontroler</a:t>
+            </a:r>
+            <a:endParaRPr lang="hr-HR" dirty="0"/>
+          </a:p>
+        </p:txBody>
+      </p:sp>
+      <p:sp>
+        <p:nvSpPr>
+          <p:cNvPr id="5" name="Content Placeholder 4"/>
+          <p:cNvSpPr>
+            <a:spLocks noGrp="1"/>
+          </p:cNvSpPr>
+          <p:nvPr>
+            <p:ph idx="1"/>
+          </p:nvPr>
+        </p:nvSpPr>
+        <p:spPr/>
+        <p:txBody>
+          <a:bodyPr/>
+          <a:lstStyle/>
+          <a:p>
+            <a:r>
+              <a:rPr lang="en-US" dirty="0" smtClean="0"/>
+              <a:t>3 IR LED</a:t>
+            </a:r>
+          </a:p>
+          <a:p>
+            <a:r>
+              <a:rPr lang="en-US" dirty="0" smtClean="0"/>
+              <a:t>2 IR </a:t>
+            </a:r>
+            <a:r>
+              <a:rPr lang="en-US" dirty="0" err="1"/>
+              <a:t>k</a:t>
+            </a:r>
+            <a:r>
+              <a:rPr lang="en-US" dirty="0" err="1" smtClean="0"/>
+              <a:t>amere</a:t>
+            </a:r>
+            <a:endParaRPr lang="en-US" dirty="0" smtClean="0"/>
+          </a:p>
+          <a:p>
+            <a:r>
+              <a:rPr lang="en-US" dirty="0" err="1" smtClean="0"/>
+              <a:t>Komplicirana</a:t>
+            </a:r>
+            <a:r>
+              <a:rPr lang="en-US" dirty="0" smtClean="0"/>
+              <a:t> </a:t>
+            </a:r>
+            <a:r>
+              <a:rPr lang="en-US" dirty="0" err="1" smtClean="0"/>
+              <a:t>matematika</a:t>
+            </a:r>
+            <a:endParaRPr lang="en-US" dirty="0" smtClean="0"/>
+          </a:p>
+          <a:p>
+            <a:r>
+              <a:rPr lang="en-US" dirty="0" err="1" smtClean="0"/>
+              <a:t>Rekonstrukcija</a:t>
+            </a:r>
+            <a:r>
+              <a:rPr lang="en-US" dirty="0" smtClean="0"/>
+              <a:t> </a:t>
+            </a:r>
+            <a:r>
+              <a:rPr lang="en-US" dirty="0" err="1" smtClean="0"/>
+              <a:t>pokreta</a:t>
+            </a:r>
+            <a:r>
+              <a:rPr lang="en-US" dirty="0" smtClean="0"/>
+              <a:t/>
+            </a:r>
+            <a:br>
+              <a:rPr lang="en-US" dirty="0" smtClean="0"/>
+            </a:br>
+            <a:r>
+              <a:rPr lang="hr-HR" dirty="0" smtClean="0"/>
+              <a:t>šaka i prstiju </a:t>
+            </a:r>
+            <a:r>
+              <a:rPr lang="en-US" dirty="0" err="1" smtClean="0"/>
+              <a:t>iznad</a:t>
+            </a:r>
+            <a:r>
+              <a:rPr lang="en-US" dirty="0" smtClean="0"/>
+              <a:t> </a:t>
+            </a:r>
+            <a:r>
+              <a:rPr lang="en-US" dirty="0" err="1" smtClean="0"/>
+              <a:t>ure</a:t>
+            </a:r>
+            <a:r>
+              <a:rPr lang="hr-HR" dirty="0"/>
+              <a:t>đ</a:t>
+            </a:r>
+            <a:r>
+              <a:rPr lang="en-US" dirty="0" err="1" smtClean="0"/>
+              <a:t>aja</a:t>
+            </a:r>
+            <a:endParaRPr lang="hr-HR" dirty="0"/>
+          </a:p>
+        </p:txBody>
+      </p:sp>
+      <p:pic>
+        <p:nvPicPr>
+          <p:cNvPr id="1026" name="Picture 2" descr="C:\Projects\CMakeProjects\IG-Project\Dokumentacija\leap-controller.jpg"/>
+          <p:cNvPicPr>
+            <a:picLocks noChangeAspect="1" noChangeArrowheads="1"/>
+          </p:cNvPicPr>
+          <p:nvPr/>
+        </p:nvPicPr>
+        <p:blipFill>
+          <a:blip r:embed="rId2">
+            <a:extLst>
+              <a:ext uri="{28A0092B-C50C-407E-A947-70E740481C1C}">
+                <a14:useLocalDpi xmlns:a14="http://schemas.microsoft.com/office/drawing/2010/main" val="0"/>
+              </a:ext>
+            </a:extLst>
+          </a:blip>
+          <a:srcRect/>
+          <a:stretch>
+            <a:fillRect/>
+          </a:stretch>
+        </p:blipFill>
+        <p:spPr bwMode="auto">
+          <a:xfrm>
+            <a:off x="4953000" y="2223911"/>
+            <a:ext cx="3600626" cy="2973490"/>
+          </a:xfrm>
+          <a:prstGeom prst="rect">
+            <a:avLst/>
+          </a:prstGeom>
+          <a:noFill/>
+          <a:extLst>
+            <a:ext uri="{909E8E84-426E-40DD-AFC4-6F175D3DCCD1}">
+              <a14:hiddenFill xmlns:a14="http://schemas.microsoft.com/office/drawing/2010/main">
+                <a:solidFill>
+                  <a:srgbClr val="FFFFFF"/>
+                </a:solidFill>
+              </a14:hiddenFill>
+            </a:ext>
+          </a:extLst>
+        </p:spPr>
+      </p:pic>
+    </p:spTree>
+    <p:extLst>
+      <p:ext uri="{BB962C8B-B14F-4D97-AF65-F5344CB8AC3E}">
+        <p14:creationId xmlns:p14="http://schemas.microsoft.com/office/powerpoint/2010/main" val="3037622180"/>
+      </p:ext>
+    </p:extLst>
+  </p:cSld>
+  <p:clrMapOvr>
+    <a:masterClrMapping/>
+  </p:clrMapOvr>
+</p:sld>
+</file>
+
+<file path=ppt/slides/slide11.xml><?xml version="1.0" encoding="utf-8"?>
+<p:sld xmlns:a="http://schemas.openxmlformats.org/drawingml/2006/main" xmlns:r="http://schemas.openxmlformats.org/officeDocument/2006/relationships" xmlns:p="http://schemas.openxmlformats.org/presentationml/2006/main">
+  <p:cSld>
+    <p:spTree>
+      <p:nvGrpSpPr>
+        <p:cNvPr id="1" name=""/>
+        <p:cNvGrpSpPr/>
+        <p:nvPr/>
+      </p:nvGrpSpPr>
+      <p:grpSpPr>
+        <a:xfrm>
+          <a:off x="0" y="0"/>
+          <a:ext cx="0" cy="0"/>
+          <a:chOff x="0" y="0"/>
+          <a:chExt cx="0" cy="0"/>
+        </a:xfrm>
+      </p:grpSpPr>
+      <p:sp>
+        <p:nvSpPr>
+          <p:cNvPr id="2" name="Title 1"/>
+          <p:cNvSpPr>
+            <a:spLocks noGrp="1"/>
+          </p:cNvSpPr>
+          <p:nvPr>
+            <p:ph type="title"/>
+          </p:nvPr>
+        </p:nvSpPr>
+        <p:spPr/>
+        <p:txBody>
+          <a:bodyPr/>
+          <a:lstStyle/>
+          <a:p>
+            <a:r>
+              <a:rPr lang="hr-HR" dirty="0" smtClean="0"/>
+              <a:t>Upravljanje autom</a:t>
+            </a:r>
+            <a:endParaRPr lang="hr-HR" dirty="0"/>
+          </a:p>
+        </p:txBody>
+      </p:sp>
+      <p:sp>
+        <p:nvSpPr>
+          <p:cNvPr id="3" name="Content Placeholder 2"/>
+          <p:cNvSpPr>
+            <a:spLocks noGrp="1"/>
+          </p:cNvSpPr>
+          <p:nvPr>
+            <p:ph idx="1"/>
+          </p:nvPr>
+        </p:nvSpPr>
+        <p:spPr/>
+        <p:txBody>
+          <a:bodyPr/>
+          <a:lstStyle/>
+          <a:p>
+            <a:r>
+              <a:rPr lang="hr-HR" dirty="0" smtClean="0"/>
+              <a:t>Leap detektira dlan</a:t>
+            </a:r>
+          </a:p>
+          <a:p>
+            <a:r>
+              <a:rPr lang="hr-HR" dirty="0" smtClean="0"/>
+              <a:t>Koristi se vektor normale</a:t>
+            </a:r>
+            <a:br>
+              <a:rPr lang="hr-HR" dirty="0" smtClean="0"/>
+            </a:br>
+            <a:r>
+              <a:rPr lang="hr-HR" dirty="0" smtClean="0"/>
+              <a:t>na dlan </a:t>
+            </a:r>
+            <a:r>
+              <a:rPr lang="en-US" dirty="0" err="1" smtClean="0"/>
+              <a:t>za</a:t>
+            </a:r>
+            <a:r>
+              <a:rPr lang="en-US" dirty="0" smtClean="0"/>
+              <a:t> </a:t>
+            </a:r>
+            <a:r>
+              <a:rPr lang="en-US" dirty="0" err="1" smtClean="0"/>
+              <a:t>usmjeravanje</a:t>
+            </a:r>
+            <a:r>
+              <a:rPr lang="en-US" dirty="0"/>
+              <a:t/>
+            </a:r>
+            <a:br>
+              <a:rPr lang="en-US" dirty="0"/>
+            </a:br>
+            <a:r>
+              <a:rPr lang="en-US" dirty="0" smtClean="0"/>
+              <a:t>i </a:t>
+            </a:r>
+            <a:r>
+              <a:rPr lang="en-US" dirty="0" err="1" smtClean="0"/>
+              <a:t>pokretanje</a:t>
+            </a:r>
+            <a:r>
+              <a:rPr lang="en-US" dirty="0" smtClean="0"/>
+              <a:t> </a:t>
+            </a:r>
+            <a:r>
+              <a:rPr lang="en-US" dirty="0" err="1" smtClean="0"/>
+              <a:t>auta</a:t>
+            </a:r>
+            <a:endParaRPr lang="hr-HR" dirty="0"/>
+          </a:p>
+        </p:txBody>
+      </p:sp>
+      <p:pic>
+        <p:nvPicPr>
+          <p:cNvPr id="2050" name="Picture 2" descr="C:\Projects\CMakeProjects\IG-Project\Dokumentacija\leap-ruka.png"/>
+          <p:cNvPicPr>
+            <a:picLocks noChangeAspect="1" noChangeArrowheads="1"/>
+          </p:cNvPicPr>
+          <p:nvPr/>
+        </p:nvPicPr>
+        <p:blipFill>
+          <a:blip r:embed="rId2">
+            <a:extLst>
+              <a:ext uri="{28A0092B-C50C-407E-A947-70E740481C1C}">
+                <a14:useLocalDpi xmlns:a14="http://schemas.microsoft.com/office/drawing/2010/main" val="0"/>
+              </a:ext>
+            </a:extLst>
+          </a:blip>
+          <a:srcRect/>
+          <a:stretch>
+            <a:fillRect/>
+          </a:stretch>
+        </p:blipFill>
+        <p:spPr bwMode="auto">
+          <a:xfrm>
+            <a:off x="4876800" y="2514599"/>
+            <a:ext cx="3524250" cy="2638425"/>
+          </a:xfrm>
+          <a:prstGeom prst="rect">
+            <a:avLst/>
+          </a:prstGeom>
+          <a:noFill/>
+          <a:extLst>
+            <a:ext uri="{909E8E84-426E-40DD-AFC4-6F175D3DCCD1}">
+              <a14:hiddenFill xmlns:a14="http://schemas.microsoft.com/office/drawing/2010/main">
+                <a:solidFill>
+                  <a:srgbClr val="FFFFFF"/>
+                </a:solidFill>
+              </a14:hiddenFill>
+            </a:ext>
+          </a:extLst>
+        </p:spPr>
+      </p:pic>
+    </p:spTree>
+    <p:extLst>
+      <p:ext uri="{BB962C8B-B14F-4D97-AF65-F5344CB8AC3E}">
+        <p14:creationId xmlns:p14="http://schemas.microsoft.com/office/powerpoint/2010/main" val="4152293938"/>
+      </p:ext>
+    </p:extLst>
+  </p:cSld>
+  <p:clrMapOvr>
+    <a:masterClrMapping/>
+  </p:clrMapOvr>
 </p:sld>
 </file>
 

--- a/Dokumentacija/Prezentacija.pptx
+++ b/Dokumentacija/Prezentacija.pptx
@@ -14,8 +14,6 @@
     <p:sldId id="261" r:id="rId8"/>
     <p:sldId id="262" r:id="rId9"/>
     <p:sldId id="263" r:id="rId10"/>
-    <p:sldId id="265" r:id="rId11"/>
-    <p:sldId id="266" r:id="rId12"/>
   </p:sldIdLst>
   <p:sldSz cx="9144000" cy="6858000" type="screen4x3"/>
   <p:notesSz cx="6858000" cy="9144000"/>
@@ -310,7 +308,7 @@
             <a:fld id="{1D8BD707-D9CF-40AE-B4C6-C98DA3205C09}" type="datetimeFigureOut">
               <a:rPr lang="en-US" smtClean="0"/>
               <a:pPr/>
-              <a:t>1/8/2015</a:t>
+              <a:t>1/7/2015</a:t>
             </a:fld>
             <a:endParaRPr lang="en-US"/>
           </a:p>
@@ -477,7 +475,7 @@
             <a:fld id="{1D8BD707-D9CF-40AE-B4C6-C98DA3205C09}" type="datetimeFigureOut">
               <a:rPr lang="en-US" smtClean="0"/>
               <a:pPr/>
-              <a:t>1/8/2015</a:t>
+              <a:t>1/7/2015</a:t>
             </a:fld>
             <a:endParaRPr lang="en-US"/>
           </a:p>
@@ -654,7 +652,7 @@
             <a:fld id="{1D8BD707-D9CF-40AE-B4C6-C98DA3205C09}" type="datetimeFigureOut">
               <a:rPr lang="en-US" smtClean="0"/>
               <a:pPr/>
-              <a:t>1/8/2015</a:t>
+              <a:t>1/7/2015</a:t>
             </a:fld>
             <a:endParaRPr lang="en-US"/>
           </a:p>
@@ -839,7 +837,7 @@
             <a:fld id="{1D8BD707-D9CF-40AE-B4C6-C98DA3205C09}" type="datetimeFigureOut">
               <a:rPr lang="en-US" smtClean="0"/>
               <a:pPr/>
-              <a:t>1/8/2015</a:t>
+              <a:t>1/7/2015</a:t>
             </a:fld>
             <a:endParaRPr lang="en-US"/>
           </a:p>
@@ -1103,7 +1101,7 @@
             <a:fld id="{1D8BD707-D9CF-40AE-B4C6-C98DA3205C09}" type="datetimeFigureOut">
               <a:rPr lang="en-US" smtClean="0"/>
               <a:pPr/>
-              <a:t>1/8/2015</a:t>
+              <a:t>1/7/2015</a:t>
             </a:fld>
             <a:endParaRPr lang="en-US"/>
           </a:p>
@@ -1453,7 +1451,7 @@
             <a:fld id="{1D8BD707-D9CF-40AE-B4C6-C98DA3205C09}" type="datetimeFigureOut">
               <a:rPr lang="en-US" smtClean="0"/>
               <a:pPr/>
-              <a:t>1/8/2015</a:t>
+              <a:t>1/7/2015</a:t>
             </a:fld>
             <a:endParaRPr lang="en-US"/>
           </a:p>
@@ -1763,7 +1761,7 @@
             <a:fld id="{1D8BD707-D9CF-40AE-B4C6-C98DA3205C09}" type="datetimeFigureOut">
               <a:rPr lang="en-US" smtClean="0"/>
               <a:pPr/>
-              <a:t>1/8/2015</a:t>
+              <a:t>1/7/2015</a:t>
             </a:fld>
             <a:endParaRPr lang="en-US"/>
           </a:p>
@@ -1992,7 +1990,7 @@
             <a:fld id="{1D8BD707-D9CF-40AE-B4C6-C98DA3205C09}" type="datetimeFigureOut">
               <a:rPr lang="en-US" smtClean="0"/>
               <a:pPr/>
-              <a:t>1/8/2015</a:t>
+              <a:t>1/7/2015</a:t>
             </a:fld>
             <a:endParaRPr lang="en-US"/>
           </a:p>
@@ -2084,7 +2082,7 @@
             <a:fld id="{1D8BD707-D9CF-40AE-B4C6-C98DA3205C09}" type="datetimeFigureOut">
               <a:rPr lang="en-US" smtClean="0"/>
               <a:pPr/>
-              <a:t>1/8/2015</a:t>
+              <a:t>1/7/2015</a:t>
             </a:fld>
             <a:endParaRPr lang="en-US"/>
           </a:p>
@@ -2374,7 +2372,7 @@
             <a:fld id="{1D8BD707-D9CF-40AE-B4C6-C98DA3205C09}" type="datetimeFigureOut">
               <a:rPr lang="en-US" smtClean="0"/>
               <a:pPr/>
-              <a:t>1/8/2015</a:t>
+              <a:t>1/7/2015</a:t>
             </a:fld>
             <a:endParaRPr lang="en-US"/>
           </a:p>
@@ -2645,7 +2643,7 @@
             <a:fld id="{1D8BD707-D9CF-40AE-B4C6-C98DA3205C09}" type="datetimeFigureOut">
               <a:rPr lang="en-US" smtClean="0"/>
               <a:pPr/>
-              <a:t>1/8/2015</a:t>
+              <a:t>1/7/2015</a:t>
             </a:fld>
             <a:endParaRPr lang="en-US"/>
           </a:p>
@@ -2857,7 +2855,7 @@
             <a:fld id="{1D8BD707-D9CF-40AE-B4C6-C98DA3205C09}" type="datetimeFigureOut">
               <a:rPr lang="en-US" smtClean="0"/>
               <a:pPr/>
-              <a:t>1/8/2015</a:t>
+              <a:t>1/7/2015</a:t>
             </a:fld>
             <a:endParaRPr lang="en-US"/>
           </a:p>
@@ -3446,367 +3444,6 @@
       </p:par>
     </p:tnLst>
   </p:timing>
-</p:sld>
-</file>
-
-<file path=ppt/slides/slide10.xml><?xml version="1.0" encoding="utf-8"?>
-<p:sld xmlns:a="http://schemas.openxmlformats.org/drawingml/2006/main" xmlns:r="http://schemas.openxmlformats.org/officeDocument/2006/relationships" xmlns:p="http://schemas.openxmlformats.org/presentationml/2006/main">
-  <p:cSld>
-    <p:spTree>
-      <p:nvGrpSpPr>
-        <p:cNvPr id="1" name=""/>
-        <p:cNvGrpSpPr/>
-        <p:nvPr/>
-      </p:nvGrpSpPr>
-      <p:grpSpPr>
-        <a:xfrm>
-          <a:off x="0" y="0"/>
-          <a:ext cx="0" cy="0"/>
-          <a:chOff x="0" y="0"/>
-          <a:chExt cx="0" cy="0"/>
-        </a:xfrm>
-      </p:grpSpPr>
-      <p:sp>
-        <p:nvSpPr>
-          <p:cNvPr id="2" name="Title 1"/>
-          <p:cNvSpPr>
-            <a:spLocks noGrp="1"/>
-          </p:cNvSpPr>
-          <p:nvPr>
-            <p:ph type="title"/>
-          </p:nvPr>
-        </p:nvSpPr>
-        <p:spPr/>
-        <p:txBody>
-          <a:bodyPr/>
-          <a:lstStyle/>
-          <a:p>
-            <a:r>
-              <a:rPr lang="en-US" dirty="0" smtClean="0"/>
-              <a:t>Leap Motion </a:t>
-            </a:r>
-            <a:r>
-              <a:rPr lang="en-US" dirty="0" err="1" smtClean="0"/>
-              <a:t>kontroler</a:t>
-            </a:r>
-            <a:endParaRPr lang="hr-HR" dirty="0"/>
-          </a:p>
-        </p:txBody>
-      </p:sp>
-      <p:sp>
-        <p:nvSpPr>
-          <p:cNvPr id="5" name="Content Placeholder 4"/>
-          <p:cNvSpPr>
-            <a:spLocks noGrp="1"/>
-          </p:cNvSpPr>
-          <p:nvPr>
-            <p:ph idx="1"/>
-          </p:nvPr>
-        </p:nvSpPr>
-        <p:spPr/>
-        <p:txBody>
-          <a:bodyPr/>
-          <a:lstStyle/>
-          <a:p>
-            <a:r>
-              <a:rPr lang="en-US" dirty="0" smtClean="0"/>
-              <a:t>3 IR LED</a:t>
-            </a:r>
-          </a:p>
-          <a:p>
-            <a:r>
-              <a:rPr lang="en-US" dirty="0" smtClean="0"/>
-              <a:t>2 IR </a:t>
-            </a:r>
-            <a:r>
-              <a:rPr lang="en-US" dirty="0" err="1"/>
-              <a:t>k</a:t>
-            </a:r>
-            <a:r>
-              <a:rPr lang="en-US" dirty="0" err="1" smtClean="0"/>
-              <a:t>amere</a:t>
-            </a:r>
-            <a:endParaRPr lang="en-US" dirty="0" smtClean="0"/>
-          </a:p>
-          <a:p>
-            <a:r>
-              <a:rPr lang="en-US" dirty="0" err="1" smtClean="0"/>
-              <a:t>Komplicirana</a:t>
-            </a:r>
-            <a:r>
-              <a:rPr lang="en-US" dirty="0" smtClean="0"/>
-              <a:t> </a:t>
-            </a:r>
-            <a:r>
-              <a:rPr lang="en-US" dirty="0" err="1" smtClean="0"/>
-              <a:t>matematika</a:t>
-            </a:r>
-            <a:endParaRPr lang="en-US" dirty="0" smtClean="0"/>
-          </a:p>
-          <a:p>
-            <a:r>
-              <a:rPr lang="en-US" dirty="0" err="1" smtClean="0"/>
-              <a:t>Rekonstrukcija</a:t>
-            </a:r>
-            <a:r>
-              <a:rPr lang="en-US" dirty="0" smtClean="0"/>
-              <a:t> </a:t>
-            </a:r>
-            <a:r>
-              <a:rPr lang="en-US" dirty="0" err="1" smtClean="0"/>
-              <a:t>pokreta</a:t>
-            </a:r>
-            <a:r>
-              <a:rPr lang="en-US" dirty="0" smtClean="0"/>
-              <a:t/>
-            </a:r>
-            <a:br>
-              <a:rPr lang="en-US" dirty="0" smtClean="0"/>
-            </a:br>
-            <a:r>
-              <a:rPr lang="hr-HR" dirty="0" smtClean="0"/>
-              <a:t>šaka i prstiju </a:t>
-            </a:r>
-            <a:r>
-              <a:rPr lang="en-US" dirty="0" err="1" smtClean="0"/>
-              <a:t>iznad</a:t>
-            </a:r>
-            <a:r>
-              <a:rPr lang="en-US" dirty="0" smtClean="0"/>
-              <a:t> </a:t>
-            </a:r>
-            <a:r>
-              <a:rPr lang="en-US" dirty="0" err="1" smtClean="0"/>
-              <a:t>ure</a:t>
-            </a:r>
-            <a:r>
-              <a:rPr lang="hr-HR" dirty="0"/>
-              <a:t>đ</a:t>
-            </a:r>
-            <a:r>
-              <a:rPr lang="en-US" dirty="0" err="1" smtClean="0"/>
-              <a:t>aja</a:t>
-            </a:r>
-            <a:endParaRPr lang="hr-HR" dirty="0"/>
-          </a:p>
-        </p:txBody>
-      </p:sp>
-      <p:pic>
-        <p:nvPicPr>
-          <p:cNvPr id="1026" name="Picture 2" descr="C:\Projects\CMakeProjects\IG-Project\Dokumentacija\leap-controller.jpg"/>
-          <p:cNvPicPr>
-            <a:picLocks noChangeAspect="1" noChangeArrowheads="1"/>
-          </p:cNvPicPr>
-          <p:nvPr/>
-        </p:nvPicPr>
-        <p:blipFill>
-          <a:blip r:embed="rId2">
-            <a:extLst>
-              <a:ext uri="{28A0092B-C50C-407E-A947-70E740481C1C}">
-                <a14:useLocalDpi xmlns:a14="http://schemas.microsoft.com/office/drawing/2010/main" val="0"/>
-              </a:ext>
-            </a:extLst>
-          </a:blip>
-          <a:srcRect/>
-          <a:stretch>
-            <a:fillRect/>
-          </a:stretch>
-        </p:blipFill>
-        <p:spPr bwMode="auto">
-          <a:xfrm>
-            <a:off x="4953000" y="2223911"/>
-            <a:ext cx="3600626" cy="2973490"/>
-          </a:xfrm>
-          <a:prstGeom prst="rect">
-            <a:avLst/>
-          </a:prstGeom>
-          <a:noFill/>
-          <a:extLst>
-            <a:ext uri="{909E8E84-426E-40DD-AFC4-6F175D3DCCD1}">
-              <a14:hiddenFill xmlns:a14="http://schemas.microsoft.com/office/drawing/2010/main">
-                <a:solidFill>
-                  <a:srgbClr val="FFFFFF"/>
-                </a:solidFill>
-              </a14:hiddenFill>
-            </a:ext>
-          </a:extLst>
-        </p:spPr>
-      </p:pic>
-    </p:spTree>
-    <p:extLst>
-      <p:ext uri="{BB962C8B-B14F-4D97-AF65-F5344CB8AC3E}">
-        <p14:creationId xmlns:p14="http://schemas.microsoft.com/office/powerpoint/2010/main" val="3037622180"/>
-      </p:ext>
-    </p:extLst>
-  </p:cSld>
-  <p:clrMapOvr>
-    <a:masterClrMapping/>
-  </p:clrMapOvr>
-</p:sld>
-</file>
-
-<file path=ppt/slides/slide11.xml><?xml version="1.0" encoding="utf-8"?>
-<p:sld xmlns:a="http://schemas.openxmlformats.org/drawingml/2006/main" xmlns:r="http://schemas.openxmlformats.org/officeDocument/2006/relationships" xmlns:p="http://schemas.openxmlformats.org/presentationml/2006/main">
-  <p:cSld>
-    <p:spTree>
-      <p:nvGrpSpPr>
-        <p:cNvPr id="1" name=""/>
-        <p:cNvGrpSpPr/>
-        <p:nvPr/>
-      </p:nvGrpSpPr>
-      <p:grpSpPr>
-        <a:xfrm>
-          <a:off x="0" y="0"/>
-          <a:ext cx="0" cy="0"/>
-          <a:chOff x="0" y="0"/>
-          <a:chExt cx="0" cy="0"/>
-        </a:xfrm>
-      </p:grpSpPr>
-      <p:sp>
-        <p:nvSpPr>
-          <p:cNvPr id="2" name="Title 1"/>
-          <p:cNvSpPr>
-            <a:spLocks noGrp="1"/>
-          </p:cNvSpPr>
-          <p:nvPr>
-            <p:ph type="title"/>
-          </p:nvPr>
-        </p:nvSpPr>
-        <p:spPr/>
-        <p:txBody>
-          <a:bodyPr/>
-          <a:lstStyle/>
-          <a:p>
-            <a:r>
-              <a:rPr lang="hr-HR" dirty="0" smtClean="0"/>
-              <a:t>Upravljanje autom</a:t>
-            </a:r>
-            <a:endParaRPr lang="hr-HR" dirty="0"/>
-          </a:p>
-        </p:txBody>
-      </p:sp>
-      <p:sp>
-        <p:nvSpPr>
-          <p:cNvPr id="3" name="Content Placeholder 2"/>
-          <p:cNvSpPr>
-            <a:spLocks noGrp="1"/>
-          </p:cNvSpPr>
-          <p:nvPr>
-            <p:ph idx="1"/>
-          </p:nvPr>
-        </p:nvSpPr>
-        <p:spPr/>
-        <p:txBody>
-          <a:bodyPr/>
-          <a:lstStyle/>
-          <a:p>
-            <a:r>
-              <a:rPr lang="hr-HR" dirty="0" smtClean="0"/>
-              <a:t>Leap detektira dlan</a:t>
-            </a:r>
-          </a:p>
-          <a:p>
-            <a:r>
-              <a:rPr lang="hr-HR" dirty="0" smtClean="0"/>
-              <a:t>Koristi se vektor normale</a:t>
-            </a:r>
-            <a:br>
-              <a:rPr lang="hr-HR" dirty="0" smtClean="0"/>
-            </a:br>
-            <a:r>
-              <a:rPr lang="hr-HR" dirty="0" smtClean="0"/>
-              <a:t>na dlan </a:t>
-            </a:r>
-            <a:r>
-              <a:rPr lang="en-US" dirty="0" err="1" smtClean="0"/>
-              <a:t>za</a:t>
-            </a:r>
-            <a:r>
-              <a:rPr lang="en-US" dirty="0" smtClean="0"/>
-              <a:t> </a:t>
-            </a:r>
-            <a:r>
-              <a:rPr lang="en-US" dirty="0" err="1" smtClean="0"/>
-              <a:t>usmjeravanje</a:t>
-            </a:r>
-            <a:r>
-              <a:rPr lang="en-US" dirty="0"/>
-              <a:t/>
-            </a:r>
-            <a:br>
-              <a:rPr lang="en-US" dirty="0"/>
-            </a:br>
-            <a:r>
-              <a:rPr lang="en-US" dirty="0" smtClean="0"/>
-              <a:t>i </a:t>
-            </a:r>
-            <a:r>
-              <a:rPr lang="en-US" dirty="0" err="1" smtClean="0"/>
-              <a:t>pokretanje</a:t>
-            </a:r>
-            <a:r>
-              <a:rPr lang="en-US" dirty="0" smtClean="0"/>
-              <a:t> </a:t>
-            </a:r>
-            <a:r>
-              <a:rPr lang="en-US" dirty="0" err="1" smtClean="0"/>
-              <a:t>auta</a:t>
-            </a:r>
-            <a:endParaRPr lang="hr-HR" dirty="0"/>
-          </a:p>
-        </p:txBody>
-      </p:sp>
-      <p:pic>
-        <p:nvPicPr>
-          <p:cNvPr id="2050" name="Picture 2" descr="C:\Projects\CMakeProjects\IG-Project\Dokumentacija\leap-ruka.png"/>
-          <p:cNvPicPr>
-            <a:picLocks noChangeAspect="1" noChangeArrowheads="1"/>
-          </p:cNvPicPr>
-          <p:nvPr/>
-        </p:nvPicPr>
-        <p:blipFill>
-          <a:blip r:embed="rId2">
-            <a:extLst>
-              <a:ext uri="{28A0092B-C50C-407E-A947-70E740481C1C}">
-                <a14:useLocalDpi xmlns:a14="http://schemas.microsoft.com/office/drawing/2010/main" val="0"/>
-              </a:ext>
-            </a:extLst>
-          </a:blip>
-          <a:srcRect/>
-          <a:stretch>
-            <a:fillRect/>
-          </a:stretch>
-        </p:blipFill>
-        <p:spPr bwMode="auto">
-          <a:xfrm>
-            <a:off x="4876800" y="2514599"/>
-            <a:ext cx="3524250" cy="2638425"/>
-          </a:xfrm>
-          <a:prstGeom prst="rect">
-            <a:avLst/>
-          </a:prstGeom>
-          <a:noFill/>
-          <a:extLst>
-            <a:ext uri="{909E8E84-426E-40DD-AFC4-6F175D3DCCD1}">
-              <a14:hiddenFill xmlns:a14="http://schemas.microsoft.com/office/drawing/2010/main">
-                <a:solidFill>
-                  <a:srgbClr val="FFFFFF"/>
-                </a:solidFill>
-              </a14:hiddenFill>
-            </a:ext>
-          </a:extLst>
-        </p:spPr>
-      </p:pic>
-    </p:spTree>
-    <p:extLst>
-      <p:ext uri="{BB962C8B-B14F-4D97-AF65-F5344CB8AC3E}">
-        <p14:creationId xmlns:p14="http://schemas.microsoft.com/office/powerpoint/2010/main" val="4152293938"/>
-      </p:ext>
-    </p:extLst>
-  </p:cSld>
-  <p:clrMapOvr>
-    <a:masterClrMapping/>
-  </p:clrMapOvr>
 </p:sld>
 </file>
 

--- a/Dokumentacija/Prezentacija.pptx
+++ b/Dokumentacija/Prezentacija.pptx
@@ -14,6 +14,13 @@
     <p:sldId id="261" r:id="rId8"/>
     <p:sldId id="262" r:id="rId9"/>
     <p:sldId id="263" r:id="rId10"/>
+    <p:sldId id="265" r:id="rId11"/>
+    <p:sldId id="266" r:id="rId12"/>
+    <p:sldId id="267" r:id="rId13"/>
+    <p:sldId id="268" r:id="rId14"/>
+    <p:sldId id="269" r:id="rId15"/>
+    <p:sldId id="270" r:id="rId16"/>
+    <p:sldId id="271" r:id="rId17"/>
   </p:sldIdLst>
   <p:sldSz cx="9144000" cy="6858000" type="screen4x3"/>
   <p:notesSz cx="6858000" cy="9144000"/>
@@ -308,7 +315,7 @@
             <a:fld id="{1D8BD707-D9CF-40AE-B4C6-C98DA3205C09}" type="datetimeFigureOut">
               <a:rPr lang="en-US" smtClean="0"/>
               <a:pPr/>
-              <a:t>1/7/2015</a:t>
+              <a:t>1/8/2015</a:t>
             </a:fld>
             <a:endParaRPr lang="en-US"/>
           </a:p>
@@ -475,7 +482,7 @@
             <a:fld id="{1D8BD707-D9CF-40AE-B4C6-C98DA3205C09}" type="datetimeFigureOut">
               <a:rPr lang="en-US" smtClean="0"/>
               <a:pPr/>
-              <a:t>1/7/2015</a:t>
+              <a:t>1/8/2015</a:t>
             </a:fld>
             <a:endParaRPr lang="en-US"/>
           </a:p>
@@ -652,7 +659,7 @@
             <a:fld id="{1D8BD707-D9CF-40AE-B4C6-C98DA3205C09}" type="datetimeFigureOut">
               <a:rPr lang="en-US" smtClean="0"/>
               <a:pPr/>
-              <a:t>1/7/2015</a:t>
+              <a:t>1/8/2015</a:t>
             </a:fld>
             <a:endParaRPr lang="en-US"/>
           </a:p>
@@ -837,7 +844,7 @@
             <a:fld id="{1D8BD707-D9CF-40AE-B4C6-C98DA3205C09}" type="datetimeFigureOut">
               <a:rPr lang="en-US" smtClean="0"/>
               <a:pPr/>
-              <a:t>1/7/2015</a:t>
+              <a:t>1/8/2015</a:t>
             </a:fld>
             <a:endParaRPr lang="en-US"/>
           </a:p>
@@ -1101,7 +1108,7 @@
             <a:fld id="{1D8BD707-D9CF-40AE-B4C6-C98DA3205C09}" type="datetimeFigureOut">
               <a:rPr lang="en-US" smtClean="0"/>
               <a:pPr/>
-              <a:t>1/7/2015</a:t>
+              <a:t>1/8/2015</a:t>
             </a:fld>
             <a:endParaRPr lang="en-US"/>
           </a:p>
@@ -1451,7 +1458,7 @@
             <a:fld id="{1D8BD707-D9CF-40AE-B4C6-C98DA3205C09}" type="datetimeFigureOut">
               <a:rPr lang="en-US" smtClean="0"/>
               <a:pPr/>
-              <a:t>1/7/2015</a:t>
+              <a:t>1/8/2015</a:t>
             </a:fld>
             <a:endParaRPr lang="en-US"/>
           </a:p>
@@ -1761,7 +1768,7 @@
             <a:fld id="{1D8BD707-D9CF-40AE-B4C6-C98DA3205C09}" type="datetimeFigureOut">
               <a:rPr lang="en-US" smtClean="0"/>
               <a:pPr/>
-              <a:t>1/7/2015</a:t>
+              <a:t>1/8/2015</a:t>
             </a:fld>
             <a:endParaRPr lang="en-US"/>
           </a:p>
@@ -1990,7 +1997,7 @@
             <a:fld id="{1D8BD707-D9CF-40AE-B4C6-C98DA3205C09}" type="datetimeFigureOut">
               <a:rPr lang="en-US" smtClean="0"/>
               <a:pPr/>
-              <a:t>1/7/2015</a:t>
+              <a:t>1/8/2015</a:t>
             </a:fld>
             <a:endParaRPr lang="en-US"/>
           </a:p>
@@ -2082,7 +2089,7 @@
             <a:fld id="{1D8BD707-D9CF-40AE-B4C6-C98DA3205C09}" type="datetimeFigureOut">
               <a:rPr lang="en-US" smtClean="0"/>
               <a:pPr/>
-              <a:t>1/7/2015</a:t>
+              <a:t>1/8/2015</a:t>
             </a:fld>
             <a:endParaRPr lang="en-US"/>
           </a:p>
@@ -2372,7 +2379,7 @@
             <a:fld id="{1D8BD707-D9CF-40AE-B4C6-C98DA3205C09}" type="datetimeFigureOut">
               <a:rPr lang="en-US" smtClean="0"/>
               <a:pPr/>
-              <a:t>1/7/2015</a:t>
+              <a:t>1/8/2015</a:t>
             </a:fld>
             <a:endParaRPr lang="en-US"/>
           </a:p>
@@ -2643,7 +2650,7 @@
             <a:fld id="{1D8BD707-D9CF-40AE-B4C6-C98DA3205C09}" type="datetimeFigureOut">
               <a:rPr lang="en-US" smtClean="0"/>
               <a:pPr/>
-              <a:t>1/7/2015</a:t>
+              <a:t>1/8/2015</a:t>
             </a:fld>
             <a:endParaRPr lang="en-US"/>
           </a:p>
@@ -2855,7 +2862,7 @@
             <a:fld id="{1D8BD707-D9CF-40AE-B4C6-C98DA3205C09}" type="datetimeFigureOut">
               <a:rPr lang="en-US" smtClean="0"/>
               <a:pPr/>
-              <a:t>1/7/2015</a:t>
+              <a:t>1/8/2015</a:t>
             </a:fld>
             <a:endParaRPr lang="en-US"/>
           </a:p>
@@ -3444,6 +3451,956 @@
       </p:par>
     </p:tnLst>
   </p:timing>
+</p:sld>
+</file>
+
+<file path=ppt/slides/slide10.xml><?xml version="1.0" encoding="utf-8"?>
+<p:sld xmlns:a="http://schemas.openxmlformats.org/drawingml/2006/main" xmlns:r="http://schemas.openxmlformats.org/officeDocument/2006/relationships" xmlns:p="http://schemas.openxmlformats.org/presentationml/2006/main">
+  <p:cSld>
+    <p:spTree>
+      <p:nvGrpSpPr>
+        <p:cNvPr id="1" name=""/>
+        <p:cNvGrpSpPr/>
+        <p:nvPr/>
+      </p:nvGrpSpPr>
+      <p:grpSpPr>
+        <a:xfrm>
+          <a:off x="0" y="0"/>
+          <a:ext cx="0" cy="0"/>
+          <a:chOff x="0" y="0"/>
+          <a:chExt cx="0" cy="0"/>
+        </a:xfrm>
+      </p:grpSpPr>
+      <p:sp>
+        <p:nvSpPr>
+          <p:cNvPr id="4" name="Title 3"/>
+          <p:cNvSpPr>
+            <a:spLocks noGrp="1"/>
+          </p:cNvSpPr>
+          <p:nvPr>
+            <p:ph type="title"/>
+          </p:nvPr>
+        </p:nvSpPr>
+        <p:spPr/>
+        <p:txBody>
+          <a:bodyPr/>
+          <a:lstStyle/>
+          <a:p>
+            <a:r>
+              <a:rPr lang="hr-HR" dirty="0" smtClean="0"/>
+              <a:t>Zvučna simulacija</a:t>
+            </a:r>
+            <a:endParaRPr lang="hr-HR" dirty="0"/>
+          </a:p>
+        </p:txBody>
+      </p:sp>
+      <p:sp>
+        <p:nvSpPr>
+          <p:cNvPr id="5" name="Text Placeholder 4"/>
+          <p:cNvSpPr>
+            <a:spLocks noGrp="1"/>
+          </p:cNvSpPr>
+          <p:nvPr>
+            <p:ph type="body" idx="1"/>
+          </p:nvPr>
+        </p:nvSpPr>
+        <p:spPr/>
+        <p:txBody>
+          <a:bodyPr/>
+          <a:lstStyle/>
+          <a:p>
+            <a:endParaRPr lang="hr-HR" dirty="0"/>
+          </a:p>
+        </p:txBody>
+      </p:sp>
+    </p:spTree>
+    <p:extLst>
+      <p:ext uri="{BB962C8B-B14F-4D97-AF65-F5344CB8AC3E}">
+        <p14:creationId xmlns:p14="http://schemas.microsoft.com/office/powerpoint/2010/main" val="2267565220"/>
+      </p:ext>
+    </p:extLst>
+  </p:cSld>
+  <p:clrMapOvr>
+    <a:masterClrMapping/>
+  </p:clrMapOvr>
+  <p:timing>
+    <p:tnLst>
+      <p:par>
+        <p:cTn id="1" dur="indefinite" restart="never" nodeType="tmRoot"/>
+      </p:par>
+    </p:tnLst>
+  </p:timing>
+</p:sld>
+</file>
+
+<file path=ppt/slides/slide11.xml><?xml version="1.0" encoding="utf-8"?>
+<p:sld xmlns:a="http://schemas.openxmlformats.org/drawingml/2006/main" xmlns:r="http://schemas.openxmlformats.org/officeDocument/2006/relationships" xmlns:p="http://schemas.openxmlformats.org/presentationml/2006/main">
+  <p:cSld>
+    <p:spTree>
+      <p:nvGrpSpPr>
+        <p:cNvPr id="1" name=""/>
+        <p:cNvGrpSpPr/>
+        <p:nvPr/>
+      </p:nvGrpSpPr>
+      <p:grpSpPr>
+        <a:xfrm>
+          <a:off x="0" y="0"/>
+          <a:ext cx="0" cy="0"/>
+          <a:chOff x="0" y="0"/>
+          <a:chExt cx="0" cy="0"/>
+        </a:xfrm>
+      </p:grpSpPr>
+      <p:sp>
+        <p:nvSpPr>
+          <p:cNvPr id="2" name="Title 1"/>
+          <p:cNvSpPr>
+            <a:spLocks noGrp="1"/>
+          </p:cNvSpPr>
+          <p:nvPr>
+            <p:ph type="title"/>
+          </p:nvPr>
+        </p:nvSpPr>
+        <p:spPr/>
+        <p:txBody>
+          <a:bodyPr/>
+          <a:lstStyle/>
+          <a:p>
+            <a:r>
+              <a:rPr lang="hr-HR" dirty="0" smtClean="0"/>
+              <a:t>Izvori zvukova</a:t>
+            </a:r>
+            <a:endParaRPr lang="hr-HR" dirty="0"/>
+          </a:p>
+        </p:txBody>
+      </p:sp>
+      <p:sp>
+        <p:nvSpPr>
+          <p:cNvPr id="3" name="Content Placeholder 2"/>
+          <p:cNvSpPr>
+            <a:spLocks noGrp="1"/>
+          </p:cNvSpPr>
+          <p:nvPr>
+            <p:ph idx="1"/>
+          </p:nvPr>
+        </p:nvSpPr>
+        <p:spPr/>
+        <p:txBody>
+          <a:bodyPr/>
+          <a:lstStyle/>
+          <a:p>
+            <a:r>
+              <a:rPr lang="hr-HR" dirty="0" smtClean="0"/>
+              <a:t>Učitavanje iz zvučnih datoteka</a:t>
+            </a:r>
+          </a:p>
+          <a:p>
+            <a:pPr lvl="1"/>
+            <a:r>
+              <a:rPr lang="hr-HR" dirty="0" smtClean="0"/>
+              <a:t>U RAM ili direktna reprodukcija sa tvrdog diska</a:t>
+            </a:r>
+          </a:p>
+          <a:p>
+            <a:pPr lvl="1"/>
+            <a:endParaRPr lang="hr-HR" dirty="0" smtClean="0"/>
+          </a:p>
+          <a:p>
+            <a:r>
+              <a:rPr lang="hr-HR" dirty="0" smtClean="0"/>
+              <a:t>Postavljanje pozicije</a:t>
+            </a:r>
+          </a:p>
+          <a:p>
+            <a:pPr lvl="1"/>
+            <a:r>
+              <a:rPr lang="hr-HR" dirty="0" smtClean="0"/>
+              <a:t>Preko 3D vektora</a:t>
+            </a:r>
+          </a:p>
+          <a:p>
+            <a:pPr lvl="1"/>
+            <a:endParaRPr lang="hr-HR" dirty="0"/>
+          </a:p>
+          <a:p>
+            <a:pPr lvl="1"/>
+            <a:endParaRPr lang="hr-HR" dirty="0"/>
+          </a:p>
+        </p:txBody>
+      </p:sp>
+      <p:pic>
+        <p:nvPicPr>
+          <p:cNvPr id="4" name="Picture 3"/>
+          <p:cNvPicPr>
+            <a:picLocks noChangeAspect="1"/>
+          </p:cNvPicPr>
+          <p:nvPr/>
+        </p:nvPicPr>
+        <p:blipFill>
+          <a:blip r:embed="rId2">
+            <a:extLst>
+              <a:ext uri="{28A0092B-C50C-407E-A947-70E740481C1C}">
+                <a14:useLocalDpi xmlns:a14="http://schemas.microsoft.com/office/drawing/2010/main" val="0"/>
+              </a:ext>
+            </a:extLst>
+          </a:blip>
+          <a:stretch>
+            <a:fillRect/>
+          </a:stretch>
+        </p:blipFill>
+        <p:spPr>
+          <a:xfrm>
+            <a:off x="768607" y="3657600"/>
+            <a:ext cx="7606786" cy="2448000"/>
+          </a:xfrm>
+          <a:prstGeom prst="rect">
+            <a:avLst/>
+          </a:prstGeom>
+        </p:spPr>
+      </p:pic>
+    </p:spTree>
+    <p:extLst>
+      <p:ext uri="{BB962C8B-B14F-4D97-AF65-F5344CB8AC3E}">
+        <p14:creationId xmlns:p14="http://schemas.microsoft.com/office/powerpoint/2010/main" val="3019331709"/>
+      </p:ext>
+    </p:extLst>
+  </p:cSld>
+  <p:clrMapOvr>
+    <a:masterClrMapping/>
+  </p:clrMapOvr>
+  <p:timing>
+    <p:tnLst>
+      <p:par>
+        <p:cTn id="1" dur="indefinite" restart="never" nodeType="tmRoot"/>
+      </p:par>
+    </p:tnLst>
+  </p:timing>
+</p:sld>
+</file>
+
+<file path=ppt/slides/slide12.xml><?xml version="1.0" encoding="utf-8"?>
+<p:sld xmlns:a="http://schemas.openxmlformats.org/drawingml/2006/main" xmlns:r="http://schemas.openxmlformats.org/officeDocument/2006/relationships" xmlns:p="http://schemas.openxmlformats.org/presentationml/2006/main">
+  <p:cSld>
+    <p:spTree>
+      <p:nvGrpSpPr>
+        <p:cNvPr id="1" name=""/>
+        <p:cNvGrpSpPr/>
+        <p:nvPr/>
+      </p:nvGrpSpPr>
+      <p:grpSpPr>
+        <a:xfrm>
+          <a:off x="0" y="0"/>
+          <a:ext cx="0" cy="0"/>
+          <a:chOff x="0" y="0"/>
+          <a:chExt cx="0" cy="0"/>
+        </a:xfrm>
+      </p:grpSpPr>
+      <p:sp>
+        <p:nvSpPr>
+          <p:cNvPr id="2" name="Title 1"/>
+          <p:cNvSpPr>
+            <a:spLocks noGrp="1"/>
+          </p:cNvSpPr>
+          <p:nvPr>
+            <p:ph type="title"/>
+          </p:nvPr>
+        </p:nvSpPr>
+        <p:spPr/>
+        <p:txBody>
+          <a:bodyPr/>
+          <a:lstStyle/>
+          <a:p>
+            <a:r>
+              <a:rPr lang="hr-HR" dirty="0"/>
+              <a:t>S</a:t>
+            </a:r>
+            <a:r>
+              <a:rPr lang="hr-HR" dirty="0" smtClean="0"/>
+              <a:t>lušatelj</a:t>
+            </a:r>
+            <a:endParaRPr lang="hr-HR" dirty="0"/>
+          </a:p>
+        </p:txBody>
+      </p:sp>
+      <p:sp>
+        <p:nvSpPr>
+          <p:cNvPr id="3" name="Content Placeholder 2"/>
+          <p:cNvSpPr>
+            <a:spLocks noGrp="1"/>
+          </p:cNvSpPr>
+          <p:nvPr>
+            <p:ph idx="1"/>
+          </p:nvPr>
+        </p:nvSpPr>
+        <p:spPr/>
+        <p:txBody>
+          <a:bodyPr/>
+          <a:lstStyle/>
+          <a:p>
+            <a:r>
+              <a:rPr lang="hr-HR" dirty="0"/>
+              <a:t>Postavljanje </a:t>
+            </a:r>
+            <a:r>
+              <a:rPr lang="hr-HR" dirty="0" smtClean="0"/>
+              <a:t>pozicije</a:t>
+            </a:r>
+            <a:r>
+              <a:rPr lang="hr-HR" dirty="0"/>
+              <a:t> </a:t>
+            </a:r>
+            <a:r>
+              <a:rPr lang="hr-HR" dirty="0" smtClean="0"/>
+              <a:t>i orijentacije</a:t>
+            </a:r>
+          </a:p>
+          <a:p>
+            <a:pPr lvl="1"/>
+            <a:r>
+              <a:rPr lang="hr-HR" dirty="0" smtClean="0"/>
+              <a:t>Pozicija preko 3D vektora</a:t>
+            </a:r>
+          </a:p>
+          <a:p>
+            <a:pPr lvl="1"/>
+            <a:r>
+              <a:rPr lang="hr-HR" dirty="0" smtClean="0"/>
+              <a:t>Orijentacija preko tri vektora</a:t>
+            </a:r>
+          </a:p>
+          <a:p>
+            <a:pPr lvl="1"/>
+            <a:endParaRPr lang="hr-HR" dirty="0" smtClean="0"/>
+          </a:p>
+          <a:p>
+            <a:r>
+              <a:rPr lang="hr-HR" dirty="0" smtClean="0"/>
+              <a:t>Položaj i orijentacija istovjetni s onima od kamere</a:t>
+            </a:r>
+            <a:endParaRPr lang="hr-HR" dirty="0"/>
+          </a:p>
+          <a:p>
+            <a:endParaRPr lang="hr-HR" dirty="0" smtClean="0"/>
+          </a:p>
+        </p:txBody>
+      </p:sp>
+      <p:pic>
+        <p:nvPicPr>
+          <p:cNvPr id="4" name="Picture 3"/>
+          <p:cNvPicPr>
+            <a:picLocks noChangeAspect="1"/>
+          </p:cNvPicPr>
+          <p:nvPr/>
+        </p:nvPicPr>
+        <p:blipFill>
+          <a:blip r:embed="rId2">
+            <a:extLst>
+              <a:ext uri="{28A0092B-C50C-407E-A947-70E740481C1C}">
+                <a14:useLocalDpi xmlns:a14="http://schemas.microsoft.com/office/drawing/2010/main" val="0"/>
+              </a:ext>
+            </a:extLst>
+          </a:blip>
+          <a:stretch>
+            <a:fillRect/>
+          </a:stretch>
+        </p:blipFill>
+        <p:spPr>
+          <a:xfrm>
+            <a:off x="2986088" y="3657600"/>
+            <a:ext cx="3171825" cy="2219325"/>
+          </a:xfrm>
+          <a:prstGeom prst="rect">
+            <a:avLst/>
+          </a:prstGeom>
+        </p:spPr>
+      </p:pic>
+    </p:spTree>
+    <p:extLst>
+      <p:ext uri="{BB962C8B-B14F-4D97-AF65-F5344CB8AC3E}">
+        <p14:creationId xmlns:p14="http://schemas.microsoft.com/office/powerpoint/2010/main" val="561081063"/>
+      </p:ext>
+    </p:extLst>
+  </p:cSld>
+  <p:clrMapOvr>
+    <a:masterClrMapping/>
+  </p:clrMapOvr>
+  <p:timing>
+    <p:tnLst>
+      <p:par>
+        <p:cTn id="1" dur="indefinite" restart="never" nodeType="tmRoot"/>
+      </p:par>
+    </p:tnLst>
+  </p:timing>
+</p:sld>
+</file>
+
+<file path=ppt/slides/slide13.xml><?xml version="1.0" encoding="utf-8"?>
+<p:sld xmlns:a="http://schemas.openxmlformats.org/drawingml/2006/main" xmlns:r="http://schemas.openxmlformats.org/officeDocument/2006/relationships" xmlns:p="http://schemas.openxmlformats.org/presentationml/2006/main">
+  <p:cSld>
+    <p:spTree>
+      <p:nvGrpSpPr>
+        <p:cNvPr id="1" name=""/>
+        <p:cNvGrpSpPr/>
+        <p:nvPr/>
+      </p:nvGrpSpPr>
+      <p:grpSpPr>
+        <a:xfrm>
+          <a:off x="0" y="0"/>
+          <a:ext cx="0" cy="0"/>
+          <a:chOff x="0" y="0"/>
+          <a:chExt cx="0" cy="0"/>
+        </a:xfrm>
+      </p:grpSpPr>
+      <p:sp>
+        <p:nvSpPr>
+          <p:cNvPr id="2" name="Title 1"/>
+          <p:cNvSpPr>
+            <a:spLocks noGrp="1"/>
+          </p:cNvSpPr>
+          <p:nvPr>
+            <p:ph type="title"/>
+          </p:nvPr>
+        </p:nvSpPr>
+        <p:spPr/>
+        <p:txBody>
+          <a:bodyPr/>
+          <a:lstStyle/>
+          <a:p>
+            <a:r>
+              <a:rPr lang="hr-HR" dirty="0" smtClean="0"/>
+              <a:t>Zvukovi u projektu</a:t>
+            </a:r>
+            <a:endParaRPr lang="hr-HR" dirty="0"/>
+          </a:p>
+        </p:txBody>
+      </p:sp>
+      <p:sp>
+        <p:nvSpPr>
+          <p:cNvPr id="3" name="Content Placeholder 2"/>
+          <p:cNvSpPr>
+            <a:spLocks noGrp="1"/>
+          </p:cNvSpPr>
+          <p:nvPr>
+            <p:ph idx="1"/>
+          </p:nvPr>
+        </p:nvSpPr>
+        <p:spPr/>
+        <p:txBody>
+          <a:bodyPr>
+            <a:normAutofit/>
+          </a:bodyPr>
+          <a:lstStyle/>
+          <a:p>
+            <a:r>
+              <a:rPr lang="hr-HR" dirty="0" smtClean="0"/>
+              <a:t>Zvuk rada motora</a:t>
+            </a:r>
+          </a:p>
+          <a:p>
+            <a:pPr lvl="1"/>
+            <a:r>
+              <a:rPr lang="hr-HR" dirty="0" smtClean="0"/>
+              <a:t>Stalno reproduciranje</a:t>
+            </a:r>
+          </a:p>
+          <a:p>
+            <a:pPr lvl="1"/>
+            <a:r>
+              <a:rPr lang="hr-HR" dirty="0" smtClean="0"/>
+              <a:t>Osvježavanje položaja u svakoj iteraciji petlje</a:t>
+            </a:r>
+          </a:p>
+          <a:p>
+            <a:pPr lvl="1"/>
+            <a:r>
+              <a:rPr lang="hr-HR" dirty="0" smtClean="0"/>
+              <a:t>Brzina reprodukcije ovisna o brzini automobila</a:t>
+            </a:r>
+          </a:p>
+          <a:p>
+            <a:endParaRPr lang="hr-HR" dirty="0" smtClean="0"/>
+          </a:p>
+          <a:p>
+            <a:r>
+              <a:rPr lang="hr-HR" dirty="0" smtClean="0"/>
+              <a:t>Zvuk škripanja guma</a:t>
+            </a:r>
+          </a:p>
+          <a:p>
+            <a:pPr lvl="1"/>
+            <a:r>
+              <a:rPr lang="hr-HR" dirty="0" smtClean="0"/>
+              <a:t>Osvježavanje položaja</a:t>
+            </a:r>
+          </a:p>
+          <a:p>
+            <a:pPr lvl="1"/>
+            <a:r>
+              <a:rPr lang="hr-HR" dirty="0" smtClean="0"/>
+              <a:t>Reprodukcija ovisi o stanju automobila</a:t>
+            </a:r>
+          </a:p>
+        </p:txBody>
+      </p:sp>
+    </p:spTree>
+    <p:extLst>
+      <p:ext uri="{BB962C8B-B14F-4D97-AF65-F5344CB8AC3E}">
+        <p14:creationId xmlns:p14="http://schemas.microsoft.com/office/powerpoint/2010/main" val="3096897854"/>
+      </p:ext>
+    </p:extLst>
+  </p:cSld>
+  <p:clrMapOvr>
+    <a:masterClrMapping/>
+  </p:clrMapOvr>
+  <p:timing>
+    <p:tnLst>
+      <p:par>
+        <p:cTn id="1" dur="indefinite" restart="never" nodeType="tmRoot"/>
+      </p:par>
+    </p:tnLst>
+  </p:timing>
+</p:sld>
+</file>
+
+<file path=ppt/slides/slide14.xml><?xml version="1.0" encoding="utf-8"?>
+<p:sld xmlns:a="http://schemas.openxmlformats.org/drawingml/2006/main" xmlns:r="http://schemas.openxmlformats.org/officeDocument/2006/relationships" xmlns:p="http://schemas.openxmlformats.org/presentationml/2006/main">
+  <p:cSld>
+    <p:spTree>
+      <p:nvGrpSpPr>
+        <p:cNvPr id="1" name=""/>
+        <p:cNvGrpSpPr/>
+        <p:nvPr/>
+      </p:nvGrpSpPr>
+      <p:grpSpPr>
+        <a:xfrm>
+          <a:off x="0" y="0"/>
+          <a:ext cx="0" cy="0"/>
+          <a:chOff x="0" y="0"/>
+          <a:chExt cx="0" cy="0"/>
+        </a:xfrm>
+      </p:grpSpPr>
+      <p:sp>
+        <p:nvSpPr>
+          <p:cNvPr id="4" name="Title 3"/>
+          <p:cNvSpPr>
+            <a:spLocks noGrp="1"/>
+          </p:cNvSpPr>
+          <p:nvPr>
+            <p:ph type="title"/>
+          </p:nvPr>
+        </p:nvSpPr>
+        <p:spPr/>
+        <p:txBody>
+          <a:bodyPr/>
+          <a:lstStyle/>
+          <a:p>
+            <a:r>
+              <a:rPr lang="en-US" dirty="0" smtClean="0"/>
+              <a:t>Leap Motion</a:t>
+            </a:r>
+            <a:endParaRPr lang="hr-HR" dirty="0"/>
+          </a:p>
+        </p:txBody>
+      </p:sp>
+      <p:sp>
+        <p:nvSpPr>
+          <p:cNvPr id="5" name="Text Placeholder 4"/>
+          <p:cNvSpPr>
+            <a:spLocks noGrp="1"/>
+          </p:cNvSpPr>
+          <p:nvPr>
+            <p:ph type="body" idx="1"/>
+          </p:nvPr>
+        </p:nvSpPr>
+        <p:spPr/>
+        <p:txBody>
+          <a:bodyPr/>
+          <a:lstStyle/>
+          <a:p>
+            <a:endParaRPr lang="hr-HR"/>
+          </a:p>
+        </p:txBody>
+      </p:sp>
+    </p:spTree>
+    <p:extLst>
+      <p:ext uri="{BB962C8B-B14F-4D97-AF65-F5344CB8AC3E}">
+        <p14:creationId xmlns:p14="http://schemas.microsoft.com/office/powerpoint/2010/main" val="2112996390"/>
+      </p:ext>
+    </p:extLst>
+  </p:cSld>
+  <p:clrMapOvr>
+    <a:masterClrMapping/>
+  </p:clrMapOvr>
+</p:sld>
+</file>
+
+<file path=ppt/slides/slide15.xml><?xml version="1.0" encoding="utf-8"?>
+<p:sld xmlns:a="http://schemas.openxmlformats.org/drawingml/2006/main" xmlns:r="http://schemas.openxmlformats.org/officeDocument/2006/relationships" xmlns:p="http://schemas.openxmlformats.org/presentationml/2006/main">
+  <p:cSld>
+    <p:spTree>
+      <p:nvGrpSpPr>
+        <p:cNvPr id="1" name=""/>
+        <p:cNvGrpSpPr/>
+        <p:nvPr/>
+      </p:nvGrpSpPr>
+      <p:grpSpPr>
+        <a:xfrm>
+          <a:off x="0" y="0"/>
+          <a:ext cx="0" cy="0"/>
+          <a:chOff x="0" y="0"/>
+          <a:chExt cx="0" cy="0"/>
+        </a:xfrm>
+      </p:grpSpPr>
+      <p:sp>
+        <p:nvSpPr>
+          <p:cNvPr id="2" name="Title 1"/>
+          <p:cNvSpPr>
+            <a:spLocks noGrp="1"/>
+          </p:cNvSpPr>
+          <p:nvPr>
+            <p:ph type="title"/>
+          </p:nvPr>
+        </p:nvSpPr>
+        <p:spPr/>
+        <p:txBody>
+          <a:bodyPr/>
+          <a:lstStyle/>
+          <a:p>
+            <a:r>
+              <a:rPr lang="en-US" dirty="0" smtClean="0"/>
+              <a:t>Leap Motion </a:t>
+            </a:r>
+            <a:r>
+              <a:rPr lang="en-US" dirty="0" err="1" smtClean="0"/>
+              <a:t>kontroler</a:t>
+            </a:r>
+            <a:endParaRPr lang="hr-HR" dirty="0"/>
+          </a:p>
+        </p:txBody>
+      </p:sp>
+      <p:sp>
+        <p:nvSpPr>
+          <p:cNvPr id="3" name="Content Placeholder 2"/>
+          <p:cNvSpPr>
+            <a:spLocks noGrp="1"/>
+          </p:cNvSpPr>
+          <p:nvPr>
+            <p:ph idx="1"/>
+          </p:nvPr>
+        </p:nvSpPr>
+        <p:spPr/>
+        <p:txBody>
+          <a:bodyPr/>
+          <a:lstStyle/>
+          <a:p>
+            <a:r>
+              <a:rPr lang="en-US" dirty="0"/>
+              <a:t>3 IR LED</a:t>
+            </a:r>
+          </a:p>
+          <a:p>
+            <a:r>
+              <a:rPr lang="en-US" dirty="0"/>
+              <a:t>2 IR </a:t>
+            </a:r>
+            <a:r>
+              <a:rPr lang="en-US" dirty="0" err="1"/>
+              <a:t>kamere</a:t>
+            </a:r>
+            <a:endParaRPr lang="en-US" dirty="0"/>
+          </a:p>
+          <a:p>
+            <a:r>
+              <a:rPr lang="en-US" dirty="0" err="1"/>
+              <a:t>Komplicirana</a:t>
+            </a:r>
+            <a:r>
+              <a:rPr lang="en-US" dirty="0"/>
+              <a:t> </a:t>
+            </a:r>
+            <a:r>
+              <a:rPr lang="en-US" dirty="0" err="1"/>
+              <a:t>matematika</a:t>
+            </a:r>
+            <a:endParaRPr lang="en-US" dirty="0"/>
+          </a:p>
+          <a:p>
+            <a:r>
+              <a:rPr lang="en-US" dirty="0" err="1"/>
+              <a:t>Rekonstrukcija</a:t>
+            </a:r>
+            <a:r>
+              <a:rPr lang="en-US" dirty="0"/>
+              <a:t> </a:t>
+            </a:r>
+            <a:r>
+              <a:rPr lang="en-US" dirty="0" err="1"/>
+              <a:t>pokreta</a:t>
+            </a:r>
+            <a:r>
+              <a:rPr lang="en-US" dirty="0"/>
+              <a:t/>
+            </a:r>
+            <a:br>
+              <a:rPr lang="en-US" dirty="0"/>
+            </a:br>
+            <a:r>
+              <a:rPr lang="hr-HR" dirty="0"/>
+              <a:t>šaka i prstiju </a:t>
+            </a:r>
+            <a:r>
+              <a:rPr lang="en-US" dirty="0" err="1"/>
+              <a:t>iznad</a:t>
+            </a:r>
+            <a:r>
+              <a:rPr lang="en-US" dirty="0"/>
+              <a:t> </a:t>
+            </a:r>
+            <a:r>
+              <a:rPr lang="en-US" dirty="0" err="1"/>
+              <a:t>ure</a:t>
+            </a:r>
+            <a:r>
+              <a:rPr lang="hr-HR" dirty="0"/>
+              <a:t>đ</a:t>
+            </a:r>
+            <a:r>
+              <a:rPr lang="en-US" dirty="0" err="1"/>
+              <a:t>aja</a:t>
+            </a:r>
+            <a:endParaRPr lang="hr-HR" dirty="0"/>
+          </a:p>
+          <a:p>
+            <a:endParaRPr lang="hr-HR" dirty="0"/>
+          </a:p>
+        </p:txBody>
+      </p:sp>
+      <p:pic>
+        <p:nvPicPr>
+          <p:cNvPr id="1026" name="Picture 2" descr="C:\Projects\CMakeProjects\IG-Project\Dokumentacija\leap-controller.jpg"/>
+          <p:cNvPicPr>
+            <a:picLocks noChangeAspect="1" noChangeArrowheads="1"/>
+          </p:cNvPicPr>
+          <p:nvPr/>
+        </p:nvPicPr>
+        <p:blipFill>
+          <a:blip r:embed="rId2">
+            <a:extLst>
+              <a:ext uri="{28A0092B-C50C-407E-A947-70E740481C1C}">
+                <a14:useLocalDpi xmlns:a14="http://schemas.microsoft.com/office/drawing/2010/main" val="0"/>
+              </a:ext>
+            </a:extLst>
+          </a:blip>
+          <a:srcRect/>
+          <a:stretch>
+            <a:fillRect/>
+          </a:stretch>
+        </p:blipFill>
+        <p:spPr bwMode="auto">
+          <a:xfrm>
+            <a:off x="4952999" y="1981200"/>
+            <a:ext cx="3567823" cy="2946400"/>
+          </a:xfrm>
+          <a:prstGeom prst="rect">
+            <a:avLst/>
+          </a:prstGeom>
+          <a:noFill/>
+          <a:extLst>
+            <a:ext uri="{909E8E84-426E-40DD-AFC4-6F175D3DCCD1}">
+              <a14:hiddenFill xmlns:a14="http://schemas.microsoft.com/office/drawing/2010/main">
+                <a:solidFill>
+                  <a:srgbClr val="FFFFFF"/>
+                </a:solidFill>
+              </a14:hiddenFill>
+            </a:ext>
+          </a:extLst>
+        </p:spPr>
+      </p:pic>
+    </p:spTree>
+    <p:extLst>
+      <p:ext uri="{BB962C8B-B14F-4D97-AF65-F5344CB8AC3E}">
+        <p14:creationId xmlns:p14="http://schemas.microsoft.com/office/powerpoint/2010/main" val="2802882405"/>
+      </p:ext>
+    </p:extLst>
+  </p:cSld>
+  <p:clrMapOvr>
+    <a:masterClrMapping/>
+  </p:clrMapOvr>
+</p:sld>
+</file>
+
+<file path=ppt/slides/slide16.xml><?xml version="1.0" encoding="utf-8"?>
+<p:sld xmlns:a="http://schemas.openxmlformats.org/drawingml/2006/main" xmlns:r="http://schemas.openxmlformats.org/officeDocument/2006/relationships" xmlns:p="http://schemas.openxmlformats.org/presentationml/2006/main">
+  <p:cSld>
+    <p:spTree>
+      <p:nvGrpSpPr>
+        <p:cNvPr id="1" name=""/>
+        <p:cNvGrpSpPr/>
+        <p:nvPr/>
+      </p:nvGrpSpPr>
+      <p:grpSpPr>
+        <a:xfrm>
+          <a:off x="0" y="0"/>
+          <a:ext cx="0" cy="0"/>
+          <a:chOff x="0" y="0"/>
+          <a:chExt cx="0" cy="0"/>
+        </a:xfrm>
+      </p:grpSpPr>
+      <p:sp>
+        <p:nvSpPr>
+          <p:cNvPr id="2" name="Title 1"/>
+          <p:cNvSpPr>
+            <a:spLocks noGrp="1"/>
+          </p:cNvSpPr>
+          <p:nvPr>
+            <p:ph type="title"/>
+          </p:nvPr>
+        </p:nvSpPr>
+        <p:spPr/>
+        <p:txBody>
+          <a:bodyPr/>
+          <a:lstStyle/>
+          <a:p>
+            <a:r>
+              <a:rPr lang="en-US" dirty="0" err="1" smtClean="0"/>
+              <a:t>Upravljanje</a:t>
+            </a:r>
+            <a:r>
+              <a:rPr lang="en-US" dirty="0" smtClean="0"/>
+              <a:t> </a:t>
+            </a:r>
+            <a:r>
+              <a:rPr lang="en-US" dirty="0" err="1" smtClean="0"/>
+              <a:t>autom</a:t>
+            </a:r>
+            <a:endParaRPr lang="hr-HR" dirty="0"/>
+          </a:p>
+        </p:txBody>
+      </p:sp>
+      <p:sp>
+        <p:nvSpPr>
+          <p:cNvPr id="3" name="Content Placeholder 2"/>
+          <p:cNvSpPr>
+            <a:spLocks noGrp="1"/>
+          </p:cNvSpPr>
+          <p:nvPr>
+            <p:ph idx="1"/>
+          </p:nvPr>
+        </p:nvSpPr>
+        <p:spPr/>
+        <p:txBody>
+          <a:bodyPr/>
+          <a:lstStyle/>
+          <a:p>
+            <a:r>
+              <a:rPr lang="hr-HR" dirty="0"/>
+              <a:t>Leap detektira dlan</a:t>
+            </a:r>
+          </a:p>
+          <a:p>
+            <a:r>
+              <a:rPr lang="hr-HR" dirty="0"/>
+              <a:t>Koristi se vektor normale</a:t>
+            </a:r>
+            <a:br>
+              <a:rPr lang="hr-HR" dirty="0"/>
+            </a:br>
+            <a:r>
+              <a:rPr lang="hr-HR" dirty="0"/>
+              <a:t>na dlan </a:t>
+            </a:r>
+            <a:r>
+              <a:rPr lang="en-US" dirty="0" err="1"/>
+              <a:t>za</a:t>
+            </a:r>
+            <a:r>
+              <a:rPr lang="en-US" dirty="0"/>
+              <a:t> </a:t>
+            </a:r>
+            <a:r>
+              <a:rPr lang="en-US" dirty="0" err="1"/>
+              <a:t>usmjeravanje</a:t>
+            </a:r>
+            <a:r>
+              <a:rPr lang="en-US" dirty="0"/>
+              <a:t/>
+            </a:r>
+            <a:br>
+              <a:rPr lang="en-US" dirty="0"/>
+            </a:br>
+            <a:r>
+              <a:rPr lang="en-US" dirty="0"/>
+              <a:t>i </a:t>
+            </a:r>
+            <a:r>
+              <a:rPr lang="en-US" dirty="0" err="1"/>
+              <a:t>pokretanje</a:t>
+            </a:r>
+            <a:r>
+              <a:rPr lang="en-US" dirty="0"/>
+              <a:t> </a:t>
+            </a:r>
+            <a:r>
+              <a:rPr lang="en-US" dirty="0" err="1"/>
+              <a:t>auta</a:t>
+            </a:r>
+            <a:endParaRPr lang="hr-HR" dirty="0"/>
+          </a:p>
+          <a:p>
+            <a:endParaRPr lang="hr-HR" dirty="0"/>
+          </a:p>
+        </p:txBody>
+      </p:sp>
+      <p:pic>
+        <p:nvPicPr>
+          <p:cNvPr id="2050" name="Picture 2" descr="C:\Projects\CMakeProjects\IG-Project\Dokumentacija\leap-ruka.png"/>
+          <p:cNvPicPr>
+            <a:picLocks noChangeAspect="1" noChangeArrowheads="1"/>
+          </p:cNvPicPr>
+          <p:nvPr/>
+        </p:nvPicPr>
+        <p:blipFill>
+          <a:blip r:embed="rId2">
+            <a:extLst>
+              <a:ext uri="{28A0092B-C50C-407E-A947-70E740481C1C}">
+                <a14:useLocalDpi xmlns:a14="http://schemas.microsoft.com/office/drawing/2010/main" val="0"/>
+              </a:ext>
+            </a:extLst>
+          </a:blip>
+          <a:srcRect/>
+          <a:stretch>
+            <a:fillRect/>
+          </a:stretch>
+        </p:blipFill>
+        <p:spPr bwMode="auto">
+          <a:xfrm>
+            <a:off x="4725458" y="2312634"/>
+            <a:ext cx="3524250" cy="2638425"/>
+          </a:xfrm>
+          <a:prstGeom prst="rect">
+            <a:avLst/>
+          </a:prstGeom>
+          <a:noFill/>
+          <a:extLst>
+            <a:ext uri="{909E8E84-426E-40DD-AFC4-6F175D3DCCD1}">
+              <a14:hiddenFill xmlns:a14="http://schemas.microsoft.com/office/drawing/2010/main">
+                <a:solidFill>
+                  <a:srgbClr val="FFFFFF"/>
+                </a:solidFill>
+              </a14:hiddenFill>
+            </a:ext>
+          </a:extLst>
+        </p:spPr>
+      </p:pic>
+    </p:spTree>
+    <p:extLst>
+      <p:ext uri="{BB962C8B-B14F-4D97-AF65-F5344CB8AC3E}">
+        <p14:creationId xmlns:p14="http://schemas.microsoft.com/office/powerpoint/2010/main" val="4226438434"/>
+      </p:ext>
+    </p:extLst>
+  </p:cSld>
+  <p:clrMapOvr>
+    <a:masterClrMapping/>
+  </p:clrMapOvr>
 </p:sld>
 </file>
 

--- a/Dokumentacija/Prezentacija.pptx
+++ b/Dokumentacija/Prezentacija.pptx
@@ -7,20 +7,27 @@
   <p:sldIdLst>
     <p:sldId id="256" r:id="rId2"/>
     <p:sldId id="257" r:id="rId3"/>
-    <p:sldId id="258" r:id="rId4"/>
-    <p:sldId id="259" r:id="rId5"/>
-    <p:sldId id="260" r:id="rId6"/>
-    <p:sldId id="264" r:id="rId7"/>
-    <p:sldId id="261" r:id="rId8"/>
-    <p:sldId id="262" r:id="rId9"/>
-    <p:sldId id="263" r:id="rId10"/>
-    <p:sldId id="265" r:id="rId11"/>
-    <p:sldId id="266" r:id="rId12"/>
-    <p:sldId id="267" r:id="rId13"/>
-    <p:sldId id="268" r:id="rId14"/>
-    <p:sldId id="269" r:id="rId15"/>
-    <p:sldId id="270" r:id="rId16"/>
-    <p:sldId id="271" r:id="rId17"/>
+    <p:sldId id="273" r:id="rId4"/>
+    <p:sldId id="274" r:id="rId5"/>
+    <p:sldId id="275" r:id="rId6"/>
+    <p:sldId id="276" r:id="rId7"/>
+    <p:sldId id="258" r:id="rId8"/>
+    <p:sldId id="264" r:id="rId9"/>
+    <p:sldId id="261" r:id="rId10"/>
+    <p:sldId id="262" r:id="rId11"/>
+    <p:sldId id="263" r:id="rId12"/>
+    <p:sldId id="272" r:id="rId13"/>
+    <p:sldId id="277" r:id="rId14"/>
+    <p:sldId id="259" r:id="rId15"/>
+    <p:sldId id="260" r:id="rId16"/>
+    <p:sldId id="265" r:id="rId17"/>
+    <p:sldId id="266" r:id="rId18"/>
+    <p:sldId id="267" r:id="rId19"/>
+    <p:sldId id="268" r:id="rId20"/>
+    <p:sldId id="269" r:id="rId21"/>
+    <p:sldId id="270" r:id="rId22"/>
+    <p:sldId id="271" r:id="rId23"/>
+    <p:sldId id="278" r:id="rId24"/>
   </p:sldIdLst>
   <p:sldSz cx="9144000" cy="6858000" type="screen4x3"/>
   <p:notesSz cx="6858000" cy="9144000"/>
@@ -3473,7 +3480,7 @@
       </p:grpSpPr>
       <p:sp>
         <p:nvSpPr>
-          <p:cNvPr id="4" name="Title 3"/>
+          <p:cNvPr id="2" name="Title 1"/>
           <p:cNvSpPr>
             <a:spLocks noGrp="1"/>
           </p:cNvSpPr>
@@ -3486,29 +3493,90 @@
           <a:bodyPr/>
           <a:lstStyle/>
           <a:p>
+            <a:pPr algn="l"/>
             <a:r>
               <a:rPr lang="hr-HR" dirty="0" smtClean="0"/>
-              <a:t>Zvučna simulacija</a:t>
+              <a:t>Kamera i Antialiasing</a:t>
             </a:r>
             <a:endParaRPr lang="hr-HR" dirty="0"/>
           </a:p>
         </p:txBody>
       </p:sp>
-      <p:sp>
-        <p:nvSpPr>
-          <p:cNvPr id="5" name="Text Placeholder 4"/>
-          <p:cNvSpPr>
-            <a:spLocks noGrp="1"/>
-          </p:cNvSpPr>
-          <p:nvPr>
-            <p:ph type="body" idx="1"/>
-          </p:nvPr>
-        </p:nvSpPr>
-        <p:spPr/>
-        <p:txBody>
-          <a:bodyPr/>
-          <a:lstStyle/>
-          <a:p>
+      <p:pic>
+        <p:nvPicPr>
+          <p:cNvPr id="5" name="Content Placeholder 4"/>
+          <p:cNvPicPr>
+            <a:picLocks noGrp="1" noChangeAspect="1"/>
+          </p:cNvPicPr>
+          <p:nvPr>
+            <p:ph sz="half" idx="2"/>
+          </p:nvPr>
+        </p:nvPicPr>
+        <p:blipFill>
+          <a:blip r:embed="rId2">
+            <a:extLst>
+              <a:ext uri="{28A0092B-C50C-407E-A947-70E740481C1C}">
+                <a14:useLocalDpi xmlns:a14="http://schemas.microsoft.com/office/drawing/2010/main" val="0"/>
+              </a:ext>
+            </a:extLst>
+          </a:blip>
+          <a:stretch>
+            <a:fillRect/>
+          </a:stretch>
+        </p:blipFill>
+        <p:spPr>
+          <a:xfrm>
+            <a:off x="4495800" y="1600200"/>
+            <a:ext cx="3961404" cy="5008976"/>
+          </a:xfrm>
+        </p:spPr>
+      </p:pic>
+      <p:sp>
+        <p:nvSpPr>
+          <p:cNvPr id="4" name="Content Placeholder 3"/>
+          <p:cNvSpPr>
+            <a:spLocks noGrp="1"/>
+          </p:cNvSpPr>
+          <p:nvPr>
+            <p:ph sz="quarter" idx="13"/>
+          </p:nvPr>
+        </p:nvSpPr>
+        <p:spPr>
+          <a:xfrm>
+            <a:off x="365760" y="1752600"/>
+            <a:ext cx="4041648" cy="4373880"/>
+          </a:xfrm>
+        </p:spPr>
+        <p:txBody>
+          <a:bodyPr/>
+          <a:lstStyle/>
+          <a:p>
+            <a:r>
+              <a:rPr lang="hr-HR" dirty="0" smtClean="0"/>
+              <a:t>Kamera vezana za auto i slobodna </a:t>
+            </a:r>
+            <a:r>
+              <a:rPr lang="hr-HR" dirty="0" smtClean="0"/>
+              <a:t>kamera</a:t>
+            </a:r>
+          </a:p>
+          <a:p>
+            <a:endParaRPr lang="hr-HR" dirty="0" smtClean="0"/>
+          </a:p>
+          <a:p>
+            <a:r>
+              <a:rPr lang="hr-HR" dirty="0" smtClean="0"/>
+              <a:t>FXAA</a:t>
+            </a:r>
+          </a:p>
+          <a:p>
+            <a:endParaRPr lang="hr-HR" dirty="0" smtClean="0"/>
+          </a:p>
+          <a:p>
+            <a:r>
+              <a:rPr lang="hr-HR" dirty="0" smtClean="0"/>
+              <a:t>SSAA</a:t>
+            </a:r>
             <a:endParaRPr lang="hr-HR" dirty="0"/>
           </a:p>
         </p:txBody>
@@ -3516,7 +3584,7 @@
     </p:spTree>
     <p:extLst>
       <p:ext uri="{BB962C8B-B14F-4D97-AF65-F5344CB8AC3E}">
-        <p14:creationId xmlns:p14="http://schemas.microsoft.com/office/powerpoint/2010/main" val="2267565220"/>
+        <p14:creationId xmlns:p14="http://schemas.microsoft.com/office/powerpoint/2010/main" val="3789724126"/>
       </p:ext>
     </p:extLst>
   </p:cSld>
@@ -3565,75 +3633,24 @@
           <a:bodyPr/>
           <a:lstStyle/>
           <a:p>
+            <a:pPr algn="l"/>
             <a:r>
               <a:rPr lang="hr-HR" dirty="0" smtClean="0"/>
-              <a:t>Izvori zvukova</a:t>
-            </a:r>
-            <a:endParaRPr lang="hr-HR" dirty="0"/>
-          </a:p>
-        </p:txBody>
-      </p:sp>
-      <p:sp>
-        <p:nvSpPr>
-          <p:cNvPr id="3" name="Content Placeholder 2"/>
-          <p:cNvSpPr>
-            <a:spLocks noGrp="1"/>
-          </p:cNvSpPr>
-          <p:nvPr>
-            <p:ph idx="1"/>
-          </p:nvPr>
-        </p:nvSpPr>
-        <p:spPr/>
-        <p:txBody>
-          <a:bodyPr/>
-          <a:lstStyle/>
-          <a:p>
-            <a:r>
-              <a:rPr lang="hr-HR" dirty="0" smtClean="0"/>
-              <a:t>Učitavanje iz zvučnih datoteka</a:t>
-            </a:r>
-          </a:p>
-          <a:p>
-            <a:pPr lvl="1"/>
-            <a:r>
-              <a:rPr lang="hr-HR" dirty="0" smtClean="0"/>
-              <a:t>U RAM ili direktna reprodukcija sa tvrdog diska</a:t>
-            </a:r>
-          </a:p>
-          <a:p>
-            <a:pPr lvl="1"/>
-            <a:endParaRPr lang="hr-HR" dirty="0" smtClean="0"/>
-          </a:p>
-          <a:p>
-            <a:r>
-              <a:rPr lang="hr-HR" dirty="0" smtClean="0"/>
-              <a:t>Postavljanje pozicije</a:t>
-            </a:r>
-          </a:p>
-          <a:p>
-            <a:pPr lvl="1"/>
-            <a:r>
-              <a:rPr lang="hr-HR" dirty="0" smtClean="0"/>
-              <a:t>Preko 3D vektora</a:t>
-            </a:r>
-          </a:p>
-          <a:p>
-            <a:pPr lvl="1"/>
-            <a:endParaRPr lang="hr-HR" dirty="0"/>
-          </a:p>
-          <a:p>
-            <a:pPr lvl="1"/>
+              <a:t>Učitavanje staze</a:t>
+            </a:r>
             <a:endParaRPr lang="hr-HR" dirty="0"/>
           </a:p>
         </p:txBody>
       </p:sp>
       <p:pic>
         <p:nvPicPr>
-          <p:cNvPr id="4" name="Picture 3"/>
+          <p:cNvPr id="6" name="Content Placeholder 5"/>
           <p:cNvPicPr>
-            <a:picLocks noChangeAspect="1"/>
+            <a:picLocks noGrp="1" noChangeAspect="1"/>
           </p:cNvPicPr>
-          <p:nvPr/>
+          <p:nvPr>
+            <p:ph sz="half" idx="2"/>
+          </p:nvPr>
         </p:nvPicPr>
         <p:blipFill>
           <a:blip r:embed="rId2">
@@ -3649,18 +3666,97 @@
         </p:blipFill>
         <p:spPr>
           <a:xfrm>
-            <a:off x="768607" y="3657600"/>
-            <a:ext cx="7606786" cy="2448000"/>
+            <a:off x="4648200" y="1676400"/>
+            <a:ext cx="4038600" cy="2358479"/>
+          </a:xfrm>
+        </p:spPr>
+      </p:pic>
+      <p:sp>
+        <p:nvSpPr>
+          <p:cNvPr id="4" name="Content Placeholder 3"/>
+          <p:cNvSpPr>
+            <a:spLocks noGrp="1"/>
+          </p:cNvSpPr>
+          <p:nvPr>
+            <p:ph sz="quarter" idx="13"/>
+          </p:nvPr>
+        </p:nvSpPr>
+        <p:spPr>
+          <a:xfrm>
+            <a:off x="365760" y="1676400"/>
+            <a:ext cx="4041648" cy="4450080"/>
+          </a:xfrm>
+        </p:spPr>
+        <p:txBody>
+          <a:bodyPr/>
+          <a:lstStyle/>
+          <a:p>
+            <a:r>
+              <a:rPr lang="hr-HR" dirty="0" smtClean="0"/>
+              <a:t>Ručno „crtanje” staze u tekstualnom </a:t>
+            </a:r>
+            <a:r>
+              <a:rPr lang="hr-HR" dirty="0" smtClean="0"/>
+              <a:t>formatu</a:t>
+            </a:r>
+          </a:p>
+          <a:p>
+            <a:endParaRPr lang="hr-HR" dirty="0" smtClean="0"/>
+          </a:p>
+          <a:p>
+            <a:r>
+              <a:rPr lang="hr-HR" dirty="0" smtClean="0"/>
+              <a:t>Pokretač iz tekstualne datoteke konstruira odgovarajuću stazu</a:t>
+            </a:r>
+            <a:endParaRPr lang="hr-HR" dirty="0"/>
+          </a:p>
+        </p:txBody>
+      </p:sp>
+      <p:pic>
+        <p:nvPicPr>
+          <p:cNvPr id="1027" name="Picture 3" descr="C:\Users\Jure\Desktop\Projekt\Dokumentacija\rtdesc.png"/>
+          <p:cNvPicPr>
+            <a:picLocks noChangeAspect="1" noChangeArrowheads="1"/>
+          </p:cNvPicPr>
+          <p:nvPr/>
+        </p:nvPicPr>
+        <p:blipFill>
+          <a:blip r:embed="rId3">
+            <a:extLst>
+              <a:ext uri="{28A0092B-C50C-407E-A947-70E740481C1C}">
+                <a14:useLocalDpi xmlns:a14="http://schemas.microsoft.com/office/drawing/2010/main" val="0"/>
+              </a:ext>
+            </a:extLst>
+          </a:blip>
+          <a:srcRect/>
+          <a:stretch>
+            <a:fillRect/>
+          </a:stretch>
+        </p:blipFill>
+        <p:spPr bwMode="auto">
+          <a:xfrm>
+            <a:off x="5823959" y="4267200"/>
+            <a:ext cx="1706562" cy="1833496"/>
           </a:xfrm>
           <a:prstGeom prst="rect">
             <a:avLst/>
           </a:prstGeom>
+          <a:noFill/>
+          <a:extLst>
+            <a:ext uri="{909E8E84-426E-40DD-AFC4-6F175D3DCCD1}">
+              <a14:hiddenFill xmlns:a14="http://schemas.microsoft.com/office/drawing/2010/main">
+                <a:solidFill>
+                  <a:srgbClr val="FFFFFF"/>
+                </a:solidFill>
+              </a14:hiddenFill>
+            </a:ext>
+          </a:extLst>
         </p:spPr>
       </p:pic>
     </p:spTree>
     <p:extLst>
       <p:ext uri="{BB962C8B-B14F-4D97-AF65-F5344CB8AC3E}">
-        <p14:creationId xmlns:p14="http://schemas.microsoft.com/office/powerpoint/2010/main" val="3019331709"/>
+        <p14:creationId xmlns:p14="http://schemas.microsoft.com/office/powerpoint/2010/main" val="2579156801"/>
       </p:ext>
     </p:extLst>
   </p:cSld>
@@ -3696,7 +3792,7 @@
       </p:grpSpPr>
       <p:sp>
         <p:nvSpPr>
-          <p:cNvPr id="2" name="Title 1"/>
+          <p:cNvPr id="4" name="Title 3"/>
           <p:cNvSpPr>
             <a:spLocks noGrp="1"/>
           </p:cNvSpPr>
@@ -3710,12 +3806,8 @@
           <a:lstStyle/>
           <a:p>
             <a:r>
-              <a:rPr lang="hr-HR" dirty="0"/>
-              <a:t>S</a:t>
-            </a:r>
-            <a:r>
               <a:rPr lang="hr-HR" dirty="0" smtClean="0"/>
-              <a:t>lušatelj</a:t>
+              <a:t>Fizikalna simulacija</a:t>
             </a:r>
             <a:endParaRPr lang="hr-HR" dirty="0"/>
           </a:p>
@@ -3723,100 +3815,27 @@
       </p:sp>
       <p:sp>
         <p:nvSpPr>
-          <p:cNvPr id="3" name="Content Placeholder 2"/>
-          <p:cNvSpPr>
-            <a:spLocks noGrp="1"/>
-          </p:cNvSpPr>
-          <p:nvPr>
-            <p:ph idx="1"/>
-          </p:nvPr>
-        </p:nvSpPr>
-        <p:spPr/>
-        <p:txBody>
-          <a:bodyPr/>
-          <a:lstStyle/>
-          <a:p>
-            <a:r>
-              <a:rPr lang="hr-HR" dirty="0"/>
-              <a:t>Postavljanje </a:t>
-            </a:r>
-            <a:r>
-              <a:rPr lang="hr-HR" dirty="0" smtClean="0"/>
-              <a:t>pozicije</a:t>
-            </a:r>
-            <a:r>
-              <a:rPr lang="hr-HR" dirty="0"/>
-              <a:t> </a:t>
-            </a:r>
-            <a:r>
-              <a:rPr lang="hr-HR" dirty="0" smtClean="0"/>
-              <a:t>i orijentacije</a:t>
-            </a:r>
-          </a:p>
-          <a:p>
-            <a:pPr lvl="1"/>
-            <a:r>
-              <a:rPr lang="hr-HR" dirty="0" smtClean="0"/>
-              <a:t>Pozicija preko 3D vektora</a:t>
-            </a:r>
-          </a:p>
-          <a:p>
-            <a:pPr lvl="1"/>
-            <a:r>
-              <a:rPr lang="hr-HR" dirty="0" smtClean="0"/>
-              <a:t>Orijentacija preko tri vektora</a:t>
-            </a:r>
-          </a:p>
-          <a:p>
-            <a:pPr lvl="1"/>
-            <a:endParaRPr lang="hr-HR" dirty="0" smtClean="0"/>
-          </a:p>
-          <a:p>
-            <a:r>
-              <a:rPr lang="hr-HR" dirty="0" smtClean="0"/>
-              <a:t>Položaj i orijentacija istovjetni s onima od kamere</a:t>
-            </a:r>
+          <p:cNvPr id="5" name="Text Placeholder 4"/>
+          <p:cNvSpPr>
+            <a:spLocks noGrp="1"/>
+          </p:cNvSpPr>
+          <p:nvPr>
+            <p:ph type="body" idx="1"/>
+          </p:nvPr>
+        </p:nvSpPr>
+        <p:spPr/>
+        <p:txBody>
+          <a:bodyPr/>
+          <a:lstStyle/>
+          <a:p>
             <a:endParaRPr lang="hr-HR" dirty="0"/>
           </a:p>
-          <a:p>
-            <a:endParaRPr lang="hr-HR" dirty="0" smtClean="0"/>
-          </a:p>
-        </p:txBody>
-      </p:sp>
-      <p:pic>
-        <p:nvPicPr>
-          <p:cNvPr id="4" name="Picture 3"/>
-          <p:cNvPicPr>
-            <a:picLocks noChangeAspect="1"/>
-          </p:cNvPicPr>
-          <p:nvPr/>
-        </p:nvPicPr>
-        <p:blipFill>
-          <a:blip r:embed="rId2">
-            <a:extLst>
-              <a:ext uri="{28A0092B-C50C-407E-A947-70E740481C1C}">
-                <a14:useLocalDpi xmlns:a14="http://schemas.microsoft.com/office/drawing/2010/main" val="0"/>
-              </a:ext>
-            </a:extLst>
-          </a:blip>
-          <a:stretch>
-            <a:fillRect/>
-          </a:stretch>
-        </p:blipFill>
-        <p:spPr>
-          <a:xfrm>
-            <a:off x="2986088" y="3657600"/>
-            <a:ext cx="3171825" cy="2219325"/>
-          </a:xfrm>
-          <a:prstGeom prst="rect">
-            <a:avLst/>
-          </a:prstGeom>
-        </p:spPr>
-      </p:pic>
+        </p:txBody>
+      </p:sp>
     </p:spTree>
     <p:extLst>
       <p:ext uri="{BB962C8B-B14F-4D97-AF65-F5344CB8AC3E}">
-        <p14:creationId xmlns:p14="http://schemas.microsoft.com/office/powerpoint/2010/main" val="561081063"/>
+        <p14:creationId xmlns:p14="http://schemas.microsoft.com/office/powerpoint/2010/main" val="204368649"/>
       </p:ext>
     </p:extLst>
   </p:cSld>
@@ -3852,7 +3871,7 @@
       </p:grpSpPr>
       <p:sp>
         <p:nvSpPr>
-          <p:cNvPr id="2" name="Title 1"/>
+          <p:cNvPr id="4" name="Title 3"/>
           <p:cNvSpPr>
             <a:spLocks noGrp="1"/>
           </p:cNvSpPr>
@@ -3865,9 +3884,10 @@
           <a:bodyPr/>
           <a:lstStyle/>
           <a:p>
+            <a:pPr algn="l"/>
             <a:r>
               <a:rPr lang="hr-HR" dirty="0" smtClean="0"/>
-              <a:t>Zvukovi u projektu</a:t>
+              <a:t>Podjela</a:t>
             </a:r>
             <a:endParaRPr lang="hr-HR" dirty="0"/>
           </a:p>
@@ -3875,7 +3895,7 @@
       </p:sp>
       <p:sp>
         <p:nvSpPr>
-          <p:cNvPr id="3" name="Content Placeholder 2"/>
+          <p:cNvPr id="5" name="Content Placeholder 4"/>
           <p:cNvSpPr>
             <a:spLocks noGrp="1"/>
           </p:cNvSpPr>
@@ -3883,60 +3903,82 @@
             <p:ph idx="1"/>
           </p:nvPr>
         </p:nvSpPr>
-        <p:spPr/>
+        <p:spPr>
+          <a:xfrm>
+            <a:off x="457200" y="1828800"/>
+            <a:ext cx="8229600" cy="4495800"/>
+          </a:xfrm>
+        </p:spPr>
         <p:txBody>
           <a:bodyPr>
-            <a:normAutofit/>
+            <a:normAutofit lnSpcReduction="10000"/>
           </a:bodyPr>
           <a:lstStyle/>
           <a:p>
             <a:r>
-              <a:rPr lang="hr-HR" dirty="0" smtClean="0"/>
-              <a:t>Zvuk rada motora</a:t>
+              <a:rPr lang="hr-HR" sz="2800" dirty="0" smtClean="0"/>
+              <a:t>Šasija</a:t>
             </a:r>
           </a:p>
           <a:p>
             <a:pPr lvl="1"/>
             <a:r>
-              <a:rPr lang="hr-HR" dirty="0" smtClean="0"/>
-              <a:t>Stalno reproduciranje</a:t>
+              <a:rPr lang="hr-HR" sz="2000" dirty="0" smtClean="0"/>
+              <a:t>fiksirana na podlogu</a:t>
             </a:r>
           </a:p>
           <a:p>
             <a:pPr lvl="1"/>
             <a:r>
-              <a:rPr lang="hr-HR" dirty="0" smtClean="0"/>
-              <a:t>Osvježavanje položaja u svakoj iteraciji petlje</a:t>
+              <a:rPr lang="hr-HR" sz="2000" dirty="0" smtClean="0"/>
+              <a:t>direktno povezana sa korisničkim inputom</a:t>
             </a:r>
           </a:p>
           <a:p>
             <a:pPr lvl="1"/>
             <a:r>
-              <a:rPr lang="hr-HR" dirty="0" smtClean="0"/>
-              <a:t>Brzina reprodukcije ovisna o brzini automobila</a:t>
-            </a:r>
-          </a:p>
-          <a:p>
-            <a:endParaRPr lang="hr-HR" dirty="0" smtClean="0"/>
-          </a:p>
-          <a:p>
-            <a:r>
-              <a:rPr lang="hr-HR" dirty="0" smtClean="0"/>
-              <a:t>Zvuk škripanja guma</a:t>
+              <a:rPr lang="hr-HR" sz="2000" dirty="0" smtClean="0"/>
+              <a:t>nije pod utjecajem fizikalne simulacije</a:t>
             </a:r>
           </a:p>
           <a:p>
             <a:pPr lvl="1"/>
-            <a:r>
-              <a:rPr lang="hr-HR" dirty="0" smtClean="0"/>
-              <a:t>Osvježavanje položaja</a:t>
+            <a:endParaRPr lang="hr-HR" sz="2800" dirty="0" smtClean="0"/>
+          </a:p>
+          <a:p>
+            <a:r>
+              <a:rPr lang="hr-HR" sz="2800" dirty="0" smtClean="0"/>
+              <a:t>Karoserija</a:t>
             </a:r>
           </a:p>
           <a:p>
             <a:pPr lvl="1"/>
             <a:r>
-              <a:rPr lang="hr-HR" dirty="0" smtClean="0"/>
-              <a:t>Reprodukcija ovisi o stanju automobila</a:t>
+              <a:rPr lang="hr-HR" sz="2000" dirty="0" smtClean="0"/>
+              <a:t>kruto tijelo povezano sa šasijom putem opruga</a:t>
+            </a:r>
+          </a:p>
+          <a:p>
+            <a:endParaRPr lang="hr-HR" sz="2800" dirty="0" smtClean="0"/>
+          </a:p>
+          <a:p>
+            <a:r>
+              <a:rPr lang="hr-HR" sz="2800" dirty="0" smtClean="0"/>
+              <a:t>Opruge</a:t>
+            </a:r>
+          </a:p>
+          <a:p>
+            <a:pPr lvl="1"/>
+            <a:r>
+              <a:rPr lang="hr-HR" sz="2000" dirty="0" smtClean="0"/>
+              <a:t>Hookeov zakon</a:t>
+            </a:r>
+          </a:p>
+          <a:p>
+            <a:pPr lvl="1"/>
+            <a:r>
+              <a:rPr lang="hr-HR" sz="2000" dirty="0" smtClean="0"/>
+              <a:t>prigušenje</a:t>
             </a:r>
           </a:p>
         </p:txBody>
@@ -3944,7 +3986,7 @@
     </p:spTree>
     <p:extLst>
       <p:ext uri="{BB962C8B-B14F-4D97-AF65-F5344CB8AC3E}">
-        <p14:creationId xmlns:p14="http://schemas.microsoft.com/office/powerpoint/2010/main" val="3096897854"/>
+        <p14:creationId xmlns:p14="http://schemas.microsoft.com/office/powerpoint/2010/main" val="2674182248"/>
       </p:ext>
     </p:extLst>
   </p:cSld>
@@ -3993,9 +4035,10 @@
           <a:bodyPr/>
           <a:lstStyle/>
           <a:p>
-            <a:r>
-              <a:rPr lang="en-US" dirty="0" smtClean="0"/>
-              <a:t>Leap Motion</a:t>
+            <a:pPr algn="l"/>
+            <a:r>
+              <a:rPr lang="hr-HR" dirty="0" smtClean="0"/>
+              <a:t>Model simulacije</a:t>
             </a:r>
             <a:endParaRPr lang="hr-HR" dirty="0"/>
           </a:p>
@@ -4003,33 +4046,97 @@
       </p:sp>
       <p:sp>
         <p:nvSpPr>
-          <p:cNvPr id="5" name="Text Placeholder 4"/>
-          <p:cNvSpPr>
-            <a:spLocks noGrp="1"/>
-          </p:cNvSpPr>
-          <p:nvPr>
-            <p:ph type="body" idx="1"/>
-          </p:nvPr>
-        </p:nvSpPr>
-        <p:spPr/>
-        <p:txBody>
-          <a:bodyPr/>
-          <a:lstStyle/>
-          <a:p>
-            <a:endParaRPr lang="hr-HR"/>
+          <p:cNvPr id="5" name="Content Placeholder 4"/>
+          <p:cNvSpPr>
+            <a:spLocks noGrp="1"/>
+          </p:cNvSpPr>
+          <p:nvPr>
+            <p:ph idx="1"/>
+          </p:nvPr>
+        </p:nvSpPr>
+        <p:spPr>
+          <a:xfrm>
+            <a:off x="457200" y="1828800"/>
+            <a:ext cx="8229600" cy="4495800"/>
+          </a:xfrm>
+        </p:spPr>
+        <p:txBody>
+          <a:bodyPr>
+            <a:normAutofit/>
+          </a:bodyPr>
+          <a:lstStyle/>
+          <a:p>
+            <a:r>
+              <a:rPr lang="hr-HR" sz="2800" dirty="0" smtClean="0"/>
+              <a:t>Karoserija (kruto tijelo) ima:</a:t>
+            </a:r>
+            <a:endParaRPr lang="hr-HR" sz="2800" dirty="0" smtClean="0"/>
+          </a:p>
+          <a:p>
+            <a:pPr lvl="1"/>
+            <a:r>
+              <a:rPr lang="hr-HR" sz="2000" dirty="0"/>
+              <a:t>Masu</a:t>
+            </a:r>
+          </a:p>
+          <a:p>
+            <a:pPr lvl="1"/>
+            <a:r>
+              <a:rPr lang="hr-HR" sz="2000" dirty="0"/>
+              <a:t>Centar mase</a:t>
+            </a:r>
+          </a:p>
+          <a:p>
+            <a:pPr lvl="1"/>
+            <a:r>
+              <a:rPr lang="hr-HR" sz="2000" dirty="0"/>
+              <a:t>Tenzor inercije</a:t>
+            </a:r>
+          </a:p>
+          <a:p>
+            <a:endParaRPr lang="hr-HR" sz="2800" dirty="0" smtClean="0"/>
+          </a:p>
+          <a:p>
+            <a:r>
+              <a:rPr lang="hr-HR" sz="2800" dirty="0"/>
+              <a:t>Korištena je Eulerova metoda za numeričku integraciju.</a:t>
+            </a:r>
+          </a:p>
+          <a:p>
+            <a:endParaRPr lang="hr-HR" sz="2800" dirty="0"/>
+          </a:p>
+          <a:p>
+            <a:endParaRPr lang="hr-HR" sz="2800" dirty="0" smtClean="0"/>
+          </a:p>
+          <a:p>
+            <a:pPr lvl="1"/>
+            <a:endParaRPr lang="hr-HR" sz="2000" dirty="0"/>
+          </a:p>
+          <a:p>
+            <a:pPr marL="457200" lvl="1" indent="0">
+              <a:buNone/>
+            </a:pPr>
+            <a:endParaRPr lang="hr-HR" sz="2000" dirty="0"/>
           </a:p>
         </p:txBody>
       </p:sp>
     </p:spTree>
     <p:extLst>
       <p:ext uri="{BB962C8B-B14F-4D97-AF65-F5344CB8AC3E}">
-        <p14:creationId xmlns:p14="http://schemas.microsoft.com/office/powerpoint/2010/main" val="2112996390"/>
+        <p14:creationId xmlns:p14="http://schemas.microsoft.com/office/powerpoint/2010/main" val="676707242"/>
       </p:ext>
     </p:extLst>
   </p:cSld>
   <p:clrMapOvr>
     <a:masterClrMapping/>
   </p:clrMapOvr>
+  <p:timing>
+    <p:tnLst>
+      <p:par>
+        <p:cTn id="1" dur="indefinite" restart="never" nodeType="tmRoot"/>
+      </p:par>
+    </p:tnLst>
+  </p:timing>
 </p:sld>
 </file>
 
@@ -4052,6 +4159,217 @@
       </p:grpSpPr>
       <p:sp>
         <p:nvSpPr>
+          <p:cNvPr id="4" name="Title 3"/>
+          <p:cNvSpPr>
+            <a:spLocks noGrp="1"/>
+          </p:cNvSpPr>
+          <p:nvPr>
+            <p:ph type="title"/>
+          </p:nvPr>
+        </p:nvSpPr>
+        <p:spPr/>
+        <p:txBody>
+          <a:bodyPr/>
+          <a:lstStyle/>
+          <a:p>
+            <a:pPr algn="l"/>
+            <a:r>
+              <a:rPr lang="hr-HR" dirty="0" smtClean="0"/>
+              <a:t>Utjecaj ceste</a:t>
+            </a:r>
+            <a:endParaRPr lang="hr-HR" dirty="0"/>
+          </a:p>
+        </p:txBody>
+      </p:sp>
+      <p:pic>
+        <p:nvPicPr>
+          <p:cNvPr id="6" name="Content Placeholder 5"/>
+          <p:cNvPicPr>
+            <a:picLocks noGrp="1" noChangeAspect="1"/>
+          </p:cNvPicPr>
+          <p:nvPr>
+            <p:ph sz="half" idx="2"/>
+          </p:nvPr>
+        </p:nvPicPr>
+        <p:blipFill>
+          <a:blip r:embed="rId2">
+            <a:extLst>
+              <a:ext uri="{28A0092B-C50C-407E-A947-70E740481C1C}">
+                <a14:useLocalDpi xmlns:a14="http://schemas.microsoft.com/office/drawing/2010/main" val="0"/>
+              </a:ext>
+            </a:extLst>
+          </a:blip>
+          <a:stretch>
+            <a:fillRect/>
+          </a:stretch>
+        </p:blipFill>
+        <p:spPr>
+          <a:xfrm>
+            <a:off x="3276600" y="1905000"/>
+            <a:ext cx="5629490" cy="3398838"/>
+          </a:xfrm>
+        </p:spPr>
+      </p:pic>
+      <p:sp>
+        <p:nvSpPr>
+          <p:cNvPr id="3" name="Content Placeholder 2"/>
+          <p:cNvSpPr>
+            <a:spLocks noGrp="1"/>
+          </p:cNvSpPr>
+          <p:nvPr>
+            <p:ph sz="quarter" idx="13"/>
+          </p:nvPr>
+        </p:nvSpPr>
+        <p:spPr>
+          <a:xfrm>
+            <a:off x="152400" y="1752600"/>
+            <a:ext cx="3139440" cy="4373880"/>
+          </a:xfrm>
+        </p:spPr>
+        <p:txBody>
+          <a:bodyPr/>
+          <a:lstStyle/>
+          <a:p>
+            <a:r>
+              <a:rPr lang="hr-HR" dirty="0" smtClean="0"/>
+              <a:t>Cesta utiječe na visinu kotača</a:t>
+            </a:r>
+            <a:endParaRPr lang="hr-HR" dirty="0" smtClean="0"/>
+          </a:p>
+          <a:p>
+            <a:endParaRPr lang="hr-HR" dirty="0"/>
+          </a:p>
+          <a:p>
+            <a:r>
+              <a:rPr lang="hr-HR" dirty="0" smtClean="0"/>
+              <a:t>Učinak je da se auto realistično </a:t>
+            </a:r>
+            <a:r>
+              <a:rPr lang="hr-HR" dirty="0" smtClean="0"/>
+              <a:t>njiše</a:t>
+            </a:r>
+            <a:endParaRPr lang="hr-HR" dirty="0"/>
+          </a:p>
+        </p:txBody>
+      </p:sp>
+    </p:spTree>
+    <p:extLst>
+      <p:ext uri="{BB962C8B-B14F-4D97-AF65-F5344CB8AC3E}">
+        <p14:creationId xmlns:p14="http://schemas.microsoft.com/office/powerpoint/2010/main" val="2502208508"/>
+      </p:ext>
+    </p:extLst>
+  </p:cSld>
+  <p:clrMapOvr>
+    <a:masterClrMapping/>
+  </p:clrMapOvr>
+  <p:timing>
+    <p:tnLst>
+      <p:par>
+        <p:cTn id="1" dur="indefinite" restart="never" nodeType="tmRoot"/>
+      </p:par>
+    </p:tnLst>
+  </p:timing>
+</p:sld>
+</file>
+
+<file path=ppt/slides/slide16.xml><?xml version="1.0" encoding="utf-8"?>
+<p:sld xmlns:a="http://schemas.openxmlformats.org/drawingml/2006/main" xmlns:r="http://schemas.openxmlformats.org/officeDocument/2006/relationships" xmlns:p="http://schemas.openxmlformats.org/presentationml/2006/main">
+  <p:cSld>
+    <p:spTree>
+      <p:nvGrpSpPr>
+        <p:cNvPr id="1" name=""/>
+        <p:cNvGrpSpPr/>
+        <p:nvPr/>
+      </p:nvGrpSpPr>
+      <p:grpSpPr>
+        <a:xfrm>
+          <a:off x="0" y="0"/>
+          <a:ext cx="0" cy="0"/>
+          <a:chOff x="0" y="0"/>
+          <a:chExt cx="0" cy="0"/>
+        </a:xfrm>
+      </p:grpSpPr>
+      <p:sp>
+        <p:nvSpPr>
+          <p:cNvPr id="4" name="Title 3"/>
+          <p:cNvSpPr>
+            <a:spLocks noGrp="1"/>
+          </p:cNvSpPr>
+          <p:nvPr>
+            <p:ph type="title"/>
+          </p:nvPr>
+        </p:nvSpPr>
+        <p:spPr/>
+        <p:txBody>
+          <a:bodyPr/>
+          <a:lstStyle/>
+          <a:p>
+            <a:r>
+              <a:rPr lang="hr-HR" dirty="0" smtClean="0"/>
+              <a:t>Zvučna simulacija</a:t>
+            </a:r>
+            <a:endParaRPr lang="hr-HR" dirty="0"/>
+          </a:p>
+        </p:txBody>
+      </p:sp>
+      <p:sp>
+        <p:nvSpPr>
+          <p:cNvPr id="5" name="Text Placeholder 4"/>
+          <p:cNvSpPr>
+            <a:spLocks noGrp="1"/>
+          </p:cNvSpPr>
+          <p:nvPr>
+            <p:ph type="body" idx="1"/>
+          </p:nvPr>
+        </p:nvSpPr>
+        <p:spPr/>
+        <p:txBody>
+          <a:bodyPr/>
+          <a:lstStyle/>
+          <a:p>
+            <a:endParaRPr lang="hr-HR" dirty="0"/>
+          </a:p>
+        </p:txBody>
+      </p:sp>
+    </p:spTree>
+    <p:extLst>
+      <p:ext uri="{BB962C8B-B14F-4D97-AF65-F5344CB8AC3E}">
+        <p14:creationId xmlns:p14="http://schemas.microsoft.com/office/powerpoint/2010/main" val="2267565220"/>
+      </p:ext>
+    </p:extLst>
+  </p:cSld>
+  <p:clrMapOvr>
+    <a:masterClrMapping/>
+  </p:clrMapOvr>
+  <p:timing>
+    <p:tnLst>
+      <p:par>
+        <p:cTn id="1" dur="indefinite" restart="never" nodeType="tmRoot"/>
+      </p:par>
+    </p:tnLst>
+  </p:timing>
+</p:sld>
+</file>
+
+<file path=ppt/slides/slide17.xml><?xml version="1.0" encoding="utf-8"?>
+<p:sld xmlns:a="http://schemas.openxmlformats.org/drawingml/2006/main" xmlns:r="http://schemas.openxmlformats.org/officeDocument/2006/relationships" xmlns:p="http://schemas.openxmlformats.org/presentationml/2006/main">
+  <p:cSld>
+    <p:spTree>
+      <p:nvGrpSpPr>
+        <p:cNvPr id="1" name=""/>
+        <p:cNvGrpSpPr/>
+        <p:nvPr/>
+      </p:nvGrpSpPr>
+      <p:grpSpPr>
+        <a:xfrm>
+          <a:off x="0" y="0"/>
+          <a:ext cx="0" cy="0"/>
+          <a:chOff x="0" y="0"/>
+          <a:chExt cx="0" cy="0"/>
+        </a:xfrm>
+      </p:grpSpPr>
+      <p:sp>
+        <p:nvSpPr>
           <p:cNvPr id="2" name="Title 1"/>
           <p:cNvSpPr>
             <a:spLocks noGrp="1"/>
@@ -4065,6 +4383,589 @@
           <a:bodyPr/>
           <a:lstStyle/>
           <a:p>
+            <a:pPr algn="l"/>
+            <a:r>
+              <a:rPr lang="hr-HR" dirty="0" smtClean="0"/>
+              <a:t>Izvori zvukova</a:t>
+            </a:r>
+            <a:endParaRPr lang="hr-HR" dirty="0"/>
+          </a:p>
+        </p:txBody>
+      </p:sp>
+      <p:sp>
+        <p:nvSpPr>
+          <p:cNvPr id="3" name="Content Placeholder 2"/>
+          <p:cNvSpPr>
+            <a:spLocks noGrp="1"/>
+          </p:cNvSpPr>
+          <p:nvPr>
+            <p:ph idx="1"/>
+          </p:nvPr>
+        </p:nvSpPr>
+        <p:spPr/>
+        <p:txBody>
+          <a:bodyPr/>
+          <a:lstStyle/>
+          <a:p>
+            <a:r>
+              <a:rPr lang="hr-HR" sz="2800" dirty="0" smtClean="0"/>
+              <a:t>Učitavanje iz zvučnih datoteka</a:t>
+            </a:r>
+          </a:p>
+          <a:p>
+            <a:pPr lvl="1"/>
+            <a:r>
+              <a:rPr lang="hr-HR" sz="2000" dirty="0" smtClean="0"/>
+              <a:t>U RAM ili direktna reprodukcija sa tvrdog diska</a:t>
+            </a:r>
+          </a:p>
+          <a:p>
+            <a:pPr lvl="1"/>
+            <a:endParaRPr lang="hr-HR" dirty="0" smtClean="0"/>
+          </a:p>
+          <a:p>
+            <a:r>
+              <a:rPr lang="hr-HR" sz="2800" dirty="0" smtClean="0"/>
+              <a:t>Postavljanje pozicije</a:t>
+            </a:r>
+          </a:p>
+          <a:p>
+            <a:pPr lvl="1"/>
+            <a:r>
+              <a:rPr lang="hr-HR" sz="2000" dirty="0" smtClean="0"/>
+              <a:t>Preko 3D vektora</a:t>
+            </a:r>
+          </a:p>
+          <a:p>
+            <a:pPr lvl="1"/>
+            <a:endParaRPr lang="hr-HR" dirty="0"/>
+          </a:p>
+          <a:p>
+            <a:pPr lvl="1"/>
+            <a:endParaRPr lang="hr-HR" dirty="0"/>
+          </a:p>
+        </p:txBody>
+      </p:sp>
+      <p:pic>
+        <p:nvPicPr>
+          <p:cNvPr id="4" name="Picture 3"/>
+          <p:cNvPicPr>
+            <a:picLocks noChangeAspect="1"/>
+          </p:cNvPicPr>
+          <p:nvPr/>
+        </p:nvPicPr>
+        <p:blipFill>
+          <a:blip r:embed="rId2">
+            <a:extLst>
+              <a:ext uri="{28A0092B-C50C-407E-A947-70E740481C1C}">
+                <a14:useLocalDpi xmlns:a14="http://schemas.microsoft.com/office/drawing/2010/main" val="0"/>
+              </a:ext>
+            </a:extLst>
+          </a:blip>
+          <a:stretch>
+            <a:fillRect/>
+          </a:stretch>
+        </p:blipFill>
+        <p:spPr>
+          <a:xfrm>
+            <a:off x="768607" y="3810000"/>
+            <a:ext cx="7606786" cy="2448000"/>
+          </a:xfrm>
+          <a:prstGeom prst="rect">
+            <a:avLst/>
+          </a:prstGeom>
+        </p:spPr>
+      </p:pic>
+    </p:spTree>
+    <p:extLst>
+      <p:ext uri="{BB962C8B-B14F-4D97-AF65-F5344CB8AC3E}">
+        <p14:creationId xmlns:p14="http://schemas.microsoft.com/office/powerpoint/2010/main" val="3019331709"/>
+      </p:ext>
+    </p:extLst>
+  </p:cSld>
+  <p:clrMapOvr>
+    <a:masterClrMapping/>
+  </p:clrMapOvr>
+  <p:timing>
+    <p:tnLst>
+      <p:par>
+        <p:cTn id="1" dur="indefinite" restart="never" nodeType="tmRoot"/>
+      </p:par>
+    </p:tnLst>
+  </p:timing>
+</p:sld>
+</file>
+
+<file path=ppt/slides/slide18.xml><?xml version="1.0" encoding="utf-8"?>
+<p:sld xmlns:a="http://schemas.openxmlformats.org/drawingml/2006/main" xmlns:r="http://schemas.openxmlformats.org/officeDocument/2006/relationships" xmlns:p="http://schemas.openxmlformats.org/presentationml/2006/main">
+  <p:cSld>
+    <p:spTree>
+      <p:nvGrpSpPr>
+        <p:cNvPr id="1" name=""/>
+        <p:cNvGrpSpPr/>
+        <p:nvPr/>
+      </p:nvGrpSpPr>
+      <p:grpSpPr>
+        <a:xfrm>
+          <a:off x="0" y="0"/>
+          <a:ext cx="0" cy="0"/>
+          <a:chOff x="0" y="0"/>
+          <a:chExt cx="0" cy="0"/>
+        </a:xfrm>
+      </p:grpSpPr>
+      <p:sp>
+        <p:nvSpPr>
+          <p:cNvPr id="2" name="Title 1"/>
+          <p:cNvSpPr>
+            <a:spLocks noGrp="1"/>
+          </p:cNvSpPr>
+          <p:nvPr>
+            <p:ph type="title"/>
+          </p:nvPr>
+        </p:nvSpPr>
+        <p:spPr/>
+        <p:txBody>
+          <a:bodyPr/>
+          <a:lstStyle/>
+          <a:p>
+            <a:pPr algn="l"/>
+            <a:r>
+              <a:rPr lang="hr-HR" dirty="0"/>
+              <a:t>S</a:t>
+            </a:r>
+            <a:r>
+              <a:rPr lang="hr-HR" dirty="0" smtClean="0"/>
+              <a:t>lušatelj</a:t>
+            </a:r>
+            <a:endParaRPr lang="hr-HR" dirty="0"/>
+          </a:p>
+        </p:txBody>
+      </p:sp>
+      <p:sp>
+        <p:nvSpPr>
+          <p:cNvPr id="3" name="Content Placeholder 2"/>
+          <p:cNvSpPr>
+            <a:spLocks noGrp="1"/>
+          </p:cNvSpPr>
+          <p:nvPr>
+            <p:ph idx="1"/>
+          </p:nvPr>
+        </p:nvSpPr>
+        <p:spPr/>
+        <p:txBody>
+          <a:bodyPr/>
+          <a:lstStyle/>
+          <a:p>
+            <a:r>
+              <a:rPr lang="hr-HR" sz="2800" dirty="0"/>
+              <a:t>Postavljanje </a:t>
+            </a:r>
+            <a:r>
+              <a:rPr lang="hr-HR" sz="2800" dirty="0" smtClean="0"/>
+              <a:t>pozicije</a:t>
+            </a:r>
+            <a:r>
+              <a:rPr lang="hr-HR" sz="2800" dirty="0"/>
+              <a:t> </a:t>
+            </a:r>
+            <a:r>
+              <a:rPr lang="hr-HR" sz="2800" dirty="0" smtClean="0"/>
+              <a:t>i orijentacije</a:t>
+            </a:r>
+          </a:p>
+          <a:p>
+            <a:pPr lvl="1"/>
+            <a:r>
+              <a:rPr lang="hr-HR" sz="2000" dirty="0" smtClean="0"/>
+              <a:t>Pozicija preko 3D vektora</a:t>
+            </a:r>
+          </a:p>
+          <a:p>
+            <a:pPr lvl="1"/>
+            <a:r>
+              <a:rPr lang="hr-HR" sz="2000" dirty="0" smtClean="0"/>
+              <a:t>Orijentacija preko tri vektora</a:t>
+            </a:r>
+          </a:p>
+          <a:p>
+            <a:pPr lvl="1"/>
+            <a:endParaRPr lang="hr-HR" dirty="0" smtClean="0"/>
+          </a:p>
+          <a:p>
+            <a:r>
+              <a:rPr lang="hr-HR" sz="2800" dirty="0" smtClean="0"/>
+              <a:t>Položaj i orijentacija istovjetni s onima od kamere</a:t>
+            </a:r>
+            <a:endParaRPr lang="hr-HR" sz="2800" dirty="0"/>
+          </a:p>
+          <a:p>
+            <a:endParaRPr lang="hr-HR" dirty="0" smtClean="0"/>
+          </a:p>
+        </p:txBody>
+      </p:sp>
+      <p:pic>
+        <p:nvPicPr>
+          <p:cNvPr id="4" name="Picture 3"/>
+          <p:cNvPicPr>
+            <a:picLocks noChangeAspect="1"/>
+          </p:cNvPicPr>
+          <p:nvPr/>
+        </p:nvPicPr>
+        <p:blipFill>
+          <a:blip r:embed="rId2">
+            <a:extLst>
+              <a:ext uri="{28A0092B-C50C-407E-A947-70E740481C1C}">
+                <a14:useLocalDpi xmlns:a14="http://schemas.microsoft.com/office/drawing/2010/main" val="0"/>
+              </a:ext>
+            </a:extLst>
+          </a:blip>
+          <a:stretch>
+            <a:fillRect/>
+          </a:stretch>
+        </p:blipFill>
+        <p:spPr>
+          <a:xfrm>
+            <a:off x="2819400" y="3886200"/>
+            <a:ext cx="3490913" cy="2442591"/>
+          </a:xfrm>
+          <a:prstGeom prst="rect">
+            <a:avLst/>
+          </a:prstGeom>
+        </p:spPr>
+      </p:pic>
+    </p:spTree>
+    <p:extLst>
+      <p:ext uri="{BB962C8B-B14F-4D97-AF65-F5344CB8AC3E}">
+        <p14:creationId xmlns:p14="http://schemas.microsoft.com/office/powerpoint/2010/main" val="561081063"/>
+      </p:ext>
+    </p:extLst>
+  </p:cSld>
+  <p:clrMapOvr>
+    <a:masterClrMapping/>
+  </p:clrMapOvr>
+  <p:timing>
+    <p:tnLst>
+      <p:par>
+        <p:cTn id="1" dur="indefinite" restart="never" nodeType="tmRoot"/>
+      </p:par>
+    </p:tnLst>
+  </p:timing>
+</p:sld>
+</file>
+
+<file path=ppt/slides/slide19.xml><?xml version="1.0" encoding="utf-8"?>
+<p:sld xmlns:a="http://schemas.openxmlformats.org/drawingml/2006/main" xmlns:r="http://schemas.openxmlformats.org/officeDocument/2006/relationships" xmlns:p="http://schemas.openxmlformats.org/presentationml/2006/main">
+  <p:cSld>
+    <p:spTree>
+      <p:nvGrpSpPr>
+        <p:cNvPr id="1" name=""/>
+        <p:cNvGrpSpPr/>
+        <p:nvPr/>
+      </p:nvGrpSpPr>
+      <p:grpSpPr>
+        <a:xfrm>
+          <a:off x="0" y="0"/>
+          <a:ext cx="0" cy="0"/>
+          <a:chOff x="0" y="0"/>
+          <a:chExt cx="0" cy="0"/>
+        </a:xfrm>
+      </p:grpSpPr>
+      <p:sp>
+        <p:nvSpPr>
+          <p:cNvPr id="2" name="Title 1"/>
+          <p:cNvSpPr>
+            <a:spLocks noGrp="1"/>
+          </p:cNvSpPr>
+          <p:nvPr>
+            <p:ph type="title"/>
+          </p:nvPr>
+        </p:nvSpPr>
+        <p:spPr/>
+        <p:txBody>
+          <a:bodyPr/>
+          <a:lstStyle/>
+          <a:p>
+            <a:pPr algn="l"/>
+            <a:r>
+              <a:rPr lang="hr-HR" dirty="0" smtClean="0"/>
+              <a:t>Zvukovi u projektu</a:t>
+            </a:r>
+            <a:endParaRPr lang="hr-HR" dirty="0"/>
+          </a:p>
+        </p:txBody>
+      </p:sp>
+      <p:sp>
+        <p:nvSpPr>
+          <p:cNvPr id="3" name="Content Placeholder 2"/>
+          <p:cNvSpPr>
+            <a:spLocks noGrp="1"/>
+          </p:cNvSpPr>
+          <p:nvPr>
+            <p:ph idx="1"/>
+          </p:nvPr>
+        </p:nvSpPr>
+        <p:spPr/>
+        <p:txBody>
+          <a:bodyPr>
+            <a:normAutofit/>
+          </a:bodyPr>
+          <a:lstStyle/>
+          <a:p>
+            <a:r>
+              <a:rPr lang="hr-HR" sz="2800" dirty="0" smtClean="0"/>
+              <a:t>Zvuk rada motora</a:t>
+            </a:r>
+          </a:p>
+          <a:p>
+            <a:pPr lvl="1"/>
+            <a:r>
+              <a:rPr lang="hr-HR" sz="2000" dirty="0" smtClean="0"/>
+              <a:t>Stalno reproduciranje</a:t>
+            </a:r>
+          </a:p>
+          <a:p>
+            <a:pPr lvl="1"/>
+            <a:r>
+              <a:rPr lang="hr-HR" sz="2000" dirty="0" smtClean="0"/>
+              <a:t>Osvježavanje položaja u svakoj iteraciji petlje</a:t>
+            </a:r>
+          </a:p>
+          <a:p>
+            <a:pPr lvl="1"/>
+            <a:r>
+              <a:rPr lang="hr-HR" sz="2000" dirty="0" smtClean="0"/>
+              <a:t>Brzina reprodukcije ovisna o brzini automobila</a:t>
+            </a:r>
+          </a:p>
+          <a:p>
+            <a:endParaRPr lang="hr-HR" dirty="0" smtClean="0"/>
+          </a:p>
+          <a:p>
+            <a:r>
+              <a:rPr lang="hr-HR" sz="2800" dirty="0" smtClean="0"/>
+              <a:t>Zvuk škripanja guma</a:t>
+            </a:r>
+          </a:p>
+          <a:p>
+            <a:pPr lvl="1"/>
+            <a:r>
+              <a:rPr lang="hr-HR" sz="2000" dirty="0" smtClean="0"/>
+              <a:t>Osvježavanje položaja</a:t>
+            </a:r>
+          </a:p>
+          <a:p>
+            <a:pPr lvl="1"/>
+            <a:r>
+              <a:rPr lang="hr-HR" sz="2000" dirty="0" smtClean="0"/>
+              <a:t>Reprodukcija ovisi o stanju automobila</a:t>
+            </a:r>
+          </a:p>
+        </p:txBody>
+      </p:sp>
+    </p:spTree>
+    <p:extLst>
+      <p:ext uri="{BB962C8B-B14F-4D97-AF65-F5344CB8AC3E}">
+        <p14:creationId xmlns:p14="http://schemas.microsoft.com/office/powerpoint/2010/main" val="3096897854"/>
+      </p:ext>
+    </p:extLst>
+  </p:cSld>
+  <p:clrMapOvr>
+    <a:masterClrMapping/>
+  </p:clrMapOvr>
+  <p:timing>
+    <p:tnLst>
+      <p:par>
+        <p:cTn id="1" dur="indefinite" restart="never" nodeType="tmRoot"/>
+      </p:par>
+    </p:tnLst>
+  </p:timing>
+</p:sld>
+</file>
+
+<file path=ppt/slides/slide2.xml><?xml version="1.0" encoding="utf-8"?>
+<p:sld xmlns:a="http://schemas.openxmlformats.org/drawingml/2006/main" xmlns:r="http://schemas.openxmlformats.org/officeDocument/2006/relationships" xmlns:p="http://schemas.openxmlformats.org/presentationml/2006/main">
+  <p:cSld>
+    <p:spTree>
+      <p:nvGrpSpPr>
+        <p:cNvPr id="1" name=""/>
+        <p:cNvGrpSpPr/>
+        <p:nvPr/>
+      </p:nvGrpSpPr>
+      <p:grpSpPr>
+        <a:xfrm>
+          <a:off x="0" y="0"/>
+          <a:ext cx="0" cy="0"/>
+          <a:chOff x="0" y="0"/>
+          <a:chExt cx="0" cy="0"/>
+        </a:xfrm>
+      </p:grpSpPr>
+      <p:sp>
+        <p:nvSpPr>
+          <p:cNvPr id="4" name="Title 3"/>
+          <p:cNvSpPr>
+            <a:spLocks noGrp="1"/>
+          </p:cNvSpPr>
+          <p:nvPr>
+            <p:ph type="title"/>
+          </p:nvPr>
+        </p:nvSpPr>
+        <p:spPr/>
+        <p:txBody>
+          <a:bodyPr/>
+          <a:lstStyle/>
+          <a:p>
+            <a:r>
+              <a:rPr lang="hr-HR" dirty="0" smtClean="0"/>
+              <a:t>Iscrtavanje 2D elemenata</a:t>
+            </a:r>
+            <a:endParaRPr lang="hr-HR" dirty="0"/>
+          </a:p>
+        </p:txBody>
+      </p:sp>
+      <p:sp>
+        <p:nvSpPr>
+          <p:cNvPr id="5" name="Text Placeholder 4"/>
+          <p:cNvSpPr>
+            <a:spLocks noGrp="1"/>
+          </p:cNvSpPr>
+          <p:nvPr>
+            <p:ph type="body" idx="1"/>
+          </p:nvPr>
+        </p:nvSpPr>
+        <p:spPr/>
+        <p:txBody>
+          <a:bodyPr/>
+          <a:lstStyle/>
+          <a:p>
+            <a:endParaRPr lang="hr-HR" dirty="0"/>
+          </a:p>
+        </p:txBody>
+      </p:sp>
+    </p:spTree>
+    <p:extLst>
+      <p:ext uri="{BB962C8B-B14F-4D97-AF65-F5344CB8AC3E}">
+        <p14:creationId xmlns:p14="http://schemas.microsoft.com/office/powerpoint/2010/main" val="2337957832"/>
+      </p:ext>
+    </p:extLst>
+  </p:cSld>
+  <p:clrMapOvr>
+    <a:masterClrMapping/>
+  </p:clrMapOvr>
+  <p:timing>
+    <p:tnLst>
+      <p:par>
+        <p:cTn id="1" dur="indefinite" restart="never" nodeType="tmRoot"/>
+      </p:par>
+    </p:tnLst>
+  </p:timing>
+</p:sld>
+</file>
+
+<file path=ppt/slides/slide20.xml><?xml version="1.0" encoding="utf-8"?>
+<p:sld xmlns:a="http://schemas.openxmlformats.org/drawingml/2006/main" xmlns:r="http://schemas.openxmlformats.org/officeDocument/2006/relationships" xmlns:p="http://schemas.openxmlformats.org/presentationml/2006/main">
+  <p:cSld>
+    <p:spTree>
+      <p:nvGrpSpPr>
+        <p:cNvPr id="1" name=""/>
+        <p:cNvGrpSpPr/>
+        <p:nvPr/>
+      </p:nvGrpSpPr>
+      <p:grpSpPr>
+        <a:xfrm>
+          <a:off x="0" y="0"/>
+          <a:ext cx="0" cy="0"/>
+          <a:chOff x="0" y="0"/>
+          <a:chExt cx="0" cy="0"/>
+        </a:xfrm>
+      </p:grpSpPr>
+      <p:sp>
+        <p:nvSpPr>
+          <p:cNvPr id="4" name="Title 3"/>
+          <p:cNvSpPr>
+            <a:spLocks noGrp="1"/>
+          </p:cNvSpPr>
+          <p:nvPr>
+            <p:ph type="title"/>
+          </p:nvPr>
+        </p:nvSpPr>
+        <p:spPr/>
+        <p:txBody>
+          <a:bodyPr/>
+          <a:lstStyle/>
+          <a:p>
+            <a:r>
+              <a:rPr lang="en-US" dirty="0" smtClean="0"/>
+              <a:t>Leap Motion</a:t>
+            </a:r>
+            <a:endParaRPr lang="hr-HR" dirty="0"/>
+          </a:p>
+        </p:txBody>
+      </p:sp>
+      <p:sp>
+        <p:nvSpPr>
+          <p:cNvPr id="5" name="Text Placeholder 4"/>
+          <p:cNvSpPr>
+            <a:spLocks noGrp="1"/>
+          </p:cNvSpPr>
+          <p:nvPr>
+            <p:ph type="body" idx="1"/>
+          </p:nvPr>
+        </p:nvSpPr>
+        <p:spPr/>
+        <p:txBody>
+          <a:bodyPr/>
+          <a:lstStyle/>
+          <a:p>
+            <a:endParaRPr lang="hr-HR"/>
+          </a:p>
+        </p:txBody>
+      </p:sp>
+    </p:spTree>
+    <p:extLst>
+      <p:ext uri="{BB962C8B-B14F-4D97-AF65-F5344CB8AC3E}">
+        <p14:creationId xmlns:p14="http://schemas.microsoft.com/office/powerpoint/2010/main" val="2112996390"/>
+      </p:ext>
+    </p:extLst>
+  </p:cSld>
+  <p:clrMapOvr>
+    <a:masterClrMapping/>
+  </p:clrMapOvr>
+</p:sld>
+</file>
+
+<file path=ppt/slides/slide21.xml><?xml version="1.0" encoding="utf-8"?>
+<p:sld xmlns:a="http://schemas.openxmlformats.org/drawingml/2006/main" xmlns:r="http://schemas.openxmlformats.org/officeDocument/2006/relationships" xmlns:p="http://schemas.openxmlformats.org/presentationml/2006/main">
+  <p:cSld>
+    <p:spTree>
+      <p:nvGrpSpPr>
+        <p:cNvPr id="1" name=""/>
+        <p:cNvGrpSpPr/>
+        <p:nvPr/>
+      </p:nvGrpSpPr>
+      <p:grpSpPr>
+        <a:xfrm>
+          <a:off x="0" y="0"/>
+          <a:ext cx="0" cy="0"/>
+          <a:chOff x="0" y="0"/>
+          <a:chExt cx="0" cy="0"/>
+        </a:xfrm>
+      </p:grpSpPr>
+      <p:sp>
+        <p:nvSpPr>
+          <p:cNvPr id="2" name="Title 1"/>
+          <p:cNvSpPr>
+            <a:spLocks noGrp="1"/>
+          </p:cNvSpPr>
+          <p:nvPr>
+            <p:ph type="title"/>
+          </p:nvPr>
+        </p:nvSpPr>
+        <p:spPr/>
+        <p:txBody>
+          <a:bodyPr/>
+          <a:lstStyle/>
+          <a:p>
+            <a:pPr algn="l"/>
             <a:r>
               <a:rPr lang="en-US" dirty="0" smtClean="0"/>
               <a:t>Leap Motion </a:t>
@@ -4094,8 +4995,16 @@
           <a:p>
             <a:r>
               <a:rPr lang="en-US" dirty="0"/>
-              <a:t>3 IR LED</a:t>
-            </a:r>
+              <a:t>3 IR </a:t>
+            </a:r>
+            <a:r>
+              <a:rPr lang="en-US" dirty="0" smtClean="0"/>
+              <a:t>LED</a:t>
+            </a:r>
+            <a:endParaRPr lang="hr-HR" dirty="0" smtClean="0"/>
+          </a:p>
+          <a:p>
+            <a:endParaRPr lang="en-US" dirty="0"/>
           </a:p>
           <a:p>
             <a:r>
@@ -4103,9 +5012,12 @@
               <a:t>2 IR </a:t>
             </a:r>
             <a:r>
-              <a:rPr lang="en-US" dirty="0" err="1"/>
+              <a:rPr lang="en-US" dirty="0" err="1" smtClean="0"/>
               <a:t>kamere</a:t>
             </a:r>
+            <a:endParaRPr lang="hr-HR" dirty="0" smtClean="0"/>
+          </a:p>
+          <a:p>
             <a:endParaRPr lang="en-US" dirty="0"/>
           </a:p>
           <a:p>
@@ -4118,9 +5030,12 @@
               <a:t> </a:t>
             </a:r>
             <a:r>
-              <a:rPr lang="en-US" dirty="0" err="1"/>
+              <a:rPr lang="en-US" dirty="0" err="1" smtClean="0"/>
               <a:t>matematika</a:t>
             </a:r>
+            <a:endParaRPr lang="hr-HR" dirty="0" smtClean="0"/>
+          </a:p>
+          <a:p>
             <a:endParaRPr lang="en-US" dirty="0"/>
           </a:p>
           <a:p>
@@ -4228,7 +5143,7 @@
 </p:sld>
 </file>
 
-<file path=ppt/slides/slide16.xml><?xml version="1.0" encoding="utf-8"?>
+<file path=ppt/slides/slide22.xml><?xml version="1.0" encoding="utf-8"?>
 <p:sld xmlns:a="http://schemas.openxmlformats.org/drawingml/2006/main" xmlns:r="http://schemas.openxmlformats.org/officeDocument/2006/relationships" xmlns:p="http://schemas.openxmlformats.org/presentationml/2006/main">
   <p:cSld>
     <p:spTree>
@@ -4260,6 +5175,7 @@
           <a:bodyPr/>
           <a:lstStyle/>
           <a:p>
+            <a:pPr algn="l"/>
             <a:r>
               <a:rPr lang="en-US" dirty="0" err="1" smtClean="0"/>
               <a:t>Upravljanje</a:t>
@@ -4286,15 +5202,34 @@
             <p:ph idx="1"/>
           </p:nvPr>
         </p:nvSpPr>
-        <p:spPr/>
-        <p:txBody>
-          <a:bodyPr/>
-          <a:lstStyle/>
-          <a:p>
+        <p:spPr>
+          <a:xfrm>
+            <a:off x="457200" y="1752600"/>
+            <a:ext cx="4267200" cy="4449763"/>
+          </a:xfrm>
+        </p:spPr>
+        <p:txBody>
+          <a:bodyPr/>
+          <a:lstStyle/>
+          <a:p>
+            <a:endParaRPr lang="hr-HR" dirty="0" smtClean="0"/>
+          </a:p>
+          <a:p>
+            <a:r>
+              <a:rPr lang="hr-HR" dirty="0" smtClean="0"/>
+              <a:t>Leap </a:t>
+            </a:r>
             <a:r>
               <a:rPr lang="hr-HR" dirty="0"/>
-              <a:t>Leap detektira dlan</a:t>
-            </a:r>
+              <a:t>detektira </a:t>
+            </a:r>
+            <a:r>
+              <a:rPr lang="hr-HR" dirty="0" smtClean="0"/>
+              <a:t>dlan</a:t>
+            </a:r>
+          </a:p>
+          <a:p>
+            <a:endParaRPr lang="hr-HR" dirty="0"/>
           </a:p>
           <a:p>
             <a:r>
@@ -4373,8 +5308,8 @@
         </p:blipFill>
         <p:spPr bwMode="auto">
           <a:xfrm>
-            <a:off x="4725458" y="2312634"/>
-            <a:ext cx="3524250" cy="2638425"/>
+            <a:off x="4724400" y="2209800"/>
+            <a:ext cx="3829050" cy="2866613"/>
           </a:xfrm>
           <a:prstGeom prst="rect">
             <a:avLst/>
@@ -4404,7 +5339,7 @@
 </p:sld>
 </file>
 
-<file path=ppt/slides/slide2.xml><?xml version="1.0" encoding="utf-8"?>
+<file path=ppt/slides/slide23.xml><?xml version="1.0" encoding="utf-8"?>
 <p:sld xmlns:a="http://schemas.openxmlformats.org/drawingml/2006/main" xmlns:r="http://schemas.openxmlformats.org/officeDocument/2006/relationships" xmlns:p="http://schemas.openxmlformats.org/presentationml/2006/main">
   <p:cSld>
     <p:spTree>
@@ -4436,9 +5371,10 @@
           <a:bodyPr/>
           <a:lstStyle/>
           <a:p>
+            <a:pPr algn="l"/>
             <a:r>
               <a:rPr lang="hr-HR" dirty="0" smtClean="0"/>
-              <a:t>Fizikalna simulacija</a:t>
+              <a:t>Hvala na pažnji</a:t>
             </a:r>
             <a:endParaRPr lang="hr-HR" dirty="0"/>
           </a:p>
@@ -4446,40 +5382,108 @@
       </p:sp>
       <p:sp>
         <p:nvSpPr>
-          <p:cNvPr id="5" name="Text Placeholder 4"/>
-          <p:cNvSpPr>
-            <a:spLocks noGrp="1"/>
-          </p:cNvSpPr>
-          <p:nvPr>
-            <p:ph type="body" idx="1"/>
-          </p:nvPr>
-        </p:nvSpPr>
-        <p:spPr/>
-        <p:txBody>
-          <a:bodyPr/>
-          <a:lstStyle/>
-          <a:p>
-            <a:endParaRPr lang="hr-HR" dirty="0"/>
+          <p:cNvPr id="5" name="Content Placeholder 4"/>
+          <p:cNvSpPr>
+            <a:spLocks noGrp="1"/>
+          </p:cNvSpPr>
+          <p:nvPr>
+            <p:ph idx="1"/>
+          </p:nvPr>
+        </p:nvSpPr>
+        <p:spPr>
+          <a:xfrm>
+            <a:off x="457200" y="2057400"/>
+            <a:ext cx="8229600" cy="4068763"/>
+          </a:xfrm>
+        </p:spPr>
+        <p:txBody>
+          <a:bodyPr/>
+          <a:lstStyle/>
+          <a:p>
+            <a:r>
+              <a:rPr lang="hr-HR" b="1" dirty="0"/>
+              <a:t>Nastavnik: </a:t>
+            </a:r>
+            <a:r>
+              <a:rPr lang="hr-HR" dirty="0"/>
+              <a:t>Prof. dr. sc. Željka Mihajlović</a:t>
+            </a:r>
+            <a:endParaRPr lang="hr-HR" b="1" dirty="0"/>
+          </a:p>
+          <a:p>
+            <a:endParaRPr lang="hr-HR" dirty="0" smtClean="0"/>
+          </a:p>
+          <a:p>
+            <a:r>
+              <a:rPr lang="hr-HR" b="1" dirty="0" smtClean="0"/>
+              <a:t>Tim</a:t>
+            </a:r>
+            <a:r>
+              <a:rPr lang="hr-HR" b="1" dirty="0"/>
+              <a:t>:	</a:t>
+            </a:r>
+            <a:endParaRPr lang="hr-HR" b="1" dirty="0" smtClean="0"/>
+          </a:p>
+          <a:p>
+            <a:pPr lvl="1"/>
+            <a:r>
+              <a:rPr lang="hr-HR" sz="2400" dirty="0" smtClean="0"/>
+              <a:t>Bojan </a:t>
+            </a:r>
+            <a:r>
+              <a:rPr lang="hr-HR" sz="2400" dirty="0"/>
+              <a:t>Lovrović		</a:t>
+            </a:r>
+            <a:endParaRPr lang="hr-HR" sz="2400" b="1" dirty="0"/>
+          </a:p>
+          <a:p>
+            <a:pPr lvl="1"/>
+            <a:r>
+              <a:rPr lang="hr-HR" sz="2400" dirty="0"/>
+              <a:t>Branimir Klarić		</a:t>
+            </a:r>
+          </a:p>
+          <a:p>
+            <a:pPr lvl="1"/>
+            <a:r>
+              <a:rPr lang="hr-HR" sz="2400" dirty="0"/>
+              <a:t>Igor Kramarić		</a:t>
+            </a:r>
+          </a:p>
+          <a:p>
+            <a:pPr lvl="1"/>
+            <a:r>
+              <a:rPr lang="hr-HR" sz="2400" dirty="0"/>
+              <a:t>Bruno Pregun		</a:t>
+            </a:r>
+          </a:p>
+          <a:p>
+            <a:pPr lvl="1"/>
+            <a:r>
+              <a:rPr lang="hr-HR" sz="2400" dirty="0"/>
+              <a:t>Jure Ratković		</a:t>
+            </a:r>
+          </a:p>
+          <a:p>
+            <a:pPr lvl="1"/>
+            <a:r>
+              <a:rPr lang="hr-HR" sz="2400" dirty="0"/>
+              <a:t>Tomislav Tunković</a:t>
+            </a:r>
+            <a:endParaRPr lang="hr-HR" sz="2400" dirty="0"/>
           </a:p>
         </p:txBody>
       </p:sp>
     </p:spTree>
     <p:extLst>
       <p:ext uri="{BB962C8B-B14F-4D97-AF65-F5344CB8AC3E}">
-        <p14:creationId xmlns:p14="http://schemas.microsoft.com/office/powerpoint/2010/main" val="2337957832"/>
+        <p14:creationId xmlns:p14="http://schemas.microsoft.com/office/powerpoint/2010/main" val="526845257"/>
       </p:ext>
     </p:extLst>
   </p:cSld>
   <p:clrMapOvr>
     <a:masterClrMapping/>
   </p:clrMapOvr>
-  <p:timing>
-    <p:tnLst>
-      <p:par>
-        <p:cTn id="1" dur="indefinite" restart="never" nodeType="tmRoot"/>
-      </p:par>
-    </p:tnLst>
-  </p:timing>
 </p:sld>
 </file>
 
@@ -4518,7 +5522,7 @@
             <a:pPr algn="l"/>
             <a:r>
               <a:rPr lang="hr-HR" dirty="0" smtClean="0"/>
-              <a:t>Podjela</a:t>
+              <a:t>Iscrtavanje</a:t>
             </a:r>
             <a:endParaRPr lang="hr-HR" dirty="0"/>
           </a:p>
@@ -4536,88 +5540,105 @@
         </p:nvSpPr>
         <p:spPr>
           <a:xfrm>
-            <a:off x="457200" y="1828800"/>
-            <a:ext cx="8229600" cy="4495800"/>
+            <a:off x="533400" y="1676400"/>
+            <a:ext cx="8153400" cy="2438399"/>
           </a:xfrm>
         </p:spPr>
         <p:txBody>
           <a:bodyPr>
-            <a:normAutofit lnSpcReduction="10000"/>
+            <a:normAutofit fontScale="92500" lnSpcReduction="20000"/>
           </a:bodyPr>
           <a:lstStyle/>
           <a:p>
             <a:r>
-              <a:rPr lang="hr-HR" sz="2800" dirty="0" smtClean="0"/>
-              <a:t>Šasija</a:t>
-            </a:r>
+              <a:rPr lang="fi-FI" dirty="0"/>
+              <a:t>Za iscrtavanje se koristi </a:t>
+            </a:r>
+            <a:r>
+              <a:rPr lang="fi-FI" dirty="0" smtClean="0"/>
+              <a:t>OpenGL</a:t>
+            </a:r>
+            <a:endParaRPr lang="hr-HR" dirty="0" smtClean="0"/>
+          </a:p>
+          <a:p>
+            <a:endParaRPr lang="hr-HR" dirty="0"/>
+          </a:p>
+          <a:p>
+            <a:r>
+              <a:rPr lang="hr-HR" dirty="0" smtClean="0"/>
+              <a:t>Svaki </a:t>
+            </a:r>
+            <a:r>
+              <a:rPr lang="hr-HR" dirty="0"/>
+              <a:t>2D element (sprite) sastoji se od 2 trokuta koji cine </a:t>
+            </a:r>
+            <a:r>
+              <a:rPr lang="hr-HR" dirty="0" smtClean="0"/>
+              <a:t>pravokutnik</a:t>
+            </a:r>
+          </a:p>
+          <a:p>
+            <a:endParaRPr lang="hr-HR" dirty="0"/>
+          </a:p>
+          <a:p>
+            <a:r>
+              <a:rPr lang="hr-HR" dirty="0"/>
+              <a:t>Na vrhove tih trokuta je moguce izvršiti transformacije za pomicanje, skaliranje i rotiranje elementa</a:t>
+            </a:r>
+            <a:endParaRPr lang="hr-HR" dirty="0" smtClean="0"/>
+          </a:p>
+          <a:p>
+            <a:endParaRPr lang="hr-HR" sz="2800" dirty="0"/>
+          </a:p>
+          <a:p>
+            <a:endParaRPr lang="hr-HR" sz="2800" dirty="0" smtClean="0"/>
           </a:p>
           <a:p>
             <a:pPr lvl="1"/>
-            <a:r>
-              <a:rPr lang="hr-HR" sz="2000" dirty="0" smtClean="0"/>
-              <a:t>fiksirana na podlogu</a:t>
-            </a:r>
-          </a:p>
-          <a:p>
-            <a:pPr lvl="1"/>
-            <a:r>
-              <a:rPr lang="hr-HR" sz="2000" dirty="0" smtClean="0"/>
-              <a:t>direktno povezana sa korisničkim inputom</a:t>
-            </a:r>
-          </a:p>
-          <a:p>
-            <a:pPr lvl="1"/>
-            <a:r>
-              <a:rPr lang="hr-HR" sz="2000" dirty="0" smtClean="0"/>
-              <a:t>nije pod utjecajem fizikalne simulacije</a:t>
-            </a:r>
-          </a:p>
-          <a:p>
-            <a:pPr lvl="1"/>
-            <a:endParaRPr lang="hr-HR" sz="2800" dirty="0" smtClean="0"/>
-          </a:p>
-          <a:p>
-            <a:r>
-              <a:rPr lang="hr-HR" sz="2800" dirty="0" smtClean="0"/>
-              <a:t>Karoserija</a:t>
-            </a:r>
-          </a:p>
-          <a:p>
-            <a:pPr lvl="1"/>
-            <a:r>
-              <a:rPr lang="hr-HR" sz="2000" dirty="0" smtClean="0"/>
-              <a:t>kruto tijelo povezano sa šasijom putem opruga</a:t>
-            </a:r>
-          </a:p>
-          <a:p>
-            <a:endParaRPr lang="hr-HR" sz="2800" dirty="0" smtClean="0"/>
-          </a:p>
-          <a:p>
-            <a:r>
-              <a:rPr lang="hr-HR" sz="2800" dirty="0" smtClean="0"/>
-              <a:t>Opruge</a:t>
-            </a:r>
-          </a:p>
-          <a:p>
-            <a:pPr lvl="1"/>
-            <a:r>
-              <a:rPr lang="hr-HR" sz="2000" dirty="0" smtClean="0"/>
-              <a:t>Hookeov zakon</a:t>
-            </a:r>
-          </a:p>
-          <a:p>
-            <a:pPr lvl="1"/>
-            <a:r>
-              <a:rPr lang="hr-HR" sz="2000" dirty="0" smtClean="0"/>
-              <a:t>prigušenje</a:t>
-            </a:r>
-          </a:p>
-        </p:txBody>
-      </p:sp>
+            <a:endParaRPr lang="hr-HR" sz="2000" dirty="0"/>
+          </a:p>
+          <a:p>
+            <a:pPr marL="457200" lvl="1" indent="0">
+              <a:buNone/>
+            </a:pPr>
+            <a:endParaRPr lang="hr-HR" sz="2000" dirty="0"/>
+          </a:p>
+        </p:txBody>
+      </p:sp>
+      <p:pic>
+        <p:nvPicPr>
+          <p:cNvPr id="2" name="Picture 1"/>
+          <p:cNvPicPr>
+            <a:picLocks noChangeAspect="1"/>
+          </p:cNvPicPr>
+          <p:nvPr/>
+        </p:nvPicPr>
+        <p:blipFill>
+          <a:blip r:embed="rId2">
+            <a:extLst>
+              <a:ext uri="{28A0092B-C50C-407E-A947-70E740481C1C}">
+                <a14:useLocalDpi xmlns:a14="http://schemas.microsoft.com/office/drawing/2010/main" val="0"/>
+              </a:ext>
+            </a:extLst>
+          </a:blip>
+          <a:stretch>
+            <a:fillRect/>
+          </a:stretch>
+        </p:blipFill>
+        <p:spPr>
+          <a:xfrm>
+            <a:off x="1752600" y="3906983"/>
+            <a:ext cx="5510644" cy="2755322"/>
+          </a:xfrm>
+          <a:prstGeom prst="rect">
+            <a:avLst/>
+          </a:prstGeom>
+        </p:spPr>
+      </p:pic>
     </p:spTree>
     <p:extLst>
       <p:ext uri="{BB962C8B-B14F-4D97-AF65-F5344CB8AC3E}">
-        <p14:creationId xmlns:p14="http://schemas.microsoft.com/office/powerpoint/2010/main" val="2457179227"/>
+        <p14:creationId xmlns:p14="http://schemas.microsoft.com/office/powerpoint/2010/main" val="1375698429"/>
       </p:ext>
     </p:extLst>
   </p:cSld>
@@ -4668,8 +5689,12 @@
           <a:p>
             <a:pPr algn="l"/>
             <a:r>
+              <a:rPr lang="hr-HR" dirty="0"/>
+              <a:t>Definiranje </a:t>
+            </a:r>
+            <a:r>
               <a:rPr lang="hr-HR" dirty="0" smtClean="0"/>
-              <a:t>Model simulacije</a:t>
+              <a:t>sprite-ova</a:t>
             </a:r>
             <a:endParaRPr lang="hr-HR" dirty="0"/>
           </a:p>
@@ -4687,8 +5712,8 @@
         </p:nvSpPr>
         <p:spPr>
           <a:xfrm>
-            <a:off x="457200" y="1828800"/>
-            <a:ext cx="8229600" cy="4495800"/>
+            <a:off x="533400" y="1676400"/>
+            <a:ext cx="7924800" cy="4343400"/>
           </a:xfrm>
         </p:spPr>
         <p:txBody>
@@ -4698,51 +5723,56 @@
           <a:lstStyle/>
           <a:p>
             <a:r>
-              <a:rPr lang="hr-HR" sz="2800" dirty="0" smtClean="0"/>
-              <a:t>Korištena je Eulerova metoda za numeričku integraciju.</a:t>
-            </a:r>
-          </a:p>
-          <a:p>
-            <a:endParaRPr lang="hr-HR" sz="2800" dirty="0"/>
-          </a:p>
-          <a:p>
-            <a:r>
-              <a:rPr lang="hr-HR" sz="2800" dirty="0" smtClean="0"/>
-              <a:t>Kruta tijela imaju:</a:t>
-            </a:r>
-          </a:p>
-          <a:p>
-            <a:pPr lvl="1"/>
-            <a:r>
-              <a:rPr lang="hr-HR" sz="2000" dirty="0"/>
-              <a:t>Masu</a:t>
-            </a:r>
-          </a:p>
-          <a:p>
-            <a:pPr lvl="1"/>
-            <a:r>
-              <a:rPr lang="hr-HR" sz="2000" dirty="0"/>
-              <a:t>Centar mase</a:t>
-            </a:r>
-          </a:p>
-          <a:p>
-            <a:pPr lvl="1"/>
-            <a:r>
-              <a:rPr lang="hr-HR" sz="2000" dirty="0"/>
-              <a:t>Tenzor inercije</a:t>
-            </a:r>
-          </a:p>
-          <a:p>
-            <a:endParaRPr lang="hr-HR" sz="2800" dirty="0" smtClean="0"/>
-          </a:p>
-          <a:p>
-            <a:endParaRPr lang="hr-HR" sz="2800" dirty="0"/>
-          </a:p>
-          <a:p>
-            <a:endParaRPr lang="hr-HR" sz="2800" dirty="0" smtClean="0"/>
-          </a:p>
-          <a:p>
-            <a:pPr lvl="1"/>
+              <a:rPr lang="hr-HR" dirty="0" smtClean="0"/>
+              <a:t>N</a:t>
+            </a:r>
+            <a:r>
+              <a:rPr lang="fi-FI" dirty="0" smtClean="0"/>
+              <a:t>a </a:t>
+            </a:r>
+            <a:r>
+              <a:rPr lang="fi-FI" dirty="0"/>
+              <a:t>jednoj slikovnoj datoteci definirano je više </a:t>
+            </a:r>
+            <a:r>
+              <a:rPr lang="fi-FI" dirty="0" smtClean="0"/>
+              <a:t>elemenata</a:t>
+            </a:r>
+            <a:endParaRPr lang="hr-HR" dirty="0" smtClean="0"/>
+          </a:p>
+          <a:p>
+            <a:endParaRPr lang="hr-HR" dirty="0"/>
+          </a:p>
+          <a:p>
+            <a:r>
+              <a:rPr lang="hr-HR" dirty="0" smtClean="0"/>
+              <a:t>Prilikom </a:t>
+            </a:r>
+            <a:r>
+              <a:rPr lang="hr-HR" dirty="0"/>
+              <a:t>iscrtavanja potrebno je odrediti koji dio slikovne datoteke se </a:t>
+            </a:r>
+            <a:r>
+              <a:rPr lang="hr-HR" dirty="0" smtClean="0"/>
+              <a:t>crta</a:t>
+            </a:r>
+          </a:p>
+          <a:p>
+            <a:endParaRPr lang="hr-HR" dirty="0"/>
+          </a:p>
+          <a:p>
+            <a:r>
+              <a:rPr lang="hr-HR" dirty="0" smtClean="0"/>
+              <a:t>Također </a:t>
+            </a:r>
+            <a:r>
+              <a:rPr lang="hr-HR" dirty="0"/>
+              <a:t>se odabiru i parametri transformacija za svaki </a:t>
+            </a:r>
+            <a:r>
+              <a:rPr lang="hr-HR" dirty="0" smtClean="0"/>
+              <a:t>sprite</a:t>
+            </a:r>
             <a:endParaRPr lang="hr-HR" sz="2000" dirty="0"/>
           </a:p>
           <a:p>
@@ -4756,7 +5786,7 @@
     </p:spTree>
     <p:extLst>
       <p:ext uri="{BB962C8B-B14F-4D97-AF65-F5344CB8AC3E}">
-        <p14:creationId xmlns:p14="http://schemas.microsoft.com/office/powerpoint/2010/main" val="676707242"/>
+        <p14:creationId xmlns:p14="http://schemas.microsoft.com/office/powerpoint/2010/main" val="1848190563"/>
       </p:ext>
     </p:extLst>
   </p:cSld>
@@ -4807,8 +5837,12 @@
           <a:p>
             <a:pPr algn="l"/>
             <a:r>
+              <a:rPr lang="hr-HR" dirty="0"/>
+              <a:t>Definiranje </a:t>
+            </a:r>
+            <a:r>
               <a:rPr lang="hr-HR" dirty="0" smtClean="0"/>
-              <a:t>Utjecaj ceste</a:t>
+              <a:t>sprite-ova</a:t>
             </a:r>
             <a:endParaRPr lang="hr-HR" dirty="0"/>
           </a:p>
@@ -4816,13 +5850,11 @@
       </p:sp>
       <p:pic>
         <p:nvPicPr>
-          <p:cNvPr id="6" name="Content Placeholder 5"/>
+          <p:cNvPr id="3" name="Picture 2"/>
           <p:cNvPicPr>
-            <a:picLocks noGrp="1" noChangeAspect="1"/>
+            <a:picLocks noChangeAspect="1"/>
           </p:cNvPicPr>
-          <p:nvPr>
-            <p:ph sz="half" idx="2"/>
-          </p:nvPr>
+          <p:nvPr/>
         </p:nvPicPr>
         <p:blipFill>
           <a:blip r:embed="rId2">
@@ -4838,52 +5870,48 @@
         </p:blipFill>
         <p:spPr>
           <a:xfrm>
-            <a:off x="3276600" y="1905000"/>
-            <a:ext cx="5629490" cy="3398838"/>
+            <a:off x="3657599" y="1717964"/>
+            <a:ext cx="5126183" cy="4637301"/>
           </a:xfrm>
+          <a:prstGeom prst="rect">
+            <a:avLst/>
+          </a:prstGeom>
         </p:spPr>
       </p:pic>
-      <p:sp>
-        <p:nvSpPr>
-          <p:cNvPr id="3" name="Content Placeholder 2"/>
-          <p:cNvSpPr>
-            <a:spLocks noGrp="1"/>
-          </p:cNvSpPr>
-          <p:nvPr>
-            <p:ph sz="quarter" idx="13"/>
-          </p:nvPr>
-        </p:nvSpPr>
+      <p:pic>
+        <p:nvPicPr>
+          <p:cNvPr id="6" name="Picture 5"/>
+          <p:cNvPicPr>
+            <a:picLocks noChangeAspect="1"/>
+          </p:cNvPicPr>
+          <p:nvPr/>
+        </p:nvPicPr>
+        <p:blipFill>
+          <a:blip r:embed="rId3">
+            <a:extLst>
+              <a:ext uri="{28A0092B-C50C-407E-A947-70E740481C1C}">
+                <a14:useLocalDpi xmlns:a14="http://schemas.microsoft.com/office/drawing/2010/main" val="0"/>
+              </a:ext>
+            </a:extLst>
+          </a:blip>
+          <a:stretch>
+            <a:fillRect/>
+          </a:stretch>
+        </p:blipFill>
         <p:spPr>
           <a:xfrm>
-            <a:off x="152400" y="1752600"/>
-            <a:ext cx="3139440" cy="4373880"/>
+            <a:off x="457200" y="2624610"/>
+            <a:ext cx="2819400" cy="2819400"/>
           </a:xfrm>
+          <a:prstGeom prst="rect">
+            <a:avLst/>
+          </a:prstGeom>
         </p:spPr>
-        <p:txBody>
-          <a:bodyPr/>
-          <a:lstStyle/>
-          <a:p>
-            <a:r>
-              <a:rPr lang="hr-HR" dirty="0" smtClean="0"/>
-              <a:t>Na visinu kotača utiječe jedino cesta.</a:t>
-            </a:r>
-          </a:p>
-          <a:p>
-            <a:endParaRPr lang="hr-HR" dirty="0"/>
-          </a:p>
-          <a:p>
-            <a:r>
-              <a:rPr lang="hr-HR" dirty="0" smtClean="0"/>
-              <a:t>Učinak je da se auto realistično njiše.</a:t>
-            </a:r>
-            <a:endParaRPr lang="hr-HR" dirty="0"/>
-          </a:p>
-        </p:txBody>
-      </p:sp>
+      </p:pic>
     </p:spTree>
     <p:extLst>
       <p:ext uri="{BB962C8B-B14F-4D97-AF65-F5344CB8AC3E}">
-        <p14:creationId xmlns:p14="http://schemas.microsoft.com/office/powerpoint/2010/main" val="2502208508"/>
+        <p14:creationId xmlns:p14="http://schemas.microsoft.com/office/powerpoint/2010/main" val="4070031579"/>
       </p:ext>
     </p:extLst>
   </p:cSld>
@@ -4933,12 +5961,8 @@
           <a:lstStyle/>
           <a:p>
             <a:r>
-              <a:rPr lang="en-US" dirty="0" smtClean="0"/>
-              <a:t>3D </a:t>
-            </a:r>
-            <a:r>
-              <a:rPr lang="en-US" dirty="0" err="1" smtClean="0"/>
-              <a:t>Grafika</a:t>
+              <a:rPr lang="hr-HR" dirty="0" smtClean="0"/>
+              <a:t>Izrada 3D modela</a:t>
             </a:r>
             <a:endParaRPr lang="hr-HR" dirty="0"/>
           </a:p>
@@ -4966,7 +5990,7 @@
     </p:spTree>
     <p:extLst>
       <p:ext uri="{BB962C8B-B14F-4D97-AF65-F5344CB8AC3E}">
-        <p14:creationId xmlns:p14="http://schemas.microsoft.com/office/powerpoint/2010/main" val="446549202"/>
+        <p14:creationId xmlns:p14="http://schemas.microsoft.com/office/powerpoint/2010/main" val="449212017"/>
       </p:ext>
     </p:extLst>
   </p:cSld>
@@ -5002,7 +6026,7 @@
       </p:grpSpPr>
       <p:sp>
         <p:nvSpPr>
-          <p:cNvPr id="2" name="Title 1"/>
+          <p:cNvPr id="4" name="Title 3"/>
           <p:cNvSpPr>
             <a:spLocks noGrp="1"/>
           </p:cNvSpPr>
@@ -5017,30 +6041,112 @@
           <a:p>
             <a:pPr algn="l"/>
             <a:r>
-              <a:rPr lang="en-US" dirty="0" err="1" smtClean="0"/>
-              <a:t>Iscratavanje</a:t>
-            </a:r>
-            <a:r>
-              <a:rPr lang="en-US" dirty="0" smtClean="0"/>
+              <a:rPr lang="hr-HR" dirty="0" smtClean="0"/>
+              <a:t>Blender</a:t>
+            </a:r>
+            <a:endParaRPr lang="hr-HR" dirty="0"/>
+          </a:p>
+        </p:txBody>
+      </p:sp>
+      <p:sp>
+        <p:nvSpPr>
+          <p:cNvPr id="5" name="Content Placeholder 4"/>
+          <p:cNvSpPr>
+            <a:spLocks noGrp="1"/>
+          </p:cNvSpPr>
+          <p:nvPr>
+            <p:ph idx="1"/>
+          </p:nvPr>
+        </p:nvSpPr>
+        <p:spPr>
+          <a:xfrm>
+            <a:off x="267504" y="1683327"/>
+            <a:ext cx="4800600" cy="2452255"/>
+          </a:xfrm>
+        </p:spPr>
+        <p:txBody>
+          <a:bodyPr>
+            <a:normAutofit/>
+          </a:bodyPr>
+          <a:lstStyle/>
+          <a:p>
+            <a:r>
+              <a:rPr lang="hr-HR" dirty="0" smtClean="0"/>
+              <a:t>M</a:t>
+            </a:r>
+            <a:r>
+              <a:rPr lang="es-ES" dirty="0" err="1" smtClean="0"/>
+              <a:t>odeli</a:t>
+            </a:r>
+            <a:r>
+              <a:rPr lang="es-ES" dirty="0" smtClean="0"/>
               <a:t> </a:t>
             </a:r>
             <a:r>
-              <a:rPr lang="en-US" dirty="0" err="1" smtClean="0"/>
-              <a:t>modela</a:t>
-            </a:r>
+              <a:rPr lang="es-ES" dirty="0"/>
+              <a:t>su </a:t>
+            </a:r>
+            <a:r>
+              <a:rPr lang="es-ES" dirty="0" err="1"/>
+              <a:t>izradeni</a:t>
+            </a:r>
+            <a:r>
+              <a:rPr lang="es-ES" dirty="0"/>
+              <a:t> u </a:t>
+            </a:r>
+            <a:r>
+              <a:rPr lang="es-ES" dirty="0" err="1"/>
+              <a:t>programu</a:t>
+            </a:r>
+            <a:r>
+              <a:rPr lang="es-ES" dirty="0"/>
+              <a:t> </a:t>
+            </a:r>
+            <a:r>
+              <a:rPr lang="es-ES" dirty="0" err="1"/>
+              <a:t>za</a:t>
+            </a:r>
+            <a:r>
+              <a:rPr lang="es-ES" dirty="0"/>
+              <a:t> 3D </a:t>
+            </a:r>
+            <a:r>
+              <a:rPr lang="es-ES" dirty="0" err="1"/>
+              <a:t>modeliranje</a:t>
+            </a:r>
+            <a:r>
+              <a:rPr lang="es-ES" dirty="0"/>
+              <a:t> </a:t>
+            </a:r>
+            <a:r>
+              <a:rPr lang="es-ES" dirty="0" err="1" smtClean="0"/>
+              <a:t>Blender</a:t>
+            </a:r>
+            <a:endParaRPr lang="hr-HR" dirty="0" smtClean="0"/>
+          </a:p>
+          <a:p>
             <a:endParaRPr lang="hr-HR" dirty="0"/>
+          </a:p>
+          <a:p>
+            <a:r>
+              <a:rPr lang="hr-HR" dirty="0" smtClean="0"/>
+              <a:t>Primjeri </a:t>
+            </a:r>
+            <a:r>
+              <a:rPr lang="hr-HR" dirty="0"/>
+              <a:t>modela izradenih za potrebe aplikacije:</a:t>
+            </a:r>
+            <a:endParaRPr lang="hr-HR" dirty="0" smtClean="0"/>
           </a:p>
         </p:txBody>
       </p:sp>
       <p:pic>
         <p:nvPicPr>
-          <p:cNvPr id="5" name="Content Placeholder 4"/>
+          <p:cNvPr id="2" name="Picture 1"/>
           <p:cNvPicPr>
-            <a:picLocks noGrp="1" noChangeAspect="1"/>
+            <a:picLocks noChangeAspect="1"/>
           </p:cNvPicPr>
-          <p:nvPr>
-            <p:ph sz="half" idx="2"/>
-          </p:nvPr>
+          <p:nvPr/>
         </p:nvPicPr>
         <p:blipFill>
           <a:blip r:embed="rId2">
@@ -5056,129 +6162,78 @@
         </p:blipFill>
         <p:spPr>
           <a:xfrm>
-            <a:off x="4786994" y="1600200"/>
-            <a:ext cx="3761011" cy="4525963"/>
+            <a:off x="762000" y="4281055"/>
+            <a:ext cx="3811609" cy="2063714"/>
           </a:xfrm>
+          <a:prstGeom prst="rect">
+            <a:avLst/>
+          </a:prstGeom>
         </p:spPr>
       </p:pic>
-      <p:sp>
-        <p:nvSpPr>
-          <p:cNvPr id="4" name="Content Placeholder 3"/>
-          <p:cNvSpPr>
-            <a:spLocks noGrp="1"/>
-          </p:cNvSpPr>
-          <p:nvPr>
-            <p:ph sz="quarter" idx="13"/>
-          </p:nvPr>
-        </p:nvSpPr>
-        <p:spPr/>
-        <p:txBody>
-          <a:bodyPr/>
-          <a:lstStyle/>
-          <a:p>
-            <a:r>
-              <a:rPr lang="en-US" dirty="0" err="1" smtClean="0"/>
-              <a:t>Indeksirano</a:t>
-            </a:r>
-            <a:r>
-              <a:rPr lang="en-US" dirty="0" smtClean="0"/>
-              <a:t> </a:t>
-            </a:r>
-            <a:r>
-              <a:rPr lang="en-US" dirty="0" err="1" smtClean="0"/>
-              <a:t>iscratavanje</a:t>
-            </a:r>
-            <a:r>
-              <a:rPr lang="en-US" dirty="0" smtClean="0"/>
-              <a:t> </a:t>
-            </a:r>
-            <a:r>
-              <a:rPr lang="en-US" dirty="0" err="1" smtClean="0"/>
-              <a:t>za</a:t>
-            </a:r>
-            <a:r>
-              <a:rPr lang="en-US" dirty="0" smtClean="0"/>
-              <a:t> </a:t>
-            </a:r>
-            <a:r>
-              <a:rPr lang="hr-HR" dirty="0" smtClean="0"/>
-              <a:t>auto </a:t>
-            </a:r>
-            <a:r>
-              <a:rPr lang="en-US" dirty="0" err="1" smtClean="0"/>
-              <a:t>i</a:t>
-            </a:r>
-            <a:r>
-              <a:rPr lang="en-US" dirty="0" smtClean="0"/>
-              <a:t> </a:t>
-            </a:r>
-            <a:r>
-              <a:rPr lang="en-US" dirty="0" err="1" smtClean="0"/>
-              <a:t>teren</a:t>
-            </a:r>
-            <a:endParaRPr lang="en-US" dirty="0" smtClean="0"/>
-          </a:p>
-          <a:p>
-            <a:r>
-              <a:rPr lang="en-US" dirty="0" err="1" smtClean="0"/>
-              <a:t>Instanciranje</a:t>
-            </a:r>
-            <a:r>
-              <a:rPr lang="en-US" dirty="0" smtClean="0"/>
-              <a:t> </a:t>
-            </a:r>
-            <a:r>
-              <a:rPr lang="en-US" dirty="0" err="1" smtClean="0"/>
-              <a:t>za</a:t>
-            </a:r>
-            <a:r>
-              <a:rPr lang="en-US" dirty="0" smtClean="0"/>
-              <a:t> </a:t>
-            </a:r>
-            <a:r>
-              <a:rPr lang="en-US" dirty="0" err="1" smtClean="0"/>
-              <a:t>ceste</a:t>
-            </a:r>
-            <a:endParaRPr lang="en-US" dirty="0" smtClean="0"/>
-          </a:p>
-          <a:p>
-            <a:r>
-              <a:rPr lang="en-US" dirty="0" err="1" smtClean="0"/>
-              <a:t>Teksturiranje</a:t>
-            </a:r>
-            <a:endParaRPr lang="en-US" dirty="0" smtClean="0"/>
-          </a:p>
-          <a:p>
-            <a:r>
-              <a:rPr lang="hr-HR" dirty="0" smtClean="0"/>
-              <a:t>Phong</a:t>
-            </a:r>
-            <a:r>
-              <a:rPr lang="en-US" dirty="0" smtClean="0"/>
-              <a:t> </a:t>
-            </a:r>
-            <a:r>
-              <a:rPr lang="en-US" dirty="0" err="1" smtClean="0"/>
-              <a:t>sjen</a:t>
-            </a:r>
-            <a:r>
-              <a:rPr lang="hr-HR" dirty="0" smtClean="0"/>
-              <a:t>čanje</a:t>
-            </a:r>
-          </a:p>
-          <a:p>
-            <a:r>
-              <a:rPr lang="hr-HR" dirty="0" smtClean="0"/>
-              <a:t>Kutija neba</a:t>
-            </a:r>
-            <a:endParaRPr lang="hr-HR" dirty="0"/>
-          </a:p>
-        </p:txBody>
-      </p:sp>
+      <p:pic>
+        <p:nvPicPr>
+          <p:cNvPr id="3" name="Picture 2"/>
+          <p:cNvPicPr>
+            <a:picLocks noChangeAspect="1"/>
+          </p:cNvPicPr>
+          <p:nvPr/>
+        </p:nvPicPr>
+        <p:blipFill>
+          <a:blip r:embed="rId3">
+            <a:extLst>
+              <a:ext uri="{28A0092B-C50C-407E-A947-70E740481C1C}">
+                <a14:useLocalDpi xmlns:a14="http://schemas.microsoft.com/office/drawing/2010/main" val="0"/>
+              </a:ext>
+            </a:extLst>
+          </a:blip>
+          <a:stretch>
+            <a:fillRect/>
+          </a:stretch>
+        </p:blipFill>
+        <p:spPr>
+          <a:xfrm>
+            <a:off x="4648200" y="4281055"/>
+            <a:ext cx="3811609" cy="2063714"/>
+          </a:xfrm>
+          <a:prstGeom prst="rect">
+            <a:avLst/>
+          </a:prstGeom>
+        </p:spPr>
+      </p:pic>
+      <p:pic>
+        <p:nvPicPr>
+          <p:cNvPr id="6" name="Picture 5"/>
+          <p:cNvPicPr>
+            <a:picLocks noChangeAspect="1"/>
+          </p:cNvPicPr>
+          <p:nvPr/>
+        </p:nvPicPr>
+        <p:blipFill>
+          <a:blip r:embed="rId4">
+            <a:extLst>
+              <a:ext uri="{28A0092B-C50C-407E-A947-70E740481C1C}">
+                <a14:useLocalDpi xmlns:a14="http://schemas.microsoft.com/office/drawing/2010/main" val="0"/>
+              </a:ext>
+            </a:extLst>
+          </a:blip>
+          <a:stretch>
+            <a:fillRect/>
+          </a:stretch>
+        </p:blipFill>
+        <p:spPr>
+          <a:xfrm>
+            <a:off x="5257800" y="1918855"/>
+            <a:ext cx="3659209" cy="1981200"/>
+          </a:xfrm>
+          <a:prstGeom prst="rect">
+            <a:avLst/>
+          </a:prstGeom>
+        </p:spPr>
+      </p:pic>
     </p:spTree>
     <p:extLst>
       <p:ext uri="{BB962C8B-B14F-4D97-AF65-F5344CB8AC3E}">
-        <p14:creationId xmlns:p14="http://schemas.microsoft.com/office/powerpoint/2010/main" val="302290994"/>
+        <p14:creationId xmlns:p14="http://schemas.microsoft.com/office/powerpoint/2010/main" val="2457179227"/>
       </p:ext>
     </p:extLst>
   </p:cSld>
@@ -5214,7 +6269,7 @@
       </p:grpSpPr>
       <p:sp>
         <p:nvSpPr>
-          <p:cNvPr id="2" name="Title 1"/>
+          <p:cNvPr id="4" name="Title 3"/>
           <p:cNvSpPr>
             <a:spLocks noGrp="1"/>
           </p:cNvSpPr>
@@ -5227,75 +6282,33 @@
           <a:bodyPr/>
           <a:lstStyle/>
           <a:p>
-            <a:pPr algn="l"/>
-            <a:r>
-              <a:rPr lang="hr-HR" dirty="0" smtClean="0"/>
-              <a:t>Kamera i Antialiasing</a:t>
+            <a:r>
+              <a:rPr lang="en-US" dirty="0" smtClean="0"/>
+              <a:t>3D </a:t>
+            </a:r>
+            <a:r>
+              <a:rPr lang="en-US" dirty="0" err="1" smtClean="0"/>
+              <a:t>Grafika</a:t>
             </a:r>
             <a:endParaRPr lang="hr-HR" dirty="0"/>
           </a:p>
         </p:txBody>
       </p:sp>
-      <p:pic>
-        <p:nvPicPr>
-          <p:cNvPr id="5" name="Content Placeholder 4"/>
-          <p:cNvPicPr>
-            <a:picLocks noGrp="1" noChangeAspect="1"/>
-          </p:cNvPicPr>
-          <p:nvPr>
-            <p:ph sz="half" idx="2"/>
-          </p:nvPr>
-        </p:nvPicPr>
-        <p:blipFill>
-          <a:blip r:embed="rId2">
-            <a:extLst>
-              <a:ext uri="{28A0092B-C50C-407E-A947-70E740481C1C}">
-                <a14:useLocalDpi xmlns:a14="http://schemas.microsoft.com/office/drawing/2010/main" val="0"/>
-              </a:ext>
-            </a:extLst>
-          </a:blip>
-          <a:stretch>
-            <a:fillRect/>
-          </a:stretch>
-        </p:blipFill>
-        <p:spPr>
-          <a:xfrm>
-            <a:off x="4495800" y="1600200"/>
-            <a:ext cx="3961404" cy="5008976"/>
-          </a:xfrm>
-        </p:spPr>
-      </p:pic>
-      <p:sp>
-        <p:nvSpPr>
-          <p:cNvPr id="4" name="Content Placeholder 3"/>
-          <p:cNvSpPr>
-            <a:spLocks noGrp="1"/>
-          </p:cNvSpPr>
-          <p:nvPr>
-            <p:ph sz="quarter" idx="13"/>
-          </p:nvPr>
-        </p:nvSpPr>
-        <p:spPr/>
-        <p:txBody>
-          <a:bodyPr/>
-          <a:lstStyle/>
-          <a:p>
-            <a:r>
-              <a:rPr lang="hr-HR" dirty="0" smtClean="0"/>
-              <a:t>Kamera vezana za auto i slobodna kamera</a:t>
-            </a:r>
-          </a:p>
-          <a:p>
-            <a:r>
-              <a:rPr lang="hr-HR" dirty="0" smtClean="0"/>
-              <a:t>FXAA</a:t>
-            </a:r>
-          </a:p>
-          <a:p>
-            <a:r>
-              <a:rPr lang="hr-HR" dirty="0" smtClean="0"/>
-              <a:t>SSAA</a:t>
-            </a:r>
+      <p:sp>
+        <p:nvSpPr>
+          <p:cNvPr id="5" name="Text Placeholder 4"/>
+          <p:cNvSpPr>
+            <a:spLocks noGrp="1"/>
+          </p:cNvSpPr>
+          <p:nvPr>
+            <p:ph type="body" idx="1"/>
+          </p:nvPr>
+        </p:nvSpPr>
+        <p:spPr/>
+        <p:txBody>
+          <a:bodyPr/>
+          <a:lstStyle/>
+          <a:p>
             <a:endParaRPr lang="hr-HR" dirty="0"/>
           </a:p>
         </p:txBody>
@@ -5303,7 +6316,7 @@
     </p:spTree>
     <p:extLst>
       <p:ext uri="{BB962C8B-B14F-4D97-AF65-F5344CB8AC3E}">
-        <p14:creationId xmlns:p14="http://schemas.microsoft.com/office/powerpoint/2010/main" val="3789724126"/>
+        <p14:creationId xmlns:p14="http://schemas.microsoft.com/office/powerpoint/2010/main" val="446549202"/>
       </p:ext>
     </p:extLst>
   </p:cSld>
@@ -5354,8 +6367,16 @@
           <a:p>
             <a:pPr algn="l"/>
             <a:r>
-              <a:rPr lang="hr-HR" dirty="0" smtClean="0"/>
-              <a:t>Učitavanje staze</a:t>
+              <a:rPr lang="en-US" dirty="0" err="1" smtClean="0"/>
+              <a:t>Iscratavanje</a:t>
+            </a:r>
+            <a:r>
+              <a:rPr lang="en-US" dirty="0" smtClean="0"/>
+              <a:t> </a:t>
+            </a:r>
+            <a:r>
+              <a:rPr lang="en-US" dirty="0" err="1" smtClean="0"/>
+              <a:t>modela</a:t>
             </a:r>
             <a:endParaRPr lang="hr-HR" dirty="0"/>
           </a:p>
@@ -5363,7 +6384,7 @@
       </p:sp>
       <p:pic>
         <p:nvPicPr>
-          <p:cNvPr id="6" name="Content Placeholder 5"/>
+          <p:cNvPr id="5" name="Content Placeholder 4"/>
           <p:cNvPicPr>
             <a:picLocks noGrp="1" noChangeAspect="1"/>
           </p:cNvPicPr>
@@ -5385,8 +6406,8 @@
         </p:blipFill>
         <p:spPr>
           <a:xfrm>
-            <a:off x="4648200" y="1676400"/>
-            <a:ext cx="4038600" cy="2358479"/>
+            <a:off x="4800600" y="1676400"/>
+            <a:ext cx="3761011" cy="4525963"/>
           </a:xfrm>
         </p:spPr>
       </p:pic>
@@ -5400,70 +6421,129 @@
             <p:ph sz="quarter" idx="13"/>
           </p:nvPr>
         </p:nvSpPr>
-        <p:spPr/>
-        <p:txBody>
-          <a:bodyPr/>
-          <a:lstStyle/>
-          <a:p>
+        <p:spPr>
+          <a:xfrm>
+            <a:off x="381000" y="1676400"/>
+            <a:ext cx="4282440" cy="4526280"/>
+          </a:xfrm>
+        </p:spPr>
+        <p:txBody>
+          <a:bodyPr>
+            <a:normAutofit/>
+          </a:bodyPr>
+          <a:lstStyle/>
+          <a:p>
+            <a:r>
+              <a:rPr lang="en-US" dirty="0" err="1" smtClean="0"/>
+              <a:t>Indeksirano</a:t>
+            </a:r>
+            <a:r>
+              <a:rPr lang="en-US" dirty="0" smtClean="0"/>
+              <a:t> </a:t>
+            </a:r>
+            <a:r>
+              <a:rPr lang="en-US" dirty="0" err="1" smtClean="0"/>
+              <a:t>iscratavanje</a:t>
+            </a:r>
+            <a:r>
+              <a:rPr lang="en-US" dirty="0" smtClean="0"/>
+              <a:t> </a:t>
+            </a:r>
+            <a:r>
+              <a:rPr lang="en-US" dirty="0" err="1" smtClean="0"/>
+              <a:t>za</a:t>
+            </a:r>
+            <a:r>
+              <a:rPr lang="en-US" dirty="0" smtClean="0"/>
+              <a:t> </a:t>
+            </a:r>
             <a:r>
               <a:rPr lang="hr-HR" dirty="0" smtClean="0"/>
-              <a:t>Ručno „crtanje” staze u tekstualnom formatu</a:t>
-            </a:r>
+              <a:t>auto </a:t>
+            </a:r>
+            <a:r>
+              <a:rPr lang="en-US" dirty="0" smtClean="0"/>
+              <a:t>i </a:t>
+            </a:r>
+            <a:r>
+              <a:rPr lang="en-US" dirty="0" err="1" smtClean="0"/>
+              <a:t>teren</a:t>
+            </a:r>
+            <a:endParaRPr lang="hr-HR" dirty="0" smtClean="0"/>
+          </a:p>
+          <a:p>
+            <a:endParaRPr lang="en-US" dirty="0" smtClean="0"/>
+          </a:p>
+          <a:p>
+            <a:r>
+              <a:rPr lang="en-US" dirty="0" err="1" smtClean="0"/>
+              <a:t>Instanciranje</a:t>
+            </a:r>
+            <a:r>
+              <a:rPr lang="en-US" dirty="0" smtClean="0"/>
+              <a:t> </a:t>
+            </a:r>
+            <a:r>
+              <a:rPr lang="en-US" dirty="0" err="1" smtClean="0"/>
+              <a:t>za</a:t>
+            </a:r>
+            <a:r>
+              <a:rPr lang="en-US" dirty="0" smtClean="0"/>
+              <a:t> </a:t>
+            </a:r>
+            <a:r>
+              <a:rPr lang="en-US" dirty="0" err="1" smtClean="0"/>
+              <a:t>ceste</a:t>
+            </a:r>
+            <a:endParaRPr lang="hr-HR" dirty="0" smtClean="0"/>
+          </a:p>
+          <a:p>
+            <a:endParaRPr lang="en-US" dirty="0" smtClean="0"/>
+          </a:p>
+          <a:p>
+            <a:r>
+              <a:rPr lang="en-US" dirty="0" err="1" smtClean="0"/>
+              <a:t>Teksturiranje</a:t>
+            </a:r>
+            <a:endParaRPr lang="hr-HR" dirty="0" smtClean="0"/>
+          </a:p>
+          <a:p>
+            <a:endParaRPr lang="en-US" dirty="0" smtClean="0"/>
           </a:p>
           <a:p>
             <a:r>
               <a:rPr lang="hr-HR" dirty="0" smtClean="0"/>
-              <a:t>Pokretač iz tekstualne datoteke konstruira odgovarajuću stazu</a:t>
+              <a:t>Phong</a:t>
+            </a:r>
+            <a:r>
+              <a:rPr lang="en-US" dirty="0" smtClean="0"/>
+              <a:t> </a:t>
+            </a:r>
+            <a:r>
+              <a:rPr lang="en-US" dirty="0" err="1" smtClean="0"/>
+              <a:t>sjen</a:t>
+            </a:r>
+            <a:r>
+              <a:rPr lang="hr-HR" dirty="0" smtClean="0"/>
+              <a:t>čanje</a:t>
+            </a:r>
+          </a:p>
+          <a:p>
+            <a:endParaRPr lang="hr-HR" dirty="0" smtClean="0"/>
+          </a:p>
+          <a:p>
+            <a:r>
+              <a:rPr lang="hr-HR" dirty="0" smtClean="0"/>
+              <a:t>Kutija neba</a:t>
             </a:r>
             <a:endParaRPr lang="hr-HR" dirty="0"/>
           </a:p>
         </p:txBody>
       </p:sp>
-      <p:pic>
-        <p:nvPicPr>
-          <p:cNvPr id="1027" name="Picture 3" descr="C:\Users\Jure\Desktop\Projekt\Dokumentacija\rtdesc.png"/>
-          <p:cNvPicPr>
-            <a:picLocks noChangeAspect="1" noChangeArrowheads="1"/>
-          </p:cNvPicPr>
-          <p:nvPr/>
-        </p:nvPicPr>
-        <p:blipFill>
-          <a:blip r:embed="rId3">
-            <a:extLst>
-              <a:ext uri="{28A0092B-C50C-407E-A947-70E740481C1C}">
-                <a14:useLocalDpi xmlns:a14="http://schemas.microsoft.com/office/drawing/2010/main" val="0"/>
-              </a:ext>
-            </a:extLst>
-          </a:blip>
-          <a:srcRect/>
-          <a:stretch>
-            <a:fillRect/>
-          </a:stretch>
-        </p:blipFill>
-        <p:spPr bwMode="auto">
-          <a:xfrm>
-            <a:off x="5823959" y="4267200"/>
-            <a:ext cx="1706562" cy="1833496"/>
-          </a:xfrm>
-          <a:prstGeom prst="rect">
-            <a:avLst/>
-          </a:prstGeom>
-          <a:noFill/>
-          <a:extLst>
-            <a:ext uri="{909E8E84-426E-40DD-AFC4-6F175D3DCCD1}">
-              <a14:hiddenFill xmlns:a14="http://schemas.microsoft.com/office/drawing/2010/main">
-                <a:solidFill>
-                  <a:srgbClr val="FFFFFF"/>
-                </a:solidFill>
-              </a14:hiddenFill>
-            </a:ext>
-          </a:extLst>
-        </p:spPr>
-      </p:pic>
     </p:spTree>
     <p:extLst>
       <p:ext uri="{BB962C8B-B14F-4D97-AF65-F5344CB8AC3E}">
-        <p14:creationId xmlns:p14="http://schemas.microsoft.com/office/powerpoint/2010/main" val="2579156801"/>
+        <p14:creationId xmlns:p14="http://schemas.microsoft.com/office/powerpoint/2010/main" val="302290994"/>
       </p:ext>
     </p:extLst>
   </p:cSld>

--- a/Dokumentacija/Prezentacija.pptx
+++ b/Dokumentacija/Prezentacija.pptx
@@ -3607,8 +3607,13 @@
           <a:p>
             <a:r>
               <a:rPr lang="hr-HR" dirty="0" smtClean="0"/>
-              <a:t>Postavljanje pozicije</a:t>
-            </a:r>
+              <a:t>Postavljanje </a:t>
+            </a:r>
+            <a:r>
+              <a:rPr lang="hr-HR" dirty="0" smtClean="0"/>
+              <a:t>položaja</a:t>
+            </a:r>
+            <a:endParaRPr lang="hr-HR" dirty="0" smtClean="0"/>
           </a:p>
           <a:p>
             <a:pPr lvl="1"/>
@@ -3742,22 +3747,26 @@
             </a:r>
             <a:r>
               <a:rPr lang="hr-HR" dirty="0" smtClean="0"/>
-              <a:t>pozicije</a:t>
+              <a:t>položaja i </a:t>
+            </a:r>
+            <a:r>
+              <a:rPr lang="hr-HR" dirty="0" smtClean="0"/>
+              <a:t>orijentacije</a:t>
+            </a:r>
+          </a:p>
+          <a:p>
+            <a:pPr lvl="1"/>
+            <a:r>
+              <a:rPr lang="hr-HR" dirty="0" smtClean="0"/>
+              <a:t>Položaja </a:t>
             </a:r>
             <a:r>
               <a:rPr lang="hr-HR" dirty="0"/>
-              <a:t> </a:t>
+              <a:t>preko </a:t>
             </a:r>
             <a:r>
               <a:rPr lang="hr-HR" dirty="0" smtClean="0"/>
-              <a:t>i orijentacije</a:t>
-            </a:r>
-          </a:p>
-          <a:p>
-            <a:pPr lvl="1"/>
-            <a:r>
-              <a:rPr lang="hr-HR" dirty="0" smtClean="0"/>
-              <a:t>Pozicija preko 3D vektora</a:t>
+              <a:t>3D vektora</a:t>
             </a:r>
           </a:p>
           <a:p>
@@ -4030,6 +4039,13 @@
   <p:clrMapOvr>
     <a:masterClrMapping/>
   </p:clrMapOvr>
+  <p:timing>
+    <p:tnLst>
+      <p:par>
+        <p:cTn id="1" dur="indefinite" restart="never" nodeType="tmRoot"/>
+      </p:par>
+    </p:tnLst>
+  </p:timing>
 </p:sld>
 </file>
 
@@ -4225,6 +4241,13 @@
   <p:clrMapOvr>
     <a:masterClrMapping/>
   </p:clrMapOvr>
+  <p:timing>
+    <p:tnLst>
+      <p:par>
+        <p:cTn id="1" dur="indefinite" restart="never" nodeType="tmRoot"/>
+      </p:par>
+    </p:tnLst>
+  </p:timing>
 </p:sld>
 </file>
 
@@ -4401,6 +4424,13 @@
   <p:clrMapOvr>
     <a:masterClrMapping/>
   </p:clrMapOvr>
+  <p:timing>
+    <p:tnLst>
+      <p:par>
+        <p:cTn id="1" dur="indefinite" restart="never" nodeType="tmRoot"/>
+      </p:par>
+    </p:tnLst>
+  </p:timing>
 </p:sld>
 </file>
 

--- a/Dokumentacija/Prezentacija.pptx
+++ b/Dokumentacija/Prezentacija.pptx
@@ -3607,13 +3607,8 @@
           <a:p>
             <a:r>
               <a:rPr lang="hr-HR" dirty="0" smtClean="0"/>
-              <a:t>Postavljanje </a:t>
-            </a:r>
-            <a:r>
-              <a:rPr lang="hr-HR" dirty="0" smtClean="0"/>
-              <a:t>položaja</a:t>
-            </a:r>
-            <a:endParaRPr lang="hr-HR" dirty="0" smtClean="0"/>
+              <a:t>Postavljanje položaja</a:t>
+            </a:r>
           </a:p>
           <a:p>
             <a:pPr lvl="1"/>
@@ -3747,11 +3742,7 @@
             </a:r>
             <a:r>
               <a:rPr lang="hr-HR" dirty="0" smtClean="0"/>
-              <a:t>položaja i </a:t>
-            </a:r>
-            <a:r>
-              <a:rPr lang="hr-HR" dirty="0" smtClean="0"/>
-              <a:t>orijentacije</a:t>
+              <a:t>položaja i orijentacije</a:t>
             </a:r>
           </a:p>
           <a:p>
@@ -5108,7 +5099,7 @@
           <a:p>
             <a:r>
               <a:rPr lang="en-US" dirty="0" err="1" smtClean="0"/>
-              <a:t>Indeksirano</a:t>
+              <a:t>Svi</a:t>
             </a:r>
             <a:r>
               <a:rPr lang="en-US" dirty="0" smtClean="0"/>
@@ -5116,7 +5107,7 @@
             </a:r>
             <a:r>
               <a:rPr lang="en-US" dirty="0" err="1" smtClean="0"/>
-              <a:t>iscratavanje</a:t>
+              <a:t>modeli</a:t>
             </a:r>
             <a:r>
               <a:rPr lang="en-US" dirty="0" smtClean="0"/>
@@ -5124,50 +5115,26 @@
             </a:r>
             <a:r>
               <a:rPr lang="en-US" dirty="0" err="1" smtClean="0"/>
-              <a:t>za</a:t>
+              <a:t>indeksirani</a:t>
+            </a:r>
+            <a:endParaRPr lang="en-US" dirty="0" smtClean="0"/>
+          </a:p>
+          <a:p>
+            <a:r>
+              <a:rPr lang="en-US" dirty="0" err="1" smtClean="0"/>
+              <a:t>Ceste</a:t>
             </a:r>
             <a:r>
               <a:rPr lang="en-US" dirty="0" smtClean="0"/>
               <a:t> </a:t>
             </a:r>
             <a:r>
-              <a:rPr lang="hr-HR" dirty="0" smtClean="0"/>
-              <a:t>auto </a:t>
-            </a:r>
-            <a:r>
               <a:rPr lang="en-US" dirty="0" err="1" smtClean="0"/>
               <a:t>i</a:t>
             </a:r>
             <a:r>
-              <a:rPr lang="en-US" dirty="0" smtClean="0"/>
-              <a:t> </a:t>
-            </a:r>
-            <a:r>
               <a:rPr lang="en-US" dirty="0" err="1" smtClean="0"/>
-              <a:t>teren</a:t>
-            </a:r>
-            <a:endParaRPr lang="en-US" dirty="0" smtClean="0"/>
-          </a:p>
-          <a:p>
-            <a:r>
-              <a:rPr lang="en-US" dirty="0" err="1" smtClean="0"/>
-              <a:t>Instanciranje</a:t>
-            </a:r>
-            <a:r>
-              <a:rPr lang="en-US" dirty="0" smtClean="0"/>
-              <a:t> </a:t>
-            </a:r>
-            <a:r>
-              <a:rPr lang="en-US" dirty="0" err="1" smtClean="0"/>
-              <a:t>za</a:t>
-            </a:r>
-            <a:r>
-              <a:rPr lang="en-US" dirty="0" smtClean="0"/>
-              <a:t> </a:t>
-            </a:r>
-            <a:r>
-              <a:rPr lang="en-US" dirty="0" err="1" smtClean="0"/>
-              <a:t>ceste</a:t>
+              <a:t>nstancirane</a:t>
             </a:r>
             <a:endParaRPr lang="en-US" dirty="0" smtClean="0"/>
           </a:p>

--- a/Dokumentacija/Prezentacija.pptx
+++ b/Dokumentacija/Prezentacija.pptx
@@ -7,20 +7,34 @@
   <p:sldIdLst>
     <p:sldId id="256" r:id="rId2"/>
     <p:sldId id="257" r:id="rId3"/>
-    <p:sldId id="258" r:id="rId4"/>
-    <p:sldId id="259" r:id="rId5"/>
-    <p:sldId id="260" r:id="rId6"/>
-    <p:sldId id="264" r:id="rId7"/>
-    <p:sldId id="261" r:id="rId8"/>
-    <p:sldId id="262" r:id="rId9"/>
-    <p:sldId id="263" r:id="rId10"/>
-    <p:sldId id="265" r:id="rId11"/>
-    <p:sldId id="266" r:id="rId12"/>
-    <p:sldId id="267" r:id="rId13"/>
-    <p:sldId id="268" r:id="rId14"/>
-    <p:sldId id="269" r:id="rId15"/>
-    <p:sldId id="270" r:id="rId16"/>
-    <p:sldId id="271" r:id="rId17"/>
+    <p:sldId id="273" r:id="rId4"/>
+    <p:sldId id="282" r:id="rId5"/>
+    <p:sldId id="279" r:id="rId6"/>
+    <p:sldId id="280" r:id="rId7"/>
+    <p:sldId id="274" r:id="rId8"/>
+    <p:sldId id="275" r:id="rId9"/>
+    <p:sldId id="276" r:id="rId10"/>
+    <p:sldId id="258" r:id="rId11"/>
+    <p:sldId id="281" r:id="rId12"/>
+    <p:sldId id="264" r:id="rId13"/>
+    <p:sldId id="261" r:id="rId14"/>
+    <p:sldId id="285" r:id="rId15"/>
+    <p:sldId id="283" r:id="rId16"/>
+    <p:sldId id="284" r:id="rId17"/>
+    <p:sldId id="262" r:id="rId18"/>
+    <p:sldId id="263" r:id="rId19"/>
+    <p:sldId id="272" r:id="rId20"/>
+    <p:sldId id="277" r:id="rId21"/>
+    <p:sldId id="259" r:id="rId22"/>
+    <p:sldId id="260" r:id="rId23"/>
+    <p:sldId id="265" r:id="rId24"/>
+    <p:sldId id="266" r:id="rId25"/>
+    <p:sldId id="267" r:id="rId26"/>
+    <p:sldId id="268" r:id="rId27"/>
+    <p:sldId id="269" r:id="rId28"/>
+    <p:sldId id="270" r:id="rId29"/>
+    <p:sldId id="271" r:id="rId30"/>
+    <p:sldId id="278" r:id="rId31"/>
   </p:sldIdLst>
   <p:sldSz cx="9144000" cy="6858000" type="screen4x3"/>
   <p:notesSz cx="6858000" cy="9144000"/>
@@ -3430,7 +3444,7 @@
           <a:bodyPr/>
           <a:lstStyle/>
           <a:p>
-            <a:endParaRPr lang="hr-HR"/>
+            <a:endParaRPr lang="hr-HR" dirty="0"/>
           </a:p>
         </p:txBody>
       </p:sp>
@@ -3486,9 +3500,10 @@
           <a:bodyPr/>
           <a:lstStyle/>
           <a:p>
+            <a:pPr algn="l"/>
             <a:r>
               <a:rPr lang="hr-HR" dirty="0" smtClean="0"/>
-              <a:t>Zvučna simulacija</a:t>
+              <a:t>Blender</a:t>
             </a:r>
             <a:endParaRPr lang="hr-HR" dirty="0"/>
           </a:p>
@@ -3496,27 +3511,160 @@
       </p:sp>
       <p:sp>
         <p:nvSpPr>
-          <p:cNvPr id="5" name="Text Placeholder 4"/>
-          <p:cNvSpPr>
-            <a:spLocks noGrp="1"/>
-          </p:cNvSpPr>
-          <p:nvPr>
-            <p:ph type="body" idx="1"/>
-          </p:nvPr>
-        </p:nvSpPr>
-        <p:spPr/>
-        <p:txBody>
-          <a:bodyPr/>
-          <a:lstStyle/>
+          <p:cNvPr id="5" name="Content Placeholder 4"/>
+          <p:cNvSpPr>
+            <a:spLocks noGrp="1"/>
+          </p:cNvSpPr>
+          <p:nvPr>
+            <p:ph idx="1"/>
+          </p:nvPr>
+        </p:nvSpPr>
+        <p:spPr>
+          <a:xfrm>
+            <a:off x="267504" y="1769628"/>
+            <a:ext cx="4456896" cy="4478771"/>
+          </a:xfrm>
+        </p:spPr>
+        <p:txBody>
+          <a:bodyPr>
+            <a:normAutofit/>
+          </a:bodyPr>
+          <a:lstStyle/>
+          <a:p>
+            <a:r>
+              <a:rPr lang="hr-HR" dirty="0" smtClean="0"/>
+              <a:t>M</a:t>
+            </a:r>
+            <a:r>
+              <a:rPr lang="es-ES" dirty="0" err="1" smtClean="0"/>
+              <a:t>odeli</a:t>
+            </a:r>
+            <a:r>
+              <a:rPr lang="es-ES" dirty="0" smtClean="0"/>
+              <a:t> </a:t>
+            </a:r>
+            <a:r>
+              <a:rPr lang="es-ES" dirty="0"/>
+              <a:t>su </a:t>
+            </a:r>
+            <a:r>
+              <a:rPr lang="es-ES" dirty="0" err="1"/>
+              <a:t>izradeni</a:t>
+            </a:r>
+            <a:r>
+              <a:rPr lang="es-ES" dirty="0"/>
+              <a:t> u </a:t>
+            </a:r>
+            <a:r>
+              <a:rPr lang="es-ES" dirty="0" err="1"/>
+              <a:t>programu</a:t>
+            </a:r>
+            <a:r>
+              <a:rPr lang="es-ES" dirty="0"/>
+              <a:t> </a:t>
+            </a:r>
+            <a:r>
+              <a:rPr lang="es-ES" dirty="0" err="1"/>
+              <a:t>za</a:t>
+            </a:r>
+            <a:r>
+              <a:rPr lang="es-ES" dirty="0"/>
+              <a:t> 3D </a:t>
+            </a:r>
+            <a:r>
+              <a:rPr lang="es-ES" dirty="0" err="1"/>
+              <a:t>modeliranje</a:t>
+            </a:r>
+            <a:r>
+              <a:rPr lang="es-ES" dirty="0"/>
+              <a:t> </a:t>
+            </a:r>
+            <a:r>
+              <a:rPr lang="es-ES" dirty="0" err="1" smtClean="0"/>
+              <a:t>Blender</a:t>
+            </a:r>
+            <a:endParaRPr lang="hr-HR" dirty="0" smtClean="0"/>
+          </a:p>
           <a:p>
             <a:endParaRPr lang="hr-HR" dirty="0"/>
           </a:p>
-        </p:txBody>
-      </p:sp>
+          <a:p>
+            <a:r>
+              <a:rPr lang="hr-HR" dirty="0" smtClean="0"/>
+              <a:t>Primjeri </a:t>
+            </a:r>
+            <a:r>
+              <a:rPr lang="hr-HR" dirty="0"/>
+              <a:t>modela izradenih za potrebe aplikacije:</a:t>
+            </a:r>
+            <a:endParaRPr lang="hr-HR" dirty="0" smtClean="0"/>
+          </a:p>
+        </p:txBody>
+      </p:sp>
+      <p:pic>
+        <p:nvPicPr>
+          <p:cNvPr id="3" name="Picture 2"/>
+          <p:cNvPicPr>
+            <a:picLocks noChangeAspect="1"/>
+          </p:cNvPicPr>
+          <p:nvPr/>
+        </p:nvPicPr>
+        <p:blipFill>
+          <a:blip r:embed="rId2">
+            <a:extLst>
+              <a:ext uri="{28A0092B-C50C-407E-A947-70E740481C1C}">
+                <a14:useLocalDpi xmlns:a14="http://schemas.microsoft.com/office/drawing/2010/main" val="0"/>
+              </a:ext>
+            </a:extLst>
+          </a:blip>
+          <a:stretch>
+            <a:fillRect/>
+          </a:stretch>
+        </p:blipFill>
+        <p:spPr>
+          <a:xfrm>
+            <a:off x="4648200" y="4052455"/>
+            <a:ext cx="4055835" cy="2285998"/>
+          </a:xfrm>
+          <a:prstGeom prst="rect">
+            <a:avLst/>
+          </a:prstGeom>
+        </p:spPr>
+      </p:pic>
+      <p:pic>
+        <p:nvPicPr>
+          <p:cNvPr id="6" name="Picture 5"/>
+          <p:cNvPicPr>
+            <a:picLocks noChangeAspect="1"/>
+          </p:cNvPicPr>
+          <p:nvPr/>
+        </p:nvPicPr>
+        <p:blipFill>
+          <a:blip r:embed="rId3">
+            <a:extLst>
+              <a:ext uri="{28A0092B-C50C-407E-A947-70E740481C1C}">
+                <a14:useLocalDpi xmlns:a14="http://schemas.microsoft.com/office/drawing/2010/main" val="0"/>
+              </a:ext>
+            </a:extLst>
+          </a:blip>
+          <a:stretch>
+            <a:fillRect/>
+          </a:stretch>
+        </p:blipFill>
+        <p:spPr>
+          <a:xfrm>
+            <a:off x="4648200" y="1631083"/>
+            <a:ext cx="4055835" cy="2282826"/>
+          </a:xfrm>
+          <a:prstGeom prst="rect">
+            <a:avLst/>
+          </a:prstGeom>
+        </p:spPr>
+      </p:pic>
     </p:spTree>
     <p:extLst>
       <p:ext uri="{BB962C8B-B14F-4D97-AF65-F5344CB8AC3E}">
-        <p14:creationId xmlns:p14="http://schemas.microsoft.com/office/powerpoint/2010/main" val="2267565220"/>
+        <p14:creationId xmlns:p14="http://schemas.microsoft.com/office/powerpoint/2010/main" val="2457179227"/>
       </p:ext>
     </p:extLst>
   </p:cSld>
@@ -3552,7 +3700,7 @@
       </p:grpSpPr>
       <p:sp>
         <p:nvSpPr>
-          <p:cNvPr id="2" name="Title 1"/>
+          <p:cNvPr id="4" name="Title 3"/>
           <p:cNvSpPr>
             <a:spLocks noGrp="1"/>
           </p:cNvSpPr>
@@ -3565,75 +3713,24 @@
           <a:bodyPr/>
           <a:lstStyle/>
           <a:p>
+            <a:pPr algn="l"/>
             <a:r>
               <a:rPr lang="hr-HR" dirty="0" smtClean="0"/>
-              <a:t>Izvori zvukova</a:t>
-            </a:r>
-            <a:endParaRPr lang="hr-HR" dirty="0"/>
-          </a:p>
-        </p:txBody>
-      </p:sp>
-      <p:sp>
-        <p:nvSpPr>
-          <p:cNvPr id="3" name="Content Placeholder 2"/>
-          <p:cNvSpPr>
-            <a:spLocks noGrp="1"/>
-          </p:cNvSpPr>
-          <p:nvPr>
-            <p:ph idx="1"/>
-          </p:nvPr>
-        </p:nvSpPr>
-        <p:spPr/>
-        <p:txBody>
-          <a:bodyPr/>
-          <a:lstStyle/>
-          <a:p>
-            <a:r>
-              <a:rPr lang="hr-HR" dirty="0" smtClean="0"/>
-              <a:t>Učitavanje iz zvučnih datoteka</a:t>
-            </a:r>
-          </a:p>
-          <a:p>
-            <a:pPr lvl="1"/>
-            <a:r>
-              <a:rPr lang="hr-HR" dirty="0" smtClean="0"/>
-              <a:t>U RAM ili direktna reprodukcija sa tvrdog diska</a:t>
-            </a:r>
-          </a:p>
-          <a:p>
-            <a:pPr lvl="1"/>
-            <a:endParaRPr lang="hr-HR" dirty="0" smtClean="0"/>
-          </a:p>
-          <a:p>
-            <a:r>
-              <a:rPr lang="hr-HR" dirty="0" smtClean="0"/>
-              <a:t>Postavljanje položaja</a:t>
-            </a:r>
-          </a:p>
-          <a:p>
-            <a:pPr lvl="1"/>
-            <a:r>
-              <a:rPr lang="hr-HR" dirty="0" smtClean="0"/>
-              <a:t>Preko 3D vektora</a:t>
-            </a:r>
-          </a:p>
-          <a:p>
-            <a:pPr lvl="1"/>
-            <a:endParaRPr lang="hr-HR" dirty="0"/>
-          </a:p>
-          <a:p>
-            <a:pPr lvl="1"/>
+              <a:t>Blender</a:t>
+            </a:r>
             <a:endParaRPr lang="hr-HR" dirty="0"/>
           </a:p>
         </p:txBody>
       </p:sp>
       <p:pic>
         <p:nvPicPr>
-          <p:cNvPr id="4" name="Picture 3"/>
+          <p:cNvPr id="2" name="Content Placeholder 1"/>
           <p:cNvPicPr>
-            <a:picLocks noChangeAspect="1"/>
+            <a:picLocks noGrp="1" noChangeAspect="1"/>
           </p:cNvPicPr>
-          <p:nvPr/>
+          <p:nvPr>
+            <p:ph idx="1"/>
+          </p:nvPr>
         </p:nvPicPr>
         <p:blipFill>
           <a:blip r:embed="rId2">
@@ -3649,18 +3746,15 @@
         </p:blipFill>
         <p:spPr>
           <a:xfrm>
-            <a:off x="768607" y="3657600"/>
-            <a:ext cx="7606786" cy="2448000"/>
+            <a:off x="533400" y="1752600"/>
+            <a:ext cx="8162849" cy="4419600"/>
           </a:xfrm>
-          <a:prstGeom prst="rect">
-            <a:avLst/>
-          </a:prstGeom>
         </p:spPr>
       </p:pic>
     </p:spTree>
     <p:extLst>
       <p:ext uri="{BB962C8B-B14F-4D97-AF65-F5344CB8AC3E}">
-        <p14:creationId xmlns:p14="http://schemas.microsoft.com/office/powerpoint/2010/main" val="3019331709"/>
+        <p14:creationId xmlns:p14="http://schemas.microsoft.com/office/powerpoint/2010/main" val="4167000248"/>
       </p:ext>
     </p:extLst>
   </p:cSld>
@@ -3696,7 +3790,7 @@
       </p:grpSpPr>
       <p:sp>
         <p:nvSpPr>
-          <p:cNvPr id="2" name="Title 1"/>
+          <p:cNvPr id="4" name="Title 3"/>
           <p:cNvSpPr>
             <a:spLocks noGrp="1"/>
           </p:cNvSpPr>
@@ -3710,12 +3804,8 @@
           <a:lstStyle/>
           <a:p>
             <a:r>
-              <a:rPr lang="hr-HR" dirty="0"/>
-              <a:t>S</a:t>
-            </a:r>
-            <a:r>
-              <a:rPr lang="hr-HR" dirty="0" smtClean="0"/>
-              <a:t>lušatelj</a:t>
+              <a:rPr lang="hr-BA" dirty="0"/>
+              <a:t>Učitavanje modela</a:t>
             </a:r>
             <a:endParaRPr lang="hr-HR" dirty="0"/>
           </a:p>
@@ -3723,100 +3813,27 @@
       </p:sp>
       <p:sp>
         <p:nvSpPr>
-          <p:cNvPr id="3" name="Content Placeholder 2"/>
-          <p:cNvSpPr>
-            <a:spLocks noGrp="1"/>
-          </p:cNvSpPr>
-          <p:nvPr>
-            <p:ph idx="1"/>
-          </p:nvPr>
-        </p:nvSpPr>
-        <p:spPr/>
-        <p:txBody>
-          <a:bodyPr/>
-          <a:lstStyle/>
-          <a:p>
-            <a:r>
-              <a:rPr lang="hr-HR" dirty="0"/>
-              <a:t>Postavljanje </a:t>
-            </a:r>
-            <a:r>
-              <a:rPr lang="hr-HR" dirty="0" smtClean="0"/>
-              <a:t>položaja i orijentacije</a:t>
-            </a:r>
-          </a:p>
-          <a:p>
-            <a:pPr lvl="1"/>
-            <a:r>
-              <a:rPr lang="hr-HR" dirty="0" smtClean="0"/>
-              <a:t>Položaja </a:t>
-            </a:r>
-            <a:r>
-              <a:rPr lang="hr-HR" dirty="0"/>
-              <a:t>preko </a:t>
-            </a:r>
-            <a:r>
-              <a:rPr lang="hr-HR" dirty="0" smtClean="0"/>
-              <a:t>3D vektora</a:t>
-            </a:r>
-          </a:p>
-          <a:p>
-            <a:pPr lvl="1"/>
-            <a:r>
-              <a:rPr lang="hr-HR" dirty="0" smtClean="0"/>
-              <a:t>Orijentacija preko tri vektora</a:t>
-            </a:r>
-          </a:p>
-          <a:p>
-            <a:pPr lvl="1"/>
-            <a:endParaRPr lang="hr-HR" dirty="0" smtClean="0"/>
-          </a:p>
-          <a:p>
-            <a:r>
-              <a:rPr lang="hr-HR" dirty="0" smtClean="0"/>
-              <a:t>Položaj i orijentacija istovjetni s onima od kamere</a:t>
-            </a:r>
+          <p:cNvPr id="5" name="Text Placeholder 4"/>
+          <p:cNvSpPr>
+            <a:spLocks noGrp="1"/>
+          </p:cNvSpPr>
+          <p:nvPr>
+            <p:ph type="body" idx="1"/>
+          </p:nvPr>
+        </p:nvSpPr>
+        <p:spPr/>
+        <p:txBody>
+          <a:bodyPr/>
+          <a:lstStyle/>
+          <a:p>
             <a:endParaRPr lang="hr-HR" dirty="0"/>
           </a:p>
-          <a:p>
-            <a:endParaRPr lang="hr-HR" dirty="0" smtClean="0"/>
-          </a:p>
-        </p:txBody>
-      </p:sp>
-      <p:pic>
-        <p:nvPicPr>
-          <p:cNvPr id="4" name="Picture 3"/>
-          <p:cNvPicPr>
-            <a:picLocks noChangeAspect="1"/>
-          </p:cNvPicPr>
-          <p:nvPr/>
-        </p:nvPicPr>
-        <p:blipFill>
-          <a:blip r:embed="rId2">
-            <a:extLst>
-              <a:ext uri="{28A0092B-C50C-407E-A947-70E740481C1C}">
-                <a14:useLocalDpi xmlns:a14="http://schemas.microsoft.com/office/drawing/2010/main" val="0"/>
-              </a:ext>
-            </a:extLst>
-          </a:blip>
-          <a:stretch>
-            <a:fillRect/>
-          </a:stretch>
-        </p:blipFill>
-        <p:spPr>
-          <a:xfrm>
-            <a:off x="2986088" y="3657600"/>
-            <a:ext cx="3171825" cy="2219325"/>
-          </a:xfrm>
-          <a:prstGeom prst="rect">
-            <a:avLst/>
-          </a:prstGeom>
-        </p:spPr>
-      </p:pic>
+        </p:txBody>
+      </p:sp>
     </p:spTree>
     <p:extLst>
       <p:ext uri="{BB962C8B-B14F-4D97-AF65-F5344CB8AC3E}">
-        <p14:creationId xmlns:p14="http://schemas.microsoft.com/office/powerpoint/2010/main" val="561081063"/>
+        <p14:creationId xmlns:p14="http://schemas.microsoft.com/office/powerpoint/2010/main" val="446549202"/>
       </p:ext>
     </p:extLst>
   </p:cSld>
@@ -3865,9 +3882,10 @@
           <a:bodyPr/>
           <a:lstStyle/>
           <a:p>
-            <a:r>
-              <a:rPr lang="hr-HR" dirty="0" smtClean="0"/>
-              <a:t>Zvukovi u projektu</a:t>
+            <a:pPr algn="l"/>
+            <a:r>
+              <a:rPr lang="hr-BA" dirty="0"/>
+              <a:t>OBJ format</a:t>
             </a:r>
             <a:endParaRPr lang="hr-HR" dirty="0"/>
           </a:p>
@@ -3875,76 +3893,109 @@
       </p:sp>
       <p:sp>
         <p:nvSpPr>
-          <p:cNvPr id="3" name="Content Placeholder 2"/>
-          <p:cNvSpPr>
-            <a:spLocks noGrp="1"/>
-          </p:cNvSpPr>
-          <p:nvPr>
-            <p:ph idx="1"/>
-          </p:nvPr>
-        </p:nvSpPr>
-        <p:spPr/>
+          <p:cNvPr id="4" name="Content Placeholder 3"/>
+          <p:cNvSpPr>
+            <a:spLocks noGrp="1"/>
+          </p:cNvSpPr>
+          <p:nvPr>
+            <p:ph sz="half" idx="2"/>
+          </p:nvPr>
+        </p:nvSpPr>
+        <p:spPr>
+          <a:xfrm>
+            <a:off x="533400" y="1600201"/>
+            <a:ext cx="8153400" cy="1447799"/>
+          </a:xfrm>
+        </p:spPr>
         <p:txBody>
           <a:bodyPr>
-            <a:normAutofit/>
+            <a:normAutofit fontScale="85000" lnSpcReduction="20000"/>
           </a:bodyPr>
           <a:lstStyle/>
           <a:p>
             <a:r>
-              <a:rPr lang="hr-HR" dirty="0" smtClean="0"/>
-              <a:t>Zvuk rada motora</a:t>
-            </a:r>
-          </a:p>
-          <a:p>
-            <a:pPr lvl="1"/>
-            <a:r>
-              <a:rPr lang="hr-HR" dirty="0" smtClean="0"/>
-              <a:t>Stalno reproduciranje</a:t>
-            </a:r>
-          </a:p>
-          <a:p>
-            <a:pPr lvl="1"/>
-            <a:r>
-              <a:rPr lang="hr-HR" dirty="0" smtClean="0"/>
-              <a:t>Osvježavanje položaja u svakoj iteraciji petlje</a:t>
-            </a:r>
-          </a:p>
-          <a:p>
-            <a:pPr lvl="1"/>
-            <a:r>
-              <a:rPr lang="hr-HR" dirty="0" smtClean="0"/>
-              <a:t>Brzina reprodukcije ovisna o brzini automobila</a:t>
-            </a:r>
-          </a:p>
-          <a:p>
-            <a:endParaRPr lang="hr-HR" dirty="0" smtClean="0"/>
-          </a:p>
-          <a:p>
-            <a:r>
-              <a:rPr lang="hr-HR" dirty="0" smtClean="0"/>
-              <a:t>Zvuk škripanja guma</a:t>
-            </a:r>
-          </a:p>
-          <a:p>
-            <a:pPr lvl="1"/>
-            <a:r>
-              <a:rPr lang="hr-HR" dirty="0" smtClean="0"/>
-              <a:t>Osvježavanje položaja</a:t>
-            </a:r>
-          </a:p>
-          <a:p>
-            <a:pPr lvl="1"/>
-            <a:r>
-              <a:rPr lang="hr-HR" dirty="0" smtClean="0"/>
-              <a:t>Reprodukcija ovisi o stanju automobila</a:t>
-            </a:r>
-          </a:p>
-        </p:txBody>
-      </p:sp>
+              <a:rPr lang="hr-BA" sz="2800" dirty="0"/>
+              <a:t>Koristan za prikaz poligonalnih podataka u ASCII </a:t>
+            </a:r>
+            <a:r>
+              <a:rPr lang="hr-BA" sz="2800" dirty="0" smtClean="0"/>
+              <a:t>obliku</a:t>
+            </a:r>
+          </a:p>
+          <a:p>
+            <a:endParaRPr lang="hr-BA" sz="2800" dirty="0"/>
+          </a:p>
+          <a:p>
+            <a:r>
+              <a:rPr lang="hr-HR" sz="2800" dirty="0"/>
+              <a:t>Mtl datoteka</a:t>
+            </a:r>
+          </a:p>
+        </p:txBody>
+      </p:sp>
+      <p:pic>
+        <p:nvPicPr>
+          <p:cNvPr id="7" name="Content Placeholder 6"/>
+          <p:cNvPicPr>
+            <a:picLocks noGrp="1" noChangeAspect="1"/>
+          </p:cNvPicPr>
+          <p:nvPr>
+            <p:ph sz="quarter" idx="13"/>
+          </p:nvPr>
+        </p:nvPicPr>
+        <p:blipFill>
+          <a:blip r:embed="rId2">
+            <a:extLst>
+              <a:ext uri="{28A0092B-C50C-407E-A947-70E740481C1C}">
+                <a14:useLocalDpi xmlns:a14="http://schemas.microsoft.com/office/drawing/2010/main" val="0"/>
+              </a:ext>
+            </a:extLst>
+          </a:blip>
+          <a:stretch>
+            <a:fillRect/>
+          </a:stretch>
+        </p:blipFill>
+        <p:spPr>
+          <a:xfrm>
+            <a:off x="685800" y="3273675"/>
+            <a:ext cx="3505200" cy="3111357"/>
+          </a:xfrm>
+        </p:spPr>
+      </p:pic>
+      <p:pic>
+        <p:nvPicPr>
+          <p:cNvPr id="8" name="Picture 7"/>
+          <p:cNvPicPr>
+            <a:picLocks noChangeAspect="1"/>
+          </p:cNvPicPr>
+          <p:nvPr/>
+        </p:nvPicPr>
+        <p:blipFill>
+          <a:blip r:embed="rId3">
+            <a:extLst>
+              <a:ext uri="{28A0092B-C50C-407E-A947-70E740481C1C}">
+                <a14:useLocalDpi xmlns:a14="http://schemas.microsoft.com/office/drawing/2010/main" val="0"/>
+              </a:ext>
+            </a:extLst>
+          </a:blip>
+          <a:stretch>
+            <a:fillRect/>
+          </a:stretch>
+        </p:blipFill>
+        <p:spPr>
+          <a:xfrm>
+            <a:off x="4267200" y="3276600"/>
+            <a:ext cx="4267200" cy="3105509"/>
+          </a:xfrm>
+          <a:prstGeom prst="rect">
+            <a:avLst/>
+          </a:prstGeom>
+        </p:spPr>
+      </p:pic>
     </p:spTree>
     <p:extLst>
       <p:ext uri="{BB962C8B-B14F-4D97-AF65-F5344CB8AC3E}">
-        <p14:creationId xmlns:p14="http://schemas.microsoft.com/office/powerpoint/2010/main" val="3096897854"/>
+        <p14:creationId xmlns:p14="http://schemas.microsoft.com/office/powerpoint/2010/main" val="302290994"/>
       </p:ext>
     </p:extLst>
   </p:cSld>
@@ -3980,7 +4031,7 @@
       </p:grpSpPr>
       <p:sp>
         <p:nvSpPr>
-          <p:cNvPr id="4" name="Title 3"/>
+          <p:cNvPr id="2" name="Title 1"/>
           <p:cNvSpPr>
             <a:spLocks noGrp="1"/>
           </p:cNvSpPr>
@@ -3993,9 +4044,10 @@
           <a:bodyPr/>
           <a:lstStyle/>
           <a:p>
-            <a:r>
-              <a:rPr lang="en-US" dirty="0" smtClean="0"/>
-              <a:t>Leap Motion</a:t>
+            <a:pPr algn="l"/>
+            <a:r>
+              <a:rPr lang="hr-BA" dirty="0"/>
+              <a:t>Učitavanje</a:t>
             </a:r>
             <a:endParaRPr lang="hr-HR" dirty="0"/>
           </a:p>
@@ -4003,27 +4055,80 @@
       </p:sp>
       <p:sp>
         <p:nvSpPr>
-          <p:cNvPr id="5" name="Text Placeholder 4"/>
-          <p:cNvSpPr>
-            <a:spLocks noGrp="1"/>
-          </p:cNvSpPr>
-          <p:nvPr>
-            <p:ph type="body" idx="1"/>
-          </p:nvPr>
-        </p:nvSpPr>
-        <p:spPr/>
-        <p:txBody>
-          <a:bodyPr/>
-          <a:lstStyle/>
-          <a:p>
-            <a:endParaRPr lang="hr-HR"/>
+          <p:cNvPr id="4" name="Content Placeholder 3"/>
+          <p:cNvSpPr>
+            <a:spLocks noGrp="1"/>
+          </p:cNvSpPr>
+          <p:nvPr>
+            <p:ph idx="1"/>
+          </p:nvPr>
+        </p:nvSpPr>
+        <p:spPr/>
+        <p:txBody>
+          <a:bodyPr>
+            <a:normAutofit/>
+          </a:bodyPr>
+          <a:lstStyle/>
+          <a:p>
+            <a:r>
+              <a:rPr lang="hr-HR" sz="2800" dirty="0"/>
+              <a:t>Obj </a:t>
+            </a:r>
+            <a:r>
+              <a:rPr lang="hr-HR" sz="2800" dirty="0" smtClean="0"/>
+              <a:t>loader</a:t>
+            </a:r>
+          </a:p>
+          <a:p>
+            <a:endParaRPr lang="hr-HR" dirty="0"/>
+          </a:p>
+          <a:p>
+            <a:r>
+              <a:rPr lang="hr-HR" sz="2800" dirty="0"/>
+              <a:t>Korišteni su samo trokuti</a:t>
+            </a:r>
+          </a:p>
+          <a:p>
+            <a:pPr lvl="1"/>
+            <a:r>
+              <a:rPr lang="hr-HR" sz="2000" dirty="0"/>
+              <a:t>Pozicija</a:t>
+            </a:r>
+          </a:p>
+          <a:p>
+            <a:pPr lvl="1"/>
+            <a:r>
+              <a:rPr lang="hr-HR" sz="2000" dirty="0"/>
+              <a:t>Normala</a:t>
+            </a:r>
+          </a:p>
+          <a:p>
+            <a:pPr lvl="1"/>
+            <a:r>
+              <a:rPr lang="hr-HR" sz="2000" dirty="0"/>
+              <a:t>UV </a:t>
+            </a:r>
+            <a:r>
+              <a:rPr lang="hr-HR" sz="2000" dirty="0" smtClean="0"/>
+              <a:t>koordinate</a:t>
+            </a:r>
+          </a:p>
+          <a:p>
+            <a:pPr lvl="1"/>
+            <a:endParaRPr lang="hr-HR" dirty="0"/>
+          </a:p>
+          <a:p>
+            <a:r>
+              <a:rPr lang="hr-HR" sz="2800" dirty="0"/>
+              <a:t>Potrebno reindeksiranje</a:t>
+            </a:r>
           </a:p>
         </p:txBody>
       </p:sp>
     </p:spTree>
     <p:extLst>
       <p:ext uri="{BB962C8B-B14F-4D97-AF65-F5344CB8AC3E}">
-        <p14:creationId xmlns:p14="http://schemas.microsoft.com/office/powerpoint/2010/main" val="2112996390"/>
+        <p14:creationId xmlns:p14="http://schemas.microsoft.com/office/powerpoint/2010/main" val="1578880049"/>
       </p:ext>
     </p:extLst>
   </p:cSld>
@@ -4059,6 +4164,89 @@
       </p:grpSpPr>
       <p:sp>
         <p:nvSpPr>
+          <p:cNvPr id="4" name="Title 3"/>
+          <p:cNvSpPr>
+            <a:spLocks noGrp="1"/>
+          </p:cNvSpPr>
+          <p:nvPr>
+            <p:ph type="title"/>
+          </p:nvPr>
+        </p:nvSpPr>
+        <p:spPr/>
+        <p:txBody>
+          <a:bodyPr/>
+          <a:lstStyle/>
+          <a:p>
+            <a:r>
+              <a:rPr lang="en-US" dirty="0" smtClean="0"/>
+              <a:t>3D </a:t>
+            </a:r>
+            <a:r>
+              <a:rPr lang="en-US" dirty="0" err="1" smtClean="0"/>
+              <a:t>Grafika</a:t>
+            </a:r>
+            <a:endParaRPr lang="hr-HR" dirty="0"/>
+          </a:p>
+        </p:txBody>
+      </p:sp>
+      <p:sp>
+        <p:nvSpPr>
+          <p:cNvPr id="5" name="Text Placeholder 4"/>
+          <p:cNvSpPr>
+            <a:spLocks noGrp="1"/>
+          </p:cNvSpPr>
+          <p:nvPr>
+            <p:ph type="body" idx="1"/>
+          </p:nvPr>
+        </p:nvSpPr>
+        <p:spPr/>
+        <p:txBody>
+          <a:bodyPr/>
+          <a:lstStyle/>
+          <a:p>
+            <a:endParaRPr lang="hr-HR" dirty="0"/>
+          </a:p>
+        </p:txBody>
+      </p:sp>
+    </p:spTree>
+    <p:extLst>
+      <p:ext uri="{BB962C8B-B14F-4D97-AF65-F5344CB8AC3E}">
+        <p14:creationId xmlns:p14="http://schemas.microsoft.com/office/powerpoint/2010/main" val="4049894538"/>
+      </p:ext>
+    </p:extLst>
+  </p:cSld>
+  <p:clrMapOvr>
+    <a:masterClrMapping/>
+  </p:clrMapOvr>
+  <p:timing>
+    <p:tnLst>
+      <p:par>
+        <p:cTn id="1" dur="indefinite" restart="never" nodeType="tmRoot"/>
+      </p:par>
+    </p:tnLst>
+  </p:timing>
+</p:sld>
+</file>
+
+<file path=ppt/slides/slide16.xml><?xml version="1.0" encoding="utf-8"?>
+<p:sld xmlns:a="http://schemas.openxmlformats.org/drawingml/2006/main" xmlns:r="http://schemas.openxmlformats.org/officeDocument/2006/relationships" xmlns:p="http://schemas.openxmlformats.org/presentationml/2006/main">
+  <p:cSld>
+    <p:spTree>
+      <p:nvGrpSpPr>
+        <p:cNvPr id="1" name=""/>
+        <p:cNvGrpSpPr/>
+        <p:nvPr/>
+      </p:nvGrpSpPr>
+      <p:grpSpPr>
+        <a:xfrm>
+          <a:off x="0" y="0"/>
+          <a:ext cx="0" cy="0"/>
+          <a:chOff x="0" y="0"/>
+          <a:chExt cx="0" cy="0"/>
+        </a:xfrm>
+      </p:grpSpPr>
+      <p:sp>
+        <p:nvSpPr>
           <p:cNvPr id="2" name="Title 1"/>
           <p:cNvSpPr>
             <a:spLocks noGrp="1"/>
@@ -4072,6 +4260,1677 @@
           <a:bodyPr/>
           <a:lstStyle/>
           <a:p>
+            <a:pPr algn="l"/>
+            <a:r>
+              <a:rPr lang="en-US" dirty="0" err="1" smtClean="0"/>
+              <a:t>Iscratavanje</a:t>
+            </a:r>
+            <a:r>
+              <a:rPr lang="en-US" dirty="0" smtClean="0"/>
+              <a:t> </a:t>
+            </a:r>
+            <a:r>
+              <a:rPr lang="en-US" dirty="0" err="1" smtClean="0"/>
+              <a:t>modela</a:t>
+            </a:r>
+            <a:endParaRPr lang="hr-HR" dirty="0"/>
+          </a:p>
+        </p:txBody>
+      </p:sp>
+      <p:pic>
+        <p:nvPicPr>
+          <p:cNvPr id="5" name="Content Placeholder 4"/>
+          <p:cNvPicPr>
+            <a:picLocks noGrp="1" noChangeAspect="1"/>
+          </p:cNvPicPr>
+          <p:nvPr>
+            <p:ph sz="half" idx="2"/>
+          </p:nvPr>
+        </p:nvPicPr>
+        <p:blipFill>
+          <a:blip r:embed="rId2">
+            <a:extLst>
+              <a:ext uri="{28A0092B-C50C-407E-A947-70E740481C1C}">
+                <a14:useLocalDpi xmlns:a14="http://schemas.microsoft.com/office/drawing/2010/main" val="0"/>
+              </a:ext>
+            </a:extLst>
+          </a:blip>
+          <a:stretch>
+            <a:fillRect/>
+          </a:stretch>
+        </p:blipFill>
+        <p:spPr>
+          <a:xfrm>
+            <a:off x="4800600" y="1676400"/>
+            <a:ext cx="3761011" cy="4525963"/>
+          </a:xfrm>
+        </p:spPr>
+      </p:pic>
+      <p:sp>
+        <p:nvSpPr>
+          <p:cNvPr id="4" name="Content Placeholder 3"/>
+          <p:cNvSpPr>
+            <a:spLocks noGrp="1"/>
+          </p:cNvSpPr>
+          <p:nvPr>
+            <p:ph sz="quarter" idx="13"/>
+          </p:nvPr>
+        </p:nvSpPr>
+        <p:spPr>
+          <a:xfrm>
+            <a:off x="381000" y="1676400"/>
+            <a:ext cx="4282440" cy="4526280"/>
+          </a:xfrm>
+        </p:spPr>
+        <p:txBody>
+          <a:bodyPr>
+            <a:normAutofit/>
+          </a:bodyPr>
+          <a:lstStyle/>
+          <a:p>
+            <a:r>
+              <a:rPr lang="en-US" dirty="0" err="1"/>
+              <a:t>Svi</a:t>
+            </a:r>
+            <a:r>
+              <a:rPr lang="en-US" dirty="0"/>
+              <a:t> </a:t>
+            </a:r>
+            <a:r>
+              <a:rPr lang="en-US" dirty="0" err="1"/>
+              <a:t>modeli</a:t>
+            </a:r>
+            <a:r>
+              <a:rPr lang="en-US" dirty="0"/>
+              <a:t> </a:t>
+            </a:r>
+            <a:r>
+              <a:rPr lang="en-US" dirty="0" err="1"/>
+              <a:t>indeksirani</a:t>
+            </a:r>
+            <a:endParaRPr lang="en-US" dirty="0"/>
+          </a:p>
+          <a:p>
+            <a:pPr marL="0" indent="0">
+              <a:buNone/>
+            </a:pPr>
+            <a:endParaRPr lang="en-US" dirty="0" smtClean="0"/>
+          </a:p>
+          <a:p>
+            <a:r>
+              <a:rPr lang="en-US" dirty="0" err="1"/>
+              <a:t>Ceste</a:t>
+            </a:r>
+            <a:r>
+              <a:rPr lang="en-US" dirty="0"/>
+              <a:t> </a:t>
+            </a:r>
+            <a:r>
+              <a:rPr lang="en-US" dirty="0" err="1"/>
+              <a:t>instancirane</a:t>
+            </a:r>
+            <a:endParaRPr lang="en-US" dirty="0"/>
+          </a:p>
+          <a:p>
+            <a:endParaRPr lang="en-US" dirty="0" smtClean="0"/>
+          </a:p>
+          <a:p>
+            <a:r>
+              <a:rPr lang="en-US" dirty="0" err="1" smtClean="0"/>
+              <a:t>Teksturiranje</a:t>
+            </a:r>
+            <a:endParaRPr lang="hr-HR" dirty="0" smtClean="0"/>
+          </a:p>
+          <a:p>
+            <a:endParaRPr lang="en-US" dirty="0" smtClean="0"/>
+          </a:p>
+          <a:p>
+            <a:r>
+              <a:rPr lang="hr-HR" dirty="0" smtClean="0"/>
+              <a:t>Phong</a:t>
+            </a:r>
+            <a:r>
+              <a:rPr lang="en-US" dirty="0" smtClean="0"/>
+              <a:t> </a:t>
+            </a:r>
+            <a:r>
+              <a:rPr lang="en-US" dirty="0" err="1" smtClean="0"/>
+              <a:t>sjen</a:t>
+            </a:r>
+            <a:r>
+              <a:rPr lang="hr-HR" dirty="0" smtClean="0"/>
+              <a:t>čanje</a:t>
+            </a:r>
+          </a:p>
+          <a:p>
+            <a:endParaRPr lang="hr-HR" dirty="0" smtClean="0"/>
+          </a:p>
+          <a:p>
+            <a:r>
+              <a:rPr lang="hr-HR" dirty="0" smtClean="0"/>
+              <a:t>Kutija neba</a:t>
+            </a:r>
+            <a:endParaRPr lang="hr-HR" dirty="0"/>
+          </a:p>
+        </p:txBody>
+      </p:sp>
+    </p:spTree>
+    <p:extLst>
+      <p:ext uri="{BB962C8B-B14F-4D97-AF65-F5344CB8AC3E}">
+        <p14:creationId xmlns:p14="http://schemas.microsoft.com/office/powerpoint/2010/main" val="3509088550"/>
+      </p:ext>
+    </p:extLst>
+  </p:cSld>
+  <p:clrMapOvr>
+    <a:masterClrMapping/>
+  </p:clrMapOvr>
+  <p:timing>
+    <p:tnLst>
+      <p:par>
+        <p:cTn id="1" dur="indefinite" restart="never" nodeType="tmRoot"/>
+      </p:par>
+    </p:tnLst>
+  </p:timing>
+</p:sld>
+</file>
+
+<file path=ppt/slides/slide17.xml><?xml version="1.0" encoding="utf-8"?>
+<p:sld xmlns:a="http://schemas.openxmlformats.org/drawingml/2006/main" xmlns:r="http://schemas.openxmlformats.org/officeDocument/2006/relationships" xmlns:p="http://schemas.openxmlformats.org/presentationml/2006/main">
+  <p:cSld>
+    <p:spTree>
+      <p:nvGrpSpPr>
+        <p:cNvPr id="1" name=""/>
+        <p:cNvGrpSpPr/>
+        <p:nvPr/>
+      </p:nvGrpSpPr>
+      <p:grpSpPr>
+        <a:xfrm>
+          <a:off x="0" y="0"/>
+          <a:ext cx="0" cy="0"/>
+          <a:chOff x="0" y="0"/>
+          <a:chExt cx="0" cy="0"/>
+        </a:xfrm>
+      </p:grpSpPr>
+      <p:sp>
+        <p:nvSpPr>
+          <p:cNvPr id="2" name="Title 1"/>
+          <p:cNvSpPr>
+            <a:spLocks noGrp="1"/>
+          </p:cNvSpPr>
+          <p:nvPr>
+            <p:ph type="title"/>
+          </p:nvPr>
+        </p:nvSpPr>
+        <p:spPr/>
+        <p:txBody>
+          <a:bodyPr/>
+          <a:lstStyle/>
+          <a:p>
+            <a:pPr algn="l"/>
+            <a:r>
+              <a:rPr lang="hr-HR" dirty="0" smtClean="0"/>
+              <a:t>Kamera i Antialiasing</a:t>
+            </a:r>
+            <a:endParaRPr lang="hr-HR" dirty="0"/>
+          </a:p>
+        </p:txBody>
+      </p:sp>
+      <p:pic>
+        <p:nvPicPr>
+          <p:cNvPr id="5" name="Content Placeholder 4"/>
+          <p:cNvPicPr>
+            <a:picLocks noGrp="1" noChangeAspect="1"/>
+          </p:cNvPicPr>
+          <p:nvPr>
+            <p:ph sz="half" idx="2"/>
+          </p:nvPr>
+        </p:nvPicPr>
+        <p:blipFill rotWithShape="1">
+          <a:blip r:embed="rId2">
+            <a:extLst>
+              <a:ext uri="{28A0092B-C50C-407E-A947-70E740481C1C}">
+                <a14:useLocalDpi xmlns:a14="http://schemas.microsoft.com/office/drawing/2010/main" val="0"/>
+              </a:ext>
+            </a:extLst>
+          </a:blip>
+          <a:srcRect l="-344" t="6706" r="344" b="41731"/>
+          <a:stretch/>
+        </p:blipFill>
+        <p:spPr>
+          <a:xfrm>
+            <a:off x="3810000" y="1981200"/>
+            <a:ext cx="4959645" cy="3581400"/>
+          </a:xfrm>
+        </p:spPr>
+      </p:pic>
+      <p:sp>
+        <p:nvSpPr>
+          <p:cNvPr id="4" name="Content Placeholder 3"/>
+          <p:cNvSpPr>
+            <a:spLocks noGrp="1"/>
+          </p:cNvSpPr>
+          <p:nvPr>
+            <p:ph sz="quarter" idx="13"/>
+          </p:nvPr>
+        </p:nvSpPr>
+        <p:spPr>
+          <a:xfrm>
+            <a:off x="365760" y="1752600"/>
+            <a:ext cx="3291840" cy="4373880"/>
+          </a:xfrm>
+        </p:spPr>
+        <p:txBody>
+          <a:bodyPr/>
+          <a:lstStyle/>
+          <a:p>
+            <a:r>
+              <a:rPr lang="hr-HR" dirty="0" smtClean="0"/>
+              <a:t>Kamera vezana za auto i slobodna kamera</a:t>
+            </a:r>
+          </a:p>
+          <a:p>
+            <a:endParaRPr lang="hr-HR" dirty="0" smtClean="0"/>
+          </a:p>
+          <a:p>
+            <a:r>
+              <a:rPr lang="hr-HR" dirty="0" smtClean="0"/>
+              <a:t>FXAA</a:t>
+            </a:r>
+          </a:p>
+          <a:p>
+            <a:endParaRPr lang="hr-HR" dirty="0" smtClean="0"/>
+          </a:p>
+          <a:p>
+            <a:r>
+              <a:rPr lang="hr-HR" dirty="0" smtClean="0"/>
+              <a:t>SSAA</a:t>
+            </a:r>
+            <a:endParaRPr lang="hr-HR" dirty="0"/>
+          </a:p>
+        </p:txBody>
+      </p:sp>
+    </p:spTree>
+    <p:extLst>
+      <p:ext uri="{BB962C8B-B14F-4D97-AF65-F5344CB8AC3E}">
+        <p14:creationId xmlns:p14="http://schemas.microsoft.com/office/powerpoint/2010/main" val="3789724126"/>
+      </p:ext>
+    </p:extLst>
+  </p:cSld>
+  <p:clrMapOvr>
+    <a:masterClrMapping/>
+  </p:clrMapOvr>
+  <p:timing>
+    <p:tnLst>
+      <p:par>
+        <p:cTn id="1" dur="indefinite" restart="never" nodeType="tmRoot"/>
+      </p:par>
+    </p:tnLst>
+  </p:timing>
+</p:sld>
+</file>
+
+<file path=ppt/slides/slide18.xml><?xml version="1.0" encoding="utf-8"?>
+<p:sld xmlns:a="http://schemas.openxmlformats.org/drawingml/2006/main" xmlns:r="http://schemas.openxmlformats.org/officeDocument/2006/relationships" xmlns:p="http://schemas.openxmlformats.org/presentationml/2006/main">
+  <p:cSld>
+    <p:spTree>
+      <p:nvGrpSpPr>
+        <p:cNvPr id="1" name=""/>
+        <p:cNvGrpSpPr/>
+        <p:nvPr/>
+      </p:nvGrpSpPr>
+      <p:grpSpPr>
+        <a:xfrm>
+          <a:off x="0" y="0"/>
+          <a:ext cx="0" cy="0"/>
+          <a:chOff x="0" y="0"/>
+          <a:chExt cx="0" cy="0"/>
+        </a:xfrm>
+      </p:grpSpPr>
+      <p:sp>
+        <p:nvSpPr>
+          <p:cNvPr id="2" name="Title 1"/>
+          <p:cNvSpPr>
+            <a:spLocks noGrp="1"/>
+          </p:cNvSpPr>
+          <p:nvPr>
+            <p:ph type="title"/>
+          </p:nvPr>
+        </p:nvSpPr>
+        <p:spPr/>
+        <p:txBody>
+          <a:bodyPr/>
+          <a:lstStyle/>
+          <a:p>
+            <a:pPr algn="l"/>
+            <a:r>
+              <a:rPr lang="hr-HR" dirty="0" smtClean="0"/>
+              <a:t>Učitavanje staze</a:t>
+            </a:r>
+            <a:endParaRPr lang="hr-HR" dirty="0"/>
+          </a:p>
+        </p:txBody>
+      </p:sp>
+      <p:pic>
+        <p:nvPicPr>
+          <p:cNvPr id="6" name="Content Placeholder 5"/>
+          <p:cNvPicPr>
+            <a:picLocks noGrp="1" noChangeAspect="1"/>
+          </p:cNvPicPr>
+          <p:nvPr>
+            <p:ph sz="half" idx="2"/>
+          </p:nvPr>
+        </p:nvPicPr>
+        <p:blipFill>
+          <a:blip r:embed="rId2">
+            <a:extLst>
+              <a:ext uri="{28A0092B-C50C-407E-A947-70E740481C1C}">
+                <a14:useLocalDpi xmlns:a14="http://schemas.microsoft.com/office/drawing/2010/main" val="0"/>
+              </a:ext>
+            </a:extLst>
+          </a:blip>
+          <a:stretch>
+            <a:fillRect/>
+          </a:stretch>
+        </p:blipFill>
+        <p:spPr>
+          <a:xfrm>
+            <a:off x="4648200" y="1676400"/>
+            <a:ext cx="4038600" cy="2358479"/>
+          </a:xfrm>
+        </p:spPr>
+      </p:pic>
+      <p:sp>
+        <p:nvSpPr>
+          <p:cNvPr id="4" name="Content Placeholder 3"/>
+          <p:cNvSpPr>
+            <a:spLocks noGrp="1"/>
+          </p:cNvSpPr>
+          <p:nvPr>
+            <p:ph sz="quarter" idx="13"/>
+          </p:nvPr>
+        </p:nvSpPr>
+        <p:spPr>
+          <a:xfrm>
+            <a:off x="365760" y="1676400"/>
+            <a:ext cx="4041648" cy="4450080"/>
+          </a:xfrm>
+        </p:spPr>
+        <p:txBody>
+          <a:bodyPr/>
+          <a:lstStyle/>
+          <a:p>
+            <a:r>
+              <a:rPr lang="hr-HR" dirty="0" smtClean="0"/>
+              <a:t>Ručno „crtanje” staze u tekstualnom formatu</a:t>
+            </a:r>
+          </a:p>
+          <a:p>
+            <a:endParaRPr lang="hr-HR" dirty="0" smtClean="0"/>
+          </a:p>
+          <a:p>
+            <a:r>
+              <a:rPr lang="hr-HR" dirty="0" smtClean="0"/>
+              <a:t>Pokretač iz tekstualne datoteke konstruira odgovarajuću stazu</a:t>
+            </a:r>
+            <a:endParaRPr lang="hr-HR" dirty="0"/>
+          </a:p>
+        </p:txBody>
+      </p:sp>
+      <p:pic>
+        <p:nvPicPr>
+          <p:cNvPr id="1027" name="Picture 3" descr="C:\Users\Jure\Desktop\Projekt\Dokumentacija\rtdesc.png"/>
+          <p:cNvPicPr>
+            <a:picLocks noChangeAspect="1" noChangeArrowheads="1"/>
+          </p:cNvPicPr>
+          <p:nvPr/>
+        </p:nvPicPr>
+        <p:blipFill>
+          <a:blip r:embed="rId3">
+            <a:extLst>
+              <a:ext uri="{28A0092B-C50C-407E-A947-70E740481C1C}">
+                <a14:useLocalDpi xmlns:a14="http://schemas.microsoft.com/office/drawing/2010/main" val="0"/>
+              </a:ext>
+            </a:extLst>
+          </a:blip>
+          <a:srcRect/>
+          <a:stretch>
+            <a:fillRect/>
+          </a:stretch>
+        </p:blipFill>
+        <p:spPr bwMode="auto">
+          <a:xfrm>
+            <a:off x="5823959" y="4267200"/>
+            <a:ext cx="1706562" cy="1833496"/>
+          </a:xfrm>
+          <a:prstGeom prst="rect">
+            <a:avLst/>
+          </a:prstGeom>
+          <a:noFill/>
+          <a:extLst>
+            <a:ext uri="{909E8E84-426E-40DD-AFC4-6F175D3DCCD1}">
+              <a14:hiddenFill xmlns:a14="http://schemas.microsoft.com/office/drawing/2010/main">
+                <a:solidFill>
+                  <a:srgbClr val="FFFFFF"/>
+                </a:solidFill>
+              </a14:hiddenFill>
+            </a:ext>
+          </a:extLst>
+        </p:spPr>
+      </p:pic>
+    </p:spTree>
+    <p:extLst>
+      <p:ext uri="{BB962C8B-B14F-4D97-AF65-F5344CB8AC3E}">
+        <p14:creationId xmlns:p14="http://schemas.microsoft.com/office/powerpoint/2010/main" val="2579156801"/>
+      </p:ext>
+    </p:extLst>
+  </p:cSld>
+  <p:clrMapOvr>
+    <a:masterClrMapping/>
+  </p:clrMapOvr>
+  <p:timing>
+    <p:tnLst>
+      <p:par>
+        <p:cTn id="1" dur="indefinite" restart="never" nodeType="tmRoot"/>
+      </p:par>
+    </p:tnLst>
+  </p:timing>
+</p:sld>
+</file>
+
+<file path=ppt/slides/slide19.xml><?xml version="1.0" encoding="utf-8"?>
+<p:sld xmlns:a="http://schemas.openxmlformats.org/drawingml/2006/main" xmlns:r="http://schemas.openxmlformats.org/officeDocument/2006/relationships" xmlns:p="http://schemas.openxmlformats.org/presentationml/2006/main">
+  <p:cSld>
+    <p:spTree>
+      <p:nvGrpSpPr>
+        <p:cNvPr id="1" name=""/>
+        <p:cNvGrpSpPr/>
+        <p:nvPr/>
+      </p:nvGrpSpPr>
+      <p:grpSpPr>
+        <a:xfrm>
+          <a:off x="0" y="0"/>
+          <a:ext cx="0" cy="0"/>
+          <a:chOff x="0" y="0"/>
+          <a:chExt cx="0" cy="0"/>
+        </a:xfrm>
+      </p:grpSpPr>
+      <p:sp>
+        <p:nvSpPr>
+          <p:cNvPr id="4" name="Title 3"/>
+          <p:cNvSpPr>
+            <a:spLocks noGrp="1"/>
+          </p:cNvSpPr>
+          <p:nvPr>
+            <p:ph type="title"/>
+          </p:nvPr>
+        </p:nvSpPr>
+        <p:spPr/>
+        <p:txBody>
+          <a:bodyPr/>
+          <a:lstStyle/>
+          <a:p>
+            <a:r>
+              <a:rPr lang="hr-HR" dirty="0" smtClean="0"/>
+              <a:t>Fizikalna simulacija</a:t>
+            </a:r>
+            <a:endParaRPr lang="hr-HR" dirty="0"/>
+          </a:p>
+        </p:txBody>
+      </p:sp>
+      <p:sp>
+        <p:nvSpPr>
+          <p:cNvPr id="5" name="Text Placeholder 4"/>
+          <p:cNvSpPr>
+            <a:spLocks noGrp="1"/>
+          </p:cNvSpPr>
+          <p:nvPr>
+            <p:ph type="body" idx="1"/>
+          </p:nvPr>
+        </p:nvSpPr>
+        <p:spPr/>
+        <p:txBody>
+          <a:bodyPr/>
+          <a:lstStyle/>
+          <a:p>
+            <a:endParaRPr lang="hr-HR" dirty="0"/>
+          </a:p>
+        </p:txBody>
+      </p:sp>
+    </p:spTree>
+    <p:extLst>
+      <p:ext uri="{BB962C8B-B14F-4D97-AF65-F5344CB8AC3E}">
+        <p14:creationId xmlns:p14="http://schemas.microsoft.com/office/powerpoint/2010/main" val="204368649"/>
+      </p:ext>
+    </p:extLst>
+  </p:cSld>
+  <p:clrMapOvr>
+    <a:masterClrMapping/>
+  </p:clrMapOvr>
+  <p:timing>
+    <p:tnLst>
+      <p:par>
+        <p:cTn id="1" dur="indefinite" restart="never" nodeType="tmRoot"/>
+      </p:par>
+    </p:tnLst>
+  </p:timing>
+</p:sld>
+</file>
+
+<file path=ppt/slides/slide2.xml><?xml version="1.0" encoding="utf-8"?>
+<p:sld xmlns:a="http://schemas.openxmlformats.org/drawingml/2006/main" xmlns:r="http://schemas.openxmlformats.org/officeDocument/2006/relationships" xmlns:p="http://schemas.openxmlformats.org/presentationml/2006/main">
+  <p:cSld>
+    <p:spTree>
+      <p:nvGrpSpPr>
+        <p:cNvPr id="1" name=""/>
+        <p:cNvGrpSpPr/>
+        <p:nvPr/>
+      </p:nvGrpSpPr>
+      <p:grpSpPr>
+        <a:xfrm>
+          <a:off x="0" y="0"/>
+          <a:ext cx="0" cy="0"/>
+          <a:chOff x="0" y="0"/>
+          <a:chExt cx="0" cy="0"/>
+        </a:xfrm>
+      </p:grpSpPr>
+      <p:sp>
+        <p:nvSpPr>
+          <p:cNvPr id="4" name="Title 3"/>
+          <p:cNvSpPr>
+            <a:spLocks noGrp="1"/>
+          </p:cNvSpPr>
+          <p:nvPr>
+            <p:ph type="title"/>
+          </p:nvPr>
+        </p:nvSpPr>
+        <p:spPr/>
+        <p:txBody>
+          <a:bodyPr/>
+          <a:lstStyle/>
+          <a:p>
+            <a:r>
+              <a:rPr lang="hr-HR" dirty="0" smtClean="0"/>
+              <a:t>Uvod</a:t>
+            </a:r>
+            <a:endParaRPr lang="hr-HR" dirty="0"/>
+          </a:p>
+        </p:txBody>
+      </p:sp>
+      <p:sp>
+        <p:nvSpPr>
+          <p:cNvPr id="5" name="Text Placeholder 4"/>
+          <p:cNvSpPr>
+            <a:spLocks noGrp="1"/>
+          </p:cNvSpPr>
+          <p:nvPr>
+            <p:ph type="body" idx="1"/>
+          </p:nvPr>
+        </p:nvSpPr>
+        <p:spPr/>
+        <p:txBody>
+          <a:bodyPr/>
+          <a:lstStyle/>
+          <a:p>
+            <a:endParaRPr lang="hr-HR" dirty="0"/>
+          </a:p>
+        </p:txBody>
+      </p:sp>
+    </p:spTree>
+    <p:extLst>
+      <p:ext uri="{BB962C8B-B14F-4D97-AF65-F5344CB8AC3E}">
+        <p14:creationId xmlns:p14="http://schemas.microsoft.com/office/powerpoint/2010/main" val="2337957832"/>
+      </p:ext>
+    </p:extLst>
+  </p:cSld>
+  <p:clrMapOvr>
+    <a:masterClrMapping/>
+  </p:clrMapOvr>
+  <p:timing>
+    <p:tnLst>
+      <p:par>
+        <p:cTn id="1" dur="indefinite" restart="never" nodeType="tmRoot"/>
+      </p:par>
+    </p:tnLst>
+  </p:timing>
+</p:sld>
+</file>
+
+<file path=ppt/slides/slide20.xml><?xml version="1.0" encoding="utf-8"?>
+<p:sld xmlns:a="http://schemas.openxmlformats.org/drawingml/2006/main" xmlns:r="http://schemas.openxmlformats.org/officeDocument/2006/relationships" xmlns:p="http://schemas.openxmlformats.org/presentationml/2006/main">
+  <p:cSld>
+    <p:spTree>
+      <p:nvGrpSpPr>
+        <p:cNvPr id="1" name=""/>
+        <p:cNvGrpSpPr/>
+        <p:nvPr/>
+      </p:nvGrpSpPr>
+      <p:grpSpPr>
+        <a:xfrm>
+          <a:off x="0" y="0"/>
+          <a:ext cx="0" cy="0"/>
+          <a:chOff x="0" y="0"/>
+          <a:chExt cx="0" cy="0"/>
+        </a:xfrm>
+      </p:grpSpPr>
+      <p:sp>
+        <p:nvSpPr>
+          <p:cNvPr id="4" name="Title 3"/>
+          <p:cNvSpPr>
+            <a:spLocks noGrp="1"/>
+          </p:cNvSpPr>
+          <p:nvPr>
+            <p:ph type="title"/>
+          </p:nvPr>
+        </p:nvSpPr>
+        <p:spPr/>
+        <p:txBody>
+          <a:bodyPr/>
+          <a:lstStyle/>
+          <a:p>
+            <a:pPr algn="l"/>
+            <a:r>
+              <a:rPr lang="hr-HR" dirty="0" smtClean="0"/>
+              <a:t>Podjela</a:t>
+            </a:r>
+            <a:endParaRPr lang="hr-HR" dirty="0"/>
+          </a:p>
+        </p:txBody>
+      </p:sp>
+      <p:sp>
+        <p:nvSpPr>
+          <p:cNvPr id="5" name="Content Placeholder 4"/>
+          <p:cNvSpPr>
+            <a:spLocks noGrp="1"/>
+          </p:cNvSpPr>
+          <p:nvPr>
+            <p:ph idx="1"/>
+          </p:nvPr>
+        </p:nvSpPr>
+        <p:spPr>
+          <a:xfrm>
+            <a:off x="457200" y="1828800"/>
+            <a:ext cx="8229600" cy="4495800"/>
+          </a:xfrm>
+        </p:spPr>
+        <p:txBody>
+          <a:bodyPr>
+            <a:normAutofit lnSpcReduction="10000"/>
+          </a:bodyPr>
+          <a:lstStyle/>
+          <a:p>
+            <a:r>
+              <a:rPr lang="hr-HR" sz="2800" dirty="0" smtClean="0"/>
+              <a:t>Šasija</a:t>
+            </a:r>
+          </a:p>
+          <a:p>
+            <a:pPr lvl="1"/>
+            <a:r>
+              <a:rPr lang="hr-HR" sz="2000" dirty="0" smtClean="0"/>
+              <a:t>fiksirana na podlogu</a:t>
+            </a:r>
+          </a:p>
+          <a:p>
+            <a:pPr lvl="1"/>
+            <a:r>
+              <a:rPr lang="hr-HR" sz="2000" dirty="0" smtClean="0"/>
+              <a:t>direktno povezana sa korisničkim inputom</a:t>
+            </a:r>
+          </a:p>
+          <a:p>
+            <a:pPr lvl="1"/>
+            <a:r>
+              <a:rPr lang="hr-HR" sz="2000" dirty="0" smtClean="0"/>
+              <a:t>nije pod utjecajem fizikalne simulacije</a:t>
+            </a:r>
+          </a:p>
+          <a:p>
+            <a:pPr lvl="1"/>
+            <a:endParaRPr lang="hr-HR" sz="2800" dirty="0" smtClean="0"/>
+          </a:p>
+          <a:p>
+            <a:r>
+              <a:rPr lang="hr-HR" sz="2800" dirty="0" smtClean="0"/>
+              <a:t>Karoserija</a:t>
+            </a:r>
+          </a:p>
+          <a:p>
+            <a:pPr lvl="1"/>
+            <a:r>
+              <a:rPr lang="hr-HR" sz="2000" dirty="0" smtClean="0"/>
+              <a:t>kruto tijelo povezano sa šasijom putem opruga</a:t>
+            </a:r>
+          </a:p>
+          <a:p>
+            <a:endParaRPr lang="hr-HR" sz="2800" dirty="0" smtClean="0"/>
+          </a:p>
+          <a:p>
+            <a:r>
+              <a:rPr lang="hr-HR" sz="2800" dirty="0" smtClean="0"/>
+              <a:t>Opruge</a:t>
+            </a:r>
+          </a:p>
+          <a:p>
+            <a:pPr lvl="1"/>
+            <a:r>
+              <a:rPr lang="hr-HR" sz="2000" dirty="0" smtClean="0"/>
+              <a:t>Hookeov zakon</a:t>
+            </a:r>
+          </a:p>
+          <a:p>
+            <a:pPr lvl="1"/>
+            <a:r>
+              <a:rPr lang="hr-HR" sz="2000" dirty="0" smtClean="0"/>
+              <a:t>prigušenje</a:t>
+            </a:r>
+          </a:p>
+        </p:txBody>
+      </p:sp>
+    </p:spTree>
+    <p:extLst>
+      <p:ext uri="{BB962C8B-B14F-4D97-AF65-F5344CB8AC3E}">
+        <p14:creationId xmlns:p14="http://schemas.microsoft.com/office/powerpoint/2010/main" val="2674182248"/>
+      </p:ext>
+    </p:extLst>
+  </p:cSld>
+  <p:clrMapOvr>
+    <a:masterClrMapping/>
+  </p:clrMapOvr>
+  <p:timing>
+    <p:tnLst>
+      <p:par>
+        <p:cTn id="1" dur="indefinite" restart="never" nodeType="tmRoot"/>
+      </p:par>
+    </p:tnLst>
+  </p:timing>
+</p:sld>
+</file>
+
+<file path=ppt/slides/slide21.xml><?xml version="1.0" encoding="utf-8"?>
+<p:sld xmlns:a="http://schemas.openxmlformats.org/drawingml/2006/main" xmlns:r="http://schemas.openxmlformats.org/officeDocument/2006/relationships" xmlns:p="http://schemas.openxmlformats.org/presentationml/2006/main">
+  <p:cSld>
+    <p:spTree>
+      <p:nvGrpSpPr>
+        <p:cNvPr id="1" name=""/>
+        <p:cNvGrpSpPr/>
+        <p:nvPr/>
+      </p:nvGrpSpPr>
+      <p:grpSpPr>
+        <a:xfrm>
+          <a:off x="0" y="0"/>
+          <a:ext cx="0" cy="0"/>
+          <a:chOff x="0" y="0"/>
+          <a:chExt cx="0" cy="0"/>
+        </a:xfrm>
+      </p:grpSpPr>
+      <p:sp>
+        <p:nvSpPr>
+          <p:cNvPr id="4" name="Title 3"/>
+          <p:cNvSpPr>
+            <a:spLocks noGrp="1"/>
+          </p:cNvSpPr>
+          <p:nvPr>
+            <p:ph type="title"/>
+          </p:nvPr>
+        </p:nvSpPr>
+        <p:spPr/>
+        <p:txBody>
+          <a:bodyPr/>
+          <a:lstStyle/>
+          <a:p>
+            <a:pPr algn="l"/>
+            <a:r>
+              <a:rPr lang="hr-HR" dirty="0" smtClean="0"/>
+              <a:t>Model simulacije</a:t>
+            </a:r>
+            <a:endParaRPr lang="hr-HR" dirty="0"/>
+          </a:p>
+        </p:txBody>
+      </p:sp>
+      <p:sp>
+        <p:nvSpPr>
+          <p:cNvPr id="5" name="Content Placeholder 4"/>
+          <p:cNvSpPr>
+            <a:spLocks noGrp="1"/>
+          </p:cNvSpPr>
+          <p:nvPr>
+            <p:ph idx="1"/>
+          </p:nvPr>
+        </p:nvSpPr>
+        <p:spPr>
+          <a:xfrm>
+            <a:off x="457200" y="1828800"/>
+            <a:ext cx="8229600" cy="4495800"/>
+          </a:xfrm>
+        </p:spPr>
+        <p:txBody>
+          <a:bodyPr>
+            <a:normAutofit/>
+          </a:bodyPr>
+          <a:lstStyle/>
+          <a:p>
+            <a:r>
+              <a:rPr lang="hr-HR" sz="2800" dirty="0" smtClean="0"/>
+              <a:t>Karoserija (kruto tijelo) ima:</a:t>
+            </a:r>
+          </a:p>
+          <a:p>
+            <a:pPr lvl="1"/>
+            <a:r>
+              <a:rPr lang="hr-HR" sz="2000" dirty="0"/>
+              <a:t>Masu</a:t>
+            </a:r>
+          </a:p>
+          <a:p>
+            <a:pPr lvl="1"/>
+            <a:r>
+              <a:rPr lang="hr-HR" sz="2000" dirty="0"/>
+              <a:t>Centar mase</a:t>
+            </a:r>
+          </a:p>
+          <a:p>
+            <a:pPr lvl="1"/>
+            <a:r>
+              <a:rPr lang="hr-HR" sz="2000" dirty="0"/>
+              <a:t>Tenzor inercije</a:t>
+            </a:r>
+          </a:p>
+          <a:p>
+            <a:endParaRPr lang="hr-HR" sz="2800" dirty="0" smtClean="0"/>
+          </a:p>
+          <a:p>
+            <a:r>
+              <a:rPr lang="hr-HR" sz="2800" dirty="0"/>
+              <a:t>Korištena je Eulerova metoda za numeričku integraciju.</a:t>
+            </a:r>
+          </a:p>
+          <a:p>
+            <a:endParaRPr lang="hr-HR" sz="2800" dirty="0"/>
+          </a:p>
+          <a:p>
+            <a:endParaRPr lang="hr-HR" sz="2800" dirty="0" smtClean="0"/>
+          </a:p>
+          <a:p>
+            <a:pPr lvl="1"/>
+            <a:endParaRPr lang="hr-HR" sz="2000" dirty="0"/>
+          </a:p>
+          <a:p>
+            <a:pPr marL="457200" lvl="1" indent="0">
+              <a:buNone/>
+            </a:pPr>
+            <a:endParaRPr lang="hr-HR" sz="2000" dirty="0"/>
+          </a:p>
+        </p:txBody>
+      </p:sp>
+    </p:spTree>
+    <p:extLst>
+      <p:ext uri="{BB962C8B-B14F-4D97-AF65-F5344CB8AC3E}">
+        <p14:creationId xmlns:p14="http://schemas.microsoft.com/office/powerpoint/2010/main" val="676707242"/>
+      </p:ext>
+    </p:extLst>
+  </p:cSld>
+  <p:clrMapOvr>
+    <a:masterClrMapping/>
+  </p:clrMapOvr>
+  <p:timing>
+    <p:tnLst>
+      <p:par>
+        <p:cTn id="1" dur="indefinite" restart="never" nodeType="tmRoot"/>
+      </p:par>
+    </p:tnLst>
+  </p:timing>
+</p:sld>
+</file>
+
+<file path=ppt/slides/slide22.xml><?xml version="1.0" encoding="utf-8"?>
+<p:sld xmlns:a="http://schemas.openxmlformats.org/drawingml/2006/main" xmlns:r="http://schemas.openxmlformats.org/officeDocument/2006/relationships" xmlns:p="http://schemas.openxmlformats.org/presentationml/2006/main">
+  <p:cSld>
+    <p:spTree>
+      <p:nvGrpSpPr>
+        <p:cNvPr id="1" name=""/>
+        <p:cNvGrpSpPr/>
+        <p:nvPr/>
+      </p:nvGrpSpPr>
+      <p:grpSpPr>
+        <a:xfrm>
+          <a:off x="0" y="0"/>
+          <a:ext cx="0" cy="0"/>
+          <a:chOff x="0" y="0"/>
+          <a:chExt cx="0" cy="0"/>
+        </a:xfrm>
+      </p:grpSpPr>
+      <p:sp>
+        <p:nvSpPr>
+          <p:cNvPr id="4" name="Title 3"/>
+          <p:cNvSpPr>
+            <a:spLocks noGrp="1"/>
+          </p:cNvSpPr>
+          <p:nvPr>
+            <p:ph type="title"/>
+          </p:nvPr>
+        </p:nvSpPr>
+        <p:spPr/>
+        <p:txBody>
+          <a:bodyPr/>
+          <a:lstStyle/>
+          <a:p>
+            <a:pPr algn="l"/>
+            <a:r>
+              <a:rPr lang="hr-HR" dirty="0" smtClean="0"/>
+              <a:t>Utjecaj ceste</a:t>
+            </a:r>
+            <a:endParaRPr lang="hr-HR" dirty="0"/>
+          </a:p>
+        </p:txBody>
+      </p:sp>
+      <p:pic>
+        <p:nvPicPr>
+          <p:cNvPr id="6" name="Content Placeholder 5"/>
+          <p:cNvPicPr>
+            <a:picLocks noGrp="1" noChangeAspect="1"/>
+          </p:cNvPicPr>
+          <p:nvPr>
+            <p:ph sz="half" idx="2"/>
+          </p:nvPr>
+        </p:nvPicPr>
+        <p:blipFill>
+          <a:blip r:embed="rId2">
+            <a:extLst>
+              <a:ext uri="{28A0092B-C50C-407E-A947-70E740481C1C}">
+                <a14:useLocalDpi xmlns:a14="http://schemas.microsoft.com/office/drawing/2010/main" val="0"/>
+              </a:ext>
+            </a:extLst>
+          </a:blip>
+          <a:stretch>
+            <a:fillRect/>
+          </a:stretch>
+        </p:blipFill>
+        <p:spPr>
+          <a:xfrm>
+            <a:off x="3276600" y="1905000"/>
+            <a:ext cx="5629490" cy="3398838"/>
+          </a:xfrm>
+        </p:spPr>
+      </p:pic>
+      <p:sp>
+        <p:nvSpPr>
+          <p:cNvPr id="3" name="Content Placeholder 2"/>
+          <p:cNvSpPr>
+            <a:spLocks noGrp="1"/>
+          </p:cNvSpPr>
+          <p:nvPr>
+            <p:ph sz="quarter" idx="13"/>
+          </p:nvPr>
+        </p:nvSpPr>
+        <p:spPr>
+          <a:xfrm>
+            <a:off x="152400" y="1752600"/>
+            <a:ext cx="3139440" cy="4373880"/>
+          </a:xfrm>
+        </p:spPr>
+        <p:txBody>
+          <a:bodyPr/>
+          <a:lstStyle/>
+          <a:p>
+            <a:r>
+              <a:rPr lang="hr-HR" dirty="0" smtClean="0"/>
+              <a:t>Cesta utiječe na visinu kotača</a:t>
+            </a:r>
+          </a:p>
+          <a:p>
+            <a:endParaRPr lang="hr-HR" dirty="0"/>
+          </a:p>
+          <a:p>
+            <a:r>
+              <a:rPr lang="hr-HR" dirty="0" smtClean="0"/>
+              <a:t>Učinak je da se auto realistično njiše</a:t>
+            </a:r>
+            <a:endParaRPr lang="hr-HR" dirty="0"/>
+          </a:p>
+        </p:txBody>
+      </p:sp>
+    </p:spTree>
+    <p:extLst>
+      <p:ext uri="{BB962C8B-B14F-4D97-AF65-F5344CB8AC3E}">
+        <p14:creationId xmlns:p14="http://schemas.microsoft.com/office/powerpoint/2010/main" val="2502208508"/>
+      </p:ext>
+    </p:extLst>
+  </p:cSld>
+  <p:clrMapOvr>
+    <a:masterClrMapping/>
+  </p:clrMapOvr>
+  <p:timing>
+    <p:tnLst>
+      <p:par>
+        <p:cTn id="1" dur="indefinite" restart="never" nodeType="tmRoot"/>
+      </p:par>
+    </p:tnLst>
+  </p:timing>
+</p:sld>
+</file>
+
+<file path=ppt/slides/slide23.xml><?xml version="1.0" encoding="utf-8"?>
+<p:sld xmlns:a="http://schemas.openxmlformats.org/drawingml/2006/main" xmlns:r="http://schemas.openxmlformats.org/officeDocument/2006/relationships" xmlns:p="http://schemas.openxmlformats.org/presentationml/2006/main">
+  <p:cSld>
+    <p:spTree>
+      <p:nvGrpSpPr>
+        <p:cNvPr id="1" name=""/>
+        <p:cNvGrpSpPr/>
+        <p:nvPr/>
+      </p:nvGrpSpPr>
+      <p:grpSpPr>
+        <a:xfrm>
+          <a:off x="0" y="0"/>
+          <a:ext cx="0" cy="0"/>
+          <a:chOff x="0" y="0"/>
+          <a:chExt cx="0" cy="0"/>
+        </a:xfrm>
+      </p:grpSpPr>
+      <p:sp>
+        <p:nvSpPr>
+          <p:cNvPr id="4" name="Title 3"/>
+          <p:cNvSpPr>
+            <a:spLocks noGrp="1"/>
+          </p:cNvSpPr>
+          <p:nvPr>
+            <p:ph type="title"/>
+          </p:nvPr>
+        </p:nvSpPr>
+        <p:spPr/>
+        <p:txBody>
+          <a:bodyPr/>
+          <a:lstStyle/>
+          <a:p>
+            <a:r>
+              <a:rPr lang="hr-HR" dirty="0" smtClean="0"/>
+              <a:t>Zvučna simulacija</a:t>
+            </a:r>
+            <a:endParaRPr lang="hr-HR" dirty="0"/>
+          </a:p>
+        </p:txBody>
+      </p:sp>
+      <p:sp>
+        <p:nvSpPr>
+          <p:cNvPr id="5" name="Text Placeholder 4"/>
+          <p:cNvSpPr>
+            <a:spLocks noGrp="1"/>
+          </p:cNvSpPr>
+          <p:nvPr>
+            <p:ph type="body" idx="1"/>
+          </p:nvPr>
+        </p:nvSpPr>
+        <p:spPr/>
+        <p:txBody>
+          <a:bodyPr/>
+          <a:lstStyle/>
+          <a:p>
+            <a:endParaRPr lang="hr-HR" dirty="0"/>
+          </a:p>
+        </p:txBody>
+      </p:sp>
+    </p:spTree>
+    <p:extLst>
+      <p:ext uri="{BB962C8B-B14F-4D97-AF65-F5344CB8AC3E}">
+        <p14:creationId xmlns:p14="http://schemas.microsoft.com/office/powerpoint/2010/main" val="2267565220"/>
+      </p:ext>
+    </p:extLst>
+  </p:cSld>
+  <p:clrMapOvr>
+    <a:masterClrMapping/>
+  </p:clrMapOvr>
+  <p:timing>
+    <p:tnLst>
+      <p:par>
+        <p:cTn id="1" dur="indefinite" restart="never" nodeType="tmRoot"/>
+      </p:par>
+    </p:tnLst>
+  </p:timing>
+</p:sld>
+</file>
+
+<file path=ppt/slides/slide24.xml><?xml version="1.0" encoding="utf-8"?>
+<p:sld xmlns:a="http://schemas.openxmlformats.org/drawingml/2006/main" xmlns:r="http://schemas.openxmlformats.org/officeDocument/2006/relationships" xmlns:p="http://schemas.openxmlformats.org/presentationml/2006/main">
+  <p:cSld>
+    <p:spTree>
+      <p:nvGrpSpPr>
+        <p:cNvPr id="1" name=""/>
+        <p:cNvGrpSpPr/>
+        <p:nvPr/>
+      </p:nvGrpSpPr>
+      <p:grpSpPr>
+        <a:xfrm>
+          <a:off x="0" y="0"/>
+          <a:ext cx="0" cy="0"/>
+          <a:chOff x="0" y="0"/>
+          <a:chExt cx="0" cy="0"/>
+        </a:xfrm>
+      </p:grpSpPr>
+      <p:sp>
+        <p:nvSpPr>
+          <p:cNvPr id="2" name="Title 1"/>
+          <p:cNvSpPr>
+            <a:spLocks noGrp="1"/>
+          </p:cNvSpPr>
+          <p:nvPr>
+            <p:ph type="title"/>
+          </p:nvPr>
+        </p:nvSpPr>
+        <p:spPr/>
+        <p:txBody>
+          <a:bodyPr/>
+          <a:lstStyle/>
+          <a:p>
+            <a:pPr algn="l"/>
+            <a:r>
+              <a:rPr lang="hr-HR" dirty="0" smtClean="0"/>
+              <a:t>Izvori zvukova</a:t>
+            </a:r>
+            <a:endParaRPr lang="hr-HR" dirty="0"/>
+          </a:p>
+        </p:txBody>
+      </p:sp>
+      <p:sp>
+        <p:nvSpPr>
+          <p:cNvPr id="3" name="Content Placeholder 2"/>
+          <p:cNvSpPr>
+            <a:spLocks noGrp="1"/>
+          </p:cNvSpPr>
+          <p:nvPr>
+            <p:ph idx="1"/>
+          </p:nvPr>
+        </p:nvSpPr>
+        <p:spPr/>
+        <p:txBody>
+          <a:bodyPr/>
+          <a:lstStyle/>
+          <a:p>
+            <a:r>
+              <a:rPr lang="hr-HR" sz="2800" dirty="0" smtClean="0"/>
+              <a:t>Učitavanje iz zvučnih datoteka</a:t>
+            </a:r>
+          </a:p>
+          <a:p>
+            <a:pPr lvl="1"/>
+            <a:r>
+              <a:rPr lang="hr-HR" sz="2000" dirty="0" smtClean="0"/>
+              <a:t>U RAM ili direktna reprodukcija sa tvrdog diska</a:t>
+            </a:r>
+          </a:p>
+          <a:p>
+            <a:pPr lvl="1"/>
+            <a:endParaRPr lang="hr-HR" dirty="0" smtClean="0"/>
+          </a:p>
+          <a:p>
+            <a:r>
+              <a:rPr lang="hr-HR" sz="2800" dirty="0" smtClean="0"/>
+              <a:t>Postavljanje položaja</a:t>
+            </a:r>
+          </a:p>
+          <a:p>
+            <a:pPr lvl="1"/>
+            <a:r>
+              <a:rPr lang="hr-HR" sz="2000" dirty="0" smtClean="0"/>
+              <a:t>Preko 3D vektora</a:t>
+            </a:r>
+          </a:p>
+          <a:p>
+            <a:pPr lvl="1"/>
+            <a:endParaRPr lang="hr-HR" dirty="0"/>
+          </a:p>
+          <a:p>
+            <a:pPr lvl="1"/>
+            <a:endParaRPr lang="hr-HR" dirty="0"/>
+          </a:p>
+        </p:txBody>
+      </p:sp>
+      <p:pic>
+        <p:nvPicPr>
+          <p:cNvPr id="4" name="Picture 3"/>
+          <p:cNvPicPr>
+            <a:picLocks noChangeAspect="1"/>
+          </p:cNvPicPr>
+          <p:nvPr/>
+        </p:nvPicPr>
+        <p:blipFill>
+          <a:blip r:embed="rId2">
+            <a:extLst>
+              <a:ext uri="{28A0092B-C50C-407E-A947-70E740481C1C}">
+                <a14:useLocalDpi xmlns:a14="http://schemas.microsoft.com/office/drawing/2010/main" val="0"/>
+              </a:ext>
+            </a:extLst>
+          </a:blip>
+          <a:stretch>
+            <a:fillRect/>
+          </a:stretch>
+        </p:blipFill>
+        <p:spPr>
+          <a:xfrm>
+            <a:off x="768607" y="3810000"/>
+            <a:ext cx="7606786" cy="2448000"/>
+          </a:xfrm>
+          <a:prstGeom prst="rect">
+            <a:avLst/>
+          </a:prstGeom>
+        </p:spPr>
+      </p:pic>
+    </p:spTree>
+    <p:extLst>
+      <p:ext uri="{BB962C8B-B14F-4D97-AF65-F5344CB8AC3E}">
+        <p14:creationId xmlns:p14="http://schemas.microsoft.com/office/powerpoint/2010/main" val="3019331709"/>
+      </p:ext>
+    </p:extLst>
+  </p:cSld>
+  <p:clrMapOvr>
+    <a:masterClrMapping/>
+  </p:clrMapOvr>
+  <p:timing>
+    <p:tnLst>
+      <p:par>
+        <p:cTn id="1" dur="indefinite" restart="never" nodeType="tmRoot"/>
+      </p:par>
+    </p:tnLst>
+  </p:timing>
+</p:sld>
+</file>
+
+<file path=ppt/slides/slide25.xml><?xml version="1.0" encoding="utf-8"?>
+<p:sld xmlns:a="http://schemas.openxmlformats.org/drawingml/2006/main" xmlns:r="http://schemas.openxmlformats.org/officeDocument/2006/relationships" xmlns:p="http://schemas.openxmlformats.org/presentationml/2006/main">
+  <p:cSld>
+    <p:spTree>
+      <p:nvGrpSpPr>
+        <p:cNvPr id="1" name=""/>
+        <p:cNvGrpSpPr/>
+        <p:nvPr/>
+      </p:nvGrpSpPr>
+      <p:grpSpPr>
+        <a:xfrm>
+          <a:off x="0" y="0"/>
+          <a:ext cx="0" cy="0"/>
+          <a:chOff x="0" y="0"/>
+          <a:chExt cx="0" cy="0"/>
+        </a:xfrm>
+      </p:grpSpPr>
+      <p:sp>
+        <p:nvSpPr>
+          <p:cNvPr id="2" name="Title 1"/>
+          <p:cNvSpPr>
+            <a:spLocks noGrp="1"/>
+          </p:cNvSpPr>
+          <p:nvPr>
+            <p:ph type="title"/>
+          </p:nvPr>
+        </p:nvSpPr>
+        <p:spPr/>
+        <p:txBody>
+          <a:bodyPr/>
+          <a:lstStyle/>
+          <a:p>
+            <a:pPr algn="l"/>
+            <a:r>
+              <a:rPr lang="hr-HR" dirty="0"/>
+              <a:t>S</a:t>
+            </a:r>
+            <a:r>
+              <a:rPr lang="hr-HR" dirty="0" smtClean="0"/>
+              <a:t>lušatelj</a:t>
+            </a:r>
+            <a:endParaRPr lang="hr-HR" dirty="0"/>
+          </a:p>
+        </p:txBody>
+      </p:sp>
+      <p:sp>
+        <p:nvSpPr>
+          <p:cNvPr id="3" name="Content Placeholder 2"/>
+          <p:cNvSpPr>
+            <a:spLocks noGrp="1"/>
+          </p:cNvSpPr>
+          <p:nvPr>
+            <p:ph idx="1"/>
+          </p:nvPr>
+        </p:nvSpPr>
+        <p:spPr/>
+        <p:txBody>
+          <a:bodyPr/>
+          <a:lstStyle/>
+          <a:p>
+            <a:r>
+              <a:rPr lang="hr-HR" sz="2800" dirty="0"/>
+              <a:t>Postavljanje </a:t>
+            </a:r>
+            <a:r>
+              <a:rPr lang="hr-HR" sz="2800" dirty="0" smtClean="0"/>
+              <a:t>položaja i orijentacije</a:t>
+            </a:r>
+          </a:p>
+          <a:p>
+            <a:pPr lvl="1"/>
+            <a:r>
+              <a:rPr lang="hr-HR" sz="2000" dirty="0" smtClean="0"/>
+              <a:t>Položaj preko 3D vektora</a:t>
+            </a:r>
+          </a:p>
+          <a:p>
+            <a:pPr lvl="1"/>
+            <a:r>
+              <a:rPr lang="hr-HR" sz="2000" dirty="0" smtClean="0"/>
+              <a:t>Orijentacija preko tri vektora</a:t>
+            </a:r>
+          </a:p>
+          <a:p>
+            <a:pPr lvl="1"/>
+            <a:endParaRPr lang="hr-HR" dirty="0" smtClean="0"/>
+          </a:p>
+          <a:p>
+            <a:r>
+              <a:rPr lang="hr-HR" sz="2800" dirty="0" smtClean="0"/>
+              <a:t>Položaj i orijentacija istovjetni s onima od kamere</a:t>
+            </a:r>
+            <a:endParaRPr lang="hr-HR" sz="2800" dirty="0"/>
+          </a:p>
+          <a:p>
+            <a:endParaRPr lang="hr-HR" dirty="0" smtClean="0"/>
+          </a:p>
+        </p:txBody>
+      </p:sp>
+      <p:pic>
+        <p:nvPicPr>
+          <p:cNvPr id="4" name="Picture 3"/>
+          <p:cNvPicPr>
+            <a:picLocks noChangeAspect="1"/>
+          </p:cNvPicPr>
+          <p:nvPr/>
+        </p:nvPicPr>
+        <p:blipFill>
+          <a:blip r:embed="rId2">
+            <a:extLst>
+              <a:ext uri="{28A0092B-C50C-407E-A947-70E740481C1C}">
+                <a14:useLocalDpi xmlns:a14="http://schemas.microsoft.com/office/drawing/2010/main" val="0"/>
+              </a:ext>
+            </a:extLst>
+          </a:blip>
+          <a:stretch>
+            <a:fillRect/>
+          </a:stretch>
+        </p:blipFill>
+        <p:spPr>
+          <a:xfrm>
+            <a:off x="2819400" y="3886200"/>
+            <a:ext cx="3490913" cy="2442591"/>
+          </a:xfrm>
+          <a:prstGeom prst="rect">
+            <a:avLst/>
+          </a:prstGeom>
+        </p:spPr>
+      </p:pic>
+    </p:spTree>
+    <p:extLst>
+      <p:ext uri="{BB962C8B-B14F-4D97-AF65-F5344CB8AC3E}">
+        <p14:creationId xmlns:p14="http://schemas.microsoft.com/office/powerpoint/2010/main" val="561081063"/>
+      </p:ext>
+    </p:extLst>
+  </p:cSld>
+  <p:clrMapOvr>
+    <a:masterClrMapping/>
+  </p:clrMapOvr>
+  <p:timing>
+    <p:tnLst>
+      <p:par>
+        <p:cTn id="1" dur="indefinite" restart="never" nodeType="tmRoot"/>
+      </p:par>
+    </p:tnLst>
+  </p:timing>
+</p:sld>
+</file>
+
+<file path=ppt/slides/slide26.xml><?xml version="1.0" encoding="utf-8"?>
+<p:sld xmlns:a="http://schemas.openxmlformats.org/drawingml/2006/main" xmlns:r="http://schemas.openxmlformats.org/officeDocument/2006/relationships" xmlns:p="http://schemas.openxmlformats.org/presentationml/2006/main">
+  <p:cSld>
+    <p:spTree>
+      <p:nvGrpSpPr>
+        <p:cNvPr id="1" name=""/>
+        <p:cNvGrpSpPr/>
+        <p:nvPr/>
+      </p:nvGrpSpPr>
+      <p:grpSpPr>
+        <a:xfrm>
+          <a:off x="0" y="0"/>
+          <a:ext cx="0" cy="0"/>
+          <a:chOff x="0" y="0"/>
+          <a:chExt cx="0" cy="0"/>
+        </a:xfrm>
+      </p:grpSpPr>
+      <p:sp>
+        <p:nvSpPr>
+          <p:cNvPr id="2" name="Title 1"/>
+          <p:cNvSpPr>
+            <a:spLocks noGrp="1"/>
+          </p:cNvSpPr>
+          <p:nvPr>
+            <p:ph type="title"/>
+          </p:nvPr>
+        </p:nvSpPr>
+        <p:spPr/>
+        <p:txBody>
+          <a:bodyPr/>
+          <a:lstStyle/>
+          <a:p>
+            <a:pPr algn="l"/>
+            <a:r>
+              <a:rPr lang="hr-HR" dirty="0" smtClean="0"/>
+              <a:t>Zvukovi u projektu</a:t>
+            </a:r>
+            <a:endParaRPr lang="hr-HR" dirty="0"/>
+          </a:p>
+        </p:txBody>
+      </p:sp>
+      <p:sp>
+        <p:nvSpPr>
+          <p:cNvPr id="3" name="Content Placeholder 2"/>
+          <p:cNvSpPr>
+            <a:spLocks noGrp="1"/>
+          </p:cNvSpPr>
+          <p:nvPr>
+            <p:ph idx="1"/>
+          </p:nvPr>
+        </p:nvSpPr>
+        <p:spPr/>
+        <p:txBody>
+          <a:bodyPr>
+            <a:normAutofit/>
+          </a:bodyPr>
+          <a:lstStyle/>
+          <a:p>
+            <a:r>
+              <a:rPr lang="hr-HR" sz="2800" dirty="0" smtClean="0"/>
+              <a:t>Zvuk rada motora</a:t>
+            </a:r>
+          </a:p>
+          <a:p>
+            <a:pPr lvl="1"/>
+            <a:r>
+              <a:rPr lang="hr-HR" sz="2000" dirty="0" smtClean="0"/>
+              <a:t>Stalno reproduciranje</a:t>
+            </a:r>
+          </a:p>
+          <a:p>
+            <a:pPr lvl="1"/>
+            <a:r>
+              <a:rPr lang="hr-HR" sz="2000" dirty="0" smtClean="0"/>
+              <a:t>Osvježavanje </a:t>
+            </a:r>
+            <a:r>
+              <a:rPr lang="hr-HR" sz="2000" dirty="0" smtClean="0"/>
+              <a:t>položaja</a:t>
+            </a:r>
+          </a:p>
+          <a:p>
+            <a:pPr lvl="1"/>
+            <a:r>
+              <a:rPr lang="hr-HR" sz="2000" dirty="0" smtClean="0"/>
+              <a:t>Brzina </a:t>
+            </a:r>
+            <a:r>
+              <a:rPr lang="hr-HR" sz="2000" dirty="0" smtClean="0"/>
+              <a:t>reprodukcije ovisna o brzini automobila</a:t>
+            </a:r>
+          </a:p>
+          <a:p>
+            <a:endParaRPr lang="hr-HR" dirty="0" smtClean="0"/>
+          </a:p>
+          <a:p>
+            <a:r>
+              <a:rPr lang="hr-HR" sz="2800" dirty="0" smtClean="0"/>
+              <a:t>Zvuk škripanja guma</a:t>
+            </a:r>
+          </a:p>
+          <a:p>
+            <a:pPr lvl="1"/>
+            <a:r>
+              <a:rPr lang="hr-HR" sz="2000" dirty="0" smtClean="0"/>
+              <a:t>Osvježavanje položaja</a:t>
+            </a:r>
+          </a:p>
+          <a:p>
+            <a:pPr lvl="1"/>
+            <a:r>
+              <a:rPr lang="hr-HR" sz="2000" dirty="0" smtClean="0"/>
+              <a:t>Reprodukcija ovisi o stanju automobila</a:t>
+            </a:r>
+          </a:p>
+        </p:txBody>
+      </p:sp>
+    </p:spTree>
+    <p:extLst>
+      <p:ext uri="{BB962C8B-B14F-4D97-AF65-F5344CB8AC3E}">
+        <p14:creationId xmlns:p14="http://schemas.microsoft.com/office/powerpoint/2010/main" val="3096897854"/>
+      </p:ext>
+    </p:extLst>
+  </p:cSld>
+  <p:clrMapOvr>
+    <a:masterClrMapping/>
+  </p:clrMapOvr>
+  <p:timing>
+    <p:tnLst>
+      <p:par>
+        <p:cTn id="1" dur="indefinite" restart="never" nodeType="tmRoot"/>
+      </p:par>
+    </p:tnLst>
+  </p:timing>
+</p:sld>
+</file>
+
+<file path=ppt/slides/slide27.xml><?xml version="1.0" encoding="utf-8"?>
+<p:sld xmlns:a="http://schemas.openxmlformats.org/drawingml/2006/main" xmlns:r="http://schemas.openxmlformats.org/officeDocument/2006/relationships" xmlns:p="http://schemas.openxmlformats.org/presentationml/2006/main">
+  <p:cSld>
+    <p:spTree>
+      <p:nvGrpSpPr>
+        <p:cNvPr id="1" name=""/>
+        <p:cNvGrpSpPr/>
+        <p:nvPr/>
+      </p:nvGrpSpPr>
+      <p:grpSpPr>
+        <a:xfrm>
+          <a:off x="0" y="0"/>
+          <a:ext cx="0" cy="0"/>
+          <a:chOff x="0" y="0"/>
+          <a:chExt cx="0" cy="0"/>
+        </a:xfrm>
+      </p:grpSpPr>
+      <p:sp>
+        <p:nvSpPr>
+          <p:cNvPr id="4" name="Title 3"/>
+          <p:cNvSpPr>
+            <a:spLocks noGrp="1"/>
+          </p:cNvSpPr>
+          <p:nvPr>
+            <p:ph type="title"/>
+          </p:nvPr>
+        </p:nvSpPr>
+        <p:spPr/>
+        <p:txBody>
+          <a:bodyPr/>
+          <a:lstStyle/>
+          <a:p>
+            <a:r>
+              <a:rPr lang="en-US" dirty="0" smtClean="0"/>
+              <a:t>Leap Motion</a:t>
+            </a:r>
+            <a:endParaRPr lang="hr-HR" dirty="0"/>
+          </a:p>
+        </p:txBody>
+      </p:sp>
+      <p:sp>
+        <p:nvSpPr>
+          <p:cNvPr id="5" name="Text Placeholder 4"/>
+          <p:cNvSpPr>
+            <a:spLocks noGrp="1"/>
+          </p:cNvSpPr>
+          <p:nvPr>
+            <p:ph type="body" idx="1"/>
+          </p:nvPr>
+        </p:nvSpPr>
+        <p:spPr/>
+        <p:txBody>
+          <a:bodyPr/>
+          <a:lstStyle/>
+          <a:p>
+            <a:endParaRPr lang="hr-HR"/>
+          </a:p>
+        </p:txBody>
+      </p:sp>
+    </p:spTree>
+    <p:extLst>
+      <p:ext uri="{BB962C8B-B14F-4D97-AF65-F5344CB8AC3E}">
+        <p14:creationId xmlns:p14="http://schemas.microsoft.com/office/powerpoint/2010/main" val="2112996390"/>
+      </p:ext>
+    </p:extLst>
+  </p:cSld>
+  <p:clrMapOvr>
+    <a:masterClrMapping/>
+  </p:clrMapOvr>
+  <p:timing>
+    <p:tnLst>
+      <p:par>
+        <p:cTn id="1" dur="indefinite" restart="never" nodeType="tmRoot"/>
+      </p:par>
+    </p:tnLst>
+  </p:timing>
+</p:sld>
+</file>
+
+<file path=ppt/slides/slide28.xml><?xml version="1.0" encoding="utf-8"?>
+<p:sld xmlns:a="http://schemas.openxmlformats.org/drawingml/2006/main" xmlns:r="http://schemas.openxmlformats.org/officeDocument/2006/relationships" xmlns:p="http://schemas.openxmlformats.org/presentationml/2006/main">
+  <p:cSld>
+    <p:spTree>
+      <p:nvGrpSpPr>
+        <p:cNvPr id="1" name=""/>
+        <p:cNvGrpSpPr/>
+        <p:nvPr/>
+      </p:nvGrpSpPr>
+      <p:grpSpPr>
+        <a:xfrm>
+          <a:off x="0" y="0"/>
+          <a:ext cx="0" cy="0"/>
+          <a:chOff x="0" y="0"/>
+          <a:chExt cx="0" cy="0"/>
+        </a:xfrm>
+      </p:grpSpPr>
+      <p:sp>
+        <p:nvSpPr>
+          <p:cNvPr id="2" name="Title 1"/>
+          <p:cNvSpPr>
+            <a:spLocks noGrp="1"/>
+          </p:cNvSpPr>
+          <p:nvPr>
+            <p:ph type="title"/>
+          </p:nvPr>
+        </p:nvSpPr>
+        <p:spPr/>
+        <p:txBody>
+          <a:bodyPr/>
+          <a:lstStyle/>
+          <a:p>
+            <a:pPr algn="l"/>
             <a:r>
               <a:rPr lang="en-US" dirty="0" smtClean="0"/>
               <a:t>Leap Motion </a:t>
@@ -4101,8 +5960,16 @@
           <a:p>
             <a:r>
               <a:rPr lang="en-US" dirty="0"/>
-              <a:t>3 IR LED</a:t>
-            </a:r>
+              <a:t>3 IR </a:t>
+            </a:r>
+            <a:r>
+              <a:rPr lang="en-US" dirty="0" smtClean="0"/>
+              <a:t>LED</a:t>
+            </a:r>
+            <a:endParaRPr lang="hr-HR" dirty="0" smtClean="0"/>
+          </a:p>
+          <a:p>
+            <a:endParaRPr lang="en-US" dirty="0"/>
           </a:p>
           <a:p>
             <a:r>
@@ -4110,9 +5977,12 @@
               <a:t>2 IR </a:t>
             </a:r>
             <a:r>
-              <a:rPr lang="en-US" dirty="0" err="1"/>
+              <a:rPr lang="en-US" dirty="0" err="1" smtClean="0"/>
               <a:t>kamere</a:t>
             </a:r>
+            <a:endParaRPr lang="hr-HR" dirty="0" smtClean="0"/>
+          </a:p>
+          <a:p>
             <a:endParaRPr lang="en-US" dirty="0"/>
           </a:p>
           <a:p>
@@ -4125,9 +5995,12 @@
               <a:t> </a:t>
             </a:r>
             <a:r>
-              <a:rPr lang="en-US" dirty="0" err="1"/>
+              <a:rPr lang="en-US" dirty="0" err="1" smtClean="0"/>
               <a:t>matematika</a:t>
             </a:r>
+            <a:endParaRPr lang="hr-HR" dirty="0" smtClean="0"/>
+          </a:p>
+          <a:p>
             <a:endParaRPr lang="en-US" dirty="0"/>
           </a:p>
           <a:p>
@@ -4242,7 +6115,7 @@
 </p:sld>
 </file>
 
-<file path=ppt/slides/slide16.xml><?xml version="1.0" encoding="utf-8"?>
+<file path=ppt/slides/slide29.xml><?xml version="1.0" encoding="utf-8"?>
 <p:sld xmlns:a="http://schemas.openxmlformats.org/drawingml/2006/main" xmlns:r="http://schemas.openxmlformats.org/officeDocument/2006/relationships" xmlns:p="http://schemas.openxmlformats.org/presentationml/2006/main">
   <p:cSld>
     <p:spTree>
@@ -4274,6 +6147,7 @@
           <a:bodyPr/>
           <a:lstStyle/>
           <a:p>
+            <a:pPr algn="l"/>
             <a:r>
               <a:rPr lang="en-US" dirty="0" err="1" smtClean="0"/>
               <a:t>Upravljanje</a:t>
@@ -4300,15 +6174,34 @@
             <p:ph idx="1"/>
           </p:nvPr>
         </p:nvSpPr>
-        <p:spPr/>
-        <p:txBody>
-          <a:bodyPr/>
-          <a:lstStyle/>
-          <a:p>
+        <p:spPr>
+          <a:xfrm>
+            <a:off x="457200" y="1752600"/>
+            <a:ext cx="4267200" cy="4449763"/>
+          </a:xfrm>
+        </p:spPr>
+        <p:txBody>
+          <a:bodyPr/>
+          <a:lstStyle/>
+          <a:p>
+            <a:endParaRPr lang="hr-HR" dirty="0" smtClean="0"/>
+          </a:p>
+          <a:p>
+            <a:r>
+              <a:rPr lang="hr-HR" dirty="0" smtClean="0"/>
+              <a:t>Leap </a:t>
+            </a:r>
             <a:r>
               <a:rPr lang="hr-HR" dirty="0"/>
-              <a:t>Leap detektira dlan</a:t>
-            </a:r>
+              <a:t>detektira </a:t>
+            </a:r>
+            <a:r>
+              <a:rPr lang="hr-HR" dirty="0" smtClean="0"/>
+              <a:t>dlan</a:t>
+            </a:r>
+          </a:p>
+          <a:p>
+            <a:endParaRPr lang="hr-HR" dirty="0"/>
           </a:p>
           <a:p>
             <a:r>
@@ -4387,8 +6280,8 @@
         </p:blipFill>
         <p:spPr bwMode="auto">
           <a:xfrm>
-            <a:off x="4725458" y="2312634"/>
-            <a:ext cx="3524250" cy="2638425"/>
+            <a:off x="4724400" y="2209800"/>
+            <a:ext cx="3829050" cy="2866613"/>
           </a:xfrm>
           <a:prstGeom prst="rect">
             <a:avLst/>
@@ -4425,85 +6318,6 @@
 </p:sld>
 </file>
 
-<file path=ppt/slides/slide2.xml><?xml version="1.0" encoding="utf-8"?>
-<p:sld xmlns:a="http://schemas.openxmlformats.org/drawingml/2006/main" xmlns:r="http://schemas.openxmlformats.org/officeDocument/2006/relationships" xmlns:p="http://schemas.openxmlformats.org/presentationml/2006/main">
-  <p:cSld>
-    <p:spTree>
-      <p:nvGrpSpPr>
-        <p:cNvPr id="1" name=""/>
-        <p:cNvGrpSpPr/>
-        <p:nvPr/>
-      </p:nvGrpSpPr>
-      <p:grpSpPr>
-        <a:xfrm>
-          <a:off x="0" y="0"/>
-          <a:ext cx="0" cy="0"/>
-          <a:chOff x="0" y="0"/>
-          <a:chExt cx="0" cy="0"/>
-        </a:xfrm>
-      </p:grpSpPr>
-      <p:sp>
-        <p:nvSpPr>
-          <p:cNvPr id="4" name="Title 3"/>
-          <p:cNvSpPr>
-            <a:spLocks noGrp="1"/>
-          </p:cNvSpPr>
-          <p:nvPr>
-            <p:ph type="title"/>
-          </p:nvPr>
-        </p:nvSpPr>
-        <p:spPr/>
-        <p:txBody>
-          <a:bodyPr/>
-          <a:lstStyle/>
-          <a:p>
-            <a:r>
-              <a:rPr lang="hr-HR" dirty="0" smtClean="0"/>
-              <a:t>Fizikalna simulacija</a:t>
-            </a:r>
-            <a:endParaRPr lang="hr-HR" dirty="0"/>
-          </a:p>
-        </p:txBody>
-      </p:sp>
-      <p:sp>
-        <p:nvSpPr>
-          <p:cNvPr id="5" name="Text Placeholder 4"/>
-          <p:cNvSpPr>
-            <a:spLocks noGrp="1"/>
-          </p:cNvSpPr>
-          <p:nvPr>
-            <p:ph type="body" idx="1"/>
-          </p:nvPr>
-        </p:nvSpPr>
-        <p:spPr/>
-        <p:txBody>
-          <a:bodyPr/>
-          <a:lstStyle/>
-          <a:p>
-            <a:endParaRPr lang="hr-HR" dirty="0"/>
-          </a:p>
-        </p:txBody>
-      </p:sp>
-    </p:spTree>
-    <p:extLst>
-      <p:ext uri="{BB962C8B-B14F-4D97-AF65-F5344CB8AC3E}">
-        <p14:creationId xmlns:p14="http://schemas.microsoft.com/office/powerpoint/2010/main" val="2337957832"/>
-      </p:ext>
-    </p:extLst>
-  </p:cSld>
-  <p:clrMapOvr>
-    <a:masterClrMapping/>
-  </p:clrMapOvr>
-  <p:timing>
-    <p:tnLst>
-      <p:par>
-        <p:cTn id="1" dur="indefinite" restart="never" nodeType="tmRoot"/>
-      </p:par>
-    </p:tnLst>
-  </p:timing>
-</p:sld>
-</file>
-
 <file path=ppt/slides/slide3.xml><?xml version="1.0" encoding="utf-8"?>
 <p:sld xmlns:a="http://schemas.openxmlformats.org/drawingml/2006/main" xmlns:r="http://schemas.openxmlformats.org/officeDocument/2006/relationships" xmlns:p="http://schemas.openxmlformats.org/presentationml/2006/main">
   <p:cSld>
@@ -4539,7 +6353,7 @@
             <a:pPr algn="l"/>
             <a:r>
               <a:rPr lang="hr-HR" dirty="0" smtClean="0"/>
-              <a:t>Podjela</a:t>
+              <a:t>Alternativni ulazi</a:t>
             </a:r>
             <a:endParaRPr lang="hr-HR" dirty="0"/>
           </a:p>
@@ -4557,8 +6371,203 @@
         </p:nvSpPr>
         <p:spPr>
           <a:xfrm>
-            <a:off x="457200" y="1828800"/>
-            <a:ext cx="8229600" cy="4495800"/>
+            <a:off x="533400" y="1676400"/>
+            <a:ext cx="4724400" cy="4724400"/>
+          </a:xfrm>
+        </p:spPr>
+        <p:txBody>
+          <a:bodyPr>
+            <a:noAutofit/>
+          </a:bodyPr>
+          <a:lstStyle/>
+          <a:p>
+            <a:r>
+              <a:rPr lang="hr-HR" sz="2800" dirty="0" smtClean="0"/>
+              <a:t>Miš i tipkovnica se pokušavaju zamijeniti</a:t>
+            </a:r>
+          </a:p>
+          <a:p>
+            <a:endParaRPr lang="hr-HR" sz="2800" dirty="0"/>
+          </a:p>
+          <a:p>
+            <a:r>
+              <a:rPr lang="hr-HR" sz="2800" dirty="0" smtClean="0"/>
+              <a:t>Puno prostora za inovacije</a:t>
+            </a:r>
+          </a:p>
+          <a:p>
+            <a:endParaRPr lang="hr-HR" sz="2800" dirty="0"/>
+          </a:p>
+          <a:p>
+            <a:r>
+              <a:rPr lang="hr-HR" sz="2800" dirty="0" smtClean="0"/>
+              <a:t>Gruba podjela:</a:t>
+            </a:r>
+          </a:p>
+          <a:p>
+            <a:pPr lvl="1"/>
+            <a:r>
+              <a:rPr lang="hr-HR" sz="2000" dirty="0" smtClean="0"/>
+              <a:t>Detekcija pokreta</a:t>
+            </a:r>
+          </a:p>
+          <a:p>
+            <a:pPr lvl="1"/>
+            <a:r>
+              <a:rPr lang="hr-HR" sz="2000" dirty="0" smtClean="0"/>
+              <a:t>Uređaji bazirani na EEG</a:t>
+            </a:r>
+            <a:endParaRPr lang="hr-HR" sz="2000" dirty="0"/>
+          </a:p>
+          <a:p>
+            <a:endParaRPr lang="hr-HR" sz="2800" dirty="0" smtClean="0"/>
+          </a:p>
+          <a:p>
+            <a:pPr lvl="1"/>
+            <a:endParaRPr lang="hr-HR" sz="2800" dirty="0"/>
+          </a:p>
+          <a:p>
+            <a:pPr marL="457200" lvl="1" indent="0">
+              <a:buNone/>
+            </a:pPr>
+            <a:endParaRPr lang="hr-HR" sz="2800" dirty="0"/>
+          </a:p>
+        </p:txBody>
+      </p:sp>
+      <p:pic>
+        <p:nvPicPr>
+          <p:cNvPr id="3" name="Picture 2"/>
+          <p:cNvPicPr>
+            <a:picLocks noChangeAspect="1"/>
+          </p:cNvPicPr>
+          <p:nvPr/>
+        </p:nvPicPr>
+        <p:blipFill>
+          <a:blip r:embed="rId2">
+            <a:extLst>
+              <a:ext uri="{28A0092B-C50C-407E-A947-70E740481C1C}">
+                <a14:useLocalDpi xmlns:a14="http://schemas.microsoft.com/office/drawing/2010/main" val="0"/>
+              </a:ext>
+            </a:extLst>
+          </a:blip>
+          <a:stretch>
+            <a:fillRect/>
+          </a:stretch>
+        </p:blipFill>
+        <p:spPr>
+          <a:xfrm>
+            <a:off x="4495800" y="3865966"/>
+            <a:ext cx="4496937" cy="2740282"/>
+          </a:xfrm>
+          <a:prstGeom prst="rect">
+            <a:avLst/>
+          </a:prstGeom>
+        </p:spPr>
+      </p:pic>
+      <p:pic>
+        <p:nvPicPr>
+          <p:cNvPr id="6" name="Picture 5"/>
+          <p:cNvPicPr>
+            <a:picLocks noChangeAspect="1"/>
+          </p:cNvPicPr>
+          <p:nvPr/>
+        </p:nvPicPr>
+        <p:blipFill rotWithShape="1">
+          <a:blip r:embed="rId3" cstate="print">
+            <a:extLst>
+              <a:ext uri="{28A0092B-C50C-407E-A947-70E740481C1C}">
+                <a14:useLocalDpi xmlns:a14="http://schemas.microsoft.com/office/drawing/2010/main" val="0"/>
+              </a:ext>
+            </a:extLst>
+          </a:blip>
+          <a:srcRect/>
+          <a:stretch/>
+        </p:blipFill>
+        <p:spPr>
+          <a:xfrm>
+            <a:off x="6807511" y="1371600"/>
+            <a:ext cx="2185226" cy="2410205"/>
+          </a:xfrm>
+          <a:prstGeom prst="rect">
+            <a:avLst/>
+          </a:prstGeom>
+        </p:spPr>
+      </p:pic>
+    </p:spTree>
+    <p:extLst>
+      <p:ext uri="{BB962C8B-B14F-4D97-AF65-F5344CB8AC3E}">
+        <p14:creationId xmlns:p14="http://schemas.microsoft.com/office/powerpoint/2010/main" val="1375698429"/>
+      </p:ext>
+    </p:extLst>
+  </p:cSld>
+  <p:clrMapOvr>
+    <a:masterClrMapping/>
+  </p:clrMapOvr>
+  <p:timing>
+    <p:tnLst>
+      <p:par>
+        <p:cTn id="1" dur="indefinite" restart="never" nodeType="tmRoot"/>
+      </p:par>
+    </p:tnLst>
+  </p:timing>
+</p:sld>
+</file>
+
+<file path=ppt/slides/slide30.xml><?xml version="1.0" encoding="utf-8"?>
+<p:sld xmlns:a="http://schemas.openxmlformats.org/drawingml/2006/main" xmlns:r="http://schemas.openxmlformats.org/officeDocument/2006/relationships" xmlns:p="http://schemas.openxmlformats.org/presentationml/2006/main">
+  <p:cSld>
+    <p:spTree>
+      <p:nvGrpSpPr>
+        <p:cNvPr id="1" name=""/>
+        <p:cNvGrpSpPr/>
+        <p:nvPr/>
+      </p:nvGrpSpPr>
+      <p:grpSpPr>
+        <a:xfrm>
+          <a:off x="0" y="0"/>
+          <a:ext cx="0" cy="0"/>
+          <a:chOff x="0" y="0"/>
+          <a:chExt cx="0" cy="0"/>
+        </a:xfrm>
+      </p:grpSpPr>
+      <p:sp>
+        <p:nvSpPr>
+          <p:cNvPr id="4" name="Title 3"/>
+          <p:cNvSpPr>
+            <a:spLocks noGrp="1"/>
+          </p:cNvSpPr>
+          <p:nvPr>
+            <p:ph type="title"/>
+          </p:nvPr>
+        </p:nvSpPr>
+        <p:spPr/>
+        <p:txBody>
+          <a:bodyPr/>
+          <a:lstStyle/>
+          <a:p>
+            <a:pPr algn="l"/>
+            <a:r>
+              <a:rPr lang="hr-HR" dirty="0" smtClean="0"/>
+              <a:t>Hvala na pažnji</a:t>
+            </a:r>
+            <a:endParaRPr lang="hr-HR" dirty="0"/>
+          </a:p>
+        </p:txBody>
+      </p:sp>
+      <p:sp>
+        <p:nvSpPr>
+          <p:cNvPr id="5" name="Content Placeholder 4"/>
+          <p:cNvSpPr>
+            <a:spLocks noGrp="1"/>
+          </p:cNvSpPr>
+          <p:nvPr>
+            <p:ph idx="1"/>
+          </p:nvPr>
+        </p:nvSpPr>
+        <p:spPr>
+          <a:xfrm>
+            <a:off x="457200" y="2057400"/>
+            <a:ext cx="8229600" cy="4068763"/>
           </a:xfrm>
         </p:spPr>
         <p:txBody>
@@ -4568,77 +6577,204 @@
           <a:lstStyle/>
           <a:p>
             <a:r>
-              <a:rPr lang="hr-HR" sz="2800" dirty="0" smtClean="0"/>
-              <a:t>Šasija</a:t>
+              <a:rPr lang="hr-HR" b="1" dirty="0"/>
+              <a:t>Nastavnik</a:t>
+            </a:r>
+            <a:r>
+              <a:rPr lang="hr-HR" b="1" dirty="0" smtClean="0"/>
+              <a:t>:</a:t>
             </a:r>
           </a:p>
           <a:p>
             <a:pPr lvl="1"/>
             <a:r>
-              <a:rPr lang="hr-HR" sz="2000" dirty="0" smtClean="0"/>
-              <a:t>fiksirana na podlogu</a:t>
-            </a:r>
+              <a:rPr lang="hr-HR" sz="2400" b="1" dirty="0" smtClean="0"/>
+              <a:t> </a:t>
+            </a:r>
+            <a:r>
+              <a:rPr lang="hr-HR" sz="2400" dirty="0"/>
+              <a:t>Prof. dr. sc. Željka Mihajlović</a:t>
+            </a:r>
+            <a:endParaRPr lang="hr-HR" sz="2400" b="1" dirty="0"/>
+          </a:p>
+          <a:p>
+            <a:endParaRPr lang="hr-HR" dirty="0" smtClean="0"/>
+          </a:p>
+          <a:p>
+            <a:r>
+              <a:rPr lang="hr-HR" b="1" dirty="0" smtClean="0"/>
+              <a:t>Tim</a:t>
+            </a:r>
+            <a:r>
+              <a:rPr lang="hr-HR" b="1" dirty="0"/>
+              <a:t>:	</a:t>
+            </a:r>
+            <a:endParaRPr lang="hr-HR" b="1" dirty="0" smtClean="0"/>
           </a:p>
           <a:p>
             <a:pPr lvl="1"/>
             <a:r>
-              <a:rPr lang="hr-HR" sz="2000" dirty="0" smtClean="0"/>
-              <a:t>direktno povezana sa korisničkim inputom</a:t>
-            </a:r>
+              <a:rPr lang="hr-HR" sz="2400" dirty="0" smtClean="0"/>
+              <a:t>Bojan Lovrović </a:t>
+            </a:r>
+            <a:r>
+              <a:rPr lang="hr-HR" sz="1800" i="1" dirty="0" smtClean="0"/>
+              <a:t>(</a:t>
+            </a:r>
+            <a:r>
+              <a:rPr lang="hr-HR" sz="1800" i="1" dirty="0"/>
+              <a:t>bojan.lovrovic@fer.hr</a:t>
+            </a:r>
+            <a:r>
+              <a:rPr lang="hr-HR" sz="1800" i="1" dirty="0" smtClean="0"/>
+              <a:t>)</a:t>
+            </a:r>
+            <a:r>
+              <a:rPr lang="hr-HR" sz="2400" dirty="0"/>
+              <a:t>		</a:t>
+            </a:r>
+            <a:endParaRPr lang="hr-HR" sz="2400" b="1" dirty="0"/>
           </a:p>
           <a:p>
             <a:pPr lvl="1"/>
             <a:r>
-              <a:rPr lang="hr-HR" sz="2000" dirty="0" smtClean="0"/>
-              <a:t>nije pod utjecajem fizikalne simulacije</a:t>
+              <a:rPr lang="hr-HR" sz="2400" dirty="0"/>
+              <a:t>Branimir </a:t>
+            </a:r>
+            <a:r>
+              <a:rPr lang="hr-HR" sz="2400" dirty="0" smtClean="0"/>
+              <a:t>Klarić </a:t>
+            </a:r>
+            <a:r>
+              <a:rPr lang="hr-HR" sz="1800" i="1" dirty="0" smtClean="0"/>
+              <a:t>(</a:t>
+            </a:r>
+            <a:r>
+              <a:rPr lang="hr-HR" sz="1800" i="1" dirty="0"/>
+              <a:t>branimir.klaric@fer.hr</a:t>
+            </a:r>
+            <a:r>
+              <a:rPr lang="hr-HR" sz="1800" i="1" dirty="0" smtClean="0"/>
+              <a:t>)</a:t>
+            </a:r>
+            <a:r>
+              <a:rPr lang="hr-HR" sz="2400" dirty="0"/>
+              <a:t>		</a:t>
             </a:r>
           </a:p>
           <a:p>
             <a:pPr lvl="1"/>
-            <a:endParaRPr lang="hr-HR" sz="2800" dirty="0" smtClean="0"/>
-          </a:p>
-          <a:p>
-            <a:r>
-              <a:rPr lang="hr-HR" sz="2800" dirty="0" smtClean="0"/>
-              <a:t>Karoserija</a:t>
+            <a:r>
+              <a:rPr lang="hr-HR" sz="2400" dirty="0"/>
+              <a:t>Igor Kramarić	</a:t>
+            </a:r>
+            <a:r>
+              <a:rPr lang="hr-HR" sz="1800" i="1" dirty="0" smtClean="0"/>
+              <a:t> (</a:t>
+            </a:r>
+            <a:r>
+              <a:rPr lang="hr-HR" sz="1800" i="1" dirty="0"/>
+              <a:t>igor.kramaric@fer.hr</a:t>
+            </a:r>
+            <a:r>
+              <a:rPr lang="hr-HR" sz="1800" i="1" dirty="0" smtClean="0"/>
+              <a:t>)</a:t>
+            </a:r>
+            <a:r>
+              <a:rPr lang="hr-HR" sz="2400" dirty="0"/>
+              <a:t>	</a:t>
             </a:r>
           </a:p>
           <a:p>
             <a:pPr lvl="1"/>
             <a:r>
-              <a:rPr lang="hr-HR" sz="2000" dirty="0" smtClean="0"/>
-              <a:t>kruto tijelo povezano sa šasijom putem opruga</a:t>
-            </a:r>
-          </a:p>
-          <a:p>
-            <a:endParaRPr lang="hr-HR" sz="2800" dirty="0" smtClean="0"/>
-          </a:p>
-          <a:p>
-            <a:r>
-              <a:rPr lang="hr-HR" sz="2800" dirty="0" smtClean="0"/>
-              <a:t>Opruge</a:t>
+              <a:rPr lang="hr-HR" sz="2400" dirty="0"/>
+              <a:t>Bruno Pregun	</a:t>
+            </a:r>
+            <a:r>
+              <a:rPr lang="hr-HR" sz="2400" dirty="0" smtClean="0"/>
+              <a:t> </a:t>
+            </a:r>
+            <a:r>
+              <a:rPr lang="hr-HR" sz="1800" i="1" dirty="0" smtClean="0"/>
+              <a:t>(</a:t>
+            </a:r>
+            <a:r>
+              <a:rPr lang="hr-HR" sz="1800" i="1" dirty="0"/>
+              <a:t>bruno.pregun@fer.hr</a:t>
+            </a:r>
+            <a:r>
+              <a:rPr lang="hr-HR" sz="1800" i="1" dirty="0" smtClean="0"/>
+              <a:t>)</a:t>
+            </a:r>
+            <a:r>
+              <a:rPr lang="hr-HR" sz="2400" dirty="0"/>
+              <a:t>	</a:t>
             </a:r>
           </a:p>
           <a:p>
             <a:pPr lvl="1"/>
             <a:r>
-              <a:rPr lang="hr-HR" sz="2000" dirty="0" smtClean="0"/>
-              <a:t>Hookeov zakon</a:t>
+              <a:rPr lang="hr-HR" sz="2400" dirty="0"/>
+              <a:t>Jure Ratković	</a:t>
+            </a:r>
+            <a:r>
+              <a:rPr lang="hr-HR" sz="2400" dirty="0" smtClean="0"/>
+              <a:t> </a:t>
+            </a:r>
+            <a:r>
+              <a:rPr lang="hr-HR" sz="1800" i="1" dirty="0" smtClean="0"/>
+              <a:t>(</a:t>
+            </a:r>
+            <a:r>
+              <a:rPr lang="hr-HR" sz="1800" i="1" dirty="0"/>
+              <a:t>jure.ratkovic@fer.hr</a:t>
+            </a:r>
+            <a:r>
+              <a:rPr lang="hr-HR" sz="1800" i="1" dirty="0" smtClean="0"/>
+              <a:t>)</a:t>
+            </a:r>
+            <a:r>
+              <a:rPr lang="hr-HR" sz="2400" dirty="0"/>
+              <a:t>	</a:t>
             </a:r>
           </a:p>
           <a:p>
             <a:pPr lvl="1"/>
             <a:r>
-              <a:rPr lang="hr-HR" sz="2000" dirty="0" smtClean="0"/>
-              <a:t>prigušenje</a:t>
-            </a:r>
+              <a:rPr lang="hr-HR" sz="2400" dirty="0"/>
+              <a:t>Tomislav </a:t>
+            </a:r>
+            <a:r>
+              <a:rPr lang="hr-HR" sz="2400" dirty="0" smtClean="0"/>
+              <a:t>Tunković</a:t>
+            </a:r>
+            <a:r>
+              <a:rPr lang="hr-HR" sz="1800" i="1" dirty="0" smtClean="0"/>
+              <a:t> (</a:t>
+            </a:r>
+            <a:r>
+              <a:rPr lang="hr-HR" sz="1800" i="1" dirty="0">
+                <a:solidFill>
+                  <a:schemeClr val="bg1">
+                    <a:lumMod val="50000"/>
+                  </a:schemeClr>
+                </a:solidFill>
+              </a:rPr>
+              <a:t>tomislav.tunkovic@fer.hr</a:t>
+            </a:r>
+            <a:r>
+              <a:rPr lang="hr-HR" sz="1800" i="1" dirty="0" smtClean="0"/>
+              <a:t>)</a:t>
+            </a:r>
+            <a:endParaRPr lang="hr-HR" sz="1800" i="1" dirty="0"/>
           </a:p>
         </p:txBody>
       </p:sp>
     </p:spTree>
     <p:extLst>
       <p:ext uri="{BB962C8B-B14F-4D97-AF65-F5344CB8AC3E}">
-        <p14:creationId xmlns:p14="http://schemas.microsoft.com/office/powerpoint/2010/main" val="2457179227"/>
+        <p14:creationId xmlns:p14="http://schemas.microsoft.com/office/powerpoint/2010/main" val="526845257"/>
       </p:ext>
     </p:extLst>
   </p:cSld>
@@ -4690,7 +6826,7 @@
             <a:pPr algn="l"/>
             <a:r>
               <a:rPr lang="hr-HR" dirty="0" smtClean="0"/>
-              <a:t>Model simulacije</a:t>
+              <a:t>Cilj</a:t>
             </a:r>
             <a:endParaRPr lang="hr-HR" dirty="0"/>
           </a:p>
@@ -4708,8 +6844,8 @@
         </p:nvSpPr>
         <p:spPr>
           <a:xfrm>
-            <a:off x="457200" y="1828800"/>
-            <a:ext cx="8229600" cy="4495800"/>
+            <a:off x="533400" y="1676401"/>
+            <a:ext cx="8077200" cy="3581399"/>
           </a:xfrm>
         </p:spPr>
         <p:txBody>
@@ -4720,7 +6856,7 @@
           <a:p>
             <a:r>
               <a:rPr lang="hr-HR" sz="2800" dirty="0" smtClean="0"/>
-              <a:t>Korištena je Eulerova metoda za numeričku integraciju.</a:t>
+              <a:t>Implementirati vlastiti mehanizam pokretanja igre (game engine)</a:t>
             </a:r>
           </a:p>
           <a:p>
@@ -4729,34 +6865,8 @@
           <a:p>
             <a:r>
               <a:rPr lang="hr-HR" sz="2800" dirty="0" smtClean="0"/>
-              <a:t>Kruta tijela imaju:</a:t>
-            </a:r>
-          </a:p>
-          <a:p>
-            <a:pPr lvl="1"/>
-            <a:r>
-              <a:rPr lang="hr-HR" sz="2000" dirty="0"/>
-              <a:t>Masu</a:t>
-            </a:r>
-          </a:p>
-          <a:p>
-            <a:pPr lvl="1"/>
-            <a:r>
-              <a:rPr lang="hr-HR" sz="2000" dirty="0"/>
-              <a:t>Centar mase</a:t>
-            </a:r>
-          </a:p>
-          <a:p>
-            <a:pPr lvl="1"/>
-            <a:r>
-              <a:rPr lang="hr-HR" sz="2000" dirty="0"/>
-              <a:t>Tenzor inercije</a:t>
-            </a:r>
-          </a:p>
-          <a:p>
-            <a:endParaRPr lang="hr-HR" sz="2800" dirty="0" smtClean="0"/>
-          </a:p>
-          <a:p>
+              <a:t>Iskoristiti ga, u paru sa Leap Motion uređajem, za realizaciju igre</a:t>
+            </a:r>
             <a:endParaRPr lang="hr-HR" sz="2800" dirty="0"/>
           </a:p>
           <a:p>
@@ -4777,7 +6887,7 @@
     </p:spTree>
     <p:extLst>
       <p:ext uri="{BB962C8B-B14F-4D97-AF65-F5344CB8AC3E}">
-        <p14:creationId xmlns:p14="http://schemas.microsoft.com/office/powerpoint/2010/main" val="676707242"/>
+        <p14:creationId xmlns:p14="http://schemas.microsoft.com/office/powerpoint/2010/main" val="105316825"/>
       </p:ext>
     </p:extLst>
   </p:cSld>
@@ -4826,77 +6936,29 @@
           <a:bodyPr/>
           <a:lstStyle/>
           <a:p>
-            <a:pPr algn="l"/>
             <a:r>
               <a:rPr lang="hr-HR" dirty="0" smtClean="0"/>
-              <a:t>Utjecaj ceste</a:t>
+              <a:t>Iscrtavanje 2D elemenata</a:t>
             </a:r>
             <a:endParaRPr lang="hr-HR" dirty="0"/>
           </a:p>
         </p:txBody>
       </p:sp>
-      <p:pic>
-        <p:nvPicPr>
-          <p:cNvPr id="6" name="Content Placeholder 5"/>
-          <p:cNvPicPr>
-            <a:picLocks noGrp="1" noChangeAspect="1"/>
-          </p:cNvPicPr>
-          <p:nvPr>
-            <p:ph sz="half" idx="2"/>
-          </p:nvPr>
-        </p:nvPicPr>
-        <p:blipFill>
-          <a:blip r:embed="rId2">
-            <a:extLst>
-              <a:ext uri="{28A0092B-C50C-407E-A947-70E740481C1C}">
-                <a14:useLocalDpi xmlns:a14="http://schemas.microsoft.com/office/drawing/2010/main" val="0"/>
-              </a:ext>
-            </a:extLst>
-          </a:blip>
-          <a:stretch>
-            <a:fillRect/>
-          </a:stretch>
-        </p:blipFill>
-        <p:spPr>
-          <a:xfrm>
-            <a:off x="3276600" y="1905000"/>
-            <a:ext cx="5629490" cy="3398838"/>
-          </a:xfrm>
-        </p:spPr>
-      </p:pic>
-      <p:sp>
-        <p:nvSpPr>
-          <p:cNvPr id="3" name="Content Placeholder 2"/>
-          <p:cNvSpPr>
-            <a:spLocks noGrp="1"/>
-          </p:cNvSpPr>
-          <p:nvPr>
-            <p:ph sz="quarter" idx="13"/>
-          </p:nvPr>
-        </p:nvSpPr>
-        <p:spPr>
-          <a:xfrm>
-            <a:off x="152400" y="1752600"/>
-            <a:ext cx="3139440" cy="4373880"/>
-          </a:xfrm>
-        </p:spPr>
-        <p:txBody>
-          <a:bodyPr/>
-          <a:lstStyle/>
-          <a:p>
-            <a:r>
-              <a:rPr lang="hr-HR" dirty="0" smtClean="0"/>
-              <a:t>Na visinu kotača utiječe jedino cesta.</a:t>
-            </a:r>
-          </a:p>
-          <a:p>
-            <a:endParaRPr lang="hr-HR" dirty="0"/>
-          </a:p>
-          <a:p>
-            <a:r>
-              <a:rPr lang="hr-HR" dirty="0" smtClean="0"/>
-              <a:t>Učinak je da se auto realistično njiše.</a:t>
-            </a:r>
+      <p:sp>
+        <p:nvSpPr>
+          <p:cNvPr id="5" name="Text Placeholder 4"/>
+          <p:cNvSpPr>
+            <a:spLocks noGrp="1"/>
+          </p:cNvSpPr>
+          <p:nvPr>
+            <p:ph type="body" idx="1"/>
+          </p:nvPr>
+        </p:nvSpPr>
+        <p:spPr/>
+        <p:txBody>
+          <a:bodyPr/>
+          <a:lstStyle/>
+          <a:p>
             <a:endParaRPr lang="hr-HR" dirty="0"/>
           </a:p>
         </p:txBody>
@@ -4904,7 +6966,7 @@
     </p:spTree>
     <p:extLst>
       <p:ext uri="{BB962C8B-B14F-4D97-AF65-F5344CB8AC3E}">
-        <p14:creationId xmlns:p14="http://schemas.microsoft.com/office/powerpoint/2010/main" val="2502208508"/>
+        <p14:creationId xmlns:p14="http://schemas.microsoft.com/office/powerpoint/2010/main" val="2596576789"/>
       </p:ext>
     </p:extLst>
   </p:cSld>
@@ -4953,13 +7015,10 @@
           <a:bodyPr/>
           <a:lstStyle/>
           <a:p>
-            <a:r>
-              <a:rPr lang="en-US" dirty="0" smtClean="0"/>
-              <a:t>3D </a:t>
-            </a:r>
-            <a:r>
-              <a:rPr lang="en-US" dirty="0" err="1" smtClean="0"/>
-              <a:t>Grafika</a:t>
+            <a:pPr algn="l"/>
+            <a:r>
+              <a:rPr lang="hr-HR" dirty="0" smtClean="0"/>
+              <a:t>Iscrtavanje</a:t>
             </a:r>
             <a:endParaRPr lang="hr-HR" dirty="0"/>
           </a:p>
@@ -4967,27 +7026,115 @@
       </p:sp>
       <p:sp>
         <p:nvSpPr>
-          <p:cNvPr id="5" name="Text Placeholder 4"/>
-          <p:cNvSpPr>
-            <a:spLocks noGrp="1"/>
-          </p:cNvSpPr>
-          <p:nvPr>
-            <p:ph type="body" idx="1"/>
-          </p:nvPr>
-        </p:nvSpPr>
-        <p:spPr/>
-        <p:txBody>
-          <a:bodyPr/>
-          <a:lstStyle/>
+          <p:cNvPr id="5" name="Content Placeholder 4"/>
+          <p:cNvSpPr>
+            <a:spLocks noGrp="1"/>
+          </p:cNvSpPr>
+          <p:nvPr>
+            <p:ph idx="1"/>
+          </p:nvPr>
+        </p:nvSpPr>
+        <p:spPr>
+          <a:xfrm>
+            <a:off x="533400" y="1676400"/>
+            <a:ext cx="8153400" cy="2438399"/>
+          </a:xfrm>
+        </p:spPr>
+        <p:txBody>
+          <a:bodyPr>
+            <a:normAutofit fontScale="92500" lnSpcReduction="20000"/>
+          </a:bodyPr>
+          <a:lstStyle/>
+          <a:p>
+            <a:r>
+              <a:rPr lang="fi-FI" dirty="0"/>
+              <a:t>Za iscrtavanje se koristi </a:t>
+            </a:r>
+            <a:r>
+              <a:rPr lang="fi-FI" dirty="0" smtClean="0"/>
+              <a:t>OpenGL</a:t>
+            </a:r>
+            <a:endParaRPr lang="hr-HR" dirty="0" smtClean="0"/>
+          </a:p>
           <a:p>
             <a:endParaRPr lang="hr-HR" dirty="0"/>
           </a:p>
-        </p:txBody>
-      </p:sp>
+          <a:p>
+            <a:r>
+              <a:rPr lang="hr-HR" dirty="0" smtClean="0"/>
+              <a:t>Svaki </a:t>
+            </a:r>
+            <a:r>
+              <a:rPr lang="hr-HR" dirty="0"/>
+              <a:t>2D element (sprite) sastoji se od 2 trokuta koji </a:t>
+            </a:r>
+            <a:r>
+              <a:rPr lang="hr-HR" dirty="0" smtClean="0"/>
+              <a:t>čine pravokutnik</a:t>
+            </a:r>
+          </a:p>
+          <a:p>
+            <a:endParaRPr lang="hr-HR" dirty="0"/>
+          </a:p>
+          <a:p>
+            <a:r>
+              <a:rPr lang="hr-HR" dirty="0"/>
+              <a:t>Na vrhove tih trokuta je moguce izvršiti transformacije za pomicanje, skaliranje i rotiranje elementa</a:t>
+            </a:r>
+            <a:endParaRPr lang="hr-HR" dirty="0" smtClean="0"/>
+          </a:p>
+          <a:p>
+            <a:endParaRPr lang="hr-HR" sz="2800" dirty="0"/>
+          </a:p>
+          <a:p>
+            <a:endParaRPr lang="hr-HR" sz="2800" dirty="0" smtClean="0"/>
+          </a:p>
+          <a:p>
+            <a:pPr lvl="1"/>
+            <a:endParaRPr lang="hr-HR" sz="2000" dirty="0"/>
+          </a:p>
+          <a:p>
+            <a:pPr marL="457200" lvl="1" indent="0">
+              <a:buNone/>
+            </a:pPr>
+            <a:endParaRPr lang="hr-HR" sz="2000" dirty="0"/>
+          </a:p>
+        </p:txBody>
+      </p:sp>
+      <p:pic>
+        <p:nvPicPr>
+          <p:cNvPr id="2" name="Picture 1"/>
+          <p:cNvPicPr>
+            <a:picLocks noChangeAspect="1"/>
+          </p:cNvPicPr>
+          <p:nvPr/>
+        </p:nvPicPr>
+        <p:blipFill>
+          <a:blip r:embed="rId2">
+            <a:extLst>
+              <a:ext uri="{28A0092B-C50C-407E-A947-70E740481C1C}">
+                <a14:useLocalDpi xmlns:a14="http://schemas.microsoft.com/office/drawing/2010/main" val="0"/>
+              </a:ext>
+            </a:extLst>
+          </a:blip>
+          <a:stretch>
+            <a:fillRect/>
+          </a:stretch>
+        </p:blipFill>
+        <p:spPr>
+          <a:xfrm>
+            <a:off x="1752600" y="3906983"/>
+            <a:ext cx="5510644" cy="2755322"/>
+          </a:xfrm>
+          <a:prstGeom prst="rect">
+            <a:avLst/>
+          </a:prstGeom>
+        </p:spPr>
+      </p:pic>
     </p:spTree>
     <p:extLst>
       <p:ext uri="{BB962C8B-B14F-4D97-AF65-F5344CB8AC3E}">
-        <p14:creationId xmlns:p14="http://schemas.microsoft.com/office/powerpoint/2010/main" val="446549202"/>
+        <p14:creationId xmlns:p14="http://schemas.microsoft.com/office/powerpoint/2010/main" val="2535286345"/>
       </p:ext>
     </p:extLst>
   </p:cSld>
@@ -5023,7 +7170,7 @@
       </p:grpSpPr>
       <p:sp>
         <p:nvSpPr>
-          <p:cNvPr id="2" name="Title 1"/>
+          <p:cNvPr id="4" name="Title 3"/>
           <p:cNvSpPr>
             <a:spLocks noGrp="1"/>
           </p:cNvSpPr>
@@ -5038,144 +7185,104 @@
           <a:p>
             <a:pPr algn="l"/>
             <a:r>
-              <a:rPr lang="en-US" dirty="0" err="1" smtClean="0"/>
-              <a:t>Iscratavanje</a:t>
-            </a:r>
-            <a:r>
-              <a:rPr lang="en-US" dirty="0" smtClean="0"/>
-              <a:t> </a:t>
-            </a:r>
-            <a:r>
-              <a:rPr lang="en-US" dirty="0" err="1" smtClean="0"/>
-              <a:t>modela</a:t>
+              <a:rPr lang="hr-HR" dirty="0"/>
+              <a:t>Definiranje </a:t>
+            </a:r>
+            <a:r>
+              <a:rPr lang="hr-HR" dirty="0" smtClean="0"/>
+              <a:t>sprite-ova</a:t>
             </a:r>
             <a:endParaRPr lang="hr-HR" dirty="0"/>
           </a:p>
         </p:txBody>
       </p:sp>
-      <p:pic>
-        <p:nvPicPr>
+      <p:sp>
+        <p:nvSpPr>
           <p:cNvPr id="5" name="Content Placeholder 4"/>
-          <p:cNvPicPr>
-            <a:picLocks noGrp="1" noChangeAspect="1"/>
-          </p:cNvPicPr>
-          <p:nvPr>
-            <p:ph sz="half" idx="2"/>
-          </p:nvPr>
-        </p:nvPicPr>
-        <p:blipFill>
-          <a:blip r:embed="rId2">
-            <a:extLst>
-              <a:ext uri="{28A0092B-C50C-407E-A947-70E740481C1C}">
-                <a14:useLocalDpi xmlns:a14="http://schemas.microsoft.com/office/drawing/2010/main" val="0"/>
-              </a:ext>
-            </a:extLst>
-          </a:blip>
-          <a:stretch>
-            <a:fillRect/>
-          </a:stretch>
-        </p:blipFill>
+          <p:cNvSpPr>
+            <a:spLocks noGrp="1"/>
+          </p:cNvSpPr>
+          <p:nvPr>
+            <p:ph idx="1"/>
+          </p:nvPr>
+        </p:nvSpPr>
         <p:spPr>
           <a:xfrm>
-            <a:off x="4786994" y="1600200"/>
-            <a:ext cx="3761011" cy="4525963"/>
+            <a:off x="533400" y="1676400"/>
+            <a:ext cx="7924800" cy="4343400"/>
           </a:xfrm>
         </p:spPr>
-      </p:pic>
-      <p:sp>
-        <p:nvSpPr>
-          <p:cNvPr id="4" name="Content Placeholder 3"/>
-          <p:cNvSpPr>
-            <a:spLocks noGrp="1"/>
-          </p:cNvSpPr>
-          <p:nvPr>
-            <p:ph sz="quarter" idx="13"/>
-          </p:nvPr>
-        </p:nvSpPr>
-        <p:spPr/>
-        <p:txBody>
-          <a:bodyPr/>
-          <a:lstStyle/>
-          <a:p>
-            <a:r>
-              <a:rPr lang="en-US" dirty="0" err="1" smtClean="0"/>
-              <a:t>Svi</a:t>
-            </a:r>
-            <a:r>
-              <a:rPr lang="en-US" dirty="0" smtClean="0"/>
-              <a:t> </a:t>
-            </a:r>
-            <a:r>
-              <a:rPr lang="en-US" dirty="0" err="1" smtClean="0"/>
-              <a:t>modeli</a:t>
-            </a:r>
-            <a:r>
-              <a:rPr lang="en-US" dirty="0" smtClean="0"/>
-              <a:t> </a:t>
-            </a:r>
-            <a:r>
-              <a:rPr lang="en-US" dirty="0" err="1" smtClean="0"/>
-              <a:t>indeksirani</a:t>
-            </a:r>
-            <a:endParaRPr lang="en-US" dirty="0" smtClean="0"/>
-          </a:p>
-          <a:p>
-            <a:r>
-              <a:rPr lang="en-US" dirty="0" err="1" smtClean="0"/>
-              <a:t>Ceste</a:t>
-            </a:r>
-            <a:r>
-              <a:rPr lang="en-US" dirty="0" smtClean="0"/>
-              <a:t> </a:t>
-            </a:r>
-            <a:r>
-              <a:rPr lang="en-US" dirty="0" err="1" smtClean="0"/>
-              <a:t>i</a:t>
-            </a:r>
-            <a:r>
-              <a:rPr lang="en-US" dirty="0" err="1" smtClean="0"/>
-              <a:t>nstancirane</a:t>
-            </a:r>
-            <a:endParaRPr lang="en-US" dirty="0" smtClean="0"/>
-          </a:p>
-          <a:p>
-            <a:r>
-              <a:rPr lang="en-US" dirty="0" err="1" smtClean="0"/>
-              <a:t>Teksturiranje</a:t>
-            </a:r>
-            <a:endParaRPr lang="en-US" dirty="0" smtClean="0"/>
-          </a:p>
+        <p:txBody>
+          <a:bodyPr>
+            <a:normAutofit/>
+          </a:bodyPr>
+          <a:lstStyle/>
           <a:p>
             <a:r>
               <a:rPr lang="hr-HR" dirty="0" smtClean="0"/>
-              <a:t>Phong</a:t>
-            </a:r>
-            <a:r>
-              <a:rPr lang="en-US" dirty="0" smtClean="0"/>
-              <a:t> </a:t>
-            </a:r>
-            <a:r>
-              <a:rPr lang="en-US" dirty="0" err="1" smtClean="0"/>
-              <a:t>sjen</a:t>
-            </a:r>
+              <a:t>N</a:t>
+            </a:r>
+            <a:r>
+              <a:rPr lang="fi-FI" dirty="0" smtClean="0"/>
+              <a:t>a </a:t>
+            </a:r>
+            <a:r>
+              <a:rPr lang="fi-FI" dirty="0"/>
+              <a:t>jednoj slikovnoj datoteci definirano je više </a:t>
+            </a:r>
+            <a:r>
+              <a:rPr lang="fi-FI" dirty="0" smtClean="0"/>
+              <a:t>elemenata</a:t>
+            </a:r>
+            <a:endParaRPr lang="hr-HR" dirty="0" smtClean="0"/>
+          </a:p>
+          <a:p>
+            <a:endParaRPr lang="hr-HR" dirty="0"/>
+          </a:p>
+          <a:p>
             <a:r>
               <a:rPr lang="hr-HR" dirty="0" smtClean="0"/>
-              <a:t>čanje</a:t>
-            </a:r>
-          </a:p>
-          <a:p>
+              <a:t>Prilikom </a:t>
+            </a:r>
+            <a:r>
+              <a:rPr lang="hr-HR" dirty="0"/>
+              <a:t>iscrtavanja potrebno je odrediti koji dio slikovne datoteke se </a:t>
+            </a:r>
             <a:r>
               <a:rPr lang="hr-HR" dirty="0" smtClean="0"/>
-              <a:t>Kutija neba</a:t>
-            </a:r>
+              <a:t>crta</a:t>
+            </a:r>
+          </a:p>
+          <a:p>
             <a:endParaRPr lang="hr-HR" dirty="0"/>
+          </a:p>
+          <a:p>
+            <a:r>
+              <a:rPr lang="hr-HR" dirty="0" smtClean="0"/>
+              <a:t>Također </a:t>
+            </a:r>
+            <a:r>
+              <a:rPr lang="hr-HR" dirty="0"/>
+              <a:t>se odabiru i parametri transformacija za svaki </a:t>
+            </a:r>
+            <a:r>
+              <a:rPr lang="hr-HR" dirty="0" smtClean="0"/>
+              <a:t>sprite</a:t>
+            </a:r>
+            <a:endParaRPr lang="hr-HR" sz="2000" dirty="0"/>
+          </a:p>
+          <a:p>
+            <a:pPr marL="457200" lvl="1" indent="0">
+              <a:buNone/>
+            </a:pPr>
+            <a:endParaRPr lang="hr-HR" sz="2000" dirty="0"/>
           </a:p>
         </p:txBody>
       </p:sp>
     </p:spTree>
     <p:extLst>
       <p:ext uri="{BB962C8B-B14F-4D97-AF65-F5344CB8AC3E}">
-        <p14:creationId xmlns:p14="http://schemas.microsoft.com/office/powerpoint/2010/main" val="302290994"/>
+        <p14:creationId xmlns:p14="http://schemas.microsoft.com/office/powerpoint/2010/main" val="1848190563"/>
       </p:ext>
     </p:extLst>
   </p:cSld>
@@ -5211,7 +7318,7 @@
       </p:grpSpPr>
       <p:sp>
         <p:nvSpPr>
-          <p:cNvPr id="2" name="Title 1"/>
+          <p:cNvPr id="4" name="Title 3"/>
           <p:cNvSpPr>
             <a:spLocks noGrp="1"/>
           </p:cNvSpPr>
@@ -5226,8 +7333,12 @@
           <a:p>
             <a:pPr algn="l"/>
             <a:r>
+              <a:rPr lang="hr-HR" dirty="0"/>
+              <a:t>Definiranje </a:t>
+            </a:r>
+            <a:r>
               <a:rPr lang="hr-HR" dirty="0" smtClean="0"/>
-              <a:t>Kamera i Antialiasing</a:t>
+              <a:t>sprite-ova</a:t>
             </a:r>
             <a:endParaRPr lang="hr-HR" dirty="0"/>
           </a:p>
@@ -5235,13 +7346,11 @@
       </p:sp>
       <p:pic>
         <p:nvPicPr>
-          <p:cNvPr id="5" name="Content Placeholder 4"/>
+          <p:cNvPr id="3" name="Picture 2"/>
           <p:cNvPicPr>
-            <a:picLocks noGrp="1" noChangeAspect="1"/>
+            <a:picLocks noChangeAspect="1"/>
           </p:cNvPicPr>
-          <p:nvPr>
-            <p:ph sz="half" idx="2"/>
-          </p:nvPr>
+          <p:nvPr/>
         </p:nvPicPr>
         <p:blipFill>
           <a:blip r:embed="rId2">
@@ -5257,50 +7366,48 @@
         </p:blipFill>
         <p:spPr>
           <a:xfrm>
-            <a:off x="4495800" y="1600200"/>
-            <a:ext cx="3961404" cy="5008976"/>
+            <a:off x="3657599" y="1717964"/>
+            <a:ext cx="5126183" cy="4637301"/>
           </a:xfrm>
+          <a:prstGeom prst="rect">
+            <a:avLst/>
+          </a:prstGeom>
         </p:spPr>
       </p:pic>
-      <p:sp>
-        <p:nvSpPr>
-          <p:cNvPr id="4" name="Content Placeholder 3"/>
-          <p:cNvSpPr>
-            <a:spLocks noGrp="1"/>
-          </p:cNvSpPr>
-          <p:nvPr>
-            <p:ph sz="quarter" idx="13"/>
-          </p:nvPr>
-        </p:nvSpPr>
-        <p:spPr/>
-        <p:txBody>
-          <a:bodyPr/>
-          <a:lstStyle/>
-          <a:p>
-            <a:r>
-              <a:rPr lang="hr-HR" dirty="0" smtClean="0"/>
-              <a:t>Kamera vezana za auto i slobodna kamera</a:t>
-            </a:r>
-          </a:p>
-          <a:p>
-            <a:r>
-              <a:rPr lang="hr-HR" dirty="0" smtClean="0"/>
-              <a:t>FXAA</a:t>
-            </a:r>
-          </a:p>
-          <a:p>
-            <a:r>
-              <a:rPr lang="hr-HR" dirty="0" smtClean="0"/>
-              <a:t>SSAA</a:t>
-            </a:r>
-            <a:endParaRPr lang="hr-HR" dirty="0"/>
-          </a:p>
-        </p:txBody>
-      </p:sp>
+      <p:pic>
+        <p:nvPicPr>
+          <p:cNvPr id="6" name="Picture 5"/>
+          <p:cNvPicPr>
+            <a:picLocks noChangeAspect="1"/>
+          </p:cNvPicPr>
+          <p:nvPr/>
+        </p:nvPicPr>
+        <p:blipFill>
+          <a:blip r:embed="rId3">
+            <a:extLst>
+              <a:ext uri="{28A0092B-C50C-407E-A947-70E740481C1C}">
+                <a14:useLocalDpi xmlns:a14="http://schemas.microsoft.com/office/drawing/2010/main" val="0"/>
+              </a:ext>
+            </a:extLst>
+          </a:blip>
+          <a:stretch>
+            <a:fillRect/>
+          </a:stretch>
+        </p:blipFill>
+        <p:spPr>
+          <a:xfrm>
+            <a:off x="457200" y="2624610"/>
+            <a:ext cx="2819400" cy="2819400"/>
+          </a:xfrm>
+          <a:prstGeom prst="rect">
+            <a:avLst/>
+          </a:prstGeom>
+        </p:spPr>
+      </p:pic>
     </p:spTree>
     <p:extLst>
       <p:ext uri="{BB962C8B-B14F-4D97-AF65-F5344CB8AC3E}">
-        <p14:creationId xmlns:p14="http://schemas.microsoft.com/office/powerpoint/2010/main" val="3789724126"/>
+        <p14:creationId xmlns:p14="http://schemas.microsoft.com/office/powerpoint/2010/main" val="4070031579"/>
       </p:ext>
     </p:extLst>
   </p:cSld>
@@ -5336,7 +7443,7 @@
       </p:grpSpPr>
       <p:sp>
         <p:nvSpPr>
-          <p:cNvPr id="2" name="Title 1"/>
+          <p:cNvPr id="4" name="Title 3"/>
           <p:cNvSpPr>
             <a:spLocks noGrp="1"/>
           </p:cNvSpPr>
@@ -5349,118 +7456,37 @@
           <a:bodyPr/>
           <a:lstStyle/>
           <a:p>
-            <a:pPr algn="l"/>
             <a:r>
               <a:rPr lang="hr-HR" dirty="0" smtClean="0"/>
-              <a:t>Učitavanje staze</a:t>
+              <a:t>Izrada 3D modela</a:t>
             </a:r>
             <a:endParaRPr lang="hr-HR" dirty="0"/>
           </a:p>
         </p:txBody>
       </p:sp>
-      <p:pic>
-        <p:nvPicPr>
-          <p:cNvPr id="6" name="Content Placeholder 5"/>
-          <p:cNvPicPr>
-            <a:picLocks noGrp="1" noChangeAspect="1"/>
-          </p:cNvPicPr>
-          <p:nvPr>
-            <p:ph sz="half" idx="2"/>
-          </p:nvPr>
-        </p:nvPicPr>
-        <p:blipFill>
-          <a:blip r:embed="rId2">
-            <a:extLst>
-              <a:ext uri="{28A0092B-C50C-407E-A947-70E740481C1C}">
-                <a14:useLocalDpi xmlns:a14="http://schemas.microsoft.com/office/drawing/2010/main" val="0"/>
-              </a:ext>
-            </a:extLst>
-          </a:blip>
-          <a:stretch>
-            <a:fillRect/>
-          </a:stretch>
-        </p:blipFill>
-        <p:spPr>
-          <a:xfrm>
-            <a:off x="4648200" y="1676400"/>
-            <a:ext cx="4038600" cy="2358479"/>
-          </a:xfrm>
-        </p:spPr>
-      </p:pic>
-      <p:sp>
-        <p:nvSpPr>
-          <p:cNvPr id="4" name="Content Placeholder 3"/>
-          <p:cNvSpPr>
-            <a:spLocks noGrp="1"/>
-          </p:cNvSpPr>
-          <p:nvPr>
-            <p:ph sz="quarter" idx="13"/>
-          </p:nvPr>
-        </p:nvSpPr>
-        <p:spPr/>
-        <p:txBody>
-          <a:bodyPr/>
-          <a:lstStyle/>
-          <a:p>
-            <a:r>
-              <a:rPr lang="hr-HR" dirty="0" smtClean="0"/>
-              <a:t>Ručno „crtanje” staze u tekstualnom formatu</a:t>
-            </a:r>
-          </a:p>
-          <a:p>
-            <a:r>
-              <a:rPr lang="hr-HR" dirty="0" smtClean="0"/>
-              <a:t>Pokretač iz tekstualne datoteke konstruira odgovarajuću stazu</a:t>
-            </a:r>
+      <p:sp>
+        <p:nvSpPr>
+          <p:cNvPr id="5" name="Text Placeholder 4"/>
+          <p:cNvSpPr>
+            <a:spLocks noGrp="1"/>
+          </p:cNvSpPr>
+          <p:nvPr>
+            <p:ph type="body" idx="1"/>
+          </p:nvPr>
+        </p:nvSpPr>
+        <p:spPr/>
+        <p:txBody>
+          <a:bodyPr/>
+          <a:lstStyle/>
+          <a:p>
             <a:endParaRPr lang="hr-HR" dirty="0"/>
           </a:p>
         </p:txBody>
       </p:sp>
-      <p:pic>
-        <p:nvPicPr>
-          <p:cNvPr id="1027" name="Picture 3" descr="C:\Users\Jure\Desktop\Projekt\Dokumentacija\rtdesc.png"/>
-          <p:cNvPicPr>
-            <a:picLocks noChangeAspect="1" noChangeArrowheads="1"/>
-          </p:cNvPicPr>
-          <p:nvPr/>
-        </p:nvPicPr>
-        <p:blipFill>
-          <a:blip r:embed="rId3">
-            <a:extLst>
-              <a:ext uri="{28A0092B-C50C-407E-A947-70E740481C1C}">
-                <a14:useLocalDpi xmlns:a14="http://schemas.microsoft.com/office/drawing/2010/main" val="0"/>
-              </a:ext>
-            </a:extLst>
-          </a:blip>
-          <a:srcRect/>
-          <a:stretch>
-            <a:fillRect/>
-          </a:stretch>
-        </p:blipFill>
-        <p:spPr bwMode="auto">
-          <a:xfrm>
-            <a:off x="5823959" y="4267200"/>
-            <a:ext cx="1706562" cy="1833496"/>
-          </a:xfrm>
-          <a:prstGeom prst="rect">
-            <a:avLst/>
-          </a:prstGeom>
-          <a:noFill/>
-          <a:extLst>
-            <a:ext uri="{909E8E84-426E-40DD-AFC4-6F175D3DCCD1}">
-              <a14:hiddenFill xmlns:a14="http://schemas.microsoft.com/office/drawing/2010/main">
-                <a:solidFill>
-                  <a:srgbClr val="FFFFFF"/>
-                </a:solidFill>
-              </a14:hiddenFill>
-            </a:ext>
-          </a:extLst>
-        </p:spPr>
-      </p:pic>
     </p:spTree>
     <p:extLst>
       <p:ext uri="{BB962C8B-B14F-4D97-AF65-F5344CB8AC3E}">
-        <p14:creationId xmlns:p14="http://schemas.microsoft.com/office/powerpoint/2010/main" val="2579156801"/>
+        <p14:creationId xmlns:p14="http://schemas.microsoft.com/office/powerpoint/2010/main" val="449212017"/>
       </p:ext>
     </p:extLst>
   </p:cSld>

--- a/Dokumentacija/Prezentacija.pptx
+++ b/Dokumentacija/Prezentacija.pptx
@@ -4486,14 +4486,14 @@
           </p:nvPr>
         </p:nvPicPr>
         <p:blipFill rotWithShape="1">
-          <a:blip r:embed="rId2">
+          <a:blip r:embed="rId2" cstate="print">
             <a:extLst>
               <a:ext uri="{28A0092B-C50C-407E-A947-70E740481C1C}">
                 <a14:useLocalDpi xmlns:a14="http://schemas.microsoft.com/office/drawing/2010/main" val="0"/>
               </a:ext>
             </a:extLst>
           </a:blip>
-          <a:srcRect l="-344" t="6706" r="344" b="41731"/>
+          <a:srcRect l="-345"/>
           <a:stretch/>
         </p:blipFill>
         <p:spPr>
@@ -5756,22 +5756,14 @@
             <a:pPr lvl="1"/>
             <a:r>
               <a:rPr lang="hr-HR" sz="2000" dirty="0" smtClean="0"/>
-              <a:t>Osvježavanje </a:t>
-            </a:r>
+              <a:t>Osvježavanje položaja</a:t>
+            </a:r>
+          </a:p>
+          <a:p>
+            <a:pPr lvl="1"/>
             <a:r>
               <a:rPr lang="hr-HR" sz="2000" dirty="0" smtClean="0"/>
-              <a:t>položaja</a:t>
-            </a:r>
-          </a:p>
-          <a:p>
-            <a:pPr lvl="1"/>
-            <a:r>
-              <a:rPr lang="hr-HR" sz="2000" dirty="0" smtClean="0"/>
-              <a:t>Brzina </a:t>
-            </a:r>
-            <a:r>
-              <a:rPr lang="hr-HR" sz="2000" dirty="0" smtClean="0"/>
-              <a:t>reprodukcije ovisna o brzini automobila</a:t>
+              <a:t>Brzina reprodukcije ovisna o brzini automobila</a:t>
             </a:r>
           </a:p>
           <a:p>
